--- a/manuals/wokflow.pptx
+++ b/manuals/wokflow.pptx
@@ -6,6 +6,7 @@
   </p:sldMasterIdLst>
   <p:sldIdLst>
     <p:sldId id="257" r:id="rId2"/>
+    <p:sldId id="258" r:id="rId3"/>
   </p:sldIdLst>
   <p:sldSz cx="9144000" cy="6858000" type="screen4x3"/>
   <p:notesSz cx="6858000" cy="9144000"/>
@@ -288,7 +289,7 @@
           <a:p>
             <a:fld id="{46FB39CD-F191-4AE8-BE15-3811045FBF8B}" type="datetimeFigureOut">
               <a:rPr lang="en-US" smtClean="0"/>
-              <a:t>1/9/2014</a:t>
+              <a:t>6/23/2014</a:t>
             </a:fld>
             <a:endParaRPr lang="en-US"/>
           </a:p>
@@ -458,7 +459,7 @@
           <a:p>
             <a:fld id="{46FB39CD-F191-4AE8-BE15-3811045FBF8B}" type="datetimeFigureOut">
               <a:rPr lang="en-US" smtClean="0"/>
-              <a:t>1/9/2014</a:t>
+              <a:t>6/23/2014</a:t>
             </a:fld>
             <a:endParaRPr lang="en-US"/>
           </a:p>
@@ -638,7 +639,7 @@
           <a:p>
             <a:fld id="{46FB39CD-F191-4AE8-BE15-3811045FBF8B}" type="datetimeFigureOut">
               <a:rPr lang="en-US" smtClean="0"/>
-              <a:t>1/9/2014</a:t>
+              <a:t>6/23/2014</a:t>
             </a:fld>
             <a:endParaRPr lang="en-US"/>
           </a:p>
@@ -808,7 +809,7 @@
           <a:p>
             <a:fld id="{46FB39CD-F191-4AE8-BE15-3811045FBF8B}" type="datetimeFigureOut">
               <a:rPr lang="en-US" smtClean="0"/>
-              <a:t>1/9/2014</a:t>
+              <a:t>6/23/2014</a:t>
             </a:fld>
             <a:endParaRPr lang="en-US"/>
           </a:p>
@@ -1054,7 +1055,7 @@
           <a:p>
             <a:fld id="{46FB39CD-F191-4AE8-BE15-3811045FBF8B}" type="datetimeFigureOut">
               <a:rPr lang="en-US" smtClean="0"/>
-              <a:t>1/9/2014</a:t>
+              <a:t>6/23/2014</a:t>
             </a:fld>
             <a:endParaRPr lang="en-US"/>
           </a:p>
@@ -1342,7 +1343,7 @@
           <a:p>
             <a:fld id="{46FB39CD-F191-4AE8-BE15-3811045FBF8B}" type="datetimeFigureOut">
               <a:rPr lang="en-US" smtClean="0"/>
-              <a:t>1/9/2014</a:t>
+              <a:t>6/23/2014</a:t>
             </a:fld>
             <a:endParaRPr lang="en-US"/>
           </a:p>
@@ -1764,7 +1765,7 @@
           <a:p>
             <a:fld id="{46FB39CD-F191-4AE8-BE15-3811045FBF8B}" type="datetimeFigureOut">
               <a:rPr lang="en-US" smtClean="0"/>
-              <a:t>1/9/2014</a:t>
+              <a:t>6/23/2014</a:t>
             </a:fld>
             <a:endParaRPr lang="en-US"/>
           </a:p>
@@ -1882,7 +1883,7 @@
           <a:p>
             <a:fld id="{46FB39CD-F191-4AE8-BE15-3811045FBF8B}" type="datetimeFigureOut">
               <a:rPr lang="en-US" smtClean="0"/>
-              <a:t>1/9/2014</a:t>
+              <a:t>6/23/2014</a:t>
             </a:fld>
             <a:endParaRPr lang="en-US"/>
           </a:p>
@@ -1977,7 +1978,7 @@
           <a:p>
             <a:fld id="{46FB39CD-F191-4AE8-BE15-3811045FBF8B}" type="datetimeFigureOut">
               <a:rPr lang="en-US" smtClean="0"/>
-              <a:t>1/9/2014</a:t>
+              <a:t>6/23/2014</a:t>
             </a:fld>
             <a:endParaRPr lang="en-US"/>
           </a:p>
@@ -2254,7 +2255,7 @@
           <a:p>
             <a:fld id="{46FB39CD-F191-4AE8-BE15-3811045FBF8B}" type="datetimeFigureOut">
               <a:rPr lang="en-US" smtClean="0"/>
-              <a:t>1/9/2014</a:t>
+              <a:t>6/23/2014</a:t>
             </a:fld>
             <a:endParaRPr lang="en-US"/>
           </a:p>
@@ -2507,7 +2508,7 @@
           <a:p>
             <a:fld id="{46FB39CD-F191-4AE8-BE15-3811045FBF8B}" type="datetimeFigureOut">
               <a:rPr lang="en-US" smtClean="0"/>
-              <a:t>1/9/2014</a:t>
+              <a:t>6/23/2014</a:t>
             </a:fld>
             <a:endParaRPr lang="en-US"/>
           </a:p>
@@ -2720,7 +2721,7 @@
           <a:p>
             <a:fld id="{46FB39CD-F191-4AE8-BE15-3811045FBF8B}" type="datetimeFigureOut">
               <a:rPr lang="en-US" smtClean="0"/>
-              <a:t>1/9/2014</a:t>
+              <a:t>6/23/2014</a:t>
             </a:fld>
             <a:endParaRPr lang="en-US"/>
           </a:p>
@@ -3095,849 +3096,263 @@
           <a:chExt cx="0" cy="0"/>
         </a:xfrm>
       </p:grpSpPr>
+      <p:cxnSp>
+        <p:nvCxnSpPr>
+          <p:cNvPr id="27" name="Gerade Verbindung mit Pfeil 26"/>
+          <p:cNvCxnSpPr>
+            <a:stCxn id="29" idx="1"/>
+          </p:cNvCxnSpPr>
+          <p:nvPr/>
+        </p:nvCxnSpPr>
+        <p:spPr>
+          <a:xfrm flipH="1" flipV="1">
+            <a:off x="4114725" y="3170182"/>
+            <a:ext cx="604022" cy="171446"/>
+          </a:xfrm>
+          <a:prstGeom prst="straightConnector1">
+            <a:avLst/>
+          </a:prstGeom>
+          <a:ln w="28575">
+            <a:solidFill>
+              <a:schemeClr val="accent6"/>
+            </a:solidFill>
+            <a:tailEnd type="arrow"/>
+          </a:ln>
+        </p:spPr>
+        <p:style>
+          <a:lnRef idx="1">
+            <a:schemeClr val="accent1"/>
+          </a:lnRef>
+          <a:fillRef idx="0">
+            <a:schemeClr val="accent1"/>
+          </a:fillRef>
+          <a:effectRef idx="0">
+            <a:schemeClr val="accent1"/>
+          </a:effectRef>
+          <a:fontRef idx="minor">
+            <a:schemeClr val="tx1"/>
+          </a:fontRef>
+        </p:style>
+      </p:cxnSp>
+      <p:cxnSp>
+        <p:nvCxnSpPr>
+          <p:cNvPr id="28" name="Gerade Verbindung mit Pfeil 27"/>
+          <p:cNvCxnSpPr>
+            <a:stCxn id="30" idx="1"/>
+          </p:cNvCxnSpPr>
+          <p:nvPr/>
+        </p:nvCxnSpPr>
+        <p:spPr>
+          <a:xfrm flipH="1">
+            <a:off x="4114725" y="2700993"/>
+            <a:ext cx="603562" cy="385376"/>
+          </a:xfrm>
+          <a:prstGeom prst="straightConnector1">
+            <a:avLst/>
+          </a:prstGeom>
+          <a:ln w="28575">
+            <a:solidFill>
+              <a:schemeClr val="accent6"/>
+            </a:solidFill>
+            <a:headEnd type="arrow"/>
+            <a:tailEnd type="none"/>
+          </a:ln>
+        </p:spPr>
+        <p:style>
+          <a:lnRef idx="1">
+            <a:schemeClr val="accent1"/>
+          </a:lnRef>
+          <a:fillRef idx="0">
+            <a:schemeClr val="accent1"/>
+          </a:fillRef>
+          <a:effectRef idx="0">
+            <a:schemeClr val="accent1"/>
+          </a:effectRef>
+          <a:fontRef idx="minor">
+            <a:schemeClr val="tx1"/>
+          </a:fontRef>
+        </p:style>
+      </p:cxnSp>
+      <p:sp>
+        <p:nvSpPr>
+          <p:cNvPr id="4" name="Textfeld 4"/>
+          <p:cNvSpPr txBox="1"/>
+          <p:nvPr/>
+        </p:nvSpPr>
+        <p:spPr>
+          <a:xfrm>
+            <a:off x="1605915" y="2343150"/>
+            <a:ext cx="1334136" cy="403225"/>
+          </a:xfrm>
+          <a:prstGeom prst="rect">
+            <a:avLst/>
+          </a:prstGeom>
+          <a:ln/>
+        </p:spPr>
+        <p:style>
+          <a:lnRef idx="2">
+            <a:schemeClr val="accent2">
+              <a:shade val="50000"/>
+            </a:schemeClr>
+          </a:lnRef>
+          <a:fillRef idx="1">
+            <a:schemeClr val="accent2"/>
+          </a:fillRef>
+          <a:effectRef idx="0">
+            <a:schemeClr val="accent2"/>
+          </a:effectRef>
+          <a:fontRef idx="minor">
+            <a:schemeClr val="lt1"/>
+          </a:fontRef>
+        </p:style>
+        <p:txBody>
+          <a:bodyPr rot="0" spcFirstLastPara="0" vert="horz" wrap="square" lIns="91440" tIns="45720" rIns="91440" bIns="45720" numCol="1" spcCol="0" rtlCol="0" fromWordArt="0" anchor="t" anchorCtr="0" forceAA="0" compatLnSpc="1">
+            <a:prstTxWarp prst="textNoShape">
+              <a:avLst/>
+            </a:prstTxWarp>
+            <a:noAutofit/>
+          </a:bodyPr>
+          <a:lstStyle/>
+          <a:p>
+            <a:pPr algn="ctr">
+              <a:spcAft>
+                <a:spcPts val="600"/>
+              </a:spcAft>
+            </a:pPr>
+            <a:r>
+              <a:rPr lang="en-US" sz="1000" kern="1200" dirty="0">
+                <a:solidFill>
+                  <a:srgbClr val="000000"/>
+                </a:solidFill>
+                <a:effectLst/>
+                <a:latin typeface="Arial" panose="020B0604020202020204" pitchFamily="34" charset="0"/>
+                <a:ea typeface="Arial Unicode MS"/>
+                <a:cs typeface="Arial" panose="020B0604020202020204" pitchFamily="34" charset="0"/>
+              </a:rPr>
+              <a:t>res-file with DSR command</a:t>
+            </a:r>
+            <a:endParaRPr lang="de-DE" sz="1000" dirty="0">
+              <a:effectLst/>
+              <a:latin typeface="Arial" panose="020B0604020202020204" pitchFamily="34" charset="0"/>
+              <a:ea typeface="Times New Roman"/>
+              <a:cs typeface="Arial" panose="020B0604020202020204" pitchFamily="34" charset="0"/>
+            </a:endParaRPr>
+          </a:p>
+        </p:txBody>
+      </p:sp>
+      <p:cxnSp>
+        <p:nvCxnSpPr>
+          <p:cNvPr id="5" name="Gerade Verbindung mit Pfeil 4"/>
+          <p:cNvCxnSpPr/>
+          <p:nvPr/>
+        </p:nvCxnSpPr>
+        <p:spPr>
+          <a:xfrm>
+            <a:off x="2270125" y="2750185"/>
+            <a:ext cx="3810" cy="816610"/>
+          </a:xfrm>
+          <a:prstGeom prst="straightConnector1">
+            <a:avLst/>
+          </a:prstGeom>
+          <a:ln w="28575">
+            <a:tailEnd type="arrow"/>
+          </a:ln>
+        </p:spPr>
+        <p:style>
+          <a:lnRef idx="1">
+            <a:schemeClr val="accent1"/>
+          </a:lnRef>
+          <a:fillRef idx="0">
+            <a:schemeClr val="accent1"/>
+          </a:fillRef>
+          <a:effectRef idx="0">
+            <a:schemeClr val="accent1"/>
+          </a:effectRef>
+          <a:fontRef idx="minor">
+            <a:schemeClr val="tx1"/>
+          </a:fontRef>
+        </p:style>
+      </p:cxnSp>
+      <p:cxnSp>
+        <p:nvCxnSpPr>
+          <p:cNvPr id="6" name="Gerade Verbindung mit Pfeil 5"/>
+          <p:cNvCxnSpPr/>
+          <p:nvPr/>
+        </p:nvCxnSpPr>
+        <p:spPr>
+          <a:xfrm flipV="1">
+            <a:off x="2277110" y="3094982"/>
+            <a:ext cx="1196792" cy="1913"/>
+          </a:xfrm>
+          <a:prstGeom prst="straightConnector1">
+            <a:avLst/>
+          </a:prstGeom>
+          <a:ln w="28575">
+            <a:headEnd type="arrow"/>
+            <a:tailEnd type="arrow"/>
+          </a:ln>
+        </p:spPr>
+        <p:style>
+          <a:lnRef idx="1">
+            <a:schemeClr val="accent1"/>
+          </a:lnRef>
+          <a:fillRef idx="0">
+            <a:schemeClr val="accent1"/>
+          </a:fillRef>
+          <a:effectRef idx="0">
+            <a:schemeClr val="accent1"/>
+          </a:effectRef>
+          <a:fontRef idx="minor">
+            <a:schemeClr val="tx1"/>
+          </a:fontRef>
+        </p:style>
+      </p:cxnSp>
       <p:grpSp>
         <p:nvGrpSpPr>
-          <p:cNvPr id="49" name="Gruppieren 48"/>
+          <p:cNvPr id="8" name="Gruppieren 7"/>
           <p:cNvGrpSpPr/>
           <p:nvPr/>
         </p:nvGrpSpPr>
         <p:grpSpPr>
           <a:xfrm>
-            <a:off x="1605915" y="2343150"/>
-            <a:ext cx="5503545" cy="2598018"/>
-            <a:chOff x="1605915" y="2343150"/>
-            <a:chExt cx="5503545" cy="2598018"/>
+            <a:off x="3473902" y="2722880"/>
+            <a:ext cx="640823" cy="726978"/>
+            <a:chOff x="2543379" y="708132"/>
+            <a:chExt cx="856779" cy="1085470"/>
           </a:xfrm>
         </p:grpSpPr>
-        <p:cxnSp>
-          <p:nvCxnSpPr>
-            <p:cNvPr id="27" name="Gerade Verbindung mit Pfeil 26"/>
-            <p:cNvCxnSpPr>
-              <a:stCxn id="29" idx="1"/>
-            </p:cNvCxnSpPr>
+        <p:sp>
+          <p:nvSpPr>
+            <p:cNvPr id="10" name="Flussdiagramm: Magnetplattenspeicher 9"/>
+            <p:cNvSpPr/>
             <p:nvPr/>
-          </p:nvCxnSpPr>
+          </p:nvSpPr>
           <p:spPr>
-            <a:xfrm flipH="1" flipV="1">
-              <a:off x="4114725" y="3170182"/>
-              <a:ext cx="604022" cy="171446"/>
+            <a:xfrm>
+              <a:off x="2543379" y="708132"/>
+              <a:ext cx="856779" cy="1085470"/>
             </a:xfrm>
-            <a:prstGeom prst="straightConnector1">
+            <a:prstGeom prst="flowChartMagneticDisk">
               <a:avLst/>
             </a:prstGeom>
-            <a:ln w="28575">
-              <a:solidFill>
-                <a:schemeClr val="accent6"/>
-              </a:solidFill>
-              <a:tailEnd type="arrow"/>
-            </a:ln>
+            <a:solidFill>
+              <a:srgbClr val="5E8BC2"/>
+            </a:solidFill>
           </p:spPr>
           <p:style>
-            <a:lnRef idx="1">
-              <a:schemeClr val="accent1"/>
+            <a:lnRef idx="2">
+              <a:schemeClr val="accent1">
+                <a:shade val="50000"/>
+              </a:schemeClr>
             </a:lnRef>
-            <a:fillRef idx="0">
+            <a:fillRef idx="1">
               <a:schemeClr val="accent1"/>
             </a:fillRef>
             <a:effectRef idx="0">
               <a:schemeClr val="accent1"/>
             </a:effectRef>
             <a:fontRef idx="minor">
-              <a:schemeClr val="tx1"/>
-            </a:fontRef>
-          </p:style>
-        </p:cxnSp>
-        <p:cxnSp>
-          <p:nvCxnSpPr>
-            <p:cNvPr id="28" name="Gerade Verbindung mit Pfeil 27"/>
-            <p:cNvCxnSpPr>
-              <a:stCxn id="30" idx="1"/>
-            </p:cNvCxnSpPr>
-            <p:nvPr/>
-          </p:nvCxnSpPr>
-          <p:spPr>
-            <a:xfrm flipH="1">
-              <a:off x="4114725" y="2700993"/>
-              <a:ext cx="603562" cy="385376"/>
-            </a:xfrm>
-            <a:prstGeom prst="straightConnector1">
-              <a:avLst/>
-            </a:prstGeom>
-            <a:ln w="28575">
-              <a:solidFill>
-                <a:schemeClr val="accent6"/>
-              </a:solidFill>
-              <a:headEnd type="arrow"/>
-              <a:tailEnd type="none"/>
-            </a:ln>
-          </p:spPr>
-          <p:style>
-            <a:lnRef idx="1">
-              <a:schemeClr val="accent1"/>
-            </a:lnRef>
-            <a:fillRef idx="0">
-              <a:schemeClr val="accent1"/>
-            </a:fillRef>
-            <a:effectRef idx="0">
-              <a:schemeClr val="accent1"/>
-            </a:effectRef>
-            <a:fontRef idx="minor">
-              <a:schemeClr val="tx1"/>
-            </a:fontRef>
-          </p:style>
-        </p:cxnSp>
-        <p:sp>
-          <p:nvSpPr>
-            <p:cNvPr id="4" name="Textfeld 4"/>
-            <p:cNvSpPr txBox="1"/>
-            <p:nvPr/>
-          </p:nvSpPr>
-          <p:spPr>
-            <a:xfrm>
-              <a:off x="1605915" y="2343150"/>
-              <a:ext cx="1334136" cy="403225"/>
-            </a:xfrm>
-            <a:prstGeom prst="rect">
-              <a:avLst/>
-            </a:prstGeom>
-            <a:ln/>
-          </p:spPr>
-          <p:style>
-            <a:lnRef idx="2">
-              <a:schemeClr val="accent2">
-                <a:shade val="50000"/>
-              </a:schemeClr>
-            </a:lnRef>
-            <a:fillRef idx="1">
-              <a:schemeClr val="accent2"/>
-            </a:fillRef>
-            <a:effectRef idx="0">
-              <a:schemeClr val="accent2"/>
-            </a:effectRef>
-            <a:fontRef idx="minor">
               <a:schemeClr val="lt1"/>
-            </a:fontRef>
-          </p:style>
-          <p:txBody>
-            <a:bodyPr rot="0" spcFirstLastPara="0" vert="horz" wrap="square" lIns="91440" tIns="45720" rIns="91440" bIns="45720" numCol="1" spcCol="0" rtlCol="0" fromWordArt="0" anchor="t" anchorCtr="0" forceAA="0" compatLnSpc="1">
-              <a:prstTxWarp prst="textNoShape">
-                <a:avLst/>
-              </a:prstTxWarp>
-              <a:noAutofit/>
-            </a:bodyPr>
-            <a:lstStyle/>
-            <a:p>
-              <a:pPr algn="ctr">
-                <a:spcAft>
-                  <a:spcPts val="600"/>
-                </a:spcAft>
-              </a:pPr>
-              <a:r>
-                <a:rPr lang="en-US" sz="1000" kern="1200" dirty="0">
-                  <a:solidFill>
-                    <a:srgbClr val="000000"/>
-                  </a:solidFill>
-                  <a:effectLst/>
-                  <a:latin typeface="Arial" panose="020B0604020202020204" pitchFamily="34" charset="0"/>
-                  <a:ea typeface="Arial Unicode MS"/>
-                  <a:cs typeface="Arial" panose="020B0604020202020204" pitchFamily="34" charset="0"/>
-                </a:rPr>
-                <a:t>res-file with DSR command</a:t>
-              </a:r>
-              <a:endParaRPr lang="de-DE" sz="1000" dirty="0">
-                <a:effectLst/>
-                <a:latin typeface="Arial" panose="020B0604020202020204" pitchFamily="34" charset="0"/>
-                <a:ea typeface="Times New Roman"/>
-                <a:cs typeface="Arial" panose="020B0604020202020204" pitchFamily="34" charset="0"/>
-              </a:endParaRPr>
-            </a:p>
-          </p:txBody>
-        </p:sp>
-        <p:cxnSp>
-          <p:nvCxnSpPr>
-            <p:cNvPr id="5" name="Gerade Verbindung mit Pfeil 4"/>
-            <p:cNvCxnSpPr/>
-            <p:nvPr/>
-          </p:nvCxnSpPr>
-          <p:spPr>
-            <a:xfrm>
-              <a:off x="2270125" y="2750185"/>
-              <a:ext cx="3810" cy="816610"/>
-            </a:xfrm>
-            <a:prstGeom prst="straightConnector1">
-              <a:avLst/>
-            </a:prstGeom>
-            <a:ln w="28575">
-              <a:tailEnd type="arrow"/>
-            </a:ln>
-          </p:spPr>
-          <p:style>
-            <a:lnRef idx="1">
-              <a:schemeClr val="accent1"/>
-            </a:lnRef>
-            <a:fillRef idx="0">
-              <a:schemeClr val="accent1"/>
-            </a:fillRef>
-            <a:effectRef idx="0">
-              <a:schemeClr val="accent1"/>
-            </a:effectRef>
-            <a:fontRef idx="minor">
-              <a:schemeClr val="tx1"/>
-            </a:fontRef>
-          </p:style>
-        </p:cxnSp>
-        <p:cxnSp>
-          <p:nvCxnSpPr>
-            <p:cNvPr id="6" name="Gerade Verbindung mit Pfeil 5"/>
-            <p:cNvCxnSpPr/>
-            <p:nvPr/>
-          </p:nvCxnSpPr>
-          <p:spPr>
-            <a:xfrm flipV="1">
-              <a:off x="2277110" y="3094982"/>
-              <a:ext cx="1196792" cy="1913"/>
-            </a:xfrm>
-            <a:prstGeom prst="straightConnector1">
-              <a:avLst/>
-            </a:prstGeom>
-            <a:ln w="28575">
-              <a:headEnd type="arrow"/>
-              <a:tailEnd type="arrow"/>
-            </a:ln>
-          </p:spPr>
-          <p:style>
-            <a:lnRef idx="1">
-              <a:schemeClr val="accent1"/>
-            </a:lnRef>
-            <a:fillRef idx="0">
-              <a:schemeClr val="accent1"/>
-            </a:fillRef>
-            <a:effectRef idx="0">
-              <a:schemeClr val="accent1"/>
-            </a:effectRef>
-            <a:fontRef idx="minor">
-              <a:schemeClr val="tx1"/>
-            </a:fontRef>
-          </p:style>
-        </p:cxnSp>
-        <p:grpSp>
-          <p:nvGrpSpPr>
-            <p:cNvPr id="8" name="Gruppieren 7"/>
-            <p:cNvGrpSpPr/>
-            <p:nvPr/>
-          </p:nvGrpSpPr>
-          <p:grpSpPr>
-            <a:xfrm>
-              <a:off x="3473902" y="2722880"/>
-              <a:ext cx="640823" cy="726978"/>
-              <a:chOff x="2543379" y="708132"/>
-              <a:chExt cx="856779" cy="1085470"/>
-            </a:xfrm>
-          </p:grpSpPr>
-          <p:sp>
-            <p:nvSpPr>
-              <p:cNvPr id="10" name="Flussdiagramm: Magnetplattenspeicher 9"/>
-              <p:cNvSpPr/>
-              <p:nvPr/>
-            </p:nvSpPr>
-            <p:spPr>
-              <a:xfrm>
-                <a:off x="2543379" y="708132"/>
-                <a:ext cx="856779" cy="1085470"/>
-              </a:xfrm>
-              <a:prstGeom prst="flowChartMagneticDisk">
-                <a:avLst/>
-              </a:prstGeom>
-              <a:solidFill>
-                <a:srgbClr val="5E8BC2"/>
-              </a:solidFill>
-            </p:spPr>
-            <p:style>
-              <a:lnRef idx="2">
-                <a:schemeClr val="accent1">
-                  <a:shade val="50000"/>
-                </a:schemeClr>
-              </a:lnRef>
-              <a:fillRef idx="1">
-                <a:schemeClr val="accent1"/>
-              </a:fillRef>
-              <a:effectRef idx="0">
-                <a:schemeClr val="accent1"/>
-              </a:effectRef>
-              <a:fontRef idx="minor">
-                <a:schemeClr val="lt1"/>
-              </a:fontRef>
-            </p:style>
-            <p:txBody>
-              <a:bodyPr rot="0" spcFirstLastPara="0" vert="horz" wrap="square" lIns="91440" tIns="45720" rIns="91440" bIns="45720" numCol="1" spcCol="0" rtlCol="0" fromWordArt="0" anchor="ctr" anchorCtr="0" forceAA="0" compatLnSpc="1">
-                <a:prstTxWarp prst="textNoShape">
-                  <a:avLst/>
-                </a:prstTxWarp>
-                <a:noAutofit/>
-              </a:bodyPr>
-              <a:lstStyle/>
-              <a:p>
-                <a:pPr>
-                  <a:spcAft>
-                    <a:spcPts val="0"/>
-                  </a:spcAft>
-                </a:pPr>
-                <a:r>
-                  <a:rPr lang="en-US" sz="1000">
-                    <a:effectLst/>
-                    <a:latin typeface="Arial" panose="020B0604020202020204" pitchFamily="34" charset="0"/>
-                    <a:ea typeface="Times New Roman"/>
-                    <a:cs typeface="Arial" panose="020B0604020202020204" pitchFamily="34" charset="0"/>
-                  </a:rPr>
-                  <a:t> </a:t>
-                </a:r>
-                <a:endParaRPr lang="de-DE" sz="1000">
-                  <a:effectLst/>
-                  <a:latin typeface="Arial" panose="020B0604020202020204" pitchFamily="34" charset="0"/>
-                  <a:ea typeface="Times New Roman"/>
-                  <a:cs typeface="Arial" panose="020B0604020202020204" pitchFamily="34" charset="0"/>
-                </a:endParaRPr>
-              </a:p>
-            </p:txBody>
-          </p:sp>
-          <p:pic>
-            <p:nvPicPr>
-              <p:cNvPr id="11" name="Grafik 10"/>
-              <p:cNvPicPr/>
-              <p:nvPr/>
-            </p:nvPicPr>
-            <p:blipFill>
-              <a:blip r:embed="rId2"/>
-              <a:stretch>
-                <a:fillRect/>
-              </a:stretch>
-            </p:blipFill>
-            <p:spPr>
-              <a:xfrm>
-                <a:off x="2776843" y="800138"/>
-                <a:ext cx="365738" cy="463589"/>
-              </a:xfrm>
-              <a:prstGeom prst="rect">
-                <a:avLst/>
-              </a:prstGeom>
-            </p:spPr>
-          </p:pic>
-        </p:grpSp>
-        <p:sp>
-          <p:nvSpPr>
-            <p:cNvPr id="9" name="Textfeld 10"/>
-            <p:cNvSpPr txBox="1"/>
-            <p:nvPr/>
-          </p:nvSpPr>
-          <p:spPr>
-            <a:xfrm>
-              <a:off x="3343275" y="3038906"/>
-              <a:ext cx="922020" cy="462102"/>
-            </a:xfrm>
-            <a:prstGeom prst="rect">
-              <a:avLst/>
-            </a:prstGeom>
-            <a:noFill/>
-            <a:ln w="6350">
-              <a:noFill/>
-            </a:ln>
-            <a:effectLst/>
-          </p:spPr>
-          <p:style>
-            <a:lnRef idx="0">
-              <a:schemeClr val="accent1"/>
-            </a:lnRef>
-            <a:fillRef idx="0">
-              <a:schemeClr val="accent1"/>
-            </a:fillRef>
-            <a:effectRef idx="0">
-              <a:schemeClr val="accent1"/>
-            </a:effectRef>
-            <a:fontRef idx="minor">
-              <a:schemeClr val="dk1"/>
-            </a:fontRef>
-          </p:style>
-          <p:txBody>
-            <a:bodyPr rot="0" spcFirstLastPara="0" vert="horz" wrap="square" lIns="91440" tIns="45720" rIns="91440" bIns="45720" numCol="1" spcCol="0" rtlCol="0" fromWordArt="0" anchor="t" anchorCtr="0" forceAA="0" compatLnSpc="1">
-              <a:prstTxWarp prst="textNoShape">
-                <a:avLst/>
-              </a:prstTxWarp>
-              <a:noAutofit/>
-            </a:bodyPr>
-            <a:lstStyle/>
-            <a:p>
-              <a:pPr algn="ctr">
-                <a:spcAft>
-                  <a:spcPts val="600"/>
-                </a:spcAft>
-              </a:pPr>
-              <a:r>
-                <a:rPr lang="en-US" sz="1000" kern="1200" dirty="0">
-                  <a:solidFill>
-                    <a:srgbClr val="000000"/>
-                  </a:solidFill>
-                  <a:effectLst/>
-                  <a:latin typeface="Arial" panose="020B0604020202020204" pitchFamily="34" charset="0"/>
-                  <a:ea typeface="Arial Unicode MS"/>
-                  <a:cs typeface="Arial" panose="020B0604020202020204" pitchFamily="34" charset="0"/>
-                </a:rPr>
-                <a:t>fragment database</a:t>
-              </a:r>
-              <a:endParaRPr lang="de-DE" sz="1000" dirty="0">
-                <a:effectLst/>
-                <a:latin typeface="Arial" panose="020B0604020202020204" pitchFamily="34" charset="0"/>
-                <a:ea typeface="Times New Roman"/>
-                <a:cs typeface="Arial" panose="020B0604020202020204" pitchFamily="34" charset="0"/>
-              </a:endParaRPr>
-            </a:p>
-          </p:txBody>
-        </p:sp>
-        <p:sp>
-          <p:nvSpPr>
-            <p:cNvPr id="12" name="Textfeld 15"/>
-            <p:cNvSpPr txBox="1"/>
-            <p:nvPr/>
-          </p:nvSpPr>
-          <p:spPr>
-            <a:xfrm>
-              <a:off x="5615940" y="4451265"/>
-              <a:ext cx="1493520" cy="489903"/>
-            </a:xfrm>
-            <a:prstGeom prst="rect">
-              <a:avLst/>
-            </a:prstGeom>
-            <a:ln/>
-          </p:spPr>
-          <p:style>
-            <a:lnRef idx="2">
-              <a:schemeClr val="accent3">
-                <a:shade val="50000"/>
-              </a:schemeClr>
-            </a:lnRef>
-            <a:fillRef idx="1">
-              <a:schemeClr val="accent3"/>
-            </a:fillRef>
-            <a:effectRef idx="0">
-              <a:schemeClr val="accent3"/>
-            </a:effectRef>
-            <a:fontRef idx="minor">
-              <a:schemeClr val="lt1"/>
-            </a:fontRef>
-          </p:style>
-          <p:txBody>
-            <a:bodyPr rot="0" spcFirstLastPara="0" vert="horz" wrap="square" lIns="91440" tIns="45720" rIns="91440" bIns="45720" numCol="1" spcCol="0" rtlCol="0" fromWordArt="0" anchor="t" anchorCtr="0" forceAA="0" compatLnSpc="1">
-              <a:prstTxWarp prst="textNoShape">
-                <a:avLst/>
-              </a:prstTxWarp>
-              <a:noAutofit/>
-            </a:bodyPr>
-            <a:lstStyle/>
-            <a:p>
-              <a:pPr algn="ctr">
-                <a:spcAft>
-                  <a:spcPts val="600"/>
-                </a:spcAft>
-              </a:pPr>
-              <a:r>
-                <a:rPr lang="en-US" sz="1000" kern="1200" dirty="0" smtClean="0">
-                  <a:solidFill>
-                    <a:srgbClr val="000000"/>
-                  </a:solidFill>
-                  <a:effectLst/>
-                  <a:latin typeface="Arial" panose="020B0604020202020204" pitchFamily="34" charset="0"/>
-                  <a:ea typeface="Arial Unicode MS"/>
-                  <a:cs typeface="Arial" panose="020B0604020202020204" pitchFamily="34" charset="0"/>
-                </a:rPr>
-                <a:t>new </a:t>
-              </a:r>
-              <a:r>
-                <a:rPr lang="en-US" sz="1000" kern="1200" dirty="0">
-                  <a:solidFill>
-                    <a:srgbClr val="000000"/>
-                  </a:solidFill>
-                  <a:effectLst/>
-                  <a:latin typeface="Arial" panose="020B0604020202020204" pitchFamily="34" charset="0"/>
-                  <a:ea typeface="Arial Unicode MS"/>
-                  <a:cs typeface="Arial" panose="020B0604020202020204" pitchFamily="34" charset="0"/>
-                </a:rPr>
-                <a:t>res-file with fragment and restraints</a:t>
-              </a:r>
-              <a:endParaRPr lang="de-DE" sz="1000" dirty="0">
-                <a:effectLst/>
-                <a:latin typeface="Arial" panose="020B0604020202020204" pitchFamily="34" charset="0"/>
-                <a:ea typeface="Times New Roman"/>
-                <a:cs typeface="Arial" panose="020B0604020202020204" pitchFamily="34" charset="0"/>
-              </a:endParaRPr>
-            </a:p>
-          </p:txBody>
-        </p:sp>
-        <p:sp>
-          <p:nvSpPr>
-            <p:cNvPr id="13" name="Textfeld 16"/>
-            <p:cNvSpPr txBox="1"/>
-            <p:nvPr/>
-          </p:nvSpPr>
-          <p:spPr>
-            <a:xfrm>
-              <a:off x="1605915" y="3559810"/>
-              <a:ext cx="1334135" cy="410845"/>
-            </a:xfrm>
-            <a:prstGeom prst="rect">
-              <a:avLst/>
-            </a:prstGeom>
-            <a:noFill/>
-            <a:ln/>
-          </p:spPr>
-          <p:style>
-            <a:lnRef idx="2">
-              <a:schemeClr val="accent1"/>
-            </a:lnRef>
-            <a:fillRef idx="1">
-              <a:schemeClr val="lt1"/>
-            </a:fillRef>
-            <a:effectRef idx="0">
-              <a:schemeClr val="accent1"/>
-            </a:effectRef>
-            <a:fontRef idx="minor">
-              <a:schemeClr val="dk1"/>
-            </a:fontRef>
-          </p:style>
-          <p:txBody>
-            <a:bodyPr rot="0" spcFirstLastPara="0" vert="horz" wrap="square" lIns="91440" tIns="45720" rIns="91440" bIns="45720" numCol="1" spcCol="0" rtlCol="0" fromWordArt="0" anchor="t" anchorCtr="0" forceAA="0" compatLnSpc="1">
-              <a:prstTxWarp prst="textNoShape">
-                <a:avLst/>
-              </a:prstTxWarp>
-              <a:noAutofit/>
-            </a:bodyPr>
-            <a:lstStyle/>
-            <a:p>
-              <a:pPr algn="ctr">
-                <a:spcAft>
-                  <a:spcPts val="600"/>
-                </a:spcAft>
-              </a:pPr>
-              <a:r>
-                <a:rPr lang="en-US" sz="1000" kern="1200" dirty="0">
-                  <a:solidFill>
-                    <a:srgbClr val="000000"/>
-                  </a:solidFill>
-                  <a:effectLst/>
-                  <a:latin typeface="Arial" panose="020B0604020202020204" pitchFamily="34" charset="0"/>
-                  <a:ea typeface="Arial Unicode MS"/>
-                  <a:cs typeface="Arial" panose="020B0604020202020204" pitchFamily="34" charset="0"/>
-                </a:rPr>
-                <a:t>apply new </a:t>
-              </a:r>
-              <a:r>
-                <a:rPr lang="en-US" sz="1000" kern="1200" dirty="0" smtClean="0">
-                  <a:solidFill>
-                    <a:srgbClr val="000000"/>
-                  </a:solidFill>
-                  <a:effectLst/>
-                  <a:latin typeface="Arial" panose="020B0604020202020204" pitchFamily="34" charset="0"/>
-                  <a:ea typeface="Arial Unicode MS"/>
-                  <a:cs typeface="Arial" panose="020B0604020202020204" pitchFamily="34" charset="0"/>
-                </a:rPr>
-                <a:t>naming scheme</a:t>
-              </a:r>
-              <a:endParaRPr lang="de-DE" sz="1000" dirty="0">
-                <a:effectLst/>
-                <a:latin typeface="Arial" panose="020B0604020202020204" pitchFamily="34" charset="0"/>
-                <a:ea typeface="Times New Roman"/>
-                <a:cs typeface="Arial" panose="020B0604020202020204" pitchFamily="34" charset="0"/>
-              </a:endParaRPr>
-            </a:p>
-          </p:txBody>
-        </p:sp>
-        <p:cxnSp>
-          <p:nvCxnSpPr>
-            <p:cNvPr id="15" name="Gerade Verbindung mit Pfeil 14"/>
-            <p:cNvCxnSpPr/>
-            <p:nvPr/>
-          </p:nvCxnSpPr>
-          <p:spPr>
-            <a:xfrm flipV="1">
-              <a:off x="4445636" y="4705628"/>
-              <a:ext cx="1170305" cy="9042"/>
-            </a:xfrm>
-            <a:prstGeom prst="straightConnector1">
-              <a:avLst/>
-            </a:prstGeom>
-            <a:ln w="28575">
-              <a:tailEnd type="arrow"/>
-            </a:ln>
-          </p:spPr>
-          <p:style>
-            <a:lnRef idx="1">
-              <a:schemeClr val="accent1"/>
-            </a:lnRef>
-            <a:fillRef idx="0">
-              <a:schemeClr val="accent1"/>
-            </a:fillRef>
-            <a:effectRef idx="0">
-              <a:schemeClr val="accent1"/>
-            </a:effectRef>
-            <a:fontRef idx="minor">
-              <a:schemeClr val="tx1"/>
-            </a:fontRef>
-          </p:style>
-        </p:cxnSp>
-        <p:sp>
-          <p:nvSpPr>
-            <p:cNvPr id="16" name="Textfeld 14"/>
-            <p:cNvSpPr txBox="1"/>
-            <p:nvPr/>
-          </p:nvSpPr>
-          <p:spPr>
-            <a:xfrm>
-              <a:off x="4587240" y="4298105"/>
-              <a:ext cx="887095" cy="412750"/>
-            </a:xfrm>
-            <a:prstGeom prst="rect">
-              <a:avLst/>
-            </a:prstGeom>
-            <a:noFill/>
-            <a:ln w="6350">
-              <a:noFill/>
-            </a:ln>
-            <a:effectLst/>
-          </p:spPr>
-          <p:style>
-            <a:lnRef idx="0">
-              <a:schemeClr val="accent1"/>
-            </a:lnRef>
-            <a:fillRef idx="0">
-              <a:schemeClr val="accent1"/>
-            </a:fillRef>
-            <a:effectRef idx="0">
-              <a:schemeClr val="accent1"/>
-            </a:effectRef>
-            <a:fontRef idx="minor">
-              <a:schemeClr val="dk1"/>
-            </a:fontRef>
-          </p:style>
-          <p:txBody>
-            <a:bodyPr rot="0" spcFirstLastPara="0" vert="horz" wrap="square" lIns="91440" tIns="45720" rIns="91440" bIns="45720" numCol="1" spcCol="0" rtlCol="0" fromWordArt="0" anchor="t" anchorCtr="0" forceAA="0" compatLnSpc="1">
-              <a:prstTxWarp prst="textNoShape">
-                <a:avLst/>
-              </a:prstTxWarp>
-              <a:noAutofit/>
-            </a:bodyPr>
-            <a:lstStyle/>
-            <a:p>
-              <a:pPr algn="just">
-                <a:spcAft>
-                  <a:spcPts val="600"/>
-                </a:spcAft>
-              </a:pPr>
-              <a:r>
-                <a:rPr lang="en-US" sz="1000" kern="1200" dirty="0">
-                  <a:solidFill>
-                    <a:srgbClr val="000000"/>
-                  </a:solidFill>
-                  <a:effectLst/>
-                  <a:latin typeface="Arial" panose="020B0604020202020204" pitchFamily="34" charset="0"/>
-                  <a:ea typeface="Arial Unicode MS"/>
-                  <a:cs typeface="Arial" panose="020B0604020202020204" pitchFamily="34" charset="0"/>
-                </a:rPr>
-                <a:t>refinement with “L.S. 0”</a:t>
-              </a:r>
-              <a:endParaRPr lang="de-DE" sz="1000" dirty="0">
-                <a:effectLst/>
-                <a:latin typeface="Arial" panose="020B0604020202020204" pitchFamily="34" charset="0"/>
-                <a:ea typeface="Times New Roman"/>
-                <a:cs typeface="Arial" panose="020B0604020202020204" pitchFamily="34" charset="0"/>
-              </a:endParaRPr>
-            </a:p>
-          </p:txBody>
-        </p:sp>
-        <p:cxnSp>
-          <p:nvCxnSpPr>
-            <p:cNvPr id="18" name="Gerade Verbindung 17"/>
-            <p:cNvCxnSpPr/>
-            <p:nvPr/>
-          </p:nvCxnSpPr>
-          <p:spPr>
-            <a:xfrm>
-              <a:off x="2277110" y="3334385"/>
-              <a:ext cx="876935" cy="0"/>
-            </a:xfrm>
-            <a:prstGeom prst="line">
-              <a:avLst/>
-            </a:prstGeom>
-            <a:ln w="28575" cap="rnd">
-              <a:solidFill>
-                <a:srgbClr val="C00000"/>
-              </a:solidFill>
-            </a:ln>
-          </p:spPr>
-          <p:style>
-            <a:lnRef idx="1">
-              <a:schemeClr val="accent1"/>
-            </a:lnRef>
-            <a:fillRef idx="0">
-              <a:schemeClr val="accent1"/>
-            </a:fillRef>
-            <a:effectRef idx="0">
-              <a:schemeClr val="accent1"/>
-            </a:effectRef>
-            <a:fontRef idx="minor">
-              <a:schemeClr val="tx1"/>
-            </a:fontRef>
-          </p:style>
-        </p:cxnSp>
-        <p:cxnSp>
-          <p:nvCxnSpPr>
-            <p:cNvPr id="19" name="Gerade Verbindung 18"/>
-            <p:cNvCxnSpPr/>
-            <p:nvPr/>
-          </p:nvCxnSpPr>
-          <p:spPr>
-            <a:xfrm>
-              <a:off x="3154045" y="3334385"/>
-              <a:ext cx="0" cy="861060"/>
-            </a:xfrm>
-            <a:prstGeom prst="line">
-              <a:avLst/>
-            </a:prstGeom>
-            <a:ln w="28575" cap="rnd">
-              <a:solidFill>
-                <a:srgbClr val="C00000"/>
-              </a:solidFill>
-            </a:ln>
-          </p:spPr>
-          <p:style>
-            <a:lnRef idx="1">
-              <a:schemeClr val="accent1"/>
-            </a:lnRef>
-            <a:fillRef idx="0">
-              <a:schemeClr val="accent1"/>
-            </a:fillRef>
-            <a:effectRef idx="0">
-              <a:schemeClr val="accent1"/>
-            </a:effectRef>
-            <a:fontRef idx="minor">
-              <a:schemeClr val="tx1"/>
-            </a:fontRef>
-          </p:style>
-        </p:cxnSp>
-        <p:cxnSp>
-          <p:nvCxnSpPr>
-            <p:cNvPr id="20" name="Gerade Verbindung mit Pfeil 19"/>
-            <p:cNvCxnSpPr/>
-            <p:nvPr/>
-          </p:nvCxnSpPr>
-          <p:spPr>
-            <a:xfrm flipH="1">
-              <a:off x="2277110" y="4195445"/>
-              <a:ext cx="876935" cy="0"/>
-            </a:xfrm>
-            <a:prstGeom prst="straightConnector1">
-              <a:avLst/>
-            </a:prstGeom>
-            <a:ln w="28575" cap="rnd">
-              <a:solidFill>
-                <a:srgbClr val="C00000"/>
-              </a:solidFill>
-              <a:tailEnd type="arrow"/>
-            </a:ln>
-          </p:spPr>
-          <p:style>
-            <a:lnRef idx="1">
-              <a:schemeClr val="accent1"/>
-            </a:lnRef>
-            <a:fillRef idx="0">
-              <a:schemeClr val="accent1"/>
-            </a:fillRef>
-            <a:effectRef idx="0">
-              <a:schemeClr val="accent1"/>
-            </a:effectRef>
-            <a:fontRef idx="minor">
-              <a:schemeClr val="tx1"/>
-            </a:fontRef>
-          </p:style>
-        </p:cxnSp>
-        <p:sp>
-          <p:nvSpPr>
-            <p:cNvPr id="21" name="Textfeld 47"/>
-            <p:cNvSpPr txBox="1"/>
-            <p:nvPr/>
-          </p:nvSpPr>
-          <p:spPr>
-            <a:xfrm>
-              <a:off x="3154045" y="3657600"/>
-              <a:ext cx="494475" cy="266700"/>
-            </a:xfrm>
-            <a:prstGeom prst="rect">
-              <a:avLst/>
-            </a:prstGeom>
-            <a:noFill/>
-            <a:ln w="28575">
-              <a:solidFill>
-                <a:srgbClr val="C00000"/>
-              </a:solidFill>
-            </a:ln>
-          </p:spPr>
-          <p:txBody>
-            <a:bodyPr wrap="square" rtlCol="0">
-              <a:noAutofit/>
-            </a:bodyPr>
-            <a:lstStyle/>
-            <a:p>
-              <a:pPr>
-                <a:spcAft>
-                  <a:spcPts val="0"/>
-                </a:spcAft>
-              </a:pPr>
-              <a:r>
-                <a:rPr lang="en-US" sz="1000" kern="1200">
-                  <a:solidFill>
-                    <a:srgbClr val="000000"/>
-                  </a:solidFill>
-                  <a:effectLst/>
-                  <a:latin typeface="Arial" panose="020B0604020202020204" pitchFamily="34" charset="0"/>
-                  <a:ea typeface="Times New Roman"/>
-                  <a:cs typeface="Arial" panose="020B0604020202020204" pitchFamily="34" charset="0"/>
-                </a:rPr>
-                <a:t>RESI</a:t>
-              </a:r>
-              <a:endParaRPr lang="de-DE" sz="1000">
-                <a:effectLst/>
-                <a:latin typeface="Arial" panose="020B0604020202020204" pitchFamily="34" charset="0"/>
-                <a:ea typeface="Times New Roman"/>
-                <a:cs typeface="Arial" panose="020B0604020202020204" pitchFamily="34" charset="0"/>
-              </a:endParaRPr>
-            </a:p>
-          </p:txBody>
-        </p:sp>
-        <p:sp>
-          <p:nvSpPr>
-            <p:cNvPr id="22" name="Ellipse 21"/>
-            <p:cNvSpPr/>
-            <p:nvPr/>
-          </p:nvSpPr>
-          <p:spPr>
-            <a:xfrm rot="16200000" flipH="1">
-              <a:off x="4966018" y="4651742"/>
-              <a:ext cx="129540" cy="260350"/>
-            </a:xfrm>
-            <a:prstGeom prst="ellipse">
-              <a:avLst/>
-            </a:prstGeom>
-            <a:noFill/>
-          </p:spPr>
-          <p:style>
-            <a:lnRef idx="2">
-              <a:schemeClr val="accent1"/>
-            </a:lnRef>
-            <a:fillRef idx="1">
-              <a:schemeClr val="lt1"/>
-            </a:fillRef>
-            <a:effectRef idx="0">
-              <a:schemeClr val="accent1"/>
-            </a:effectRef>
-            <a:fontRef idx="minor">
-              <a:schemeClr val="dk1"/>
             </a:fontRef>
           </p:style>
           <p:txBody>
@@ -3949,207 +3364,19 @@
             </a:bodyPr>
             <a:lstStyle/>
             <a:p>
-              <a:endParaRPr lang="de-DE" sz="1000">
-                <a:latin typeface="Arial" panose="020B0604020202020204" pitchFamily="34" charset="0"/>
-                <a:cs typeface="Arial" panose="020B0604020202020204" pitchFamily="34" charset="0"/>
-              </a:endParaRPr>
-            </a:p>
-          </p:txBody>
-        </p:sp>
-        <p:sp>
-          <p:nvSpPr>
-            <p:cNvPr id="23" name="Textfeld 27"/>
-            <p:cNvSpPr txBox="1"/>
-            <p:nvPr/>
-          </p:nvSpPr>
-          <p:spPr>
-            <a:xfrm>
-              <a:off x="1702435" y="4488865"/>
-              <a:ext cx="1142365" cy="438150"/>
-            </a:xfrm>
-            <a:prstGeom prst="rect">
-              <a:avLst/>
-            </a:prstGeom>
-            <a:noFill/>
-            <a:ln/>
-          </p:spPr>
-          <p:style>
-            <a:lnRef idx="2">
-              <a:schemeClr val="accent1"/>
-            </a:lnRef>
-            <a:fillRef idx="1">
-              <a:schemeClr val="lt1"/>
-            </a:fillRef>
-            <a:effectRef idx="0">
-              <a:schemeClr val="accent1"/>
-            </a:effectRef>
-            <a:fontRef idx="minor">
-              <a:schemeClr val="dk1"/>
-            </a:fontRef>
-          </p:style>
-          <p:txBody>
-            <a:bodyPr rot="0" spcFirstLastPara="0" vert="horz" wrap="square" lIns="91440" tIns="45720" rIns="91440" bIns="45720" numCol="1" spcCol="0" rtlCol="0" fromWordArt="0" anchor="t" anchorCtr="0" forceAA="0" compatLnSpc="1">
-              <a:prstTxWarp prst="textNoShape">
-                <a:avLst/>
-              </a:prstTxWarp>
-              <a:noAutofit/>
-            </a:bodyPr>
-            <a:lstStyle/>
-            <a:p>
-              <a:pPr algn="ctr">
+              <a:pPr>
                 <a:spcAft>
-                  <a:spcPts val="600"/>
+                  <a:spcPts val="0"/>
                 </a:spcAft>
               </a:pPr>
               <a:r>
-                <a:rPr lang="en-US" sz="1000" kern="1200" dirty="0">
-                  <a:solidFill>
-                    <a:srgbClr val="000000"/>
-                  </a:solidFill>
+                <a:rPr lang="en-US" sz="1000">
                   <a:effectLst/>
                   <a:latin typeface="Arial" panose="020B0604020202020204" pitchFamily="34" charset="0"/>
-                  <a:ea typeface="Arial Unicode MS"/>
+                  <a:ea typeface="Times New Roman"/>
                   <a:cs typeface="Arial" panose="020B0604020202020204" pitchFamily="34" charset="0"/>
                 </a:rPr>
-                <a:t>DSR inserts  the fragment</a:t>
-              </a:r>
-              <a:endParaRPr lang="de-DE" sz="1000" dirty="0">
-                <a:effectLst/>
-                <a:latin typeface="Arial" panose="020B0604020202020204" pitchFamily="34" charset="0"/>
-                <a:ea typeface="Times New Roman"/>
-                <a:cs typeface="Arial" panose="020B0604020202020204" pitchFamily="34" charset="0"/>
-              </a:endParaRPr>
-            </a:p>
-          </p:txBody>
-        </p:sp>
-        <p:cxnSp>
-          <p:nvCxnSpPr>
-            <p:cNvPr id="24" name="Gerade Verbindung mit Pfeil 23"/>
-            <p:cNvCxnSpPr/>
-            <p:nvPr/>
-          </p:nvCxnSpPr>
-          <p:spPr>
-            <a:xfrm>
-              <a:off x="2850515" y="4713020"/>
-              <a:ext cx="560070" cy="1270"/>
-            </a:xfrm>
-            <a:prstGeom prst="straightConnector1">
-              <a:avLst/>
-            </a:prstGeom>
-            <a:ln w="28575">
-              <a:tailEnd type="arrow"/>
-            </a:ln>
-          </p:spPr>
-          <p:style>
-            <a:lnRef idx="1">
-              <a:schemeClr val="accent1"/>
-            </a:lnRef>
-            <a:fillRef idx="0">
-              <a:schemeClr val="accent1"/>
-            </a:fillRef>
-            <a:effectRef idx="0">
-              <a:schemeClr val="accent1"/>
-            </a:effectRef>
-            <a:fontRef idx="minor">
-              <a:schemeClr val="tx1"/>
-            </a:fontRef>
-          </p:style>
-        </p:cxnSp>
-        <p:cxnSp>
-          <p:nvCxnSpPr>
-            <p:cNvPr id="25" name="Gerade Verbindung mit Pfeil 24"/>
-            <p:cNvCxnSpPr>
-              <a:endCxn id="23" idx="0"/>
-            </p:cNvCxnSpPr>
-            <p:nvPr/>
-          </p:nvCxnSpPr>
-          <p:spPr>
-            <a:xfrm>
-              <a:off x="2272665" y="3971290"/>
-              <a:ext cx="953" cy="517575"/>
-            </a:xfrm>
-            <a:prstGeom prst="straightConnector1">
-              <a:avLst/>
-            </a:prstGeom>
-            <a:ln w="28575">
-              <a:tailEnd type="arrow"/>
-            </a:ln>
-          </p:spPr>
-          <p:style>
-            <a:lnRef idx="1">
-              <a:schemeClr val="accent1"/>
-            </a:lnRef>
-            <a:fillRef idx="0">
-              <a:schemeClr val="accent1"/>
-            </a:fillRef>
-            <a:effectRef idx="0">
-              <a:schemeClr val="accent1"/>
-            </a:effectRef>
-            <a:fontRef idx="minor">
-              <a:schemeClr val="tx1"/>
-            </a:fontRef>
-          </p:style>
-        </p:cxnSp>
-        <p:sp>
-          <p:nvSpPr>
-            <p:cNvPr id="29" name="Textfeld 28"/>
-            <p:cNvSpPr txBox="1"/>
-            <p:nvPr/>
-          </p:nvSpPr>
-          <p:spPr>
-            <a:xfrm>
-              <a:off x="4718747" y="3140968"/>
-              <a:ext cx="897193" cy="401320"/>
-            </a:xfrm>
-            <a:prstGeom prst="rect">
-              <a:avLst/>
-            </a:prstGeom>
-            <a:noFill/>
-            <a:ln>
-              <a:solidFill>
-                <a:schemeClr val="accent6"/>
-              </a:solidFill>
-            </a:ln>
-          </p:spPr>
-          <p:style>
-            <a:lnRef idx="2">
-              <a:schemeClr val="accent1"/>
-            </a:lnRef>
-            <a:fillRef idx="1">
-              <a:schemeClr val="lt1"/>
-            </a:fillRef>
-            <a:effectRef idx="0">
-              <a:schemeClr val="accent1"/>
-            </a:effectRef>
-            <a:fontRef idx="minor">
-              <a:schemeClr val="dk1"/>
-            </a:fontRef>
-          </p:style>
-          <p:txBody>
-            <a:bodyPr rot="0" spcFirstLastPara="0" vert="horz" wrap="square" lIns="91440" tIns="45720" rIns="91440" bIns="45720" numCol="1" spcCol="0" rtlCol="0" fromWordArt="0" anchor="t" anchorCtr="0" forceAA="0" compatLnSpc="1">
-              <a:prstTxWarp prst="textNoShape">
-                <a:avLst/>
-              </a:prstTxWarp>
-              <a:noAutofit/>
-            </a:bodyPr>
-            <a:lstStyle/>
-            <a:p>
-              <a:pPr algn="ctr">
-                <a:spcAft>
-                  <a:spcPts val="600"/>
-                </a:spcAft>
-              </a:pPr>
-              <a:r>
-                <a:rPr lang="en-US" sz="1000" kern="1200">
-                  <a:solidFill>
-                    <a:srgbClr val="000000"/>
-                  </a:solidFill>
-                  <a:effectLst/>
-                  <a:latin typeface="Arial" panose="020B0604020202020204" pitchFamily="34" charset="0"/>
-                  <a:ea typeface="Arial Unicode MS"/>
-                  <a:cs typeface="Arial" panose="020B0604020202020204" pitchFamily="34" charset="0"/>
-                </a:rPr>
-                <a:t>import from GRADE</a:t>
+                <a:t> </a:t>
               </a:r>
               <a:endParaRPr lang="de-DE" sz="1000">
                 <a:effectLst/>
@@ -4160,197 +3387,956 @@
             </a:p>
           </p:txBody>
         </p:sp>
-        <p:sp>
-          <p:nvSpPr>
-            <p:cNvPr id="30" name="Textfeld 28"/>
-            <p:cNvSpPr txBox="1"/>
+        <p:pic>
+          <p:nvPicPr>
+            <p:cNvPr id="11" name="Grafik 10"/>
+            <p:cNvPicPr/>
             <p:nvPr/>
-          </p:nvSpPr>
+          </p:nvPicPr>
+          <p:blipFill>
+            <a:blip r:embed="rId2"/>
+            <a:stretch>
+              <a:fillRect/>
+            </a:stretch>
+          </p:blipFill>
           <p:spPr>
             <a:xfrm>
-              <a:off x="4718287" y="2494915"/>
-              <a:ext cx="1221865" cy="412155"/>
+              <a:off x="2776843" y="800138"/>
+              <a:ext cx="365738" cy="463589"/>
             </a:xfrm>
             <a:prstGeom prst="rect">
               <a:avLst/>
             </a:prstGeom>
+          </p:spPr>
+        </p:pic>
+      </p:grpSp>
+      <p:sp>
+        <p:nvSpPr>
+          <p:cNvPr id="9" name="Textfeld 10"/>
+          <p:cNvSpPr txBox="1"/>
+          <p:nvPr/>
+        </p:nvSpPr>
+        <p:spPr>
+          <a:xfrm>
+            <a:off x="3343275" y="3038906"/>
+            <a:ext cx="922020" cy="462102"/>
+          </a:xfrm>
+          <a:prstGeom prst="rect">
+            <a:avLst/>
+          </a:prstGeom>
+          <a:noFill/>
+          <a:ln w="6350">
             <a:noFill/>
-            <a:ln>
-              <a:solidFill>
-                <a:schemeClr val="accent6"/>
-              </a:solidFill>
-            </a:ln>
-          </p:spPr>
-          <p:style>
-            <a:lnRef idx="2">
-              <a:schemeClr val="accent1"/>
-            </a:lnRef>
-            <a:fillRef idx="1">
-              <a:schemeClr val="lt1"/>
-            </a:fillRef>
-            <a:effectRef idx="0">
-              <a:schemeClr val="accent1"/>
-            </a:effectRef>
-            <a:fontRef idx="minor">
-              <a:schemeClr val="dk1"/>
-            </a:fontRef>
-          </p:style>
-          <p:txBody>
-            <a:bodyPr rot="0" spcFirstLastPara="0" vert="horz" wrap="square" lIns="91440" tIns="45720" rIns="91440" bIns="45720" numCol="1" spcCol="0" rtlCol="0" fromWordArt="0" anchor="t" anchorCtr="0" forceAA="0" compatLnSpc="1">
-              <a:prstTxWarp prst="textNoShape">
-                <a:avLst/>
-              </a:prstTxWarp>
-              <a:noAutofit/>
-            </a:bodyPr>
-            <a:lstStyle/>
-            <a:p>
-              <a:pPr>
-                <a:spcAft>
-                  <a:spcPts val="600"/>
-                </a:spcAft>
-              </a:pPr>
-              <a:r>
-                <a:rPr lang="en-US" sz="1000" kern="1200" dirty="0">
-                  <a:solidFill>
-                    <a:srgbClr val="000000"/>
-                  </a:solidFill>
-                  <a:effectLst/>
-                  <a:latin typeface="Arial" panose="020B0604020202020204" pitchFamily="34" charset="0"/>
-                  <a:ea typeface="Arial Unicode MS"/>
-                  <a:cs typeface="Arial" panose="020B0604020202020204" pitchFamily="34" charset="0"/>
-                </a:rPr>
-                <a:t>Export to </a:t>
-              </a:r>
-              <a:r>
-                <a:rPr lang="en-US" sz="1000" kern="1200" dirty="0" smtClean="0">
-                  <a:solidFill>
-                    <a:srgbClr val="000000"/>
-                  </a:solidFill>
-                  <a:effectLst/>
-                  <a:latin typeface="Arial" panose="020B0604020202020204" pitchFamily="34" charset="0"/>
-                  <a:ea typeface="Arial Unicode MS"/>
-                  <a:cs typeface="Arial" panose="020B0604020202020204" pitchFamily="34" charset="0"/>
-                </a:rPr>
-                <a:t>res, </a:t>
-              </a:r>
-              <a:r>
-                <a:rPr lang="en-US" sz="1000" kern="1200" dirty="0" err="1" smtClean="0">
-                  <a:solidFill>
-                    <a:srgbClr val="000000"/>
-                  </a:solidFill>
-                  <a:effectLst/>
-                  <a:latin typeface="Arial" panose="020B0604020202020204" pitchFamily="34" charset="0"/>
-                  <a:ea typeface="Arial Unicode MS"/>
-                  <a:cs typeface="Arial" panose="020B0604020202020204" pitchFamily="34" charset="0"/>
-                </a:rPr>
-                <a:t>png</a:t>
-              </a:r>
-              <a:r>
-                <a:rPr lang="en-US" sz="1000" kern="1200" dirty="0" smtClean="0">
-                  <a:solidFill>
-                    <a:srgbClr val="000000"/>
-                  </a:solidFill>
-                  <a:effectLst/>
-                  <a:latin typeface="Arial" panose="020B0604020202020204" pitchFamily="34" charset="0"/>
-                  <a:ea typeface="Arial Unicode MS"/>
-                  <a:cs typeface="Arial" panose="020B0604020202020204" pitchFamily="34" charset="0"/>
-                </a:rPr>
-                <a:t> </a:t>
-              </a:r>
-              <a:r>
-                <a:rPr lang="en-US" sz="1000" kern="1200" dirty="0">
-                  <a:solidFill>
-                    <a:srgbClr val="000000"/>
-                  </a:solidFill>
-                  <a:effectLst/>
-                  <a:latin typeface="Arial" panose="020B0604020202020204" pitchFamily="34" charset="0"/>
-                  <a:ea typeface="Arial Unicode MS"/>
-                  <a:cs typeface="Arial" panose="020B0604020202020204" pitchFamily="34" charset="0"/>
-                </a:rPr>
-                <a:t>and Olex2-match</a:t>
-              </a:r>
-              <a:endParaRPr lang="de-DE" sz="1000" dirty="0">
+          </a:ln>
+          <a:effectLst/>
+        </p:spPr>
+        <p:style>
+          <a:lnRef idx="0">
+            <a:schemeClr val="accent1"/>
+          </a:lnRef>
+          <a:fillRef idx="0">
+            <a:schemeClr val="accent1"/>
+          </a:fillRef>
+          <a:effectRef idx="0">
+            <a:schemeClr val="accent1"/>
+          </a:effectRef>
+          <a:fontRef idx="minor">
+            <a:schemeClr val="dk1"/>
+          </a:fontRef>
+        </p:style>
+        <p:txBody>
+          <a:bodyPr rot="0" spcFirstLastPara="0" vert="horz" wrap="square" lIns="91440" tIns="45720" rIns="91440" bIns="45720" numCol="1" spcCol="0" rtlCol="0" fromWordArt="0" anchor="t" anchorCtr="0" forceAA="0" compatLnSpc="1">
+            <a:prstTxWarp prst="textNoShape">
+              <a:avLst/>
+            </a:prstTxWarp>
+            <a:noAutofit/>
+          </a:bodyPr>
+          <a:lstStyle/>
+          <a:p>
+            <a:pPr algn="ctr">
+              <a:spcAft>
+                <a:spcPts val="600"/>
+              </a:spcAft>
+            </a:pPr>
+            <a:r>
+              <a:rPr lang="en-US" sz="1000" kern="1200" dirty="0">
+                <a:solidFill>
+                  <a:srgbClr val="000000"/>
+                </a:solidFill>
+                <a:effectLst/>
+                <a:latin typeface="Arial" panose="020B0604020202020204" pitchFamily="34" charset="0"/>
+                <a:ea typeface="Arial Unicode MS"/>
+                <a:cs typeface="Arial" panose="020B0604020202020204" pitchFamily="34" charset="0"/>
+              </a:rPr>
+              <a:t>fragment database</a:t>
+            </a:r>
+            <a:endParaRPr lang="de-DE" sz="1000" dirty="0">
+              <a:effectLst/>
+              <a:latin typeface="Arial" panose="020B0604020202020204" pitchFamily="34" charset="0"/>
+              <a:ea typeface="Times New Roman"/>
+              <a:cs typeface="Arial" panose="020B0604020202020204" pitchFamily="34" charset="0"/>
+            </a:endParaRPr>
+          </a:p>
+        </p:txBody>
+      </p:sp>
+      <p:sp>
+        <p:nvSpPr>
+          <p:cNvPr id="12" name="Textfeld 15"/>
+          <p:cNvSpPr txBox="1"/>
+          <p:nvPr/>
+        </p:nvSpPr>
+        <p:spPr>
+          <a:xfrm>
+            <a:off x="5615940" y="4451265"/>
+            <a:ext cx="1493520" cy="489903"/>
+          </a:xfrm>
+          <a:prstGeom prst="rect">
+            <a:avLst/>
+          </a:prstGeom>
+          <a:ln/>
+        </p:spPr>
+        <p:style>
+          <a:lnRef idx="2">
+            <a:schemeClr val="accent3">
+              <a:shade val="50000"/>
+            </a:schemeClr>
+          </a:lnRef>
+          <a:fillRef idx="1">
+            <a:schemeClr val="accent3"/>
+          </a:fillRef>
+          <a:effectRef idx="0">
+            <a:schemeClr val="accent3"/>
+          </a:effectRef>
+          <a:fontRef idx="minor">
+            <a:schemeClr val="lt1"/>
+          </a:fontRef>
+        </p:style>
+        <p:txBody>
+          <a:bodyPr rot="0" spcFirstLastPara="0" vert="horz" wrap="square" lIns="91440" tIns="45720" rIns="91440" bIns="45720" numCol="1" spcCol="0" rtlCol="0" fromWordArt="0" anchor="t" anchorCtr="0" forceAA="0" compatLnSpc="1">
+            <a:prstTxWarp prst="textNoShape">
+              <a:avLst/>
+            </a:prstTxWarp>
+            <a:noAutofit/>
+          </a:bodyPr>
+          <a:lstStyle/>
+          <a:p>
+            <a:pPr algn="ctr">
+              <a:spcAft>
+                <a:spcPts val="600"/>
+              </a:spcAft>
+            </a:pPr>
+            <a:r>
+              <a:rPr lang="en-US" sz="1000" kern="1200" dirty="0" smtClean="0">
+                <a:solidFill>
+                  <a:srgbClr val="000000"/>
+                </a:solidFill>
+                <a:effectLst/>
+                <a:latin typeface="Arial" panose="020B0604020202020204" pitchFamily="34" charset="0"/>
+                <a:ea typeface="Arial Unicode MS"/>
+                <a:cs typeface="Arial" panose="020B0604020202020204" pitchFamily="34" charset="0"/>
+              </a:rPr>
+              <a:t>new </a:t>
+            </a:r>
+            <a:r>
+              <a:rPr lang="en-US" sz="1000" kern="1200" dirty="0">
+                <a:solidFill>
+                  <a:srgbClr val="000000"/>
+                </a:solidFill>
+                <a:effectLst/>
+                <a:latin typeface="Arial" panose="020B0604020202020204" pitchFamily="34" charset="0"/>
+                <a:ea typeface="Arial Unicode MS"/>
+                <a:cs typeface="Arial" panose="020B0604020202020204" pitchFamily="34" charset="0"/>
+              </a:rPr>
+              <a:t>res-file with fragment and restraints</a:t>
+            </a:r>
+            <a:endParaRPr lang="de-DE" sz="1000" dirty="0">
+              <a:effectLst/>
+              <a:latin typeface="Arial" panose="020B0604020202020204" pitchFamily="34" charset="0"/>
+              <a:ea typeface="Times New Roman"/>
+              <a:cs typeface="Arial" panose="020B0604020202020204" pitchFamily="34" charset="0"/>
+            </a:endParaRPr>
+          </a:p>
+        </p:txBody>
+      </p:sp>
+      <p:sp>
+        <p:nvSpPr>
+          <p:cNvPr id="13" name="Textfeld 16"/>
+          <p:cNvSpPr txBox="1"/>
+          <p:nvPr/>
+        </p:nvSpPr>
+        <p:spPr>
+          <a:xfrm>
+            <a:off x="1605915" y="3559810"/>
+            <a:ext cx="1334135" cy="410845"/>
+          </a:xfrm>
+          <a:prstGeom prst="rect">
+            <a:avLst/>
+          </a:prstGeom>
+          <a:noFill/>
+          <a:ln/>
+        </p:spPr>
+        <p:style>
+          <a:lnRef idx="2">
+            <a:schemeClr val="accent1"/>
+          </a:lnRef>
+          <a:fillRef idx="1">
+            <a:schemeClr val="lt1"/>
+          </a:fillRef>
+          <a:effectRef idx="0">
+            <a:schemeClr val="accent1"/>
+          </a:effectRef>
+          <a:fontRef idx="minor">
+            <a:schemeClr val="dk1"/>
+          </a:fontRef>
+        </p:style>
+        <p:txBody>
+          <a:bodyPr rot="0" spcFirstLastPara="0" vert="horz" wrap="square" lIns="91440" tIns="45720" rIns="91440" bIns="45720" numCol="1" spcCol="0" rtlCol="0" fromWordArt="0" anchor="t" anchorCtr="0" forceAA="0" compatLnSpc="1">
+            <a:prstTxWarp prst="textNoShape">
+              <a:avLst/>
+            </a:prstTxWarp>
+            <a:noAutofit/>
+          </a:bodyPr>
+          <a:lstStyle/>
+          <a:p>
+            <a:pPr algn="ctr">
+              <a:spcAft>
+                <a:spcPts val="600"/>
+              </a:spcAft>
+            </a:pPr>
+            <a:r>
+              <a:rPr lang="en-US" sz="1000" kern="1200" dirty="0">
+                <a:solidFill>
+                  <a:srgbClr val="000000"/>
+                </a:solidFill>
+                <a:effectLst/>
+                <a:latin typeface="Arial" panose="020B0604020202020204" pitchFamily="34" charset="0"/>
+                <a:ea typeface="Arial Unicode MS"/>
+                <a:cs typeface="Arial" panose="020B0604020202020204" pitchFamily="34" charset="0"/>
+              </a:rPr>
+              <a:t>apply new </a:t>
+            </a:r>
+            <a:r>
+              <a:rPr lang="en-US" sz="1000" kern="1200" dirty="0" smtClean="0">
+                <a:solidFill>
+                  <a:srgbClr val="000000"/>
+                </a:solidFill>
+                <a:effectLst/>
+                <a:latin typeface="Arial" panose="020B0604020202020204" pitchFamily="34" charset="0"/>
+                <a:ea typeface="Arial Unicode MS"/>
+                <a:cs typeface="Arial" panose="020B0604020202020204" pitchFamily="34" charset="0"/>
+              </a:rPr>
+              <a:t>naming scheme</a:t>
+            </a:r>
+            <a:endParaRPr lang="de-DE" sz="1000" dirty="0">
+              <a:effectLst/>
+              <a:latin typeface="Arial" panose="020B0604020202020204" pitchFamily="34" charset="0"/>
+              <a:ea typeface="Times New Roman"/>
+              <a:cs typeface="Arial" panose="020B0604020202020204" pitchFamily="34" charset="0"/>
+            </a:endParaRPr>
+          </a:p>
+        </p:txBody>
+      </p:sp>
+      <p:cxnSp>
+        <p:nvCxnSpPr>
+          <p:cNvPr id="15" name="Gerade Verbindung mit Pfeil 14"/>
+          <p:cNvCxnSpPr/>
+          <p:nvPr/>
+        </p:nvCxnSpPr>
+        <p:spPr>
+          <a:xfrm flipV="1">
+            <a:off x="4445636" y="4705628"/>
+            <a:ext cx="1170305" cy="9042"/>
+          </a:xfrm>
+          <a:prstGeom prst="straightConnector1">
+            <a:avLst/>
+          </a:prstGeom>
+          <a:ln w="28575">
+            <a:tailEnd type="arrow"/>
+          </a:ln>
+        </p:spPr>
+        <p:style>
+          <a:lnRef idx="1">
+            <a:schemeClr val="accent1"/>
+          </a:lnRef>
+          <a:fillRef idx="0">
+            <a:schemeClr val="accent1"/>
+          </a:fillRef>
+          <a:effectRef idx="0">
+            <a:schemeClr val="accent1"/>
+          </a:effectRef>
+          <a:fontRef idx="minor">
+            <a:schemeClr val="tx1"/>
+          </a:fontRef>
+        </p:style>
+      </p:cxnSp>
+      <p:sp>
+        <p:nvSpPr>
+          <p:cNvPr id="16" name="Textfeld 14"/>
+          <p:cNvSpPr txBox="1"/>
+          <p:nvPr/>
+        </p:nvSpPr>
+        <p:spPr>
+          <a:xfrm>
+            <a:off x="4587240" y="4298105"/>
+            <a:ext cx="887095" cy="412750"/>
+          </a:xfrm>
+          <a:prstGeom prst="rect">
+            <a:avLst/>
+          </a:prstGeom>
+          <a:noFill/>
+          <a:ln w="6350">
+            <a:noFill/>
+          </a:ln>
+          <a:effectLst/>
+        </p:spPr>
+        <p:style>
+          <a:lnRef idx="0">
+            <a:schemeClr val="accent1"/>
+          </a:lnRef>
+          <a:fillRef idx="0">
+            <a:schemeClr val="accent1"/>
+          </a:fillRef>
+          <a:effectRef idx="0">
+            <a:schemeClr val="accent1"/>
+          </a:effectRef>
+          <a:fontRef idx="minor">
+            <a:schemeClr val="dk1"/>
+          </a:fontRef>
+        </p:style>
+        <p:txBody>
+          <a:bodyPr rot="0" spcFirstLastPara="0" vert="horz" wrap="square" lIns="91440" tIns="45720" rIns="91440" bIns="45720" numCol="1" spcCol="0" rtlCol="0" fromWordArt="0" anchor="t" anchorCtr="0" forceAA="0" compatLnSpc="1">
+            <a:prstTxWarp prst="textNoShape">
+              <a:avLst/>
+            </a:prstTxWarp>
+            <a:noAutofit/>
+          </a:bodyPr>
+          <a:lstStyle/>
+          <a:p>
+            <a:pPr algn="just">
+              <a:spcAft>
+                <a:spcPts val="600"/>
+              </a:spcAft>
+            </a:pPr>
+            <a:r>
+              <a:rPr lang="en-US" sz="1000" kern="1200" dirty="0">
+                <a:solidFill>
+                  <a:srgbClr val="000000"/>
+                </a:solidFill>
+                <a:effectLst/>
+                <a:latin typeface="Arial" panose="020B0604020202020204" pitchFamily="34" charset="0"/>
+                <a:ea typeface="Arial Unicode MS"/>
+                <a:cs typeface="Arial" panose="020B0604020202020204" pitchFamily="34" charset="0"/>
+              </a:rPr>
+              <a:t>refinement with “L.S. 0”</a:t>
+            </a:r>
+            <a:endParaRPr lang="de-DE" sz="1000" dirty="0">
+              <a:effectLst/>
+              <a:latin typeface="Arial" panose="020B0604020202020204" pitchFamily="34" charset="0"/>
+              <a:ea typeface="Times New Roman"/>
+              <a:cs typeface="Arial" panose="020B0604020202020204" pitchFamily="34" charset="0"/>
+            </a:endParaRPr>
+          </a:p>
+        </p:txBody>
+      </p:sp>
+      <p:cxnSp>
+        <p:nvCxnSpPr>
+          <p:cNvPr id="18" name="Gerade Verbindung 17"/>
+          <p:cNvCxnSpPr/>
+          <p:nvPr/>
+        </p:nvCxnSpPr>
+        <p:spPr>
+          <a:xfrm>
+            <a:off x="2277110" y="3334385"/>
+            <a:ext cx="876935" cy="0"/>
+          </a:xfrm>
+          <a:prstGeom prst="line">
+            <a:avLst/>
+          </a:prstGeom>
+          <a:ln w="28575" cap="rnd">
+            <a:solidFill>
+              <a:srgbClr val="C00000"/>
+            </a:solidFill>
+          </a:ln>
+        </p:spPr>
+        <p:style>
+          <a:lnRef idx="1">
+            <a:schemeClr val="accent1"/>
+          </a:lnRef>
+          <a:fillRef idx="0">
+            <a:schemeClr val="accent1"/>
+          </a:fillRef>
+          <a:effectRef idx="0">
+            <a:schemeClr val="accent1"/>
+          </a:effectRef>
+          <a:fontRef idx="minor">
+            <a:schemeClr val="tx1"/>
+          </a:fontRef>
+        </p:style>
+      </p:cxnSp>
+      <p:cxnSp>
+        <p:nvCxnSpPr>
+          <p:cNvPr id="19" name="Gerade Verbindung 18"/>
+          <p:cNvCxnSpPr/>
+          <p:nvPr/>
+        </p:nvCxnSpPr>
+        <p:spPr>
+          <a:xfrm>
+            <a:off x="3154045" y="3334385"/>
+            <a:ext cx="0" cy="861060"/>
+          </a:xfrm>
+          <a:prstGeom prst="line">
+            <a:avLst/>
+          </a:prstGeom>
+          <a:ln w="28575" cap="rnd">
+            <a:solidFill>
+              <a:srgbClr val="C00000"/>
+            </a:solidFill>
+          </a:ln>
+        </p:spPr>
+        <p:style>
+          <a:lnRef idx="1">
+            <a:schemeClr val="accent1"/>
+          </a:lnRef>
+          <a:fillRef idx="0">
+            <a:schemeClr val="accent1"/>
+          </a:fillRef>
+          <a:effectRef idx="0">
+            <a:schemeClr val="accent1"/>
+          </a:effectRef>
+          <a:fontRef idx="minor">
+            <a:schemeClr val="tx1"/>
+          </a:fontRef>
+        </p:style>
+      </p:cxnSp>
+      <p:cxnSp>
+        <p:nvCxnSpPr>
+          <p:cNvPr id="20" name="Gerade Verbindung mit Pfeil 19"/>
+          <p:cNvCxnSpPr/>
+          <p:nvPr/>
+        </p:nvCxnSpPr>
+        <p:spPr>
+          <a:xfrm flipH="1">
+            <a:off x="2277110" y="4195445"/>
+            <a:ext cx="876935" cy="0"/>
+          </a:xfrm>
+          <a:prstGeom prst="straightConnector1">
+            <a:avLst/>
+          </a:prstGeom>
+          <a:ln w="28575" cap="rnd">
+            <a:solidFill>
+              <a:srgbClr val="C00000"/>
+            </a:solidFill>
+            <a:tailEnd type="arrow"/>
+          </a:ln>
+        </p:spPr>
+        <p:style>
+          <a:lnRef idx="1">
+            <a:schemeClr val="accent1"/>
+          </a:lnRef>
+          <a:fillRef idx="0">
+            <a:schemeClr val="accent1"/>
+          </a:fillRef>
+          <a:effectRef idx="0">
+            <a:schemeClr val="accent1"/>
+          </a:effectRef>
+          <a:fontRef idx="minor">
+            <a:schemeClr val="tx1"/>
+          </a:fontRef>
+        </p:style>
+      </p:cxnSp>
+      <p:sp>
+        <p:nvSpPr>
+          <p:cNvPr id="21" name="Textfeld 47"/>
+          <p:cNvSpPr txBox="1"/>
+          <p:nvPr/>
+        </p:nvSpPr>
+        <p:spPr>
+          <a:xfrm>
+            <a:off x="3154045" y="3657600"/>
+            <a:ext cx="494475" cy="266700"/>
+          </a:xfrm>
+          <a:prstGeom prst="rect">
+            <a:avLst/>
+          </a:prstGeom>
+          <a:noFill/>
+          <a:ln w="28575">
+            <a:solidFill>
+              <a:srgbClr val="C00000"/>
+            </a:solidFill>
+          </a:ln>
+        </p:spPr>
+        <p:txBody>
+          <a:bodyPr wrap="square" rtlCol="0">
+            <a:noAutofit/>
+          </a:bodyPr>
+          <a:lstStyle/>
+          <a:p>
+            <a:pPr>
+              <a:spcAft>
+                <a:spcPts val="0"/>
+              </a:spcAft>
+            </a:pPr>
+            <a:r>
+              <a:rPr lang="en-US" sz="1000" kern="1200">
+                <a:solidFill>
+                  <a:srgbClr val="000000"/>
+                </a:solidFill>
                 <a:effectLst/>
                 <a:latin typeface="Arial" panose="020B0604020202020204" pitchFamily="34" charset="0"/>
                 <a:ea typeface="Times New Roman"/>
                 <a:cs typeface="Arial" panose="020B0604020202020204" pitchFamily="34" charset="0"/>
-              </a:endParaRPr>
-            </a:p>
-          </p:txBody>
-        </p:sp>
-        <p:sp>
-          <p:nvSpPr>
-            <p:cNvPr id="31" name="Textfeld 12"/>
-            <p:cNvSpPr txBox="1"/>
-            <p:nvPr/>
-          </p:nvSpPr>
-          <p:spPr>
-            <a:xfrm>
-              <a:off x="3411220" y="4586655"/>
-              <a:ext cx="1033145" cy="255905"/>
-            </a:xfrm>
-            <a:prstGeom prst="rect">
+              </a:rPr>
+              <a:t>RESI</a:t>
+            </a:r>
+            <a:endParaRPr lang="de-DE" sz="1000">
+              <a:effectLst/>
+              <a:latin typeface="Arial" panose="020B0604020202020204" pitchFamily="34" charset="0"/>
+              <a:ea typeface="Times New Roman"/>
+              <a:cs typeface="Arial" panose="020B0604020202020204" pitchFamily="34" charset="0"/>
+            </a:endParaRPr>
+          </a:p>
+        </p:txBody>
+      </p:sp>
+      <p:sp>
+        <p:nvSpPr>
+          <p:cNvPr id="22" name="Ellipse 21"/>
+          <p:cNvSpPr/>
+          <p:nvPr/>
+        </p:nvSpPr>
+        <p:spPr>
+          <a:xfrm rot="16200000" flipH="1">
+            <a:off x="4966018" y="4651742"/>
+            <a:ext cx="129540" cy="260350"/>
+          </a:xfrm>
+          <a:prstGeom prst="ellipse">
+            <a:avLst/>
+          </a:prstGeom>
+          <a:noFill/>
+        </p:spPr>
+        <p:style>
+          <a:lnRef idx="2">
+            <a:schemeClr val="accent1"/>
+          </a:lnRef>
+          <a:fillRef idx="1">
+            <a:schemeClr val="lt1"/>
+          </a:fillRef>
+          <a:effectRef idx="0">
+            <a:schemeClr val="accent1"/>
+          </a:effectRef>
+          <a:fontRef idx="minor">
+            <a:schemeClr val="dk1"/>
+          </a:fontRef>
+        </p:style>
+        <p:txBody>
+          <a:bodyPr rot="0" spcFirstLastPara="0" vert="horz" wrap="square" lIns="91440" tIns="45720" rIns="91440" bIns="45720" numCol="1" spcCol="0" rtlCol="0" fromWordArt="0" anchor="ctr" anchorCtr="0" forceAA="0" compatLnSpc="1">
+            <a:prstTxWarp prst="textNoShape">
               <a:avLst/>
-            </a:prstGeom>
-            <a:noFill/>
-            <a:ln>
-              <a:solidFill>
-                <a:schemeClr val="accent2">
-                  <a:lumMod val="75000"/>
-                </a:schemeClr>
-              </a:solidFill>
-            </a:ln>
-          </p:spPr>
-          <p:style>
-            <a:lnRef idx="2">
-              <a:schemeClr val="accent2"/>
-            </a:lnRef>
-            <a:fillRef idx="1">
-              <a:schemeClr val="lt1"/>
-            </a:fillRef>
-            <a:effectRef idx="0">
-              <a:schemeClr val="accent2"/>
-            </a:effectRef>
-            <a:fontRef idx="minor">
-              <a:schemeClr val="dk1"/>
-            </a:fontRef>
-          </p:style>
-          <p:txBody>
-            <a:bodyPr rot="0" spcFirstLastPara="0" vert="horz" wrap="square" lIns="91440" tIns="45720" rIns="91440" bIns="45720" numCol="1" spcCol="0" rtlCol="0" fromWordArt="0" anchor="t" anchorCtr="0" forceAA="0" compatLnSpc="1">
-              <a:prstTxWarp prst="textNoShape">
-                <a:avLst/>
-              </a:prstTxWarp>
-              <a:noAutofit/>
-            </a:bodyPr>
-            <a:lstStyle/>
-            <a:p>
-              <a:pPr>
-                <a:spcAft>
-                  <a:spcPts val="600"/>
-                </a:spcAft>
-              </a:pPr>
-              <a:r>
-                <a:rPr lang="en-US" sz="1000" kern="1200">
-                  <a:solidFill>
-                    <a:srgbClr val="000000"/>
-                  </a:solidFill>
-                  <a:effectLst/>
-                  <a:latin typeface="Arial" panose="020B0604020202020204" pitchFamily="34" charset="0"/>
-                  <a:ea typeface="Arial Unicode MS"/>
-                  <a:cs typeface="Arial" panose="020B0604020202020204" pitchFamily="34" charset="0"/>
-                </a:rPr>
-                <a:t>output .ins file</a:t>
-              </a:r>
-              <a:endParaRPr lang="de-DE" sz="1000">
+            </a:prstTxWarp>
+            <a:noAutofit/>
+          </a:bodyPr>
+          <a:lstStyle/>
+          <a:p>
+            <a:endParaRPr lang="de-DE" sz="1000">
+              <a:latin typeface="Arial" panose="020B0604020202020204" pitchFamily="34" charset="0"/>
+              <a:cs typeface="Arial" panose="020B0604020202020204" pitchFamily="34" charset="0"/>
+            </a:endParaRPr>
+          </a:p>
+        </p:txBody>
+      </p:sp>
+      <p:sp>
+        <p:nvSpPr>
+          <p:cNvPr id="23" name="Textfeld 27"/>
+          <p:cNvSpPr txBox="1"/>
+          <p:nvPr/>
+        </p:nvSpPr>
+        <p:spPr>
+          <a:xfrm>
+            <a:off x="1702435" y="4488865"/>
+            <a:ext cx="1142365" cy="438150"/>
+          </a:xfrm>
+          <a:prstGeom prst="rect">
+            <a:avLst/>
+          </a:prstGeom>
+          <a:noFill/>
+          <a:ln/>
+        </p:spPr>
+        <p:style>
+          <a:lnRef idx="2">
+            <a:schemeClr val="accent1"/>
+          </a:lnRef>
+          <a:fillRef idx="1">
+            <a:schemeClr val="lt1"/>
+          </a:fillRef>
+          <a:effectRef idx="0">
+            <a:schemeClr val="accent1"/>
+          </a:effectRef>
+          <a:fontRef idx="minor">
+            <a:schemeClr val="dk1"/>
+          </a:fontRef>
+        </p:style>
+        <p:txBody>
+          <a:bodyPr rot="0" spcFirstLastPara="0" vert="horz" wrap="square" lIns="91440" tIns="45720" rIns="91440" bIns="45720" numCol="1" spcCol="0" rtlCol="0" fromWordArt="0" anchor="t" anchorCtr="0" forceAA="0" compatLnSpc="1">
+            <a:prstTxWarp prst="textNoShape">
+              <a:avLst/>
+            </a:prstTxWarp>
+            <a:noAutofit/>
+          </a:bodyPr>
+          <a:lstStyle/>
+          <a:p>
+            <a:pPr algn="ctr">
+              <a:spcAft>
+                <a:spcPts val="600"/>
+              </a:spcAft>
+            </a:pPr>
+            <a:r>
+              <a:rPr lang="en-US" sz="1000" kern="1200" dirty="0">
+                <a:solidFill>
+                  <a:srgbClr val="000000"/>
+                </a:solidFill>
                 <a:effectLst/>
                 <a:latin typeface="Arial" panose="020B0604020202020204" pitchFamily="34" charset="0"/>
-                <a:ea typeface="Times New Roman"/>
+                <a:ea typeface="Arial Unicode MS"/>
                 <a:cs typeface="Arial" panose="020B0604020202020204" pitchFamily="34" charset="0"/>
-              </a:endParaRPr>
-            </a:p>
-          </p:txBody>
-        </p:sp>
-      </p:grpSp>
+              </a:rPr>
+              <a:t>DSR inserts  the fragment</a:t>
+            </a:r>
+            <a:endParaRPr lang="de-DE" sz="1000" dirty="0">
+              <a:effectLst/>
+              <a:latin typeface="Arial" panose="020B0604020202020204" pitchFamily="34" charset="0"/>
+              <a:ea typeface="Times New Roman"/>
+              <a:cs typeface="Arial" panose="020B0604020202020204" pitchFamily="34" charset="0"/>
+            </a:endParaRPr>
+          </a:p>
+        </p:txBody>
+      </p:sp>
+      <p:cxnSp>
+        <p:nvCxnSpPr>
+          <p:cNvPr id="24" name="Gerade Verbindung mit Pfeil 23"/>
+          <p:cNvCxnSpPr/>
+          <p:nvPr/>
+        </p:nvCxnSpPr>
+        <p:spPr>
+          <a:xfrm>
+            <a:off x="2850515" y="4713020"/>
+            <a:ext cx="560070" cy="1270"/>
+          </a:xfrm>
+          <a:prstGeom prst="straightConnector1">
+            <a:avLst/>
+          </a:prstGeom>
+          <a:ln w="28575">
+            <a:tailEnd type="arrow"/>
+          </a:ln>
+        </p:spPr>
+        <p:style>
+          <a:lnRef idx="1">
+            <a:schemeClr val="accent1"/>
+          </a:lnRef>
+          <a:fillRef idx="0">
+            <a:schemeClr val="accent1"/>
+          </a:fillRef>
+          <a:effectRef idx="0">
+            <a:schemeClr val="accent1"/>
+          </a:effectRef>
+          <a:fontRef idx="minor">
+            <a:schemeClr val="tx1"/>
+          </a:fontRef>
+        </p:style>
+      </p:cxnSp>
+      <p:cxnSp>
+        <p:nvCxnSpPr>
+          <p:cNvPr id="25" name="Gerade Verbindung mit Pfeil 24"/>
+          <p:cNvCxnSpPr>
+            <a:endCxn id="23" idx="0"/>
+          </p:cNvCxnSpPr>
+          <p:nvPr/>
+        </p:nvCxnSpPr>
+        <p:spPr>
+          <a:xfrm>
+            <a:off x="2272665" y="3971290"/>
+            <a:ext cx="953" cy="517575"/>
+          </a:xfrm>
+          <a:prstGeom prst="straightConnector1">
+            <a:avLst/>
+          </a:prstGeom>
+          <a:ln w="28575">
+            <a:tailEnd type="arrow"/>
+          </a:ln>
+        </p:spPr>
+        <p:style>
+          <a:lnRef idx="1">
+            <a:schemeClr val="accent1"/>
+          </a:lnRef>
+          <a:fillRef idx="0">
+            <a:schemeClr val="accent1"/>
+          </a:fillRef>
+          <a:effectRef idx="0">
+            <a:schemeClr val="accent1"/>
+          </a:effectRef>
+          <a:fontRef idx="minor">
+            <a:schemeClr val="tx1"/>
+          </a:fontRef>
+        </p:style>
+      </p:cxnSp>
+      <p:sp>
+        <p:nvSpPr>
+          <p:cNvPr id="29" name="Textfeld 28"/>
+          <p:cNvSpPr txBox="1"/>
+          <p:nvPr/>
+        </p:nvSpPr>
+        <p:spPr>
+          <a:xfrm>
+            <a:off x="4718747" y="3140968"/>
+            <a:ext cx="897193" cy="401320"/>
+          </a:xfrm>
+          <a:prstGeom prst="rect">
+            <a:avLst/>
+          </a:prstGeom>
+          <a:noFill/>
+          <a:ln>
+            <a:solidFill>
+              <a:schemeClr val="accent6"/>
+            </a:solidFill>
+          </a:ln>
+        </p:spPr>
+        <p:style>
+          <a:lnRef idx="2">
+            <a:schemeClr val="accent1"/>
+          </a:lnRef>
+          <a:fillRef idx="1">
+            <a:schemeClr val="lt1"/>
+          </a:fillRef>
+          <a:effectRef idx="0">
+            <a:schemeClr val="accent1"/>
+          </a:effectRef>
+          <a:fontRef idx="minor">
+            <a:schemeClr val="dk1"/>
+          </a:fontRef>
+        </p:style>
+        <p:txBody>
+          <a:bodyPr rot="0" spcFirstLastPara="0" vert="horz" wrap="square" lIns="91440" tIns="45720" rIns="91440" bIns="45720" numCol="1" spcCol="0" rtlCol="0" fromWordArt="0" anchor="t" anchorCtr="0" forceAA="0" compatLnSpc="1">
+            <a:prstTxWarp prst="textNoShape">
+              <a:avLst/>
+            </a:prstTxWarp>
+            <a:noAutofit/>
+          </a:bodyPr>
+          <a:lstStyle/>
+          <a:p>
+            <a:pPr algn="ctr">
+              <a:spcAft>
+                <a:spcPts val="600"/>
+              </a:spcAft>
+            </a:pPr>
+            <a:r>
+              <a:rPr lang="en-US" sz="1000" kern="1200">
+                <a:solidFill>
+                  <a:srgbClr val="000000"/>
+                </a:solidFill>
+                <a:effectLst/>
+                <a:latin typeface="Arial" panose="020B0604020202020204" pitchFamily="34" charset="0"/>
+                <a:ea typeface="Arial Unicode MS"/>
+                <a:cs typeface="Arial" panose="020B0604020202020204" pitchFamily="34" charset="0"/>
+              </a:rPr>
+              <a:t>import from GRADE</a:t>
+            </a:r>
+            <a:endParaRPr lang="de-DE" sz="1000">
+              <a:effectLst/>
+              <a:latin typeface="Arial" panose="020B0604020202020204" pitchFamily="34" charset="0"/>
+              <a:ea typeface="Times New Roman"/>
+              <a:cs typeface="Arial" panose="020B0604020202020204" pitchFamily="34" charset="0"/>
+            </a:endParaRPr>
+          </a:p>
+        </p:txBody>
+      </p:sp>
+      <p:sp>
+        <p:nvSpPr>
+          <p:cNvPr id="30" name="Textfeld 28"/>
+          <p:cNvSpPr txBox="1"/>
+          <p:nvPr/>
+        </p:nvSpPr>
+        <p:spPr>
+          <a:xfrm>
+            <a:off x="4718287" y="2494915"/>
+            <a:ext cx="1221865" cy="412155"/>
+          </a:xfrm>
+          <a:prstGeom prst="rect">
+            <a:avLst/>
+          </a:prstGeom>
+          <a:noFill/>
+          <a:ln>
+            <a:solidFill>
+              <a:schemeClr val="accent6"/>
+            </a:solidFill>
+          </a:ln>
+        </p:spPr>
+        <p:style>
+          <a:lnRef idx="2">
+            <a:schemeClr val="accent1"/>
+          </a:lnRef>
+          <a:fillRef idx="1">
+            <a:schemeClr val="lt1"/>
+          </a:fillRef>
+          <a:effectRef idx="0">
+            <a:schemeClr val="accent1"/>
+          </a:effectRef>
+          <a:fontRef idx="minor">
+            <a:schemeClr val="dk1"/>
+          </a:fontRef>
+        </p:style>
+        <p:txBody>
+          <a:bodyPr rot="0" spcFirstLastPara="0" vert="horz" wrap="square" lIns="91440" tIns="45720" rIns="91440" bIns="45720" numCol="1" spcCol="0" rtlCol="0" fromWordArt="0" anchor="t" anchorCtr="0" forceAA="0" compatLnSpc="1">
+            <a:prstTxWarp prst="textNoShape">
+              <a:avLst/>
+            </a:prstTxWarp>
+            <a:noAutofit/>
+          </a:bodyPr>
+          <a:lstStyle/>
+          <a:p>
+            <a:pPr>
+              <a:spcAft>
+                <a:spcPts val="600"/>
+              </a:spcAft>
+            </a:pPr>
+            <a:r>
+              <a:rPr lang="en-US" sz="1000" kern="1200" dirty="0">
+                <a:solidFill>
+                  <a:srgbClr val="000000"/>
+                </a:solidFill>
+                <a:effectLst/>
+                <a:latin typeface="Arial" panose="020B0604020202020204" pitchFamily="34" charset="0"/>
+                <a:ea typeface="Arial Unicode MS"/>
+                <a:cs typeface="Arial" panose="020B0604020202020204" pitchFamily="34" charset="0"/>
+              </a:rPr>
+              <a:t>Export to </a:t>
+            </a:r>
+            <a:r>
+              <a:rPr lang="en-US" sz="1000" kern="1200" dirty="0" smtClean="0">
+                <a:solidFill>
+                  <a:srgbClr val="000000"/>
+                </a:solidFill>
+                <a:effectLst/>
+                <a:latin typeface="Arial" panose="020B0604020202020204" pitchFamily="34" charset="0"/>
+                <a:ea typeface="Arial Unicode MS"/>
+                <a:cs typeface="Arial" panose="020B0604020202020204" pitchFamily="34" charset="0"/>
+              </a:rPr>
+              <a:t>res, </a:t>
+            </a:r>
+            <a:r>
+              <a:rPr lang="en-US" sz="1000" kern="1200" dirty="0" err="1" smtClean="0">
+                <a:solidFill>
+                  <a:srgbClr val="000000"/>
+                </a:solidFill>
+                <a:effectLst/>
+                <a:latin typeface="Arial" panose="020B0604020202020204" pitchFamily="34" charset="0"/>
+                <a:ea typeface="Arial Unicode MS"/>
+                <a:cs typeface="Arial" panose="020B0604020202020204" pitchFamily="34" charset="0"/>
+              </a:rPr>
+              <a:t>png</a:t>
+            </a:r>
+            <a:r>
+              <a:rPr lang="en-US" sz="1000" kern="1200" dirty="0" smtClean="0">
+                <a:solidFill>
+                  <a:srgbClr val="000000"/>
+                </a:solidFill>
+                <a:effectLst/>
+                <a:latin typeface="Arial" panose="020B0604020202020204" pitchFamily="34" charset="0"/>
+                <a:ea typeface="Arial Unicode MS"/>
+                <a:cs typeface="Arial" panose="020B0604020202020204" pitchFamily="34" charset="0"/>
+              </a:rPr>
+              <a:t> </a:t>
+            </a:r>
+            <a:r>
+              <a:rPr lang="en-US" sz="1000" kern="1200" dirty="0">
+                <a:solidFill>
+                  <a:srgbClr val="000000"/>
+                </a:solidFill>
+                <a:effectLst/>
+                <a:latin typeface="Arial" panose="020B0604020202020204" pitchFamily="34" charset="0"/>
+                <a:ea typeface="Arial Unicode MS"/>
+                <a:cs typeface="Arial" panose="020B0604020202020204" pitchFamily="34" charset="0"/>
+              </a:rPr>
+              <a:t>and Olex2-match</a:t>
+            </a:r>
+            <a:endParaRPr lang="de-DE" sz="1000" dirty="0">
+              <a:effectLst/>
+              <a:latin typeface="Arial" panose="020B0604020202020204" pitchFamily="34" charset="0"/>
+              <a:ea typeface="Times New Roman"/>
+              <a:cs typeface="Arial" panose="020B0604020202020204" pitchFamily="34" charset="0"/>
+            </a:endParaRPr>
+          </a:p>
+        </p:txBody>
+      </p:sp>
+      <p:sp>
+        <p:nvSpPr>
+          <p:cNvPr id="31" name="Textfeld 12"/>
+          <p:cNvSpPr txBox="1"/>
+          <p:nvPr/>
+        </p:nvSpPr>
+        <p:spPr>
+          <a:xfrm>
+            <a:off x="3411220" y="4586655"/>
+            <a:ext cx="1033145" cy="255905"/>
+          </a:xfrm>
+          <a:prstGeom prst="rect">
+            <a:avLst/>
+          </a:prstGeom>
+          <a:noFill/>
+          <a:ln>
+            <a:solidFill>
+              <a:schemeClr val="accent2">
+                <a:lumMod val="75000"/>
+              </a:schemeClr>
+            </a:solidFill>
+          </a:ln>
+        </p:spPr>
+        <p:style>
+          <a:lnRef idx="2">
+            <a:schemeClr val="accent2"/>
+          </a:lnRef>
+          <a:fillRef idx="1">
+            <a:schemeClr val="lt1"/>
+          </a:fillRef>
+          <a:effectRef idx="0">
+            <a:schemeClr val="accent2"/>
+          </a:effectRef>
+          <a:fontRef idx="minor">
+            <a:schemeClr val="dk1"/>
+          </a:fontRef>
+        </p:style>
+        <p:txBody>
+          <a:bodyPr rot="0" spcFirstLastPara="0" vert="horz" wrap="square" lIns="91440" tIns="45720" rIns="91440" bIns="45720" numCol="1" spcCol="0" rtlCol="0" fromWordArt="0" anchor="t" anchorCtr="0" forceAA="0" compatLnSpc="1">
+            <a:prstTxWarp prst="textNoShape">
+              <a:avLst/>
+            </a:prstTxWarp>
+            <a:noAutofit/>
+          </a:bodyPr>
+          <a:lstStyle/>
+          <a:p>
+            <a:pPr>
+              <a:spcAft>
+                <a:spcPts val="600"/>
+              </a:spcAft>
+            </a:pPr>
+            <a:r>
+              <a:rPr lang="en-US" sz="1000" kern="1200">
+                <a:solidFill>
+                  <a:srgbClr val="000000"/>
+                </a:solidFill>
+                <a:effectLst/>
+                <a:latin typeface="Arial" panose="020B0604020202020204" pitchFamily="34" charset="0"/>
+                <a:ea typeface="Arial Unicode MS"/>
+                <a:cs typeface="Arial" panose="020B0604020202020204" pitchFamily="34" charset="0"/>
+              </a:rPr>
+              <a:t>output .ins file</a:t>
+            </a:r>
+            <a:endParaRPr lang="de-DE" sz="1000">
+              <a:effectLst/>
+              <a:latin typeface="Arial" panose="020B0604020202020204" pitchFamily="34" charset="0"/>
+              <a:ea typeface="Times New Roman"/>
+              <a:cs typeface="Arial" panose="020B0604020202020204" pitchFamily="34" charset="0"/>
+            </a:endParaRPr>
+          </a:p>
+        </p:txBody>
+      </p:sp>
       <p:sp>
         <p:nvSpPr>
           <p:cNvPr id="32" name="Rectangle 29"/>
@@ -4533,6 +4519,1234 @@
     <p:extLst>
       <p:ext uri="{BB962C8B-B14F-4D97-AF65-F5344CB8AC3E}">
         <p14:creationId xmlns:p14="http://schemas.microsoft.com/office/powerpoint/2010/main" val="2812053958"/>
+      </p:ext>
+    </p:extLst>
+  </p:cSld>
+  <p:clrMapOvr>
+    <a:masterClrMapping/>
+  </p:clrMapOvr>
+</p:sld>
+</file>
+
+<file path=ppt/slides/slide2.xml><?xml version="1.0" encoding="utf-8"?>
+<p:sld xmlns:a="http://schemas.openxmlformats.org/drawingml/2006/main" xmlns:r="http://schemas.openxmlformats.org/officeDocument/2006/relationships" xmlns:p="http://schemas.openxmlformats.org/presentationml/2006/main">
+  <p:cSld>
+    <p:spTree>
+      <p:nvGrpSpPr>
+        <p:cNvPr id="1" name=""/>
+        <p:cNvGrpSpPr/>
+        <p:nvPr/>
+      </p:nvGrpSpPr>
+      <p:grpSpPr>
+        <a:xfrm>
+          <a:off x="0" y="0"/>
+          <a:ext cx="0" cy="0"/>
+          <a:chOff x="0" y="0"/>
+          <a:chExt cx="0" cy="0"/>
+        </a:xfrm>
+      </p:grpSpPr>
+      <p:cxnSp>
+        <p:nvCxnSpPr>
+          <p:cNvPr id="35" name="Gerade Verbindung mit Pfeil 34"/>
+          <p:cNvCxnSpPr>
+            <a:stCxn id="36" idx="1"/>
+          </p:cNvCxnSpPr>
+          <p:nvPr/>
+        </p:nvCxnSpPr>
+        <p:spPr>
+          <a:xfrm flipH="1" flipV="1">
+            <a:off x="4310648" y="3645024"/>
+            <a:ext cx="408099" cy="216000"/>
+          </a:xfrm>
+          <a:prstGeom prst="straightConnector1">
+            <a:avLst/>
+          </a:prstGeom>
+          <a:ln w="28575">
+            <a:solidFill>
+              <a:schemeClr val="accent6"/>
+            </a:solidFill>
+            <a:tailEnd type="arrow"/>
+          </a:ln>
+        </p:spPr>
+        <p:style>
+          <a:lnRef idx="1">
+            <a:schemeClr val="accent1"/>
+          </a:lnRef>
+          <a:fillRef idx="0">
+            <a:schemeClr val="accent1"/>
+          </a:fillRef>
+          <a:effectRef idx="0">
+            <a:schemeClr val="accent1"/>
+          </a:effectRef>
+          <a:fontRef idx="minor">
+            <a:schemeClr val="tx1"/>
+          </a:fontRef>
+        </p:style>
+      </p:cxnSp>
+      <p:cxnSp>
+        <p:nvCxnSpPr>
+          <p:cNvPr id="27" name="Gerade Verbindung mit Pfeil 26"/>
+          <p:cNvCxnSpPr>
+            <a:stCxn id="29" idx="1"/>
+          </p:cNvCxnSpPr>
+          <p:nvPr/>
+        </p:nvCxnSpPr>
+        <p:spPr>
+          <a:xfrm flipH="1" flipV="1">
+            <a:off x="4310649" y="3239230"/>
+            <a:ext cx="408098" cy="46739"/>
+          </a:xfrm>
+          <a:prstGeom prst="straightConnector1">
+            <a:avLst/>
+          </a:prstGeom>
+          <a:ln w="28575">
+            <a:solidFill>
+              <a:schemeClr val="accent6"/>
+            </a:solidFill>
+            <a:tailEnd type="arrow"/>
+          </a:ln>
+        </p:spPr>
+        <p:style>
+          <a:lnRef idx="1">
+            <a:schemeClr val="accent1"/>
+          </a:lnRef>
+          <a:fillRef idx="0">
+            <a:schemeClr val="accent1"/>
+          </a:fillRef>
+          <a:effectRef idx="0">
+            <a:schemeClr val="accent1"/>
+          </a:effectRef>
+          <a:fontRef idx="minor">
+            <a:schemeClr val="tx1"/>
+          </a:fontRef>
+        </p:style>
+      </p:cxnSp>
+      <p:cxnSp>
+        <p:nvCxnSpPr>
+          <p:cNvPr id="28" name="Gerade Verbindung mit Pfeil 27"/>
+          <p:cNvCxnSpPr>
+            <a:stCxn id="30" idx="1"/>
+          </p:cNvCxnSpPr>
+          <p:nvPr/>
+        </p:nvCxnSpPr>
+        <p:spPr>
+          <a:xfrm flipH="1">
+            <a:off x="4114725" y="2710914"/>
+            <a:ext cx="603562" cy="375455"/>
+          </a:xfrm>
+          <a:prstGeom prst="straightConnector1">
+            <a:avLst/>
+          </a:prstGeom>
+          <a:ln w="28575">
+            <a:solidFill>
+              <a:schemeClr val="accent6"/>
+            </a:solidFill>
+            <a:headEnd type="arrow"/>
+            <a:tailEnd type="none"/>
+          </a:ln>
+        </p:spPr>
+        <p:style>
+          <a:lnRef idx="1">
+            <a:schemeClr val="accent1"/>
+          </a:lnRef>
+          <a:fillRef idx="0">
+            <a:schemeClr val="accent1"/>
+          </a:fillRef>
+          <a:effectRef idx="0">
+            <a:schemeClr val="accent1"/>
+          </a:effectRef>
+          <a:fontRef idx="minor">
+            <a:schemeClr val="tx1"/>
+          </a:fontRef>
+        </p:style>
+      </p:cxnSp>
+      <p:sp>
+        <p:nvSpPr>
+          <p:cNvPr id="4" name="Textfeld 4"/>
+          <p:cNvSpPr txBox="1"/>
+          <p:nvPr/>
+        </p:nvSpPr>
+        <p:spPr>
+          <a:xfrm>
+            <a:off x="1605915" y="2343150"/>
+            <a:ext cx="1334136" cy="403225"/>
+          </a:xfrm>
+          <a:prstGeom prst="rect">
+            <a:avLst/>
+          </a:prstGeom>
+          <a:ln/>
+        </p:spPr>
+        <p:style>
+          <a:lnRef idx="2">
+            <a:schemeClr val="accent2">
+              <a:shade val="50000"/>
+            </a:schemeClr>
+          </a:lnRef>
+          <a:fillRef idx="1">
+            <a:schemeClr val="accent2"/>
+          </a:fillRef>
+          <a:effectRef idx="0">
+            <a:schemeClr val="accent2"/>
+          </a:effectRef>
+          <a:fontRef idx="minor">
+            <a:schemeClr val="lt1"/>
+          </a:fontRef>
+        </p:style>
+        <p:txBody>
+          <a:bodyPr rot="0" spcFirstLastPara="0" vert="horz" wrap="square" lIns="91440" tIns="45720" rIns="91440" bIns="45720" numCol="1" spcCol="0" rtlCol="0" fromWordArt="0" anchor="ctr" anchorCtr="0" forceAA="0" compatLnSpc="1">
+            <a:prstTxWarp prst="textNoShape">
+              <a:avLst/>
+            </a:prstTxWarp>
+            <a:noAutofit/>
+          </a:bodyPr>
+          <a:lstStyle/>
+          <a:p>
+            <a:pPr algn="ctr">
+              <a:spcAft>
+                <a:spcPts val="600"/>
+              </a:spcAft>
+            </a:pPr>
+            <a:r>
+              <a:rPr lang="en-US" sz="1000" kern="1200" dirty="0" smtClean="0">
+                <a:solidFill>
+                  <a:srgbClr val="000000"/>
+                </a:solidFill>
+                <a:effectLst/>
+                <a:latin typeface="Arial" panose="020B0604020202020204" pitchFamily="34" charset="0"/>
+                <a:ea typeface="Arial Unicode MS"/>
+                <a:cs typeface="Arial" panose="020B0604020202020204" pitchFamily="34" charset="0"/>
+              </a:rPr>
+              <a:t>SHELXL res-file </a:t>
+            </a:r>
+            <a:r>
+              <a:rPr lang="en-US" sz="1000" kern="1200" dirty="0">
+                <a:solidFill>
+                  <a:srgbClr val="000000"/>
+                </a:solidFill>
+                <a:effectLst/>
+                <a:latin typeface="Arial" panose="020B0604020202020204" pitchFamily="34" charset="0"/>
+                <a:ea typeface="Arial Unicode MS"/>
+                <a:cs typeface="Arial" panose="020B0604020202020204" pitchFamily="34" charset="0"/>
+              </a:rPr>
+              <a:t>with DSR command</a:t>
+            </a:r>
+            <a:endParaRPr lang="de-DE" sz="1000" dirty="0">
+              <a:effectLst/>
+              <a:latin typeface="Arial" panose="020B0604020202020204" pitchFamily="34" charset="0"/>
+              <a:ea typeface="Times New Roman"/>
+              <a:cs typeface="Arial" panose="020B0604020202020204" pitchFamily="34" charset="0"/>
+            </a:endParaRPr>
+          </a:p>
+        </p:txBody>
+      </p:sp>
+      <p:cxnSp>
+        <p:nvCxnSpPr>
+          <p:cNvPr id="5" name="Gerade Verbindung mit Pfeil 4"/>
+          <p:cNvCxnSpPr/>
+          <p:nvPr/>
+        </p:nvCxnSpPr>
+        <p:spPr>
+          <a:xfrm>
+            <a:off x="2270125" y="2750185"/>
+            <a:ext cx="3810" cy="816610"/>
+          </a:xfrm>
+          <a:prstGeom prst="straightConnector1">
+            <a:avLst/>
+          </a:prstGeom>
+          <a:ln w="28575">
+            <a:tailEnd type="arrow"/>
+          </a:ln>
+        </p:spPr>
+        <p:style>
+          <a:lnRef idx="1">
+            <a:schemeClr val="accent1"/>
+          </a:lnRef>
+          <a:fillRef idx="0">
+            <a:schemeClr val="accent1"/>
+          </a:fillRef>
+          <a:effectRef idx="0">
+            <a:schemeClr val="accent1"/>
+          </a:effectRef>
+          <a:fontRef idx="minor">
+            <a:schemeClr val="tx1"/>
+          </a:fontRef>
+        </p:style>
+      </p:cxnSp>
+      <p:cxnSp>
+        <p:nvCxnSpPr>
+          <p:cNvPr id="6" name="Gerade Verbindung mit Pfeil 5"/>
+          <p:cNvCxnSpPr/>
+          <p:nvPr/>
+        </p:nvCxnSpPr>
+        <p:spPr>
+          <a:xfrm flipV="1">
+            <a:off x="2277110" y="3094982"/>
+            <a:ext cx="1196792" cy="1913"/>
+          </a:xfrm>
+          <a:prstGeom prst="straightConnector1">
+            <a:avLst/>
+          </a:prstGeom>
+          <a:ln w="28575">
+            <a:headEnd type="arrow"/>
+            <a:tailEnd type="arrow"/>
+          </a:ln>
+        </p:spPr>
+        <p:style>
+          <a:lnRef idx="1">
+            <a:schemeClr val="accent1"/>
+          </a:lnRef>
+          <a:fillRef idx="0">
+            <a:schemeClr val="accent1"/>
+          </a:fillRef>
+          <a:effectRef idx="0">
+            <a:schemeClr val="accent1"/>
+          </a:effectRef>
+          <a:fontRef idx="minor">
+            <a:schemeClr val="tx1"/>
+          </a:fontRef>
+        </p:style>
+      </p:cxnSp>
+      <p:grpSp>
+        <p:nvGrpSpPr>
+          <p:cNvPr id="8" name="Gruppieren 7"/>
+          <p:cNvGrpSpPr/>
+          <p:nvPr/>
+        </p:nvGrpSpPr>
+        <p:grpSpPr>
+          <a:xfrm>
+            <a:off x="3473902" y="2722880"/>
+            <a:ext cx="836746" cy="1042352"/>
+            <a:chOff x="2543379" y="708132"/>
+            <a:chExt cx="856779" cy="1085470"/>
+          </a:xfrm>
+        </p:grpSpPr>
+        <p:sp>
+          <p:nvSpPr>
+            <p:cNvPr id="10" name="Flussdiagramm: Magnetplattenspeicher 9"/>
+            <p:cNvSpPr/>
+            <p:nvPr/>
+          </p:nvSpPr>
+          <p:spPr>
+            <a:xfrm>
+              <a:off x="2543379" y="708132"/>
+              <a:ext cx="856779" cy="1085470"/>
+            </a:xfrm>
+            <a:prstGeom prst="flowChartMagneticDisk">
+              <a:avLst/>
+            </a:prstGeom>
+            <a:solidFill>
+              <a:srgbClr val="5E8BC2"/>
+            </a:solidFill>
+          </p:spPr>
+          <p:style>
+            <a:lnRef idx="2">
+              <a:schemeClr val="accent1">
+                <a:shade val="50000"/>
+              </a:schemeClr>
+            </a:lnRef>
+            <a:fillRef idx="1">
+              <a:schemeClr val="accent1"/>
+            </a:fillRef>
+            <a:effectRef idx="0">
+              <a:schemeClr val="accent1"/>
+            </a:effectRef>
+            <a:fontRef idx="minor">
+              <a:schemeClr val="lt1"/>
+            </a:fontRef>
+          </p:style>
+          <p:txBody>
+            <a:bodyPr rot="0" spcFirstLastPara="0" vert="horz" wrap="square" lIns="91440" tIns="45720" rIns="91440" bIns="45720" numCol="1" spcCol="0" rtlCol="0" fromWordArt="0" anchor="ctr" anchorCtr="0" forceAA="0" compatLnSpc="1">
+              <a:prstTxWarp prst="textNoShape">
+                <a:avLst/>
+              </a:prstTxWarp>
+              <a:noAutofit/>
+            </a:bodyPr>
+            <a:lstStyle/>
+            <a:p>
+              <a:pPr>
+                <a:spcAft>
+                  <a:spcPts val="0"/>
+                </a:spcAft>
+              </a:pPr>
+              <a:r>
+                <a:rPr lang="en-US" sz="1000">
+                  <a:effectLst/>
+                  <a:latin typeface="Arial" panose="020B0604020202020204" pitchFamily="34" charset="0"/>
+                  <a:ea typeface="Times New Roman"/>
+                  <a:cs typeface="Arial" panose="020B0604020202020204" pitchFamily="34" charset="0"/>
+                </a:rPr>
+                <a:t> </a:t>
+              </a:r>
+              <a:endParaRPr lang="de-DE" sz="1000">
+                <a:effectLst/>
+                <a:latin typeface="Arial" panose="020B0604020202020204" pitchFamily="34" charset="0"/>
+                <a:ea typeface="Times New Roman"/>
+                <a:cs typeface="Arial" panose="020B0604020202020204" pitchFamily="34" charset="0"/>
+              </a:endParaRPr>
+            </a:p>
+          </p:txBody>
+        </p:sp>
+        <p:pic>
+          <p:nvPicPr>
+            <p:cNvPr id="11" name="Grafik 10"/>
+            <p:cNvPicPr/>
+            <p:nvPr/>
+          </p:nvPicPr>
+          <p:blipFill>
+            <a:blip r:embed="rId2"/>
+            <a:stretch>
+              <a:fillRect/>
+            </a:stretch>
+          </p:blipFill>
+          <p:spPr>
+            <a:xfrm>
+              <a:off x="2778320" y="942143"/>
+              <a:ext cx="365738" cy="463589"/>
+            </a:xfrm>
+            <a:prstGeom prst="rect">
+              <a:avLst/>
+            </a:prstGeom>
+          </p:spPr>
+        </p:pic>
+      </p:grpSp>
+      <p:sp>
+        <p:nvSpPr>
+          <p:cNvPr id="9" name="Textfeld 10"/>
+          <p:cNvSpPr txBox="1"/>
+          <p:nvPr/>
+        </p:nvSpPr>
+        <p:spPr>
+          <a:xfrm>
+            <a:off x="3431265" y="3311237"/>
+            <a:ext cx="922020" cy="462102"/>
+          </a:xfrm>
+          <a:prstGeom prst="rect">
+            <a:avLst/>
+          </a:prstGeom>
+          <a:noFill/>
+          <a:ln w="6350">
+            <a:noFill/>
+          </a:ln>
+          <a:effectLst/>
+        </p:spPr>
+        <p:style>
+          <a:lnRef idx="0">
+            <a:schemeClr val="accent1"/>
+          </a:lnRef>
+          <a:fillRef idx="0">
+            <a:schemeClr val="accent1"/>
+          </a:fillRef>
+          <a:effectRef idx="0">
+            <a:schemeClr val="accent1"/>
+          </a:effectRef>
+          <a:fontRef idx="minor">
+            <a:schemeClr val="dk1"/>
+          </a:fontRef>
+        </p:style>
+        <p:txBody>
+          <a:bodyPr rot="0" spcFirstLastPara="0" vert="horz" wrap="square" lIns="91440" tIns="45720" rIns="91440" bIns="45720" numCol="1" spcCol="0" rtlCol="0" fromWordArt="0" anchor="ctr" anchorCtr="0" forceAA="0" compatLnSpc="1">
+            <a:prstTxWarp prst="textNoShape">
+              <a:avLst/>
+            </a:prstTxWarp>
+            <a:noAutofit/>
+          </a:bodyPr>
+          <a:lstStyle/>
+          <a:p>
+            <a:pPr algn="ctr">
+              <a:spcAft>
+                <a:spcPts val="600"/>
+              </a:spcAft>
+            </a:pPr>
+            <a:r>
+              <a:rPr lang="en-US" sz="1000" kern="1200" dirty="0">
+                <a:solidFill>
+                  <a:srgbClr val="000000"/>
+                </a:solidFill>
+                <a:effectLst/>
+                <a:latin typeface="Arial" panose="020B0604020202020204" pitchFamily="34" charset="0"/>
+                <a:ea typeface="Arial Unicode MS"/>
+                <a:cs typeface="Arial" panose="020B0604020202020204" pitchFamily="34" charset="0"/>
+              </a:rPr>
+              <a:t>fragment database</a:t>
+            </a:r>
+            <a:endParaRPr lang="de-DE" sz="1000" dirty="0">
+              <a:effectLst/>
+              <a:latin typeface="Arial" panose="020B0604020202020204" pitchFamily="34" charset="0"/>
+              <a:ea typeface="Times New Roman"/>
+              <a:cs typeface="Arial" panose="020B0604020202020204" pitchFamily="34" charset="0"/>
+            </a:endParaRPr>
+          </a:p>
+        </p:txBody>
+      </p:sp>
+      <p:sp>
+        <p:nvSpPr>
+          <p:cNvPr id="12" name="Textfeld 15"/>
+          <p:cNvSpPr txBox="1"/>
+          <p:nvPr/>
+        </p:nvSpPr>
+        <p:spPr>
+          <a:xfrm>
+            <a:off x="3563888" y="4461242"/>
+            <a:ext cx="1493520" cy="489903"/>
+          </a:xfrm>
+          <a:prstGeom prst="rect">
+            <a:avLst/>
+          </a:prstGeom>
+          <a:ln/>
+        </p:spPr>
+        <p:style>
+          <a:lnRef idx="2">
+            <a:schemeClr val="accent3">
+              <a:shade val="50000"/>
+            </a:schemeClr>
+          </a:lnRef>
+          <a:fillRef idx="1">
+            <a:schemeClr val="accent3"/>
+          </a:fillRef>
+          <a:effectRef idx="0">
+            <a:schemeClr val="accent3"/>
+          </a:effectRef>
+          <a:fontRef idx="minor">
+            <a:schemeClr val="lt1"/>
+          </a:fontRef>
+        </p:style>
+        <p:txBody>
+          <a:bodyPr rot="0" spcFirstLastPara="0" vert="horz" wrap="square" lIns="91440" tIns="45720" rIns="91440" bIns="45720" numCol="1" spcCol="0" rtlCol="0" fromWordArt="0" anchor="ctr" anchorCtr="0" forceAA="0" compatLnSpc="1">
+            <a:prstTxWarp prst="textNoShape">
+              <a:avLst/>
+            </a:prstTxWarp>
+            <a:noAutofit/>
+          </a:bodyPr>
+          <a:lstStyle/>
+          <a:p>
+            <a:pPr algn="ctr">
+              <a:spcAft>
+                <a:spcPts val="600"/>
+              </a:spcAft>
+            </a:pPr>
+            <a:r>
+              <a:rPr lang="en-US" sz="1000" kern="1200" dirty="0" smtClean="0">
+                <a:solidFill>
+                  <a:srgbClr val="000000"/>
+                </a:solidFill>
+                <a:effectLst/>
+                <a:latin typeface="Arial" panose="020B0604020202020204" pitchFamily="34" charset="0"/>
+                <a:ea typeface="Arial Unicode MS"/>
+                <a:cs typeface="Arial" panose="020B0604020202020204" pitchFamily="34" charset="0"/>
+              </a:rPr>
+              <a:t>new </a:t>
+            </a:r>
+            <a:r>
+              <a:rPr lang="en-US" sz="1000" kern="1200" dirty="0">
+                <a:solidFill>
+                  <a:srgbClr val="000000"/>
+                </a:solidFill>
+                <a:effectLst/>
+                <a:latin typeface="Arial" panose="020B0604020202020204" pitchFamily="34" charset="0"/>
+                <a:ea typeface="Arial Unicode MS"/>
+                <a:cs typeface="Arial" panose="020B0604020202020204" pitchFamily="34" charset="0"/>
+              </a:rPr>
+              <a:t>res-file with fragment and restraints</a:t>
+            </a:r>
+            <a:endParaRPr lang="de-DE" sz="1000" dirty="0">
+              <a:effectLst/>
+              <a:latin typeface="Arial" panose="020B0604020202020204" pitchFamily="34" charset="0"/>
+              <a:ea typeface="Times New Roman"/>
+              <a:cs typeface="Arial" panose="020B0604020202020204" pitchFamily="34" charset="0"/>
+            </a:endParaRPr>
+          </a:p>
+        </p:txBody>
+      </p:sp>
+      <p:sp>
+        <p:nvSpPr>
+          <p:cNvPr id="13" name="Textfeld 16"/>
+          <p:cNvSpPr txBox="1"/>
+          <p:nvPr/>
+        </p:nvSpPr>
+        <p:spPr>
+          <a:xfrm>
+            <a:off x="1605915" y="3559810"/>
+            <a:ext cx="1334135" cy="410845"/>
+          </a:xfrm>
+          <a:prstGeom prst="rect">
+            <a:avLst/>
+          </a:prstGeom>
+          <a:noFill/>
+          <a:ln/>
+        </p:spPr>
+        <p:style>
+          <a:lnRef idx="2">
+            <a:schemeClr val="accent1"/>
+          </a:lnRef>
+          <a:fillRef idx="1">
+            <a:schemeClr val="lt1"/>
+          </a:fillRef>
+          <a:effectRef idx="0">
+            <a:schemeClr val="accent1"/>
+          </a:effectRef>
+          <a:fontRef idx="minor">
+            <a:schemeClr val="dk1"/>
+          </a:fontRef>
+        </p:style>
+        <p:txBody>
+          <a:bodyPr rot="0" spcFirstLastPara="0" vert="horz" wrap="square" lIns="91440" tIns="45720" rIns="91440" bIns="45720" numCol="1" spcCol="0" rtlCol="0" fromWordArt="0" anchor="ctr" anchorCtr="0" forceAA="0" compatLnSpc="1">
+            <a:prstTxWarp prst="textNoShape">
+              <a:avLst/>
+            </a:prstTxWarp>
+            <a:noAutofit/>
+          </a:bodyPr>
+          <a:lstStyle/>
+          <a:p>
+            <a:pPr algn="ctr">
+              <a:spcAft>
+                <a:spcPts val="600"/>
+              </a:spcAft>
+            </a:pPr>
+            <a:r>
+              <a:rPr lang="en-US" sz="1000" kern="1200" dirty="0" smtClean="0">
+                <a:solidFill>
+                  <a:srgbClr val="000000"/>
+                </a:solidFill>
+                <a:effectLst/>
+                <a:latin typeface="Arial" panose="020B0604020202020204" pitchFamily="34" charset="0"/>
+                <a:ea typeface="Arial Unicode MS"/>
+                <a:cs typeface="Arial" panose="020B0604020202020204" pitchFamily="34" charset="0"/>
+              </a:rPr>
+              <a:t>possibly apply </a:t>
+            </a:r>
+            <a:r>
+              <a:rPr lang="en-US" sz="1000" kern="1200" dirty="0">
+                <a:solidFill>
+                  <a:srgbClr val="000000"/>
+                </a:solidFill>
+                <a:effectLst/>
+                <a:latin typeface="Arial" panose="020B0604020202020204" pitchFamily="34" charset="0"/>
+                <a:ea typeface="Arial Unicode MS"/>
+                <a:cs typeface="Arial" panose="020B0604020202020204" pitchFamily="34" charset="0"/>
+              </a:rPr>
+              <a:t>new </a:t>
+            </a:r>
+            <a:r>
+              <a:rPr lang="en-US" sz="1000" kern="1200" dirty="0" smtClean="0">
+                <a:solidFill>
+                  <a:srgbClr val="000000"/>
+                </a:solidFill>
+                <a:effectLst/>
+                <a:latin typeface="Arial" panose="020B0604020202020204" pitchFamily="34" charset="0"/>
+                <a:ea typeface="Arial Unicode MS"/>
+                <a:cs typeface="Arial" panose="020B0604020202020204" pitchFamily="34" charset="0"/>
+              </a:rPr>
+              <a:t>naming scheme</a:t>
+            </a:r>
+            <a:endParaRPr lang="de-DE" sz="1000" dirty="0">
+              <a:effectLst/>
+              <a:latin typeface="Arial" panose="020B0604020202020204" pitchFamily="34" charset="0"/>
+              <a:ea typeface="Times New Roman"/>
+              <a:cs typeface="Arial" panose="020B0604020202020204" pitchFamily="34" charset="0"/>
+            </a:endParaRPr>
+          </a:p>
+        </p:txBody>
+      </p:sp>
+      <p:sp>
+        <p:nvSpPr>
+          <p:cNvPr id="23" name="Textfeld 27"/>
+          <p:cNvSpPr txBox="1"/>
+          <p:nvPr/>
+        </p:nvSpPr>
+        <p:spPr>
+          <a:xfrm>
+            <a:off x="1652801" y="4488865"/>
+            <a:ext cx="1237615" cy="438150"/>
+          </a:xfrm>
+          <a:prstGeom prst="rect">
+            <a:avLst/>
+          </a:prstGeom>
+          <a:noFill/>
+          <a:ln/>
+        </p:spPr>
+        <p:style>
+          <a:lnRef idx="2">
+            <a:schemeClr val="accent1"/>
+          </a:lnRef>
+          <a:fillRef idx="1">
+            <a:schemeClr val="lt1"/>
+          </a:fillRef>
+          <a:effectRef idx="0">
+            <a:schemeClr val="accent1"/>
+          </a:effectRef>
+          <a:fontRef idx="minor">
+            <a:schemeClr val="dk1"/>
+          </a:fontRef>
+        </p:style>
+        <p:txBody>
+          <a:bodyPr rot="0" spcFirstLastPara="0" vert="horz" wrap="square" lIns="91440" tIns="45720" rIns="91440" bIns="45720" numCol="1" spcCol="0" rtlCol="0" fromWordArt="0" anchor="ctr" anchorCtr="0" forceAA="0" compatLnSpc="1">
+            <a:prstTxWarp prst="textNoShape">
+              <a:avLst/>
+            </a:prstTxWarp>
+            <a:noAutofit/>
+          </a:bodyPr>
+          <a:lstStyle/>
+          <a:p>
+            <a:pPr algn="ctr">
+              <a:spcAft>
+                <a:spcPts val="600"/>
+              </a:spcAft>
+            </a:pPr>
+            <a:r>
+              <a:rPr lang="en-US" sz="1000" dirty="0" smtClean="0">
+                <a:solidFill>
+                  <a:srgbClr val="000000"/>
+                </a:solidFill>
+                <a:latin typeface="Arial" panose="020B0604020202020204" pitchFamily="34" charset="0"/>
+                <a:ea typeface="Arial Unicode MS"/>
+                <a:cs typeface="Arial" panose="020B0604020202020204" pitchFamily="34" charset="0"/>
+              </a:rPr>
+              <a:t>transfer fragment to structure</a:t>
+            </a:r>
+            <a:endParaRPr lang="de-DE" sz="1000" dirty="0">
+              <a:latin typeface="Arial" panose="020B0604020202020204" pitchFamily="34" charset="0"/>
+              <a:ea typeface="Times New Roman"/>
+              <a:cs typeface="Arial" panose="020B0604020202020204" pitchFamily="34" charset="0"/>
+            </a:endParaRPr>
+          </a:p>
+        </p:txBody>
+      </p:sp>
+      <p:cxnSp>
+        <p:nvCxnSpPr>
+          <p:cNvPr id="24" name="Gerade Verbindung mit Pfeil 23"/>
+          <p:cNvCxnSpPr>
+            <a:stCxn id="23" idx="3"/>
+            <a:endCxn id="12" idx="1"/>
+          </p:cNvCxnSpPr>
+          <p:nvPr/>
+        </p:nvCxnSpPr>
+        <p:spPr>
+          <a:xfrm flipV="1">
+            <a:off x="2890416" y="4706194"/>
+            <a:ext cx="673472" cy="1746"/>
+          </a:xfrm>
+          <a:prstGeom prst="straightConnector1">
+            <a:avLst/>
+          </a:prstGeom>
+          <a:ln w="28575">
+            <a:tailEnd type="arrow"/>
+          </a:ln>
+        </p:spPr>
+        <p:style>
+          <a:lnRef idx="1">
+            <a:schemeClr val="accent1"/>
+          </a:lnRef>
+          <a:fillRef idx="0">
+            <a:schemeClr val="accent1"/>
+          </a:fillRef>
+          <a:effectRef idx="0">
+            <a:schemeClr val="accent1"/>
+          </a:effectRef>
+          <a:fontRef idx="minor">
+            <a:schemeClr val="tx1"/>
+          </a:fontRef>
+        </p:style>
+      </p:cxnSp>
+      <p:cxnSp>
+        <p:nvCxnSpPr>
+          <p:cNvPr id="25" name="Gerade Verbindung mit Pfeil 24"/>
+          <p:cNvCxnSpPr>
+            <a:stCxn id="13" idx="2"/>
+            <a:endCxn id="23" idx="0"/>
+          </p:cNvCxnSpPr>
+          <p:nvPr/>
+        </p:nvCxnSpPr>
+        <p:spPr>
+          <a:xfrm flipH="1">
+            <a:off x="2271609" y="3970655"/>
+            <a:ext cx="1374" cy="518210"/>
+          </a:xfrm>
+          <a:prstGeom prst="straightConnector1">
+            <a:avLst/>
+          </a:prstGeom>
+          <a:ln w="28575">
+            <a:tailEnd type="arrow"/>
+          </a:ln>
+        </p:spPr>
+        <p:style>
+          <a:lnRef idx="1">
+            <a:schemeClr val="accent1"/>
+          </a:lnRef>
+          <a:fillRef idx="0">
+            <a:schemeClr val="accent1"/>
+          </a:fillRef>
+          <a:effectRef idx="0">
+            <a:schemeClr val="accent1"/>
+          </a:effectRef>
+          <a:fontRef idx="minor">
+            <a:schemeClr val="tx1"/>
+          </a:fontRef>
+        </p:style>
+      </p:cxnSp>
+      <p:sp>
+        <p:nvSpPr>
+          <p:cNvPr id="29" name="Textfeld 28"/>
+          <p:cNvSpPr txBox="1"/>
+          <p:nvPr/>
+        </p:nvSpPr>
+        <p:spPr>
+          <a:xfrm>
+            <a:off x="4718747" y="3069969"/>
+            <a:ext cx="1221405" cy="432000"/>
+          </a:xfrm>
+          <a:prstGeom prst="rect">
+            <a:avLst/>
+          </a:prstGeom>
+          <a:noFill/>
+          <a:ln>
+            <a:solidFill>
+              <a:schemeClr val="accent6"/>
+            </a:solidFill>
+          </a:ln>
+        </p:spPr>
+        <p:style>
+          <a:lnRef idx="2">
+            <a:schemeClr val="accent1"/>
+          </a:lnRef>
+          <a:fillRef idx="1">
+            <a:schemeClr val="lt1"/>
+          </a:fillRef>
+          <a:effectRef idx="0">
+            <a:schemeClr val="accent1"/>
+          </a:effectRef>
+          <a:fontRef idx="minor">
+            <a:schemeClr val="dk1"/>
+          </a:fontRef>
+        </p:style>
+        <p:txBody>
+          <a:bodyPr rot="0" spcFirstLastPara="0" vert="horz" wrap="square" lIns="91440" tIns="45720" rIns="91440" bIns="45720" numCol="1" spcCol="0" rtlCol="0" fromWordArt="0" anchor="ctr" anchorCtr="0" forceAA="0" compatLnSpc="1">
+            <a:prstTxWarp prst="textNoShape">
+              <a:avLst/>
+            </a:prstTxWarp>
+            <a:noAutofit/>
+          </a:bodyPr>
+          <a:lstStyle/>
+          <a:p>
+            <a:pPr algn="ctr">
+              <a:spcAft>
+                <a:spcPts val="600"/>
+              </a:spcAft>
+            </a:pPr>
+            <a:r>
+              <a:rPr lang="en-US" sz="1000" kern="1200" dirty="0">
+                <a:solidFill>
+                  <a:srgbClr val="000000"/>
+                </a:solidFill>
+                <a:effectLst/>
+                <a:latin typeface="Arial" panose="020B0604020202020204" pitchFamily="34" charset="0"/>
+                <a:ea typeface="Arial Unicode MS"/>
+                <a:cs typeface="Arial" panose="020B0604020202020204" pitchFamily="34" charset="0"/>
+              </a:rPr>
+              <a:t>import from </a:t>
+            </a:r>
+            <a:r>
+              <a:rPr lang="en-US" sz="1000" kern="1200" dirty="0" smtClean="0">
+                <a:solidFill>
+                  <a:srgbClr val="000000"/>
+                </a:solidFill>
+                <a:effectLst/>
+                <a:latin typeface="Arial" panose="020B0604020202020204" pitchFamily="34" charset="0"/>
+                <a:ea typeface="Arial Unicode MS"/>
+                <a:cs typeface="Arial" panose="020B0604020202020204" pitchFamily="34" charset="0"/>
+              </a:rPr>
+              <a:t>GRADE server</a:t>
+            </a:r>
+            <a:endParaRPr lang="de-DE" sz="1000" dirty="0">
+              <a:effectLst/>
+              <a:latin typeface="Arial" panose="020B0604020202020204" pitchFamily="34" charset="0"/>
+              <a:ea typeface="Times New Roman"/>
+              <a:cs typeface="Arial" panose="020B0604020202020204" pitchFamily="34" charset="0"/>
+            </a:endParaRPr>
+          </a:p>
+        </p:txBody>
+      </p:sp>
+      <p:sp>
+        <p:nvSpPr>
+          <p:cNvPr id="30" name="Textfeld 28"/>
+          <p:cNvSpPr txBox="1"/>
+          <p:nvPr/>
+        </p:nvSpPr>
+        <p:spPr>
+          <a:xfrm>
+            <a:off x="4718287" y="2494914"/>
+            <a:ext cx="1221865" cy="432000"/>
+          </a:xfrm>
+          <a:prstGeom prst="rect">
+            <a:avLst/>
+          </a:prstGeom>
+          <a:noFill/>
+          <a:ln>
+            <a:solidFill>
+              <a:schemeClr val="accent6"/>
+            </a:solidFill>
+          </a:ln>
+        </p:spPr>
+        <p:style>
+          <a:lnRef idx="2">
+            <a:schemeClr val="accent1"/>
+          </a:lnRef>
+          <a:fillRef idx="1">
+            <a:schemeClr val="lt1"/>
+          </a:fillRef>
+          <a:effectRef idx="0">
+            <a:schemeClr val="accent1"/>
+          </a:effectRef>
+          <a:fontRef idx="minor">
+            <a:schemeClr val="dk1"/>
+          </a:fontRef>
+        </p:style>
+        <p:txBody>
+          <a:bodyPr rot="0" spcFirstLastPara="0" vert="horz" wrap="square" lIns="91440" tIns="45720" rIns="91440" bIns="45720" numCol="1" spcCol="0" rtlCol="0" fromWordArt="0" anchor="ctr" anchorCtr="0" forceAA="0" compatLnSpc="1">
+            <a:prstTxWarp prst="textNoShape">
+              <a:avLst/>
+            </a:prstTxWarp>
+            <a:noAutofit/>
+          </a:bodyPr>
+          <a:lstStyle/>
+          <a:p>
+            <a:pPr>
+              <a:spcAft>
+                <a:spcPts val="600"/>
+              </a:spcAft>
+            </a:pPr>
+            <a:r>
+              <a:rPr lang="en-US" sz="1000" kern="1200" dirty="0">
+                <a:solidFill>
+                  <a:srgbClr val="000000"/>
+                </a:solidFill>
+                <a:effectLst/>
+                <a:latin typeface="Arial" panose="020B0604020202020204" pitchFamily="34" charset="0"/>
+                <a:ea typeface="Arial Unicode MS"/>
+                <a:cs typeface="Arial" panose="020B0604020202020204" pitchFamily="34" charset="0"/>
+              </a:rPr>
+              <a:t>Export to </a:t>
+            </a:r>
+            <a:r>
+              <a:rPr lang="en-US" sz="1000" kern="1200" dirty="0" smtClean="0">
+                <a:solidFill>
+                  <a:srgbClr val="000000"/>
+                </a:solidFill>
+                <a:effectLst/>
+                <a:latin typeface="Arial" panose="020B0604020202020204" pitchFamily="34" charset="0"/>
+                <a:ea typeface="Arial Unicode MS"/>
+                <a:cs typeface="Arial" panose="020B0604020202020204" pitchFamily="34" charset="0"/>
+              </a:rPr>
+              <a:t>res, </a:t>
+            </a:r>
+            <a:r>
+              <a:rPr lang="en-US" sz="1000" kern="1200" dirty="0" err="1" smtClean="0">
+                <a:solidFill>
+                  <a:srgbClr val="000000"/>
+                </a:solidFill>
+                <a:effectLst/>
+                <a:latin typeface="Arial" panose="020B0604020202020204" pitchFamily="34" charset="0"/>
+                <a:ea typeface="Arial Unicode MS"/>
+                <a:cs typeface="Arial" panose="020B0604020202020204" pitchFamily="34" charset="0"/>
+              </a:rPr>
+              <a:t>png</a:t>
+            </a:r>
+            <a:r>
+              <a:rPr lang="en-US" sz="1000" kern="1200" dirty="0" smtClean="0">
+                <a:solidFill>
+                  <a:srgbClr val="000000"/>
+                </a:solidFill>
+                <a:effectLst/>
+                <a:latin typeface="Arial" panose="020B0604020202020204" pitchFamily="34" charset="0"/>
+                <a:ea typeface="Arial Unicode MS"/>
+                <a:cs typeface="Arial" panose="020B0604020202020204" pitchFamily="34" charset="0"/>
+              </a:rPr>
+              <a:t> </a:t>
+            </a:r>
+            <a:r>
+              <a:rPr lang="en-US" sz="1000" kern="1200" dirty="0">
+                <a:solidFill>
+                  <a:srgbClr val="000000"/>
+                </a:solidFill>
+                <a:effectLst/>
+                <a:latin typeface="Arial" panose="020B0604020202020204" pitchFamily="34" charset="0"/>
+                <a:ea typeface="Arial Unicode MS"/>
+                <a:cs typeface="Arial" panose="020B0604020202020204" pitchFamily="34" charset="0"/>
+              </a:rPr>
+              <a:t>and </a:t>
+            </a:r>
+            <a:r>
+              <a:rPr lang="en-US" sz="1000" kern="1200" dirty="0" smtClean="0">
+                <a:solidFill>
+                  <a:srgbClr val="000000"/>
+                </a:solidFill>
+                <a:effectLst/>
+                <a:latin typeface="Arial" panose="020B0604020202020204" pitchFamily="34" charset="0"/>
+                <a:ea typeface="Arial Unicode MS"/>
+                <a:cs typeface="Arial" panose="020B0604020202020204" pitchFamily="34" charset="0"/>
+              </a:rPr>
+              <a:t>clip board</a:t>
+            </a:r>
+            <a:endParaRPr lang="de-DE" sz="1000" dirty="0">
+              <a:effectLst/>
+              <a:latin typeface="Arial" panose="020B0604020202020204" pitchFamily="34" charset="0"/>
+              <a:ea typeface="Times New Roman"/>
+              <a:cs typeface="Arial" panose="020B0604020202020204" pitchFamily="34" charset="0"/>
+            </a:endParaRPr>
+          </a:p>
+        </p:txBody>
+      </p:sp>
+      <p:sp>
+        <p:nvSpPr>
+          <p:cNvPr id="32" name="Rectangle 29"/>
+          <p:cNvSpPr>
+            <a:spLocks noChangeArrowheads="1"/>
+          </p:cNvSpPr>
+          <p:nvPr/>
+        </p:nvSpPr>
+        <p:spPr bwMode="auto">
+          <a:xfrm>
+            <a:off x="0" y="101642"/>
+            <a:ext cx="184731" cy="253916"/>
+          </a:xfrm>
+          <a:prstGeom prst="rect">
+            <a:avLst/>
+          </a:prstGeom>
+          <a:noFill/>
+          <a:ln>
+            <a:noFill/>
+          </a:ln>
+          <a:effectLst/>
+          <a:extLst>
+            <a:ext uri="{909E8E84-426E-40DD-AFC4-6F175D3DCCD1}">
+              <a14:hiddenFill xmlns:a14="http://schemas.microsoft.com/office/drawing/2010/main">
+                <a:solidFill>
+                  <a:schemeClr val="accent1"/>
+                </a:solidFill>
+              </a14:hiddenFill>
+            </a:ext>
+            <a:ext uri="{91240B29-F687-4F45-9708-019B960494DF}">
+              <a14:hiddenLine xmlns:a14="http://schemas.microsoft.com/office/drawing/2010/main" w="9525">
+                <a:solidFill>
+                  <a:schemeClr val="tx1"/>
+                </a:solidFill>
+                <a:miter lim="800000"/>
+                <a:headEnd/>
+                <a:tailEnd/>
+              </a14:hiddenLine>
+            </a:ext>
+            <a:ext uri="{AF507438-7753-43E0-B8FC-AC1667EBCBE1}">
+              <a14:hiddenEffects xmlns:a14="http://schemas.microsoft.com/office/drawing/2010/main">
+                <a:effectLst>
+                  <a:outerShdw dist="35921" dir="2700000" algn="ctr" rotWithShape="0">
+                    <a:schemeClr val="bg2"/>
+                  </a:outerShdw>
+                </a:effectLst>
+              </a14:hiddenEffects>
+            </a:ext>
+          </a:extLst>
+        </p:spPr>
+        <p:txBody>
+          <a:bodyPr vert="horz" wrap="none" lIns="91440" tIns="45720" rIns="91440" bIns="45720" numCol="1" anchor="ctr" anchorCtr="0" compatLnSpc="1">
+            <a:prstTxWarp prst="textNoShape">
+              <a:avLst/>
+            </a:prstTxWarp>
+            <a:spAutoFit/>
+          </a:bodyPr>
+          <a:lstStyle/>
+          <a:p>
+            <a:pPr marL="0" marR="0" lvl="0" indent="0" algn="l" defTabSz="914400" rtl="0" eaLnBrk="1" fontAlgn="base" latinLnBrk="0" hangingPunct="1">
+              <a:lnSpc>
+                <a:spcPct val="100000"/>
+              </a:lnSpc>
+              <a:spcBef>
+                <a:spcPct val="0"/>
+              </a:spcBef>
+              <a:spcAft>
+                <a:spcPct val="0"/>
+              </a:spcAft>
+              <a:buClrTx/>
+              <a:buSzTx/>
+              <a:buFontTx/>
+              <a:buNone/>
+              <a:tabLst/>
+            </a:pPr>
+            <a:endParaRPr kumimoji="0" lang="de-DE" altLang="de-DE" sz="1050" b="0" i="0" u="none" strike="noStrike" cap="none" normalizeH="0" baseline="0" smtClean="0">
+              <a:ln>
+                <a:noFill/>
+              </a:ln>
+              <a:solidFill>
+                <a:schemeClr val="tx1"/>
+              </a:solidFill>
+              <a:effectLst/>
+              <a:latin typeface="+mj-lt"/>
+              <a:cs typeface="Arial" pitchFamily="34" charset="0"/>
+            </a:endParaRPr>
+          </a:p>
+        </p:txBody>
+      </p:sp>
+      <p:sp>
+        <p:nvSpPr>
+          <p:cNvPr id="33" name="Rectangle 41"/>
+          <p:cNvSpPr>
+            <a:spLocks noChangeArrowheads="1"/>
+          </p:cNvSpPr>
+          <p:nvPr/>
+        </p:nvSpPr>
+        <p:spPr bwMode="auto">
+          <a:xfrm>
+            <a:off x="0" y="330242"/>
+            <a:ext cx="184731" cy="253916"/>
+          </a:xfrm>
+          <a:prstGeom prst="rect">
+            <a:avLst/>
+          </a:prstGeom>
+          <a:noFill/>
+          <a:ln>
+            <a:noFill/>
+          </a:ln>
+          <a:effectLst/>
+          <a:extLst>
+            <a:ext uri="{909E8E84-426E-40DD-AFC4-6F175D3DCCD1}">
+              <a14:hiddenFill xmlns:a14="http://schemas.microsoft.com/office/drawing/2010/main">
+                <a:solidFill>
+                  <a:schemeClr val="accent1"/>
+                </a:solidFill>
+              </a14:hiddenFill>
+            </a:ext>
+            <a:ext uri="{91240B29-F687-4F45-9708-019B960494DF}">
+              <a14:hiddenLine xmlns:a14="http://schemas.microsoft.com/office/drawing/2010/main" w="9525">
+                <a:solidFill>
+                  <a:schemeClr val="tx1"/>
+                </a:solidFill>
+                <a:miter lim="800000"/>
+                <a:headEnd/>
+                <a:tailEnd/>
+              </a14:hiddenLine>
+            </a:ext>
+            <a:ext uri="{AF507438-7753-43E0-B8FC-AC1667EBCBE1}">
+              <a14:hiddenEffects xmlns:a14="http://schemas.microsoft.com/office/drawing/2010/main">
+                <a:effectLst>
+                  <a:outerShdw dist="35921" dir="2700000" algn="ctr" rotWithShape="0">
+                    <a:schemeClr val="bg2"/>
+                  </a:outerShdw>
+                </a:effectLst>
+              </a14:hiddenEffects>
+            </a:ext>
+          </a:extLst>
+        </p:spPr>
+        <p:txBody>
+          <a:bodyPr vert="horz" wrap="none" lIns="91440" tIns="45720" rIns="91440" bIns="45720" numCol="1" anchor="ctr" anchorCtr="0" compatLnSpc="1">
+            <a:prstTxWarp prst="textNoShape">
+              <a:avLst/>
+            </a:prstTxWarp>
+            <a:spAutoFit/>
+          </a:bodyPr>
+          <a:lstStyle/>
+          <a:p>
+            <a:pPr marL="0" marR="0" lvl="0" indent="0" algn="l" defTabSz="914400" rtl="0" eaLnBrk="1" fontAlgn="base" latinLnBrk="0" hangingPunct="1">
+              <a:lnSpc>
+                <a:spcPct val="100000"/>
+              </a:lnSpc>
+              <a:spcBef>
+                <a:spcPct val="0"/>
+              </a:spcBef>
+              <a:spcAft>
+                <a:spcPct val="0"/>
+              </a:spcAft>
+              <a:buClrTx/>
+              <a:buSzTx/>
+              <a:buFontTx/>
+              <a:buNone/>
+              <a:tabLst/>
+            </a:pPr>
+            <a:endParaRPr kumimoji="0" lang="de-DE" altLang="de-DE" sz="1050" b="0" i="0" u="none" strike="noStrike" cap="none" normalizeH="0" baseline="0" smtClean="0">
+              <a:ln>
+                <a:noFill/>
+              </a:ln>
+              <a:solidFill>
+                <a:schemeClr val="tx1"/>
+              </a:solidFill>
+              <a:effectLst/>
+              <a:latin typeface="+mj-lt"/>
+              <a:cs typeface="Arial" pitchFamily="34" charset="0"/>
+            </a:endParaRPr>
+          </a:p>
+        </p:txBody>
+      </p:sp>
+      <p:sp>
+        <p:nvSpPr>
+          <p:cNvPr id="36" name="Textfeld 35"/>
+          <p:cNvSpPr txBox="1"/>
+          <p:nvPr/>
+        </p:nvSpPr>
+        <p:spPr>
+          <a:xfrm>
+            <a:off x="4718747" y="3645024"/>
+            <a:ext cx="1221405" cy="432000"/>
+          </a:xfrm>
+          <a:prstGeom prst="rect">
+            <a:avLst/>
+          </a:prstGeom>
+          <a:noFill/>
+          <a:ln>
+            <a:solidFill>
+              <a:schemeClr val="accent6"/>
+            </a:solidFill>
+          </a:ln>
+        </p:spPr>
+        <p:style>
+          <a:lnRef idx="2">
+            <a:schemeClr val="accent1"/>
+          </a:lnRef>
+          <a:fillRef idx="1">
+            <a:schemeClr val="lt1"/>
+          </a:fillRef>
+          <a:effectRef idx="0">
+            <a:schemeClr val="accent1"/>
+          </a:effectRef>
+          <a:fontRef idx="minor">
+            <a:schemeClr val="dk1"/>
+          </a:fontRef>
+        </p:style>
+        <p:txBody>
+          <a:bodyPr rot="0" spcFirstLastPara="0" vert="horz" wrap="square" lIns="91440" tIns="45720" rIns="91440" bIns="45720" numCol="1" spcCol="0" rtlCol="0" fromWordArt="0" anchor="ctr" anchorCtr="0" forceAA="0" compatLnSpc="1">
+            <a:prstTxWarp prst="textNoShape">
+              <a:avLst/>
+            </a:prstTxWarp>
+            <a:noAutofit/>
+          </a:bodyPr>
+          <a:lstStyle/>
+          <a:p>
+            <a:pPr algn="ctr">
+              <a:spcAft>
+                <a:spcPts val="600"/>
+              </a:spcAft>
+            </a:pPr>
+            <a:r>
+              <a:rPr lang="en-US" sz="1000" kern="1200" dirty="0" smtClean="0">
+                <a:solidFill>
+                  <a:srgbClr val="000000"/>
+                </a:solidFill>
+                <a:effectLst/>
+                <a:latin typeface="Arial" panose="020B0604020202020204" pitchFamily="34" charset="0"/>
+                <a:ea typeface="Arial Unicode MS"/>
+                <a:cs typeface="Arial" panose="020B0604020202020204" pitchFamily="34" charset="0"/>
+              </a:rPr>
+              <a:t>insert fragment by hand</a:t>
+            </a:r>
+            <a:endParaRPr lang="de-DE" sz="1000" dirty="0">
+              <a:effectLst/>
+              <a:latin typeface="Arial" panose="020B0604020202020204" pitchFamily="34" charset="0"/>
+              <a:ea typeface="Times New Roman"/>
+              <a:cs typeface="Arial" panose="020B0604020202020204" pitchFamily="34" charset="0"/>
+            </a:endParaRPr>
+          </a:p>
+        </p:txBody>
+      </p:sp>
+    </p:spTree>
+    <p:extLst>
+      <p:ext uri="{BB962C8B-B14F-4D97-AF65-F5344CB8AC3E}">
+        <p14:creationId xmlns:p14="http://schemas.microsoft.com/office/powerpoint/2010/main" val="3369696239"/>
       </p:ext>
     </p:extLst>
   </p:cSld>

--- a/manuals/wokflow.pptx
+++ b/manuals/wokflow.pptx
@@ -289,7 +289,7 @@
           <a:p>
             <a:fld id="{46FB39CD-F191-4AE8-BE15-3811045FBF8B}" type="datetimeFigureOut">
               <a:rPr lang="en-US" smtClean="0"/>
-              <a:t>6/23/2014</a:t>
+              <a:t>7/14/2014</a:t>
             </a:fld>
             <a:endParaRPr lang="en-US"/>
           </a:p>
@@ -459,7 +459,7 @@
           <a:p>
             <a:fld id="{46FB39CD-F191-4AE8-BE15-3811045FBF8B}" type="datetimeFigureOut">
               <a:rPr lang="en-US" smtClean="0"/>
-              <a:t>6/23/2014</a:t>
+              <a:t>7/14/2014</a:t>
             </a:fld>
             <a:endParaRPr lang="en-US"/>
           </a:p>
@@ -639,7 +639,7 @@
           <a:p>
             <a:fld id="{46FB39CD-F191-4AE8-BE15-3811045FBF8B}" type="datetimeFigureOut">
               <a:rPr lang="en-US" smtClean="0"/>
-              <a:t>6/23/2014</a:t>
+              <a:t>7/14/2014</a:t>
             </a:fld>
             <a:endParaRPr lang="en-US"/>
           </a:p>
@@ -809,7 +809,7 @@
           <a:p>
             <a:fld id="{46FB39CD-F191-4AE8-BE15-3811045FBF8B}" type="datetimeFigureOut">
               <a:rPr lang="en-US" smtClean="0"/>
-              <a:t>6/23/2014</a:t>
+              <a:t>7/14/2014</a:t>
             </a:fld>
             <a:endParaRPr lang="en-US"/>
           </a:p>
@@ -1055,7 +1055,7 @@
           <a:p>
             <a:fld id="{46FB39CD-F191-4AE8-BE15-3811045FBF8B}" type="datetimeFigureOut">
               <a:rPr lang="en-US" smtClean="0"/>
-              <a:t>6/23/2014</a:t>
+              <a:t>7/14/2014</a:t>
             </a:fld>
             <a:endParaRPr lang="en-US"/>
           </a:p>
@@ -1343,7 +1343,7 @@
           <a:p>
             <a:fld id="{46FB39CD-F191-4AE8-BE15-3811045FBF8B}" type="datetimeFigureOut">
               <a:rPr lang="en-US" smtClean="0"/>
-              <a:t>6/23/2014</a:t>
+              <a:t>7/14/2014</a:t>
             </a:fld>
             <a:endParaRPr lang="en-US"/>
           </a:p>
@@ -1765,7 +1765,7 @@
           <a:p>
             <a:fld id="{46FB39CD-F191-4AE8-BE15-3811045FBF8B}" type="datetimeFigureOut">
               <a:rPr lang="en-US" smtClean="0"/>
-              <a:t>6/23/2014</a:t>
+              <a:t>7/14/2014</a:t>
             </a:fld>
             <a:endParaRPr lang="en-US"/>
           </a:p>
@@ -1883,7 +1883,7 @@
           <a:p>
             <a:fld id="{46FB39CD-F191-4AE8-BE15-3811045FBF8B}" type="datetimeFigureOut">
               <a:rPr lang="en-US" smtClean="0"/>
-              <a:t>6/23/2014</a:t>
+              <a:t>7/14/2014</a:t>
             </a:fld>
             <a:endParaRPr lang="en-US"/>
           </a:p>
@@ -1978,7 +1978,7 @@
           <a:p>
             <a:fld id="{46FB39CD-F191-4AE8-BE15-3811045FBF8B}" type="datetimeFigureOut">
               <a:rPr lang="en-US" smtClean="0"/>
-              <a:t>6/23/2014</a:t>
+              <a:t>7/14/2014</a:t>
             </a:fld>
             <a:endParaRPr lang="en-US"/>
           </a:p>
@@ -2255,7 +2255,7 @@
           <a:p>
             <a:fld id="{46FB39CD-F191-4AE8-BE15-3811045FBF8B}" type="datetimeFigureOut">
               <a:rPr lang="en-US" smtClean="0"/>
-              <a:t>6/23/2014</a:t>
+              <a:t>7/14/2014</a:t>
             </a:fld>
             <a:endParaRPr lang="en-US"/>
           </a:p>
@@ -2508,7 +2508,7 @@
           <a:p>
             <a:fld id="{46FB39CD-F191-4AE8-BE15-3811045FBF8B}" type="datetimeFigureOut">
               <a:rPr lang="en-US" smtClean="0"/>
-              <a:t>6/23/2014</a:t>
+              <a:t>7/14/2014</a:t>
             </a:fld>
             <a:endParaRPr lang="en-US"/>
           </a:p>
@@ -2721,7 +2721,7 @@
           <a:p>
             <a:fld id="{46FB39CD-F191-4AE8-BE15-3811045FBF8B}" type="datetimeFigureOut">
               <a:rPr lang="en-US" smtClean="0"/>
-              <a:t>6/23/2014</a:t>
+              <a:t>7/14/2014</a:t>
             </a:fld>
             <a:endParaRPr lang="en-US"/>
           </a:p>
@@ -3105,9 +3105,9 @@
           <p:nvPr/>
         </p:nvCxnSpPr>
         <p:spPr>
-          <a:xfrm flipH="1" flipV="1">
-            <a:off x="4114725" y="3170182"/>
-            <a:ext cx="604022" cy="171446"/>
+          <a:xfrm flipH="1">
+            <a:off x="4139952" y="3226573"/>
+            <a:ext cx="578335" cy="20182"/>
           </a:xfrm>
           <a:prstGeom prst="straightConnector1">
             <a:avLst/>
@@ -3307,109 +3307,72 @@
           </a:fontRef>
         </p:style>
       </p:cxnSp>
-      <p:grpSp>
-        <p:nvGrpSpPr>
-          <p:cNvPr id="8" name="Gruppieren 7"/>
-          <p:cNvGrpSpPr/>
+      <p:sp>
+        <p:nvSpPr>
+          <p:cNvPr id="10" name="Flussdiagramm: Magnetplattenspeicher 9"/>
+          <p:cNvSpPr/>
           <p:nvPr/>
-        </p:nvGrpSpPr>
-        <p:grpSpPr>
+        </p:nvSpPr>
+        <p:spPr>
           <a:xfrm>
             <a:off x="3473902" y="2722880"/>
-            <a:ext cx="640823" cy="726978"/>
-            <a:chOff x="2543379" y="708132"/>
-            <a:chExt cx="856779" cy="1085470"/>
-          </a:xfrm>
-        </p:grpSpPr>
-        <p:sp>
-          <p:nvSpPr>
-            <p:cNvPr id="10" name="Flussdiagramm: Magnetplattenspeicher 9"/>
-            <p:cNvSpPr/>
-            <p:nvPr/>
-          </p:nvSpPr>
-          <p:spPr>
-            <a:xfrm>
-              <a:off x="2543379" y="708132"/>
-              <a:ext cx="856779" cy="1085470"/>
-            </a:xfrm>
-            <a:prstGeom prst="flowChartMagneticDisk">
+            <a:ext cx="640823" cy="1047750"/>
+          </a:xfrm>
+          <a:prstGeom prst="flowChartMagneticDisk">
+            <a:avLst/>
+          </a:prstGeom>
+          <a:solidFill>
+            <a:srgbClr val="5E8BC2"/>
+          </a:solidFill>
+        </p:spPr>
+        <p:style>
+          <a:lnRef idx="2">
+            <a:schemeClr val="accent1">
+              <a:shade val="50000"/>
+            </a:schemeClr>
+          </a:lnRef>
+          <a:fillRef idx="1">
+            <a:schemeClr val="accent1"/>
+          </a:fillRef>
+          <a:effectRef idx="0">
+            <a:schemeClr val="accent1"/>
+          </a:effectRef>
+          <a:fontRef idx="minor">
+            <a:schemeClr val="lt1"/>
+          </a:fontRef>
+        </p:style>
+        <p:txBody>
+          <a:bodyPr rot="0" spcFirstLastPara="0" vert="horz" wrap="square" lIns="91440" tIns="45720" rIns="91440" bIns="45720" numCol="1" spcCol="0" rtlCol="0" fromWordArt="0" anchor="ctr" anchorCtr="0" forceAA="0" compatLnSpc="1">
+            <a:prstTxWarp prst="textNoShape">
               <a:avLst/>
-            </a:prstGeom>
-            <a:solidFill>
-              <a:srgbClr val="5E8BC2"/>
-            </a:solidFill>
-          </p:spPr>
-          <p:style>
-            <a:lnRef idx="2">
-              <a:schemeClr val="accent1">
-                <a:shade val="50000"/>
-              </a:schemeClr>
-            </a:lnRef>
-            <a:fillRef idx="1">
-              <a:schemeClr val="accent1"/>
-            </a:fillRef>
-            <a:effectRef idx="0">
-              <a:schemeClr val="accent1"/>
-            </a:effectRef>
-            <a:fontRef idx="minor">
-              <a:schemeClr val="lt1"/>
-            </a:fontRef>
-          </p:style>
-          <p:txBody>
-            <a:bodyPr rot="0" spcFirstLastPara="0" vert="horz" wrap="square" lIns="91440" tIns="45720" rIns="91440" bIns="45720" numCol="1" spcCol="0" rtlCol="0" fromWordArt="0" anchor="ctr" anchorCtr="0" forceAA="0" compatLnSpc="1">
-              <a:prstTxWarp prst="textNoShape">
-                <a:avLst/>
-              </a:prstTxWarp>
-              <a:noAutofit/>
-            </a:bodyPr>
-            <a:lstStyle/>
-            <a:p>
-              <a:pPr>
-                <a:spcAft>
-                  <a:spcPts val="0"/>
-                </a:spcAft>
-              </a:pPr>
-              <a:r>
-                <a:rPr lang="en-US" sz="1000">
-                  <a:effectLst/>
-                  <a:latin typeface="Arial" panose="020B0604020202020204" pitchFamily="34" charset="0"/>
-                  <a:ea typeface="Times New Roman"/>
-                  <a:cs typeface="Arial" panose="020B0604020202020204" pitchFamily="34" charset="0"/>
-                </a:rPr>
-                <a:t> </a:t>
-              </a:r>
-              <a:endParaRPr lang="de-DE" sz="1000">
+            </a:prstTxWarp>
+            <a:noAutofit/>
+          </a:bodyPr>
+          <a:lstStyle/>
+          <a:p>
+            <a:pPr>
+              <a:spcAft>
+                <a:spcPts val="0"/>
+              </a:spcAft>
+            </a:pPr>
+            <a:r>
+              <a:rPr lang="en-US" sz="1000">
                 <a:effectLst/>
                 <a:latin typeface="Arial" panose="020B0604020202020204" pitchFamily="34" charset="0"/>
                 <a:ea typeface="Times New Roman"/>
                 <a:cs typeface="Arial" panose="020B0604020202020204" pitchFamily="34" charset="0"/>
-              </a:endParaRPr>
-            </a:p>
-          </p:txBody>
-        </p:sp>
-        <p:pic>
-          <p:nvPicPr>
-            <p:cNvPr id="11" name="Grafik 10"/>
-            <p:cNvPicPr/>
-            <p:nvPr/>
-          </p:nvPicPr>
-          <p:blipFill>
-            <a:blip r:embed="rId2"/>
-            <a:stretch>
-              <a:fillRect/>
-            </a:stretch>
-          </p:blipFill>
-          <p:spPr>
-            <a:xfrm>
-              <a:off x="2776843" y="800138"/>
-              <a:ext cx="365738" cy="463589"/>
-            </a:xfrm>
-            <a:prstGeom prst="rect">
-              <a:avLst/>
-            </a:prstGeom>
-          </p:spPr>
-        </p:pic>
-      </p:grpSp>
+              </a:rPr>
+              <a:t> </a:t>
+            </a:r>
+            <a:endParaRPr lang="de-DE" sz="1000">
+              <a:effectLst/>
+              <a:latin typeface="Arial" panose="020B0604020202020204" pitchFamily="34" charset="0"/>
+              <a:ea typeface="Times New Roman"/>
+              <a:cs typeface="Arial" panose="020B0604020202020204" pitchFamily="34" charset="0"/>
+            </a:endParaRPr>
+          </a:p>
+        </p:txBody>
+      </p:sp>
       <p:sp>
         <p:nvSpPr>
           <p:cNvPr id="9" name="Textfeld 10"/>
@@ -3487,7 +3450,7 @@
         </p:nvSpPr>
         <p:spPr>
           <a:xfrm>
-            <a:off x="5615940" y="4451265"/>
+            <a:off x="4139952" y="4462988"/>
             <a:ext cx="1493520" cy="489903"/>
           </a:xfrm>
           <a:prstGeom prst="rect">
@@ -3636,39 +3599,6 @@
           </a:p>
         </p:txBody>
       </p:sp>
-      <p:cxnSp>
-        <p:nvCxnSpPr>
-          <p:cNvPr id="15" name="Gerade Verbindung mit Pfeil 14"/>
-          <p:cNvCxnSpPr/>
-          <p:nvPr/>
-        </p:nvCxnSpPr>
-        <p:spPr>
-          <a:xfrm flipV="1">
-            <a:off x="4445636" y="4705628"/>
-            <a:ext cx="1170305" cy="9042"/>
-          </a:xfrm>
-          <a:prstGeom prst="straightConnector1">
-            <a:avLst/>
-          </a:prstGeom>
-          <a:ln w="28575">
-            <a:tailEnd type="arrow"/>
-          </a:ln>
-        </p:spPr>
-        <p:style>
-          <a:lnRef idx="1">
-            <a:schemeClr val="accent1"/>
-          </a:lnRef>
-          <a:fillRef idx="0">
-            <a:schemeClr val="accent1"/>
-          </a:fillRef>
-          <a:effectRef idx="0">
-            <a:schemeClr val="accent1"/>
-          </a:effectRef>
-          <a:fontRef idx="minor">
-            <a:schemeClr val="tx1"/>
-          </a:fontRef>
-        </p:style>
-      </p:cxnSp>
       <p:sp>
         <p:nvSpPr>
           <p:cNvPr id="16" name="Textfeld 14"/>
@@ -3677,8 +3607,8 @@
         </p:nvSpPr>
         <p:spPr>
           <a:xfrm>
-            <a:off x="4587240" y="4298105"/>
-            <a:ext cx="887095" cy="412750"/>
+            <a:off x="3059832" y="4451265"/>
+            <a:ext cx="887095" cy="259590"/>
           </a:xfrm>
           <a:prstGeom prst="rect">
             <a:avLst/>
@@ -3718,7 +3648,7 @@
               </a:spcAft>
             </a:pPr>
             <a:r>
-              <a:rPr lang="en-US" sz="1000" kern="1200" dirty="0">
+              <a:rPr lang="en-US" sz="1000" kern="1200" dirty="0" smtClean="0">
                 <a:solidFill>
                   <a:srgbClr val="000000"/>
                 </a:solidFill>
@@ -3727,217 +3657,12 @@
                 <a:ea typeface="Arial Unicode MS"/>
                 <a:cs typeface="Arial" panose="020B0604020202020204" pitchFamily="34" charset="0"/>
               </a:rPr>
-              <a:t>refinement with “L.S. 0”</a:t>
+              <a:t>fragment fit</a:t>
             </a:r>
             <a:endParaRPr lang="de-DE" sz="1000" dirty="0">
               <a:effectLst/>
               <a:latin typeface="Arial" panose="020B0604020202020204" pitchFamily="34" charset="0"/>
               <a:ea typeface="Times New Roman"/>
-              <a:cs typeface="Arial" panose="020B0604020202020204" pitchFamily="34" charset="0"/>
-            </a:endParaRPr>
-          </a:p>
-        </p:txBody>
-      </p:sp>
-      <p:cxnSp>
-        <p:nvCxnSpPr>
-          <p:cNvPr id="18" name="Gerade Verbindung 17"/>
-          <p:cNvCxnSpPr/>
-          <p:nvPr/>
-        </p:nvCxnSpPr>
-        <p:spPr>
-          <a:xfrm>
-            <a:off x="2277110" y="3334385"/>
-            <a:ext cx="876935" cy="0"/>
-          </a:xfrm>
-          <a:prstGeom prst="line">
-            <a:avLst/>
-          </a:prstGeom>
-          <a:ln w="28575" cap="rnd">
-            <a:solidFill>
-              <a:srgbClr val="C00000"/>
-            </a:solidFill>
-          </a:ln>
-        </p:spPr>
-        <p:style>
-          <a:lnRef idx="1">
-            <a:schemeClr val="accent1"/>
-          </a:lnRef>
-          <a:fillRef idx="0">
-            <a:schemeClr val="accent1"/>
-          </a:fillRef>
-          <a:effectRef idx="0">
-            <a:schemeClr val="accent1"/>
-          </a:effectRef>
-          <a:fontRef idx="minor">
-            <a:schemeClr val="tx1"/>
-          </a:fontRef>
-        </p:style>
-      </p:cxnSp>
-      <p:cxnSp>
-        <p:nvCxnSpPr>
-          <p:cNvPr id="19" name="Gerade Verbindung 18"/>
-          <p:cNvCxnSpPr/>
-          <p:nvPr/>
-        </p:nvCxnSpPr>
-        <p:spPr>
-          <a:xfrm>
-            <a:off x="3154045" y="3334385"/>
-            <a:ext cx="0" cy="861060"/>
-          </a:xfrm>
-          <a:prstGeom prst="line">
-            <a:avLst/>
-          </a:prstGeom>
-          <a:ln w="28575" cap="rnd">
-            <a:solidFill>
-              <a:srgbClr val="C00000"/>
-            </a:solidFill>
-          </a:ln>
-        </p:spPr>
-        <p:style>
-          <a:lnRef idx="1">
-            <a:schemeClr val="accent1"/>
-          </a:lnRef>
-          <a:fillRef idx="0">
-            <a:schemeClr val="accent1"/>
-          </a:fillRef>
-          <a:effectRef idx="0">
-            <a:schemeClr val="accent1"/>
-          </a:effectRef>
-          <a:fontRef idx="minor">
-            <a:schemeClr val="tx1"/>
-          </a:fontRef>
-        </p:style>
-      </p:cxnSp>
-      <p:cxnSp>
-        <p:nvCxnSpPr>
-          <p:cNvPr id="20" name="Gerade Verbindung mit Pfeil 19"/>
-          <p:cNvCxnSpPr/>
-          <p:nvPr/>
-        </p:nvCxnSpPr>
-        <p:spPr>
-          <a:xfrm flipH="1">
-            <a:off x="2277110" y="4195445"/>
-            <a:ext cx="876935" cy="0"/>
-          </a:xfrm>
-          <a:prstGeom prst="straightConnector1">
-            <a:avLst/>
-          </a:prstGeom>
-          <a:ln w="28575" cap="rnd">
-            <a:solidFill>
-              <a:srgbClr val="C00000"/>
-            </a:solidFill>
-            <a:tailEnd type="arrow"/>
-          </a:ln>
-        </p:spPr>
-        <p:style>
-          <a:lnRef idx="1">
-            <a:schemeClr val="accent1"/>
-          </a:lnRef>
-          <a:fillRef idx="0">
-            <a:schemeClr val="accent1"/>
-          </a:fillRef>
-          <a:effectRef idx="0">
-            <a:schemeClr val="accent1"/>
-          </a:effectRef>
-          <a:fontRef idx="minor">
-            <a:schemeClr val="tx1"/>
-          </a:fontRef>
-        </p:style>
-      </p:cxnSp>
-      <p:sp>
-        <p:nvSpPr>
-          <p:cNvPr id="21" name="Textfeld 47"/>
-          <p:cNvSpPr txBox="1"/>
-          <p:nvPr/>
-        </p:nvSpPr>
-        <p:spPr>
-          <a:xfrm>
-            <a:off x="3154045" y="3657600"/>
-            <a:ext cx="494475" cy="266700"/>
-          </a:xfrm>
-          <a:prstGeom prst="rect">
-            <a:avLst/>
-          </a:prstGeom>
-          <a:noFill/>
-          <a:ln w="28575">
-            <a:solidFill>
-              <a:srgbClr val="C00000"/>
-            </a:solidFill>
-          </a:ln>
-        </p:spPr>
-        <p:txBody>
-          <a:bodyPr wrap="square" rtlCol="0">
-            <a:noAutofit/>
-          </a:bodyPr>
-          <a:lstStyle/>
-          <a:p>
-            <a:pPr>
-              <a:spcAft>
-                <a:spcPts val="0"/>
-              </a:spcAft>
-            </a:pPr>
-            <a:r>
-              <a:rPr lang="en-US" sz="1000" kern="1200">
-                <a:solidFill>
-                  <a:srgbClr val="000000"/>
-                </a:solidFill>
-                <a:effectLst/>
-                <a:latin typeface="Arial" panose="020B0604020202020204" pitchFamily="34" charset="0"/>
-                <a:ea typeface="Times New Roman"/>
-                <a:cs typeface="Arial" panose="020B0604020202020204" pitchFamily="34" charset="0"/>
-              </a:rPr>
-              <a:t>RESI</a:t>
-            </a:r>
-            <a:endParaRPr lang="de-DE" sz="1000">
-              <a:effectLst/>
-              <a:latin typeface="Arial" panose="020B0604020202020204" pitchFamily="34" charset="0"/>
-              <a:ea typeface="Times New Roman"/>
-              <a:cs typeface="Arial" panose="020B0604020202020204" pitchFamily="34" charset="0"/>
-            </a:endParaRPr>
-          </a:p>
-        </p:txBody>
-      </p:sp>
-      <p:sp>
-        <p:nvSpPr>
-          <p:cNvPr id="22" name="Ellipse 21"/>
-          <p:cNvSpPr/>
-          <p:nvPr/>
-        </p:nvSpPr>
-        <p:spPr>
-          <a:xfrm rot="16200000" flipH="1">
-            <a:off x="4966018" y="4651742"/>
-            <a:ext cx="129540" cy="260350"/>
-          </a:xfrm>
-          <a:prstGeom prst="ellipse">
-            <a:avLst/>
-          </a:prstGeom>
-          <a:noFill/>
-        </p:spPr>
-        <p:style>
-          <a:lnRef idx="2">
-            <a:schemeClr val="accent1"/>
-          </a:lnRef>
-          <a:fillRef idx="1">
-            <a:schemeClr val="lt1"/>
-          </a:fillRef>
-          <a:effectRef idx="0">
-            <a:schemeClr val="accent1"/>
-          </a:effectRef>
-          <a:fontRef idx="minor">
-            <a:schemeClr val="dk1"/>
-          </a:fontRef>
-        </p:style>
-        <p:txBody>
-          <a:bodyPr rot="0" spcFirstLastPara="0" vert="horz" wrap="square" lIns="91440" tIns="45720" rIns="91440" bIns="45720" numCol="1" spcCol="0" rtlCol="0" fromWordArt="0" anchor="ctr" anchorCtr="0" forceAA="0" compatLnSpc="1">
-            <a:prstTxWarp prst="textNoShape">
-              <a:avLst/>
-            </a:prstTxWarp>
-            <a:noAutofit/>
-          </a:bodyPr>
-          <a:lstStyle/>
-          <a:p>
-            <a:endParaRPr lang="de-DE" sz="1000">
-              <a:latin typeface="Arial" panose="020B0604020202020204" pitchFamily="34" charset="0"/>
               <a:cs typeface="Arial" panose="020B0604020202020204" pitchFamily="34" charset="0"/>
             </a:endParaRPr>
           </a:p>
@@ -4012,13 +3737,16 @@
       <p:cxnSp>
         <p:nvCxnSpPr>
           <p:cNvPr id="24" name="Gerade Verbindung mit Pfeil 23"/>
-          <p:cNvCxnSpPr/>
+          <p:cNvCxnSpPr>
+            <a:stCxn id="23" idx="3"/>
+            <a:endCxn id="12" idx="1"/>
+          </p:cNvCxnSpPr>
           <p:nvPr/>
         </p:nvCxnSpPr>
         <p:spPr>
           <a:xfrm>
-            <a:off x="2850515" y="4713020"/>
-            <a:ext cx="560070" cy="1270"/>
+            <a:off x="2844800" y="4707940"/>
+            <a:ext cx="1295152" cy="0"/>
           </a:xfrm>
           <a:prstGeom prst="straightConnector1">
             <a:avLst/>
@@ -4085,7 +3813,7 @@
         </p:nvSpPr>
         <p:spPr>
           <a:xfrm>
-            <a:off x="4718747" y="3140968"/>
+            <a:off x="4718287" y="3025913"/>
             <a:ext cx="897193" cy="401320"/>
           </a:xfrm>
           <a:prstGeom prst="rect">
@@ -4254,70 +3982,10 @@
                 <a:ea typeface="Arial Unicode MS"/>
                 <a:cs typeface="Arial" panose="020B0604020202020204" pitchFamily="34" charset="0"/>
               </a:rPr>
-              <a:t>and Olex2-match</a:t>
-            </a:r>
-            <a:endParaRPr lang="de-DE" sz="1000" dirty="0">
-              <a:effectLst/>
-              <a:latin typeface="Arial" panose="020B0604020202020204" pitchFamily="34" charset="0"/>
-              <a:ea typeface="Times New Roman"/>
-              <a:cs typeface="Arial" panose="020B0604020202020204" pitchFamily="34" charset="0"/>
-            </a:endParaRPr>
-          </a:p>
-        </p:txBody>
-      </p:sp>
-      <p:sp>
-        <p:nvSpPr>
-          <p:cNvPr id="31" name="Textfeld 12"/>
-          <p:cNvSpPr txBox="1"/>
-          <p:nvPr/>
-        </p:nvSpPr>
-        <p:spPr>
-          <a:xfrm>
-            <a:off x="3411220" y="4586655"/>
-            <a:ext cx="1033145" cy="255905"/>
-          </a:xfrm>
-          <a:prstGeom prst="rect">
-            <a:avLst/>
-          </a:prstGeom>
-          <a:noFill/>
-          <a:ln>
-            <a:solidFill>
-              <a:schemeClr val="accent2">
-                <a:lumMod val="75000"/>
-              </a:schemeClr>
-            </a:solidFill>
-          </a:ln>
-        </p:spPr>
-        <p:style>
-          <a:lnRef idx="2">
-            <a:schemeClr val="accent2"/>
-          </a:lnRef>
-          <a:fillRef idx="1">
-            <a:schemeClr val="lt1"/>
-          </a:fillRef>
-          <a:effectRef idx="0">
-            <a:schemeClr val="accent2"/>
-          </a:effectRef>
-          <a:fontRef idx="minor">
-            <a:schemeClr val="dk1"/>
-          </a:fontRef>
-        </p:style>
-        <p:txBody>
-          <a:bodyPr rot="0" spcFirstLastPara="0" vert="horz" wrap="square" lIns="91440" tIns="45720" rIns="91440" bIns="45720" numCol="1" spcCol="0" rtlCol="0" fromWordArt="0" anchor="t" anchorCtr="0" forceAA="0" compatLnSpc="1">
-            <a:prstTxWarp prst="textNoShape">
-              <a:avLst/>
-            </a:prstTxWarp>
-            <a:noAutofit/>
-          </a:bodyPr>
-          <a:lstStyle/>
-          <a:p>
-            <a:pPr>
-              <a:spcAft>
-                <a:spcPts val="600"/>
-              </a:spcAft>
-            </a:pPr>
-            <a:r>
-              <a:rPr lang="en-US" sz="1000" kern="1200">
+              <a:t>and </a:t>
+            </a:r>
+            <a:r>
+              <a:rPr lang="en-US" sz="1000" kern="1200" dirty="0" smtClean="0">
                 <a:solidFill>
                   <a:srgbClr val="000000"/>
                 </a:solidFill>
@@ -4326,9 +3994,9 @@
                 <a:ea typeface="Arial Unicode MS"/>
                 <a:cs typeface="Arial" panose="020B0604020202020204" pitchFamily="34" charset="0"/>
               </a:rPr>
-              <a:t>output .ins file</a:t>
-            </a:r>
-            <a:endParaRPr lang="de-DE" sz="1000">
+              <a:t>clip board</a:t>
+            </a:r>
+            <a:endParaRPr lang="de-DE" sz="1000" dirty="0">
               <a:effectLst/>
               <a:latin typeface="Arial" panose="020B0604020202020204" pitchFamily="34" charset="0"/>
               <a:ea typeface="Times New Roman"/>
@@ -4515,6 +4183,114 @@
           </a:p>
         </p:txBody>
       </p:sp>
+      <p:sp>
+        <p:nvSpPr>
+          <p:cNvPr id="34" name="Textfeld 33"/>
+          <p:cNvSpPr txBox="1"/>
+          <p:nvPr/>
+        </p:nvSpPr>
+        <p:spPr>
+          <a:xfrm>
+            <a:off x="4738933" y="3569970"/>
+            <a:ext cx="1057203" cy="401320"/>
+          </a:xfrm>
+          <a:prstGeom prst="rect">
+            <a:avLst/>
+          </a:prstGeom>
+          <a:noFill/>
+          <a:ln>
+            <a:solidFill>
+              <a:schemeClr val="accent6"/>
+            </a:solidFill>
+          </a:ln>
+        </p:spPr>
+        <p:style>
+          <a:lnRef idx="2">
+            <a:schemeClr val="accent1"/>
+          </a:lnRef>
+          <a:fillRef idx="1">
+            <a:schemeClr val="lt1"/>
+          </a:fillRef>
+          <a:effectRef idx="0">
+            <a:schemeClr val="accent1"/>
+          </a:effectRef>
+          <a:fontRef idx="minor">
+            <a:schemeClr val="dk1"/>
+          </a:fontRef>
+        </p:style>
+        <p:txBody>
+          <a:bodyPr rot="0" spcFirstLastPara="0" vert="horz" wrap="square" lIns="91440" tIns="45720" rIns="91440" bIns="45720" numCol="1" spcCol="0" rtlCol="0" fromWordArt="0" anchor="t" anchorCtr="0" forceAA="0" compatLnSpc="1">
+            <a:prstTxWarp prst="textNoShape">
+              <a:avLst/>
+            </a:prstTxWarp>
+            <a:noAutofit/>
+          </a:bodyPr>
+          <a:lstStyle/>
+          <a:p>
+            <a:pPr algn="ctr">
+              <a:spcAft>
+                <a:spcPts val="600"/>
+              </a:spcAft>
+            </a:pPr>
+            <a:r>
+              <a:rPr lang="en-US" sz="1000" kern="1200" dirty="0" smtClean="0">
+                <a:solidFill>
+                  <a:srgbClr val="000000"/>
+                </a:solidFill>
+                <a:effectLst/>
+                <a:latin typeface="Arial" panose="020B0604020202020204" pitchFamily="34" charset="0"/>
+                <a:ea typeface="Arial Unicode MS"/>
+                <a:cs typeface="Arial" panose="020B0604020202020204" pitchFamily="34" charset="0"/>
+              </a:rPr>
+              <a:t>insert fragment manually</a:t>
+            </a:r>
+            <a:endParaRPr lang="de-DE" sz="1000" dirty="0">
+              <a:effectLst/>
+              <a:latin typeface="Arial" panose="020B0604020202020204" pitchFamily="34" charset="0"/>
+              <a:ea typeface="Times New Roman"/>
+              <a:cs typeface="Arial" panose="020B0604020202020204" pitchFamily="34" charset="0"/>
+            </a:endParaRPr>
+          </a:p>
+        </p:txBody>
+      </p:sp>
+      <p:cxnSp>
+        <p:nvCxnSpPr>
+          <p:cNvPr id="35" name="Gerade Verbindung mit Pfeil 34"/>
+          <p:cNvCxnSpPr>
+            <a:stCxn id="34" idx="1"/>
+          </p:cNvCxnSpPr>
+          <p:nvPr/>
+        </p:nvCxnSpPr>
+        <p:spPr>
+          <a:xfrm flipH="1" flipV="1">
+            <a:off x="4114725" y="3427233"/>
+            <a:ext cx="624208" cy="343397"/>
+          </a:xfrm>
+          <a:prstGeom prst="straightConnector1">
+            <a:avLst/>
+          </a:prstGeom>
+          <a:ln w="28575">
+            <a:solidFill>
+              <a:schemeClr val="accent6"/>
+            </a:solidFill>
+            <a:tailEnd type="arrow"/>
+          </a:ln>
+        </p:spPr>
+        <p:style>
+          <a:lnRef idx="1">
+            <a:schemeClr val="accent1"/>
+          </a:lnRef>
+          <a:fillRef idx="0">
+            <a:schemeClr val="accent1"/>
+          </a:fillRef>
+          <a:effectRef idx="0">
+            <a:schemeClr val="accent1"/>
+          </a:effectRef>
+          <a:fontRef idx="minor">
+            <a:schemeClr val="tx1"/>
+          </a:fontRef>
+        </p:style>
+      </p:cxnSp>
     </p:spTree>
     <p:extLst>
       <p:ext uri="{BB962C8B-B14F-4D97-AF65-F5344CB8AC3E}">

--- a/manuals/wokflow.pptx
+++ b/manuals/wokflow.pptx
@@ -7,6 +7,7 @@
   <p:sldIdLst>
     <p:sldId id="257" r:id="rId2"/>
     <p:sldId id="258" r:id="rId3"/>
+    <p:sldId id="259" r:id="rId4"/>
   </p:sldIdLst>
   <p:sldSz cx="9144000" cy="6858000" type="screen4x3"/>
   <p:notesSz cx="6858000" cy="9144000"/>
@@ -105,6 +106,22 @@
       </a:defRPr>
     </a:lvl9pPr>
   </p:defaultTextStyle>
+  <p:extLst>
+    <p:ext uri="{EFAFB233-063F-42B5-8137-9DF3F51BA10A}">
+      <p15:sldGuideLst xmlns:p15="http://schemas.microsoft.com/office/powerpoint/2012/main">
+        <p15:guide id="1" orient="horz" pos="2160">
+          <p15:clr>
+            <a:srgbClr val="A4A3A4"/>
+          </p15:clr>
+        </p15:guide>
+        <p15:guide id="2" pos="2880">
+          <p15:clr>
+            <a:srgbClr val="A4A3A4"/>
+          </p15:clr>
+        </p15:guide>
+      </p15:sldGuideLst>
+    </p:ext>
+  </p:extLst>
 </p:presentation>
 </file>
 
@@ -289,7 +306,7 @@
           <a:p>
             <a:fld id="{46FB39CD-F191-4AE8-BE15-3811045FBF8B}" type="datetimeFigureOut">
               <a:rPr lang="en-US" smtClean="0"/>
-              <a:t>7/14/2014</a:t>
+              <a:t>10/14/2016</a:t>
             </a:fld>
             <a:endParaRPr lang="en-US"/>
           </a:p>
@@ -459,7 +476,7 @@
           <a:p>
             <a:fld id="{46FB39CD-F191-4AE8-BE15-3811045FBF8B}" type="datetimeFigureOut">
               <a:rPr lang="en-US" smtClean="0"/>
-              <a:t>7/14/2014</a:t>
+              <a:t>10/14/2016</a:t>
             </a:fld>
             <a:endParaRPr lang="en-US"/>
           </a:p>
@@ -639,7 +656,7 @@
           <a:p>
             <a:fld id="{46FB39CD-F191-4AE8-BE15-3811045FBF8B}" type="datetimeFigureOut">
               <a:rPr lang="en-US" smtClean="0"/>
-              <a:t>7/14/2014</a:t>
+              <a:t>10/14/2016</a:t>
             </a:fld>
             <a:endParaRPr lang="en-US"/>
           </a:p>
@@ -809,7 +826,7 @@
           <a:p>
             <a:fld id="{46FB39CD-F191-4AE8-BE15-3811045FBF8B}" type="datetimeFigureOut">
               <a:rPr lang="en-US" smtClean="0"/>
-              <a:t>7/14/2014</a:t>
+              <a:t>10/14/2016</a:t>
             </a:fld>
             <a:endParaRPr lang="en-US"/>
           </a:p>
@@ -1055,7 +1072,7 @@
           <a:p>
             <a:fld id="{46FB39CD-F191-4AE8-BE15-3811045FBF8B}" type="datetimeFigureOut">
               <a:rPr lang="en-US" smtClean="0"/>
-              <a:t>7/14/2014</a:t>
+              <a:t>10/14/2016</a:t>
             </a:fld>
             <a:endParaRPr lang="en-US"/>
           </a:p>
@@ -1343,7 +1360,7 @@
           <a:p>
             <a:fld id="{46FB39CD-F191-4AE8-BE15-3811045FBF8B}" type="datetimeFigureOut">
               <a:rPr lang="en-US" smtClean="0"/>
-              <a:t>7/14/2014</a:t>
+              <a:t>10/14/2016</a:t>
             </a:fld>
             <a:endParaRPr lang="en-US"/>
           </a:p>
@@ -1765,7 +1782,7 @@
           <a:p>
             <a:fld id="{46FB39CD-F191-4AE8-BE15-3811045FBF8B}" type="datetimeFigureOut">
               <a:rPr lang="en-US" smtClean="0"/>
-              <a:t>7/14/2014</a:t>
+              <a:t>10/14/2016</a:t>
             </a:fld>
             <a:endParaRPr lang="en-US"/>
           </a:p>
@@ -1883,7 +1900,7 @@
           <a:p>
             <a:fld id="{46FB39CD-F191-4AE8-BE15-3811045FBF8B}" type="datetimeFigureOut">
               <a:rPr lang="en-US" smtClean="0"/>
-              <a:t>7/14/2014</a:t>
+              <a:t>10/14/2016</a:t>
             </a:fld>
             <a:endParaRPr lang="en-US"/>
           </a:p>
@@ -1978,7 +1995,7 @@
           <a:p>
             <a:fld id="{46FB39CD-F191-4AE8-BE15-3811045FBF8B}" type="datetimeFigureOut">
               <a:rPr lang="en-US" smtClean="0"/>
-              <a:t>7/14/2014</a:t>
+              <a:t>10/14/2016</a:t>
             </a:fld>
             <a:endParaRPr lang="en-US"/>
           </a:p>
@@ -2255,7 +2272,7 @@
           <a:p>
             <a:fld id="{46FB39CD-F191-4AE8-BE15-3811045FBF8B}" type="datetimeFigureOut">
               <a:rPr lang="en-US" smtClean="0"/>
-              <a:t>7/14/2014</a:t>
+              <a:t>10/14/2016</a:t>
             </a:fld>
             <a:endParaRPr lang="en-US"/>
           </a:p>
@@ -2508,7 +2525,7 @@
           <a:p>
             <a:fld id="{46FB39CD-F191-4AE8-BE15-3811045FBF8B}" type="datetimeFigureOut">
               <a:rPr lang="en-US" smtClean="0"/>
-              <a:t>7/14/2014</a:t>
+              <a:t>10/14/2016</a:t>
             </a:fld>
             <a:endParaRPr lang="en-US"/>
           </a:p>
@@ -2721,7 +2738,7 @@
           <a:p>
             <a:fld id="{46FB39CD-F191-4AE8-BE15-3811045FBF8B}" type="datetimeFigureOut">
               <a:rPr lang="en-US" smtClean="0"/>
-              <a:t>7/14/2014</a:t>
+              <a:t>10/14/2016</a:t>
             </a:fld>
             <a:endParaRPr lang="en-US"/>
           </a:p>
@@ -5532,6 +5549,36 @@
 </p:sld>
 </file>
 
+<file path=ppt/slides/slide3.xml><?xml version="1.0" encoding="utf-8"?>
+<p:sld xmlns:a="http://schemas.openxmlformats.org/drawingml/2006/main" xmlns:r="http://schemas.openxmlformats.org/officeDocument/2006/relationships" xmlns:p="http://schemas.openxmlformats.org/presentationml/2006/main">
+  <p:cSld>
+    <p:spTree>
+      <p:nvGrpSpPr>
+        <p:cNvPr id="1" name=""/>
+        <p:cNvGrpSpPr/>
+        <p:nvPr/>
+      </p:nvGrpSpPr>
+      <p:grpSpPr>
+        <a:xfrm>
+          <a:off x="0" y="0"/>
+          <a:ext cx="0" cy="0"/>
+          <a:chOff x="0" y="0"/>
+          <a:chExt cx="0" cy="0"/>
+        </a:xfrm>
+      </p:grpSpPr>
+    </p:spTree>
+    <p:extLst>
+      <p:ext uri="{BB962C8B-B14F-4D97-AF65-F5344CB8AC3E}">
+        <p14:creationId xmlns:p14="http://schemas.microsoft.com/office/powerpoint/2010/main" val="1384569389"/>
+      </p:ext>
+    </p:extLst>
+  </p:cSld>
+  <p:clrMapOvr>
+    <a:masterClrMapping/>
+  </p:clrMapOvr>
+</p:sld>
+</file>
+
 <file path=ppt/theme/theme1.xml><?xml version="1.0" encoding="utf-8"?>
 <a:theme xmlns:a="http://schemas.openxmlformats.org/drawingml/2006/main" name="Larissa">
   <a:themeElements>

--- a/manuals/wokflow.pptx
+++ b/manuals/wokflow.pptx
@@ -5,9 +5,7 @@
     <p:sldMasterId id="2147483648" r:id="rId1"/>
   </p:sldMasterIdLst>
   <p:sldIdLst>
-    <p:sldId id="257" r:id="rId2"/>
-    <p:sldId id="258" r:id="rId3"/>
-    <p:sldId id="259" r:id="rId4"/>
+    <p:sldId id="258" r:id="rId2"/>
   </p:sldIdLst>
   <p:sldSz cx="9144000" cy="6858000" type="screen4x3"/>
   <p:notesSz cx="6858000" cy="9144000"/>
@@ -306,7 +304,7 @@
           <a:p>
             <a:fld id="{46FB39CD-F191-4AE8-BE15-3811045FBF8B}" type="datetimeFigureOut">
               <a:rPr lang="en-US" smtClean="0"/>
-              <a:t>10/14/2016</a:t>
+              <a:t>10/18/2016</a:t>
             </a:fld>
             <a:endParaRPr lang="en-US"/>
           </a:p>
@@ -476,7 +474,7 @@
           <a:p>
             <a:fld id="{46FB39CD-F191-4AE8-BE15-3811045FBF8B}" type="datetimeFigureOut">
               <a:rPr lang="en-US" smtClean="0"/>
-              <a:t>10/14/2016</a:t>
+              <a:t>10/18/2016</a:t>
             </a:fld>
             <a:endParaRPr lang="en-US"/>
           </a:p>
@@ -656,7 +654,7 @@
           <a:p>
             <a:fld id="{46FB39CD-F191-4AE8-BE15-3811045FBF8B}" type="datetimeFigureOut">
               <a:rPr lang="en-US" smtClean="0"/>
-              <a:t>10/14/2016</a:t>
+              <a:t>10/18/2016</a:t>
             </a:fld>
             <a:endParaRPr lang="en-US"/>
           </a:p>
@@ -826,7 +824,7 @@
           <a:p>
             <a:fld id="{46FB39CD-F191-4AE8-BE15-3811045FBF8B}" type="datetimeFigureOut">
               <a:rPr lang="en-US" smtClean="0"/>
-              <a:t>10/14/2016</a:t>
+              <a:t>10/18/2016</a:t>
             </a:fld>
             <a:endParaRPr lang="en-US"/>
           </a:p>
@@ -1072,7 +1070,7 @@
           <a:p>
             <a:fld id="{46FB39CD-F191-4AE8-BE15-3811045FBF8B}" type="datetimeFigureOut">
               <a:rPr lang="en-US" smtClean="0"/>
-              <a:t>10/14/2016</a:t>
+              <a:t>10/18/2016</a:t>
             </a:fld>
             <a:endParaRPr lang="en-US"/>
           </a:p>
@@ -1360,7 +1358,7 @@
           <a:p>
             <a:fld id="{46FB39CD-F191-4AE8-BE15-3811045FBF8B}" type="datetimeFigureOut">
               <a:rPr lang="en-US" smtClean="0"/>
-              <a:t>10/14/2016</a:t>
+              <a:t>10/18/2016</a:t>
             </a:fld>
             <a:endParaRPr lang="en-US"/>
           </a:p>
@@ -1782,7 +1780,7 @@
           <a:p>
             <a:fld id="{46FB39CD-F191-4AE8-BE15-3811045FBF8B}" type="datetimeFigureOut">
               <a:rPr lang="en-US" smtClean="0"/>
-              <a:t>10/14/2016</a:t>
+              <a:t>10/18/2016</a:t>
             </a:fld>
             <a:endParaRPr lang="en-US"/>
           </a:p>
@@ -1900,7 +1898,7 @@
           <a:p>
             <a:fld id="{46FB39CD-F191-4AE8-BE15-3811045FBF8B}" type="datetimeFigureOut">
               <a:rPr lang="en-US" smtClean="0"/>
-              <a:t>10/14/2016</a:t>
+              <a:t>10/18/2016</a:t>
             </a:fld>
             <a:endParaRPr lang="en-US"/>
           </a:p>
@@ -1995,7 +1993,7 @@
           <a:p>
             <a:fld id="{46FB39CD-F191-4AE8-BE15-3811045FBF8B}" type="datetimeFigureOut">
               <a:rPr lang="en-US" smtClean="0"/>
-              <a:t>10/14/2016</a:t>
+              <a:t>10/18/2016</a:t>
             </a:fld>
             <a:endParaRPr lang="en-US"/>
           </a:p>
@@ -2272,7 +2270,7 @@
           <a:p>
             <a:fld id="{46FB39CD-F191-4AE8-BE15-3811045FBF8B}" type="datetimeFigureOut">
               <a:rPr lang="en-US" smtClean="0"/>
-              <a:t>10/14/2016</a:t>
+              <a:t>10/18/2016</a:t>
             </a:fld>
             <a:endParaRPr lang="en-US"/>
           </a:p>
@@ -2525,7 +2523,7 @@
           <a:p>
             <a:fld id="{46FB39CD-F191-4AE8-BE15-3811045FBF8B}" type="datetimeFigureOut">
               <a:rPr lang="en-US" smtClean="0"/>
-              <a:t>10/14/2016</a:t>
+              <a:t>10/18/2016</a:t>
             </a:fld>
             <a:endParaRPr lang="en-US"/>
           </a:p>
@@ -2738,7 +2736,7 @@
           <a:p>
             <a:fld id="{46FB39CD-F191-4AE8-BE15-3811045FBF8B}" type="datetimeFigureOut">
               <a:rPr lang="en-US" smtClean="0"/>
-              <a:t>10/14/2016</a:t>
+              <a:t>10/18/2016</a:t>
             </a:fld>
             <a:endParaRPr lang="en-US"/>
           </a:p>
@@ -3115,1231 +3113,6 @@
       </p:grpSpPr>
       <p:cxnSp>
         <p:nvCxnSpPr>
-          <p:cNvPr id="27" name="Gerade Verbindung mit Pfeil 26"/>
-          <p:cNvCxnSpPr>
-            <a:stCxn id="29" idx="1"/>
-          </p:cNvCxnSpPr>
-          <p:nvPr/>
-        </p:nvCxnSpPr>
-        <p:spPr>
-          <a:xfrm flipH="1">
-            <a:off x="4139952" y="3226573"/>
-            <a:ext cx="578335" cy="20182"/>
-          </a:xfrm>
-          <a:prstGeom prst="straightConnector1">
-            <a:avLst/>
-          </a:prstGeom>
-          <a:ln w="28575">
-            <a:solidFill>
-              <a:schemeClr val="accent6"/>
-            </a:solidFill>
-            <a:tailEnd type="arrow"/>
-          </a:ln>
-        </p:spPr>
-        <p:style>
-          <a:lnRef idx="1">
-            <a:schemeClr val="accent1"/>
-          </a:lnRef>
-          <a:fillRef idx="0">
-            <a:schemeClr val="accent1"/>
-          </a:fillRef>
-          <a:effectRef idx="0">
-            <a:schemeClr val="accent1"/>
-          </a:effectRef>
-          <a:fontRef idx="minor">
-            <a:schemeClr val="tx1"/>
-          </a:fontRef>
-        </p:style>
-      </p:cxnSp>
-      <p:cxnSp>
-        <p:nvCxnSpPr>
-          <p:cNvPr id="28" name="Gerade Verbindung mit Pfeil 27"/>
-          <p:cNvCxnSpPr>
-            <a:stCxn id="30" idx="1"/>
-          </p:cNvCxnSpPr>
-          <p:nvPr/>
-        </p:nvCxnSpPr>
-        <p:spPr>
-          <a:xfrm flipH="1">
-            <a:off x="4114725" y="2700993"/>
-            <a:ext cx="603562" cy="385376"/>
-          </a:xfrm>
-          <a:prstGeom prst="straightConnector1">
-            <a:avLst/>
-          </a:prstGeom>
-          <a:ln w="28575">
-            <a:solidFill>
-              <a:schemeClr val="accent6"/>
-            </a:solidFill>
-            <a:headEnd type="arrow"/>
-            <a:tailEnd type="none"/>
-          </a:ln>
-        </p:spPr>
-        <p:style>
-          <a:lnRef idx="1">
-            <a:schemeClr val="accent1"/>
-          </a:lnRef>
-          <a:fillRef idx="0">
-            <a:schemeClr val="accent1"/>
-          </a:fillRef>
-          <a:effectRef idx="0">
-            <a:schemeClr val="accent1"/>
-          </a:effectRef>
-          <a:fontRef idx="minor">
-            <a:schemeClr val="tx1"/>
-          </a:fontRef>
-        </p:style>
-      </p:cxnSp>
-      <p:sp>
-        <p:nvSpPr>
-          <p:cNvPr id="4" name="Textfeld 4"/>
-          <p:cNvSpPr txBox="1"/>
-          <p:nvPr/>
-        </p:nvSpPr>
-        <p:spPr>
-          <a:xfrm>
-            <a:off x="1605915" y="2343150"/>
-            <a:ext cx="1334136" cy="403225"/>
-          </a:xfrm>
-          <a:prstGeom prst="rect">
-            <a:avLst/>
-          </a:prstGeom>
-          <a:ln/>
-        </p:spPr>
-        <p:style>
-          <a:lnRef idx="2">
-            <a:schemeClr val="accent2">
-              <a:shade val="50000"/>
-            </a:schemeClr>
-          </a:lnRef>
-          <a:fillRef idx="1">
-            <a:schemeClr val="accent2"/>
-          </a:fillRef>
-          <a:effectRef idx="0">
-            <a:schemeClr val="accent2"/>
-          </a:effectRef>
-          <a:fontRef idx="minor">
-            <a:schemeClr val="lt1"/>
-          </a:fontRef>
-        </p:style>
-        <p:txBody>
-          <a:bodyPr rot="0" spcFirstLastPara="0" vert="horz" wrap="square" lIns="91440" tIns="45720" rIns="91440" bIns="45720" numCol="1" spcCol="0" rtlCol="0" fromWordArt="0" anchor="t" anchorCtr="0" forceAA="0" compatLnSpc="1">
-            <a:prstTxWarp prst="textNoShape">
-              <a:avLst/>
-            </a:prstTxWarp>
-            <a:noAutofit/>
-          </a:bodyPr>
-          <a:lstStyle/>
-          <a:p>
-            <a:pPr algn="ctr">
-              <a:spcAft>
-                <a:spcPts val="600"/>
-              </a:spcAft>
-            </a:pPr>
-            <a:r>
-              <a:rPr lang="en-US" sz="1000" kern="1200" dirty="0">
-                <a:solidFill>
-                  <a:srgbClr val="000000"/>
-                </a:solidFill>
-                <a:effectLst/>
-                <a:latin typeface="Arial" panose="020B0604020202020204" pitchFamily="34" charset="0"/>
-                <a:ea typeface="Arial Unicode MS"/>
-                <a:cs typeface="Arial" panose="020B0604020202020204" pitchFamily="34" charset="0"/>
-              </a:rPr>
-              <a:t>res-file with DSR command</a:t>
-            </a:r>
-            <a:endParaRPr lang="de-DE" sz="1000" dirty="0">
-              <a:effectLst/>
-              <a:latin typeface="Arial" panose="020B0604020202020204" pitchFamily="34" charset="0"/>
-              <a:ea typeface="Times New Roman"/>
-              <a:cs typeface="Arial" panose="020B0604020202020204" pitchFamily="34" charset="0"/>
-            </a:endParaRPr>
-          </a:p>
-        </p:txBody>
-      </p:sp>
-      <p:cxnSp>
-        <p:nvCxnSpPr>
-          <p:cNvPr id="5" name="Gerade Verbindung mit Pfeil 4"/>
-          <p:cNvCxnSpPr/>
-          <p:nvPr/>
-        </p:nvCxnSpPr>
-        <p:spPr>
-          <a:xfrm>
-            <a:off x="2270125" y="2750185"/>
-            <a:ext cx="3810" cy="816610"/>
-          </a:xfrm>
-          <a:prstGeom prst="straightConnector1">
-            <a:avLst/>
-          </a:prstGeom>
-          <a:ln w="28575">
-            <a:tailEnd type="arrow"/>
-          </a:ln>
-        </p:spPr>
-        <p:style>
-          <a:lnRef idx="1">
-            <a:schemeClr val="accent1"/>
-          </a:lnRef>
-          <a:fillRef idx="0">
-            <a:schemeClr val="accent1"/>
-          </a:fillRef>
-          <a:effectRef idx="0">
-            <a:schemeClr val="accent1"/>
-          </a:effectRef>
-          <a:fontRef idx="minor">
-            <a:schemeClr val="tx1"/>
-          </a:fontRef>
-        </p:style>
-      </p:cxnSp>
-      <p:cxnSp>
-        <p:nvCxnSpPr>
-          <p:cNvPr id="6" name="Gerade Verbindung mit Pfeil 5"/>
-          <p:cNvCxnSpPr/>
-          <p:nvPr/>
-        </p:nvCxnSpPr>
-        <p:spPr>
-          <a:xfrm flipV="1">
-            <a:off x="2277110" y="3094982"/>
-            <a:ext cx="1196792" cy="1913"/>
-          </a:xfrm>
-          <a:prstGeom prst="straightConnector1">
-            <a:avLst/>
-          </a:prstGeom>
-          <a:ln w="28575">
-            <a:headEnd type="arrow"/>
-            <a:tailEnd type="arrow"/>
-          </a:ln>
-        </p:spPr>
-        <p:style>
-          <a:lnRef idx="1">
-            <a:schemeClr val="accent1"/>
-          </a:lnRef>
-          <a:fillRef idx="0">
-            <a:schemeClr val="accent1"/>
-          </a:fillRef>
-          <a:effectRef idx="0">
-            <a:schemeClr val="accent1"/>
-          </a:effectRef>
-          <a:fontRef idx="minor">
-            <a:schemeClr val="tx1"/>
-          </a:fontRef>
-        </p:style>
-      </p:cxnSp>
-      <p:sp>
-        <p:nvSpPr>
-          <p:cNvPr id="10" name="Flussdiagramm: Magnetplattenspeicher 9"/>
-          <p:cNvSpPr/>
-          <p:nvPr/>
-        </p:nvSpPr>
-        <p:spPr>
-          <a:xfrm>
-            <a:off x="3473902" y="2722880"/>
-            <a:ext cx="640823" cy="1047750"/>
-          </a:xfrm>
-          <a:prstGeom prst="flowChartMagneticDisk">
-            <a:avLst/>
-          </a:prstGeom>
-          <a:solidFill>
-            <a:srgbClr val="5E8BC2"/>
-          </a:solidFill>
-        </p:spPr>
-        <p:style>
-          <a:lnRef idx="2">
-            <a:schemeClr val="accent1">
-              <a:shade val="50000"/>
-            </a:schemeClr>
-          </a:lnRef>
-          <a:fillRef idx="1">
-            <a:schemeClr val="accent1"/>
-          </a:fillRef>
-          <a:effectRef idx="0">
-            <a:schemeClr val="accent1"/>
-          </a:effectRef>
-          <a:fontRef idx="minor">
-            <a:schemeClr val="lt1"/>
-          </a:fontRef>
-        </p:style>
-        <p:txBody>
-          <a:bodyPr rot="0" spcFirstLastPara="0" vert="horz" wrap="square" lIns="91440" tIns="45720" rIns="91440" bIns="45720" numCol="1" spcCol="0" rtlCol="0" fromWordArt="0" anchor="ctr" anchorCtr="0" forceAA="0" compatLnSpc="1">
-            <a:prstTxWarp prst="textNoShape">
-              <a:avLst/>
-            </a:prstTxWarp>
-            <a:noAutofit/>
-          </a:bodyPr>
-          <a:lstStyle/>
-          <a:p>
-            <a:pPr>
-              <a:spcAft>
-                <a:spcPts val="0"/>
-              </a:spcAft>
-            </a:pPr>
-            <a:r>
-              <a:rPr lang="en-US" sz="1000">
-                <a:effectLst/>
-                <a:latin typeface="Arial" panose="020B0604020202020204" pitchFamily="34" charset="0"/>
-                <a:ea typeface="Times New Roman"/>
-                <a:cs typeface="Arial" panose="020B0604020202020204" pitchFamily="34" charset="0"/>
-              </a:rPr>
-              <a:t> </a:t>
-            </a:r>
-            <a:endParaRPr lang="de-DE" sz="1000">
-              <a:effectLst/>
-              <a:latin typeface="Arial" panose="020B0604020202020204" pitchFamily="34" charset="0"/>
-              <a:ea typeface="Times New Roman"/>
-              <a:cs typeface="Arial" panose="020B0604020202020204" pitchFamily="34" charset="0"/>
-            </a:endParaRPr>
-          </a:p>
-        </p:txBody>
-      </p:sp>
-      <p:sp>
-        <p:nvSpPr>
-          <p:cNvPr id="9" name="Textfeld 10"/>
-          <p:cNvSpPr txBox="1"/>
-          <p:nvPr/>
-        </p:nvSpPr>
-        <p:spPr>
-          <a:xfrm>
-            <a:off x="3343275" y="3038906"/>
-            <a:ext cx="922020" cy="462102"/>
-          </a:xfrm>
-          <a:prstGeom prst="rect">
-            <a:avLst/>
-          </a:prstGeom>
-          <a:noFill/>
-          <a:ln w="6350">
-            <a:noFill/>
-          </a:ln>
-          <a:effectLst/>
-        </p:spPr>
-        <p:style>
-          <a:lnRef idx="0">
-            <a:schemeClr val="accent1"/>
-          </a:lnRef>
-          <a:fillRef idx="0">
-            <a:schemeClr val="accent1"/>
-          </a:fillRef>
-          <a:effectRef idx="0">
-            <a:schemeClr val="accent1"/>
-          </a:effectRef>
-          <a:fontRef idx="minor">
-            <a:schemeClr val="dk1"/>
-          </a:fontRef>
-        </p:style>
-        <p:txBody>
-          <a:bodyPr rot="0" spcFirstLastPara="0" vert="horz" wrap="square" lIns="91440" tIns="45720" rIns="91440" bIns="45720" numCol="1" spcCol="0" rtlCol="0" fromWordArt="0" anchor="t" anchorCtr="0" forceAA="0" compatLnSpc="1">
-            <a:prstTxWarp prst="textNoShape">
-              <a:avLst/>
-            </a:prstTxWarp>
-            <a:noAutofit/>
-          </a:bodyPr>
-          <a:lstStyle/>
-          <a:p>
-            <a:pPr algn="ctr">
-              <a:spcAft>
-                <a:spcPts val="600"/>
-              </a:spcAft>
-            </a:pPr>
-            <a:r>
-              <a:rPr lang="en-US" sz="1000" kern="1200" dirty="0">
-                <a:solidFill>
-                  <a:srgbClr val="000000"/>
-                </a:solidFill>
-                <a:effectLst/>
-                <a:latin typeface="Arial" panose="020B0604020202020204" pitchFamily="34" charset="0"/>
-                <a:ea typeface="Arial Unicode MS"/>
-                <a:cs typeface="Arial" panose="020B0604020202020204" pitchFamily="34" charset="0"/>
-              </a:rPr>
-              <a:t>fragment database</a:t>
-            </a:r>
-            <a:endParaRPr lang="de-DE" sz="1000" dirty="0">
-              <a:effectLst/>
-              <a:latin typeface="Arial" panose="020B0604020202020204" pitchFamily="34" charset="0"/>
-              <a:ea typeface="Times New Roman"/>
-              <a:cs typeface="Arial" panose="020B0604020202020204" pitchFamily="34" charset="0"/>
-            </a:endParaRPr>
-          </a:p>
-        </p:txBody>
-      </p:sp>
-      <p:sp>
-        <p:nvSpPr>
-          <p:cNvPr id="12" name="Textfeld 15"/>
-          <p:cNvSpPr txBox="1"/>
-          <p:nvPr/>
-        </p:nvSpPr>
-        <p:spPr>
-          <a:xfrm>
-            <a:off x="4139952" y="4462988"/>
-            <a:ext cx="1493520" cy="489903"/>
-          </a:xfrm>
-          <a:prstGeom prst="rect">
-            <a:avLst/>
-          </a:prstGeom>
-          <a:ln/>
-        </p:spPr>
-        <p:style>
-          <a:lnRef idx="2">
-            <a:schemeClr val="accent3">
-              <a:shade val="50000"/>
-            </a:schemeClr>
-          </a:lnRef>
-          <a:fillRef idx="1">
-            <a:schemeClr val="accent3"/>
-          </a:fillRef>
-          <a:effectRef idx="0">
-            <a:schemeClr val="accent3"/>
-          </a:effectRef>
-          <a:fontRef idx="minor">
-            <a:schemeClr val="lt1"/>
-          </a:fontRef>
-        </p:style>
-        <p:txBody>
-          <a:bodyPr rot="0" spcFirstLastPara="0" vert="horz" wrap="square" lIns="91440" tIns="45720" rIns="91440" bIns="45720" numCol="1" spcCol="0" rtlCol="0" fromWordArt="0" anchor="t" anchorCtr="0" forceAA="0" compatLnSpc="1">
-            <a:prstTxWarp prst="textNoShape">
-              <a:avLst/>
-            </a:prstTxWarp>
-            <a:noAutofit/>
-          </a:bodyPr>
-          <a:lstStyle/>
-          <a:p>
-            <a:pPr algn="ctr">
-              <a:spcAft>
-                <a:spcPts val="600"/>
-              </a:spcAft>
-            </a:pPr>
-            <a:r>
-              <a:rPr lang="en-US" sz="1000" kern="1200" dirty="0" smtClean="0">
-                <a:solidFill>
-                  <a:srgbClr val="000000"/>
-                </a:solidFill>
-                <a:effectLst/>
-                <a:latin typeface="Arial" panose="020B0604020202020204" pitchFamily="34" charset="0"/>
-                <a:ea typeface="Arial Unicode MS"/>
-                <a:cs typeface="Arial" panose="020B0604020202020204" pitchFamily="34" charset="0"/>
-              </a:rPr>
-              <a:t>new </a:t>
-            </a:r>
-            <a:r>
-              <a:rPr lang="en-US" sz="1000" kern="1200" dirty="0">
-                <a:solidFill>
-                  <a:srgbClr val="000000"/>
-                </a:solidFill>
-                <a:effectLst/>
-                <a:latin typeface="Arial" panose="020B0604020202020204" pitchFamily="34" charset="0"/>
-                <a:ea typeface="Arial Unicode MS"/>
-                <a:cs typeface="Arial" panose="020B0604020202020204" pitchFamily="34" charset="0"/>
-              </a:rPr>
-              <a:t>res-file with fragment and restraints</a:t>
-            </a:r>
-            <a:endParaRPr lang="de-DE" sz="1000" dirty="0">
-              <a:effectLst/>
-              <a:latin typeface="Arial" panose="020B0604020202020204" pitchFamily="34" charset="0"/>
-              <a:ea typeface="Times New Roman"/>
-              <a:cs typeface="Arial" panose="020B0604020202020204" pitchFamily="34" charset="0"/>
-            </a:endParaRPr>
-          </a:p>
-        </p:txBody>
-      </p:sp>
-      <p:sp>
-        <p:nvSpPr>
-          <p:cNvPr id="13" name="Textfeld 16"/>
-          <p:cNvSpPr txBox="1"/>
-          <p:nvPr/>
-        </p:nvSpPr>
-        <p:spPr>
-          <a:xfrm>
-            <a:off x="1605915" y="3559810"/>
-            <a:ext cx="1334135" cy="410845"/>
-          </a:xfrm>
-          <a:prstGeom prst="rect">
-            <a:avLst/>
-          </a:prstGeom>
-          <a:noFill/>
-          <a:ln/>
-        </p:spPr>
-        <p:style>
-          <a:lnRef idx="2">
-            <a:schemeClr val="accent1"/>
-          </a:lnRef>
-          <a:fillRef idx="1">
-            <a:schemeClr val="lt1"/>
-          </a:fillRef>
-          <a:effectRef idx="0">
-            <a:schemeClr val="accent1"/>
-          </a:effectRef>
-          <a:fontRef idx="minor">
-            <a:schemeClr val="dk1"/>
-          </a:fontRef>
-        </p:style>
-        <p:txBody>
-          <a:bodyPr rot="0" spcFirstLastPara="0" vert="horz" wrap="square" lIns="91440" tIns="45720" rIns="91440" bIns="45720" numCol="1" spcCol="0" rtlCol="0" fromWordArt="0" anchor="t" anchorCtr="0" forceAA="0" compatLnSpc="1">
-            <a:prstTxWarp prst="textNoShape">
-              <a:avLst/>
-            </a:prstTxWarp>
-            <a:noAutofit/>
-          </a:bodyPr>
-          <a:lstStyle/>
-          <a:p>
-            <a:pPr algn="ctr">
-              <a:spcAft>
-                <a:spcPts val="600"/>
-              </a:spcAft>
-            </a:pPr>
-            <a:r>
-              <a:rPr lang="en-US" sz="1000" kern="1200" dirty="0">
-                <a:solidFill>
-                  <a:srgbClr val="000000"/>
-                </a:solidFill>
-                <a:effectLst/>
-                <a:latin typeface="Arial" panose="020B0604020202020204" pitchFamily="34" charset="0"/>
-                <a:ea typeface="Arial Unicode MS"/>
-                <a:cs typeface="Arial" panose="020B0604020202020204" pitchFamily="34" charset="0"/>
-              </a:rPr>
-              <a:t>apply new </a:t>
-            </a:r>
-            <a:r>
-              <a:rPr lang="en-US" sz="1000" kern="1200" dirty="0" smtClean="0">
-                <a:solidFill>
-                  <a:srgbClr val="000000"/>
-                </a:solidFill>
-                <a:effectLst/>
-                <a:latin typeface="Arial" panose="020B0604020202020204" pitchFamily="34" charset="0"/>
-                <a:ea typeface="Arial Unicode MS"/>
-                <a:cs typeface="Arial" panose="020B0604020202020204" pitchFamily="34" charset="0"/>
-              </a:rPr>
-              <a:t>naming scheme</a:t>
-            </a:r>
-            <a:endParaRPr lang="de-DE" sz="1000" dirty="0">
-              <a:effectLst/>
-              <a:latin typeface="Arial" panose="020B0604020202020204" pitchFamily="34" charset="0"/>
-              <a:ea typeface="Times New Roman"/>
-              <a:cs typeface="Arial" panose="020B0604020202020204" pitchFamily="34" charset="0"/>
-            </a:endParaRPr>
-          </a:p>
-        </p:txBody>
-      </p:sp>
-      <p:sp>
-        <p:nvSpPr>
-          <p:cNvPr id="16" name="Textfeld 14"/>
-          <p:cNvSpPr txBox="1"/>
-          <p:nvPr/>
-        </p:nvSpPr>
-        <p:spPr>
-          <a:xfrm>
-            <a:off x="3059832" y="4451265"/>
-            <a:ext cx="887095" cy="259590"/>
-          </a:xfrm>
-          <a:prstGeom prst="rect">
-            <a:avLst/>
-          </a:prstGeom>
-          <a:noFill/>
-          <a:ln w="6350">
-            <a:noFill/>
-          </a:ln>
-          <a:effectLst/>
-        </p:spPr>
-        <p:style>
-          <a:lnRef idx="0">
-            <a:schemeClr val="accent1"/>
-          </a:lnRef>
-          <a:fillRef idx="0">
-            <a:schemeClr val="accent1"/>
-          </a:fillRef>
-          <a:effectRef idx="0">
-            <a:schemeClr val="accent1"/>
-          </a:effectRef>
-          <a:fontRef idx="minor">
-            <a:schemeClr val="dk1"/>
-          </a:fontRef>
-        </p:style>
-        <p:txBody>
-          <a:bodyPr rot="0" spcFirstLastPara="0" vert="horz" wrap="square" lIns="91440" tIns="45720" rIns="91440" bIns="45720" numCol="1" spcCol="0" rtlCol="0" fromWordArt="0" anchor="t" anchorCtr="0" forceAA="0" compatLnSpc="1">
-            <a:prstTxWarp prst="textNoShape">
-              <a:avLst/>
-            </a:prstTxWarp>
-            <a:noAutofit/>
-          </a:bodyPr>
-          <a:lstStyle/>
-          <a:p>
-            <a:pPr algn="just">
-              <a:spcAft>
-                <a:spcPts val="600"/>
-              </a:spcAft>
-            </a:pPr>
-            <a:r>
-              <a:rPr lang="en-US" sz="1000" kern="1200" dirty="0" smtClean="0">
-                <a:solidFill>
-                  <a:srgbClr val="000000"/>
-                </a:solidFill>
-                <a:effectLst/>
-                <a:latin typeface="Arial" panose="020B0604020202020204" pitchFamily="34" charset="0"/>
-                <a:ea typeface="Arial Unicode MS"/>
-                <a:cs typeface="Arial" panose="020B0604020202020204" pitchFamily="34" charset="0"/>
-              </a:rPr>
-              <a:t>fragment fit</a:t>
-            </a:r>
-            <a:endParaRPr lang="de-DE" sz="1000" dirty="0">
-              <a:effectLst/>
-              <a:latin typeface="Arial" panose="020B0604020202020204" pitchFamily="34" charset="0"/>
-              <a:ea typeface="Times New Roman"/>
-              <a:cs typeface="Arial" panose="020B0604020202020204" pitchFamily="34" charset="0"/>
-            </a:endParaRPr>
-          </a:p>
-        </p:txBody>
-      </p:sp>
-      <p:sp>
-        <p:nvSpPr>
-          <p:cNvPr id="23" name="Textfeld 27"/>
-          <p:cNvSpPr txBox="1"/>
-          <p:nvPr/>
-        </p:nvSpPr>
-        <p:spPr>
-          <a:xfrm>
-            <a:off x="1702435" y="4488865"/>
-            <a:ext cx="1142365" cy="438150"/>
-          </a:xfrm>
-          <a:prstGeom prst="rect">
-            <a:avLst/>
-          </a:prstGeom>
-          <a:noFill/>
-          <a:ln/>
-        </p:spPr>
-        <p:style>
-          <a:lnRef idx="2">
-            <a:schemeClr val="accent1"/>
-          </a:lnRef>
-          <a:fillRef idx="1">
-            <a:schemeClr val="lt1"/>
-          </a:fillRef>
-          <a:effectRef idx="0">
-            <a:schemeClr val="accent1"/>
-          </a:effectRef>
-          <a:fontRef idx="minor">
-            <a:schemeClr val="dk1"/>
-          </a:fontRef>
-        </p:style>
-        <p:txBody>
-          <a:bodyPr rot="0" spcFirstLastPara="0" vert="horz" wrap="square" lIns="91440" tIns="45720" rIns="91440" bIns="45720" numCol="1" spcCol="0" rtlCol="0" fromWordArt="0" anchor="t" anchorCtr="0" forceAA="0" compatLnSpc="1">
-            <a:prstTxWarp prst="textNoShape">
-              <a:avLst/>
-            </a:prstTxWarp>
-            <a:noAutofit/>
-          </a:bodyPr>
-          <a:lstStyle/>
-          <a:p>
-            <a:pPr algn="ctr">
-              <a:spcAft>
-                <a:spcPts val="600"/>
-              </a:spcAft>
-            </a:pPr>
-            <a:r>
-              <a:rPr lang="en-US" sz="1000" kern="1200" dirty="0">
-                <a:solidFill>
-                  <a:srgbClr val="000000"/>
-                </a:solidFill>
-                <a:effectLst/>
-                <a:latin typeface="Arial" panose="020B0604020202020204" pitchFamily="34" charset="0"/>
-                <a:ea typeface="Arial Unicode MS"/>
-                <a:cs typeface="Arial" panose="020B0604020202020204" pitchFamily="34" charset="0"/>
-              </a:rPr>
-              <a:t>DSR inserts  the fragment</a:t>
-            </a:r>
-            <a:endParaRPr lang="de-DE" sz="1000" dirty="0">
-              <a:effectLst/>
-              <a:latin typeface="Arial" panose="020B0604020202020204" pitchFamily="34" charset="0"/>
-              <a:ea typeface="Times New Roman"/>
-              <a:cs typeface="Arial" panose="020B0604020202020204" pitchFamily="34" charset="0"/>
-            </a:endParaRPr>
-          </a:p>
-        </p:txBody>
-      </p:sp>
-      <p:cxnSp>
-        <p:nvCxnSpPr>
-          <p:cNvPr id="24" name="Gerade Verbindung mit Pfeil 23"/>
-          <p:cNvCxnSpPr>
-            <a:stCxn id="23" idx="3"/>
-            <a:endCxn id="12" idx="1"/>
-          </p:cNvCxnSpPr>
-          <p:nvPr/>
-        </p:nvCxnSpPr>
-        <p:spPr>
-          <a:xfrm>
-            <a:off x="2844800" y="4707940"/>
-            <a:ext cx="1295152" cy="0"/>
-          </a:xfrm>
-          <a:prstGeom prst="straightConnector1">
-            <a:avLst/>
-          </a:prstGeom>
-          <a:ln w="28575">
-            <a:tailEnd type="arrow"/>
-          </a:ln>
-        </p:spPr>
-        <p:style>
-          <a:lnRef idx="1">
-            <a:schemeClr val="accent1"/>
-          </a:lnRef>
-          <a:fillRef idx="0">
-            <a:schemeClr val="accent1"/>
-          </a:fillRef>
-          <a:effectRef idx="0">
-            <a:schemeClr val="accent1"/>
-          </a:effectRef>
-          <a:fontRef idx="minor">
-            <a:schemeClr val="tx1"/>
-          </a:fontRef>
-        </p:style>
-      </p:cxnSp>
-      <p:cxnSp>
-        <p:nvCxnSpPr>
-          <p:cNvPr id="25" name="Gerade Verbindung mit Pfeil 24"/>
-          <p:cNvCxnSpPr>
-            <a:endCxn id="23" idx="0"/>
-          </p:cNvCxnSpPr>
-          <p:nvPr/>
-        </p:nvCxnSpPr>
-        <p:spPr>
-          <a:xfrm>
-            <a:off x="2272665" y="3971290"/>
-            <a:ext cx="953" cy="517575"/>
-          </a:xfrm>
-          <a:prstGeom prst="straightConnector1">
-            <a:avLst/>
-          </a:prstGeom>
-          <a:ln w="28575">
-            <a:tailEnd type="arrow"/>
-          </a:ln>
-        </p:spPr>
-        <p:style>
-          <a:lnRef idx="1">
-            <a:schemeClr val="accent1"/>
-          </a:lnRef>
-          <a:fillRef idx="0">
-            <a:schemeClr val="accent1"/>
-          </a:fillRef>
-          <a:effectRef idx="0">
-            <a:schemeClr val="accent1"/>
-          </a:effectRef>
-          <a:fontRef idx="minor">
-            <a:schemeClr val="tx1"/>
-          </a:fontRef>
-        </p:style>
-      </p:cxnSp>
-      <p:sp>
-        <p:nvSpPr>
-          <p:cNvPr id="29" name="Textfeld 28"/>
-          <p:cNvSpPr txBox="1"/>
-          <p:nvPr/>
-        </p:nvSpPr>
-        <p:spPr>
-          <a:xfrm>
-            <a:off x="4718287" y="3025913"/>
-            <a:ext cx="897193" cy="401320"/>
-          </a:xfrm>
-          <a:prstGeom prst="rect">
-            <a:avLst/>
-          </a:prstGeom>
-          <a:noFill/>
-          <a:ln>
-            <a:solidFill>
-              <a:schemeClr val="accent6"/>
-            </a:solidFill>
-          </a:ln>
-        </p:spPr>
-        <p:style>
-          <a:lnRef idx="2">
-            <a:schemeClr val="accent1"/>
-          </a:lnRef>
-          <a:fillRef idx="1">
-            <a:schemeClr val="lt1"/>
-          </a:fillRef>
-          <a:effectRef idx="0">
-            <a:schemeClr val="accent1"/>
-          </a:effectRef>
-          <a:fontRef idx="minor">
-            <a:schemeClr val="dk1"/>
-          </a:fontRef>
-        </p:style>
-        <p:txBody>
-          <a:bodyPr rot="0" spcFirstLastPara="0" vert="horz" wrap="square" lIns="91440" tIns="45720" rIns="91440" bIns="45720" numCol="1" spcCol="0" rtlCol="0" fromWordArt="0" anchor="t" anchorCtr="0" forceAA="0" compatLnSpc="1">
-            <a:prstTxWarp prst="textNoShape">
-              <a:avLst/>
-            </a:prstTxWarp>
-            <a:noAutofit/>
-          </a:bodyPr>
-          <a:lstStyle/>
-          <a:p>
-            <a:pPr algn="ctr">
-              <a:spcAft>
-                <a:spcPts val="600"/>
-              </a:spcAft>
-            </a:pPr>
-            <a:r>
-              <a:rPr lang="en-US" sz="1000" kern="1200">
-                <a:solidFill>
-                  <a:srgbClr val="000000"/>
-                </a:solidFill>
-                <a:effectLst/>
-                <a:latin typeface="Arial" panose="020B0604020202020204" pitchFamily="34" charset="0"/>
-                <a:ea typeface="Arial Unicode MS"/>
-                <a:cs typeface="Arial" panose="020B0604020202020204" pitchFamily="34" charset="0"/>
-              </a:rPr>
-              <a:t>import from GRADE</a:t>
-            </a:r>
-            <a:endParaRPr lang="de-DE" sz="1000">
-              <a:effectLst/>
-              <a:latin typeface="Arial" panose="020B0604020202020204" pitchFamily="34" charset="0"/>
-              <a:ea typeface="Times New Roman"/>
-              <a:cs typeface="Arial" panose="020B0604020202020204" pitchFamily="34" charset="0"/>
-            </a:endParaRPr>
-          </a:p>
-        </p:txBody>
-      </p:sp>
-      <p:sp>
-        <p:nvSpPr>
-          <p:cNvPr id="30" name="Textfeld 28"/>
-          <p:cNvSpPr txBox="1"/>
-          <p:nvPr/>
-        </p:nvSpPr>
-        <p:spPr>
-          <a:xfrm>
-            <a:off x="4718287" y="2494915"/>
-            <a:ext cx="1221865" cy="412155"/>
-          </a:xfrm>
-          <a:prstGeom prst="rect">
-            <a:avLst/>
-          </a:prstGeom>
-          <a:noFill/>
-          <a:ln>
-            <a:solidFill>
-              <a:schemeClr val="accent6"/>
-            </a:solidFill>
-          </a:ln>
-        </p:spPr>
-        <p:style>
-          <a:lnRef idx="2">
-            <a:schemeClr val="accent1"/>
-          </a:lnRef>
-          <a:fillRef idx="1">
-            <a:schemeClr val="lt1"/>
-          </a:fillRef>
-          <a:effectRef idx="0">
-            <a:schemeClr val="accent1"/>
-          </a:effectRef>
-          <a:fontRef idx="minor">
-            <a:schemeClr val="dk1"/>
-          </a:fontRef>
-        </p:style>
-        <p:txBody>
-          <a:bodyPr rot="0" spcFirstLastPara="0" vert="horz" wrap="square" lIns="91440" tIns="45720" rIns="91440" bIns="45720" numCol="1" spcCol="0" rtlCol="0" fromWordArt="0" anchor="t" anchorCtr="0" forceAA="0" compatLnSpc="1">
-            <a:prstTxWarp prst="textNoShape">
-              <a:avLst/>
-            </a:prstTxWarp>
-            <a:noAutofit/>
-          </a:bodyPr>
-          <a:lstStyle/>
-          <a:p>
-            <a:pPr>
-              <a:spcAft>
-                <a:spcPts val="600"/>
-              </a:spcAft>
-            </a:pPr>
-            <a:r>
-              <a:rPr lang="en-US" sz="1000" kern="1200" dirty="0">
-                <a:solidFill>
-                  <a:srgbClr val="000000"/>
-                </a:solidFill>
-                <a:effectLst/>
-                <a:latin typeface="Arial" panose="020B0604020202020204" pitchFamily="34" charset="0"/>
-                <a:ea typeface="Arial Unicode MS"/>
-                <a:cs typeface="Arial" panose="020B0604020202020204" pitchFamily="34" charset="0"/>
-              </a:rPr>
-              <a:t>Export to </a:t>
-            </a:r>
-            <a:r>
-              <a:rPr lang="en-US" sz="1000" kern="1200" dirty="0" smtClean="0">
-                <a:solidFill>
-                  <a:srgbClr val="000000"/>
-                </a:solidFill>
-                <a:effectLst/>
-                <a:latin typeface="Arial" panose="020B0604020202020204" pitchFamily="34" charset="0"/>
-                <a:ea typeface="Arial Unicode MS"/>
-                <a:cs typeface="Arial" panose="020B0604020202020204" pitchFamily="34" charset="0"/>
-              </a:rPr>
-              <a:t>res, </a:t>
-            </a:r>
-            <a:r>
-              <a:rPr lang="en-US" sz="1000" kern="1200" dirty="0" err="1" smtClean="0">
-                <a:solidFill>
-                  <a:srgbClr val="000000"/>
-                </a:solidFill>
-                <a:effectLst/>
-                <a:latin typeface="Arial" panose="020B0604020202020204" pitchFamily="34" charset="0"/>
-                <a:ea typeface="Arial Unicode MS"/>
-                <a:cs typeface="Arial" panose="020B0604020202020204" pitchFamily="34" charset="0"/>
-              </a:rPr>
-              <a:t>png</a:t>
-            </a:r>
-            <a:r>
-              <a:rPr lang="en-US" sz="1000" kern="1200" dirty="0" smtClean="0">
-                <a:solidFill>
-                  <a:srgbClr val="000000"/>
-                </a:solidFill>
-                <a:effectLst/>
-                <a:latin typeface="Arial" panose="020B0604020202020204" pitchFamily="34" charset="0"/>
-                <a:ea typeface="Arial Unicode MS"/>
-                <a:cs typeface="Arial" panose="020B0604020202020204" pitchFamily="34" charset="0"/>
-              </a:rPr>
-              <a:t> </a:t>
-            </a:r>
-            <a:r>
-              <a:rPr lang="en-US" sz="1000" kern="1200" dirty="0">
-                <a:solidFill>
-                  <a:srgbClr val="000000"/>
-                </a:solidFill>
-                <a:effectLst/>
-                <a:latin typeface="Arial" panose="020B0604020202020204" pitchFamily="34" charset="0"/>
-                <a:ea typeface="Arial Unicode MS"/>
-                <a:cs typeface="Arial" panose="020B0604020202020204" pitchFamily="34" charset="0"/>
-              </a:rPr>
-              <a:t>and </a:t>
-            </a:r>
-            <a:r>
-              <a:rPr lang="en-US" sz="1000" kern="1200" dirty="0" smtClean="0">
-                <a:solidFill>
-                  <a:srgbClr val="000000"/>
-                </a:solidFill>
-                <a:effectLst/>
-                <a:latin typeface="Arial" panose="020B0604020202020204" pitchFamily="34" charset="0"/>
-                <a:ea typeface="Arial Unicode MS"/>
-                <a:cs typeface="Arial" panose="020B0604020202020204" pitchFamily="34" charset="0"/>
-              </a:rPr>
-              <a:t>clip board</a:t>
-            </a:r>
-            <a:endParaRPr lang="de-DE" sz="1000" dirty="0">
-              <a:effectLst/>
-              <a:latin typeface="Arial" panose="020B0604020202020204" pitchFamily="34" charset="0"/>
-              <a:ea typeface="Times New Roman"/>
-              <a:cs typeface="Arial" panose="020B0604020202020204" pitchFamily="34" charset="0"/>
-            </a:endParaRPr>
-          </a:p>
-        </p:txBody>
-      </p:sp>
-      <p:sp>
-        <p:nvSpPr>
-          <p:cNvPr id="32" name="Rectangle 29"/>
-          <p:cNvSpPr>
-            <a:spLocks noChangeArrowheads="1"/>
-          </p:cNvSpPr>
-          <p:nvPr/>
-        </p:nvSpPr>
-        <p:spPr bwMode="auto">
-          <a:xfrm>
-            <a:off x="0" y="101642"/>
-            <a:ext cx="184731" cy="253916"/>
-          </a:xfrm>
-          <a:prstGeom prst="rect">
-            <a:avLst/>
-          </a:prstGeom>
-          <a:noFill/>
-          <a:ln>
-            <a:noFill/>
-          </a:ln>
-          <a:effectLst/>
-          <a:extLst>
-            <a:ext uri="{909E8E84-426E-40DD-AFC4-6F175D3DCCD1}">
-              <a14:hiddenFill xmlns:a14="http://schemas.microsoft.com/office/drawing/2010/main">
-                <a:solidFill>
-                  <a:schemeClr val="accent1"/>
-                </a:solidFill>
-              </a14:hiddenFill>
-            </a:ext>
-            <a:ext uri="{91240B29-F687-4F45-9708-019B960494DF}">
-              <a14:hiddenLine xmlns:a14="http://schemas.microsoft.com/office/drawing/2010/main" w="9525">
-                <a:solidFill>
-                  <a:schemeClr val="tx1"/>
-                </a:solidFill>
-                <a:miter lim="800000"/>
-                <a:headEnd/>
-                <a:tailEnd/>
-              </a14:hiddenLine>
-            </a:ext>
-            <a:ext uri="{AF507438-7753-43E0-B8FC-AC1667EBCBE1}">
-              <a14:hiddenEffects xmlns:a14="http://schemas.microsoft.com/office/drawing/2010/main">
-                <a:effectLst>
-                  <a:outerShdw dist="35921" dir="2700000" algn="ctr" rotWithShape="0">
-                    <a:schemeClr val="bg2"/>
-                  </a:outerShdw>
-                </a:effectLst>
-              </a14:hiddenEffects>
-            </a:ext>
-          </a:extLst>
-        </p:spPr>
-        <p:txBody>
-          <a:bodyPr vert="horz" wrap="none" lIns="91440" tIns="45720" rIns="91440" bIns="45720" numCol="1" anchor="ctr" anchorCtr="0" compatLnSpc="1">
-            <a:prstTxWarp prst="textNoShape">
-              <a:avLst/>
-            </a:prstTxWarp>
-            <a:spAutoFit/>
-          </a:bodyPr>
-          <a:lstStyle/>
-          <a:p>
-            <a:pPr marL="0" marR="0" lvl="0" indent="0" algn="l" defTabSz="914400" rtl="0" eaLnBrk="1" fontAlgn="base" latinLnBrk="0" hangingPunct="1">
-              <a:lnSpc>
-                <a:spcPct val="100000"/>
-              </a:lnSpc>
-              <a:spcBef>
-                <a:spcPct val="0"/>
-              </a:spcBef>
-              <a:spcAft>
-                <a:spcPct val="0"/>
-              </a:spcAft>
-              <a:buClrTx/>
-              <a:buSzTx/>
-              <a:buFontTx/>
-              <a:buNone/>
-              <a:tabLst/>
-            </a:pPr>
-            <a:endParaRPr kumimoji="0" lang="de-DE" altLang="de-DE" sz="1050" b="0" i="0" u="none" strike="noStrike" cap="none" normalizeH="0" baseline="0" smtClean="0">
-              <a:ln>
-                <a:noFill/>
-              </a:ln>
-              <a:solidFill>
-                <a:schemeClr val="tx1"/>
-              </a:solidFill>
-              <a:effectLst/>
-              <a:latin typeface="+mj-lt"/>
-              <a:cs typeface="Arial" pitchFamily="34" charset="0"/>
-            </a:endParaRPr>
-          </a:p>
-        </p:txBody>
-      </p:sp>
-      <p:sp>
-        <p:nvSpPr>
-          <p:cNvPr id="33" name="Rectangle 41"/>
-          <p:cNvSpPr>
-            <a:spLocks noChangeArrowheads="1"/>
-          </p:cNvSpPr>
-          <p:nvPr/>
-        </p:nvSpPr>
-        <p:spPr bwMode="auto">
-          <a:xfrm>
-            <a:off x="0" y="330242"/>
-            <a:ext cx="184731" cy="253916"/>
-          </a:xfrm>
-          <a:prstGeom prst="rect">
-            <a:avLst/>
-          </a:prstGeom>
-          <a:noFill/>
-          <a:ln>
-            <a:noFill/>
-          </a:ln>
-          <a:effectLst/>
-          <a:extLst>
-            <a:ext uri="{909E8E84-426E-40DD-AFC4-6F175D3DCCD1}">
-              <a14:hiddenFill xmlns:a14="http://schemas.microsoft.com/office/drawing/2010/main">
-                <a:solidFill>
-                  <a:schemeClr val="accent1"/>
-                </a:solidFill>
-              </a14:hiddenFill>
-            </a:ext>
-            <a:ext uri="{91240B29-F687-4F45-9708-019B960494DF}">
-              <a14:hiddenLine xmlns:a14="http://schemas.microsoft.com/office/drawing/2010/main" w="9525">
-                <a:solidFill>
-                  <a:schemeClr val="tx1"/>
-                </a:solidFill>
-                <a:miter lim="800000"/>
-                <a:headEnd/>
-                <a:tailEnd/>
-              </a14:hiddenLine>
-            </a:ext>
-            <a:ext uri="{AF507438-7753-43E0-B8FC-AC1667EBCBE1}">
-              <a14:hiddenEffects xmlns:a14="http://schemas.microsoft.com/office/drawing/2010/main">
-                <a:effectLst>
-                  <a:outerShdw dist="35921" dir="2700000" algn="ctr" rotWithShape="0">
-                    <a:schemeClr val="bg2"/>
-                  </a:outerShdw>
-                </a:effectLst>
-              </a14:hiddenEffects>
-            </a:ext>
-          </a:extLst>
-        </p:spPr>
-        <p:txBody>
-          <a:bodyPr vert="horz" wrap="none" lIns="91440" tIns="45720" rIns="91440" bIns="45720" numCol="1" anchor="ctr" anchorCtr="0" compatLnSpc="1">
-            <a:prstTxWarp prst="textNoShape">
-              <a:avLst/>
-            </a:prstTxWarp>
-            <a:spAutoFit/>
-          </a:bodyPr>
-          <a:lstStyle/>
-          <a:p>
-            <a:pPr marL="0" marR="0" lvl="0" indent="0" algn="l" defTabSz="914400" rtl="0" eaLnBrk="1" fontAlgn="base" latinLnBrk="0" hangingPunct="1">
-              <a:lnSpc>
-                <a:spcPct val="100000"/>
-              </a:lnSpc>
-              <a:spcBef>
-                <a:spcPct val="0"/>
-              </a:spcBef>
-              <a:spcAft>
-                <a:spcPct val="0"/>
-              </a:spcAft>
-              <a:buClrTx/>
-              <a:buSzTx/>
-              <a:buFontTx/>
-              <a:buNone/>
-              <a:tabLst/>
-            </a:pPr>
-            <a:endParaRPr kumimoji="0" lang="de-DE" altLang="de-DE" sz="1050" b="0" i="0" u="none" strike="noStrike" cap="none" normalizeH="0" baseline="0" smtClean="0">
-              <a:ln>
-                <a:noFill/>
-              </a:ln>
-              <a:solidFill>
-                <a:schemeClr val="tx1"/>
-              </a:solidFill>
-              <a:effectLst/>
-              <a:latin typeface="+mj-lt"/>
-              <a:cs typeface="Arial" pitchFamily="34" charset="0"/>
-            </a:endParaRPr>
-          </a:p>
-        </p:txBody>
-      </p:sp>
-      <p:sp>
-        <p:nvSpPr>
-          <p:cNvPr id="34" name="Textfeld 33"/>
-          <p:cNvSpPr txBox="1"/>
-          <p:nvPr/>
-        </p:nvSpPr>
-        <p:spPr>
-          <a:xfrm>
-            <a:off x="4738933" y="3569970"/>
-            <a:ext cx="1057203" cy="401320"/>
-          </a:xfrm>
-          <a:prstGeom prst="rect">
-            <a:avLst/>
-          </a:prstGeom>
-          <a:noFill/>
-          <a:ln>
-            <a:solidFill>
-              <a:schemeClr val="accent6"/>
-            </a:solidFill>
-          </a:ln>
-        </p:spPr>
-        <p:style>
-          <a:lnRef idx="2">
-            <a:schemeClr val="accent1"/>
-          </a:lnRef>
-          <a:fillRef idx="1">
-            <a:schemeClr val="lt1"/>
-          </a:fillRef>
-          <a:effectRef idx="0">
-            <a:schemeClr val="accent1"/>
-          </a:effectRef>
-          <a:fontRef idx="minor">
-            <a:schemeClr val="dk1"/>
-          </a:fontRef>
-        </p:style>
-        <p:txBody>
-          <a:bodyPr rot="0" spcFirstLastPara="0" vert="horz" wrap="square" lIns="91440" tIns="45720" rIns="91440" bIns="45720" numCol="1" spcCol="0" rtlCol="0" fromWordArt="0" anchor="t" anchorCtr="0" forceAA="0" compatLnSpc="1">
-            <a:prstTxWarp prst="textNoShape">
-              <a:avLst/>
-            </a:prstTxWarp>
-            <a:noAutofit/>
-          </a:bodyPr>
-          <a:lstStyle/>
-          <a:p>
-            <a:pPr algn="ctr">
-              <a:spcAft>
-                <a:spcPts val="600"/>
-              </a:spcAft>
-            </a:pPr>
-            <a:r>
-              <a:rPr lang="en-US" sz="1000" kern="1200" dirty="0" smtClean="0">
-                <a:solidFill>
-                  <a:srgbClr val="000000"/>
-                </a:solidFill>
-                <a:effectLst/>
-                <a:latin typeface="Arial" panose="020B0604020202020204" pitchFamily="34" charset="0"/>
-                <a:ea typeface="Arial Unicode MS"/>
-                <a:cs typeface="Arial" panose="020B0604020202020204" pitchFamily="34" charset="0"/>
-              </a:rPr>
-              <a:t>insert fragment manually</a:t>
-            </a:r>
-            <a:endParaRPr lang="de-DE" sz="1000" dirty="0">
-              <a:effectLst/>
-              <a:latin typeface="Arial" panose="020B0604020202020204" pitchFamily="34" charset="0"/>
-              <a:ea typeface="Times New Roman"/>
-              <a:cs typeface="Arial" panose="020B0604020202020204" pitchFamily="34" charset="0"/>
-            </a:endParaRPr>
-          </a:p>
-        </p:txBody>
-      </p:sp>
-      <p:cxnSp>
-        <p:nvCxnSpPr>
-          <p:cNvPr id="35" name="Gerade Verbindung mit Pfeil 34"/>
-          <p:cNvCxnSpPr>
-            <a:stCxn id="34" idx="1"/>
-          </p:cNvCxnSpPr>
-          <p:nvPr/>
-        </p:nvCxnSpPr>
-        <p:spPr>
-          <a:xfrm flipH="1" flipV="1">
-            <a:off x="4114725" y="3427233"/>
-            <a:ext cx="624208" cy="343397"/>
-          </a:xfrm>
-          <a:prstGeom prst="straightConnector1">
-            <a:avLst/>
-          </a:prstGeom>
-          <a:ln w="28575">
-            <a:solidFill>
-              <a:schemeClr val="accent6"/>
-            </a:solidFill>
-            <a:tailEnd type="arrow"/>
-          </a:ln>
-        </p:spPr>
-        <p:style>
-          <a:lnRef idx="1">
-            <a:schemeClr val="accent1"/>
-          </a:lnRef>
-          <a:fillRef idx="0">
-            <a:schemeClr val="accent1"/>
-          </a:fillRef>
-          <a:effectRef idx="0">
-            <a:schemeClr val="accent1"/>
-          </a:effectRef>
-          <a:fontRef idx="minor">
-            <a:schemeClr val="tx1"/>
-          </a:fontRef>
-        </p:style>
-      </p:cxnSp>
-    </p:spTree>
-    <p:extLst>
-      <p:ext uri="{BB962C8B-B14F-4D97-AF65-F5344CB8AC3E}">
-        <p14:creationId xmlns:p14="http://schemas.microsoft.com/office/powerpoint/2010/main" val="2812053958"/>
-      </p:ext>
-    </p:extLst>
-  </p:cSld>
-  <p:clrMapOvr>
-    <a:masterClrMapping/>
-  </p:clrMapOvr>
-</p:sld>
-</file>
-
-<file path=ppt/slides/slide2.xml><?xml version="1.0" encoding="utf-8"?>
-<p:sld xmlns:a="http://schemas.openxmlformats.org/drawingml/2006/main" xmlns:r="http://schemas.openxmlformats.org/officeDocument/2006/relationships" xmlns:p="http://schemas.openxmlformats.org/presentationml/2006/main">
-  <p:cSld>
-    <p:spTree>
-      <p:nvGrpSpPr>
-        <p:cNvPr id="1" name=""/>
-        <p:cNvGrpSpPr/>
-        <p:nvPr/>
-      </p:nvGrpSpPr>
-      <p:grpSpPr>
-        <a:xfrm>
-          <a:off x="0" y="0"/>
-          <a:ext cx="0" cy="0"/>
-          <a:chOff x="0" y="0"/>
-          <a:chExt cx="0" cy="0"/>
-        </a:xfrm>
-      </p:grpSpPr>
-      <p:cxnSp>
-        <p:nvCxnSpPr>
           <p:cNvPr id="35" name="Gerade Verbindung mit Pfeil 34"/>
           <p:cNvCxnSpPr>
             <a:stCxn id="36" idx="1"/>
@@ -4348,13 +3121,13 @@
         </p:nvCxnSpPr>
         <p:spPr>
           <a:xfrm flipH="1" flipV="1">
-            <a:off x="4310648" y="3645024"/>
-            <a:ext cx="408099" cy="216000"/>
+            <a:off x="5321503" y="2973731"/>
+            <a:ext cx="815664" cy="707253"/>
           </a:xfrm>
           <a:prstGeom prst="straightConnector1">
             <a:avLst/>
           </a:prstGeom>
-          <a:ln w="28575">
+          <a:ln w="38100">
             <a:solidFill>
               <a:schemeClr val="accent6"/>
             </a:solidFill>
@@ -4381,18 +3154,19 @@
           <p:cNvPr id="27" name="Gerade Verbindung mit Pfeil 26"/>
           <p:cNvCxnSpPr>
             <a:stCxn id="29" idx="1"/>
+            <a:endCxn id="10" idx="4"/>
           </p:cNvCxnSpPr>
           <p:nvPr/>
         </p:nvCxnSpPr>
         <p:spPr>
-          <a:xfrm flipH="1" flipV="1">
-            <a:off x="4310649" y="3239230"/>
-            <a:ext cx="408098" cy="46739"/>
+          <a:xfrm flipH="1">
+            <a:off x="5321504" y="2634418"/>
+            <a:ext cx="815663" cy="51050"/>
           </a:xfrm>
           <a:prstGeom prst="straightConnector1">
             <a:avLst/>
           </a:prstGeom>
-          <a:ln w="28575">
+          <a:ln w="38100">
             <a:solidFill>
               <a:schemeClr val="accent6"/>
             </a:solidFill>
@@ -4418,19 +3192,19 @@
         <p:nvCxnSpPr>
           <p:cNvPr id="28" name="Gerade Verbindung mit Pfeil 27"/>
           <p:cNvCxnSpPr>
-            <a:stCxn id="30" idx="1"/>
+            <a:endCxn id="30" idx="1"/>
           </p:cNvCxnSpPr>
           <p:nvPr/>
         </p:nvCxnSpPr>
         <p:spPr>
-          <a:xfrm flipH="1">
-            <a:off x="4114725" y="2710914"/>
-            <a:ext cx="603562" cy="375455"/>
+          <a:xfrm flipV="1">
+            <a:off x="5327371" y="1520832"/>
+            <a:ext cx="809796" cy="944932"/>
           </a:xfrm>
           <a:prstGeom prst="straightConnector1">
             <a:avLst/>
           </a:prstGeom>
-          <a:ln w="28575">
+          <a:ln w="38100">
             <a:solidFill>
               <a:schemeClr val="accent6"/>
             </a:solidFill>
@@ -4461,13 +3235,13 @@
         </p:nvSpPr>
         <p:spPr>
           <a:xfrm>
-            <a:off x="1605915" y="2343150"/>
-            <a:ext cx="1334136" cy="403225"/>
+            <a:off x="273893" y="751959"/>
+            <a:ext cx="2268000" cy="792000"/>
           </a:xfrm>
           <a:prstGeom prst="rect">
             <a:avLst/>
           </a:prstGeom>
-          <a:ln/>
+          <a:ln w="38100"/>
         </p:spPr>
         <p:style>
           <a:lnRef idx="2">
@@ -4500,32 +3274,29 @@
               </a:spcAft>
             </a:pPr>
             <a:r>
-              <a:rPr lang="en-US" sz="1000" kern="1200" dirty="0" smtClean="0">
+              <a:rPr lang="en-US" sz="2000" kern="1200" dirty="0" smtClean="0">
                 <a:solidFill>
                   <a:srgbClr val="000000"/>
                 </a:solidFill>
                 <a:effectLst/>
-                <a:latin typeface="Arial" panose="020B0604020202020204" pitchFamily="34" charset="0"/>
                 <a:ea typeface="Arial Unicode MS"/>
                 <a:cs typeface="Arial" panose="020B0604020202020204" pitchFamily="34" charset="0"/>
               </a:rPr>
               <a:t>SHELXL res-file </a:t>
             </a:r>
             <a:r>
-              <a:rPr lang="en-US" sz="1000" kern="1200" dirty="0">
+              <a:rPr lang="en-US" sz="2000" kern="1200" dirty="0">
                 <a:solidFill>
                   <a:srgbClr val="000000"/>
                 </a:solidFill>
                 <a:effectLst/>
-                <a:latin typeface="Arial" panose="020B0604020202020204" pitchFamily="34" charset="0"/>
                 <a:ea typeface="Arial Unicode MS"/>
                 <a:cs typeface="Arial" panose="020B0604020202020204" pitchFamily="34" charset="0"/>
               </a:rPr>
               <a:t>with DSR command</a:t>
             </a:r>
-            <a:endParaRPr lang="de-DE" sz="1000" dirty="0">
+            <a:endParaRPr lang="de-DE" sz="2000" dirty="0">
               <a:effectLst/>
-              <a:latin typeface="Arial" panose="020B0604020202020204" pitchFamily="34" charset="0"/>
               <a:ea typeface="Times New Roman"/>
               <a:cs typeface="Arial" panose="020B0604020202020204" pitchFamily="34" charset="0"/>
             </a:endParaRPr>
@@ -4535,18 +3306,21 @@
       <p:cxnSp>
         <p:nvCxnSpPr>
           <p:cNvPr id="5" name="Gerade Verbindung mit Pfeil 4"/>
-          <p:cNvCxnSpPr/>
+          <p:cNvCxnSpPr>
+            <a:stCxn id="4" idx="2"/>
+            <a:endCxn id="13" idx="0"/>
+          </p:cNvCxnSpPr>
           <p:nvPr/>
         </p:nvCxnSpPr>
         <p:spPr>
           <a:xfrm>
-            <a:off x="2270125" y="2750185"/>
-            <a:ext cx="3810" cy="816610"/>
+            <a:off x="1407893" y="1543959"/>
+            <a:ext cx="4549" cy="1669017"/>
           </a:xfrm>
           <a:prstGeom prst="straightConnector1">
             <a:avLst/>
           </a:prstGeom>
-          <a:ln w="28575">
+          <a:ln w="38100">
             <a:tailEnd type="arrow"/>
           </a:ln>
         </p:spPr>
@@ -4572,14 +3346,14 @@
           <p:nvPr/>
         </p:nvCxnSpPr>
         <p:spPr>
-          <a:xfrm flipV="1">
-            <a:off x="2277110" y="3094982"/>
-            <a:ext cx="1196792" cy="1913"/>
+          <a:xfrm>
+            <a:off x="1407893" y="2580921"/>
+            <a:ext cx="1849312" cy="0"/>
           </a:xfrm>
           <a:prstGeom prst="straightConnector1">
             <a:avLst/>
           </a:prstGeom>
-          <a:ln w="28575">
+          <a:ln w="38100">
             <a:headEnd type="arrow"/>
             <a:tailEnd type="arrow"/>
           </a:ln>
@@ -4599,109 +3373,71 @@
           </a:fontRef>
         </p:style>
       </p:cxnSp>
-      <p:grpSp>
-        <p:nvGrpSpPr>
-          <p:cNvPr id="8" name="Gruppieren 7"/>
-          <p:cNvGrpSpPr/>
+      <p:sp>
+        <p:nvSpPr>
+          <p:cNvPr id="10" name="Flussdiagramm: Magnetplattenspeicher 9"/>
+          <p:cNvSpPr/>
           <p:nvPr/>
-        </p:nvGrpSpPr>
-        <p:grpSpPr>
+        </p:nvSpPr>
+        <p:spPr>
           <a:xfrm>
-            <a:off x="3473902" y="2722880"/>
-            <a:ext cx="836746" cy="1042352"/>
-            <a:chOff x="2543379" y="708132"/>
-            <a:chExt cx="856779" cy="1085470"/>
+            <a:off x="3276888" y="1615959"/>
+            <a:ext cx="2044616" cy="2139018"/>
           </a:xfrm>
-        </p:grpSpPr>
-        <p:sp>
-          <p:nvSpPr>
-            <p:cNvPr id="10" name="Flussdiagramm: Magnetplattenspeicher 9"/>
-            <p:cNvSpPr/>
-            <p:nvPr/>
-          </p:nvSpPr>
-          <p:spPr>
-            <a:xfrm>
-              <a:off x="2543379" y="708132"/>
-              <a:ext cx="856779" cy="1085470"/>
-            </a:xfrm>
-            <a:prstGeom prst="flowChartMagneticDisk">
+          <a:prstGeom prst="flowChartMagneticDisk">
+            <a:avLst/>
+          </a:prstGeom>
+          <a:solidFill>
+            <a:srgbClr val="5E8BC2"/>
+          </a:solidFill>
+          <a:ln w="38100"/>
+        </p:spPr>
+        <p:style>
+          <a:lnRef idx="2">
+            <a:schemeClr val="accent1">
+              <a:shade val="50000"/>
+            </a:schemeClr>
+          </a:lnRef>
+          <a:fillRef idx="1">
+            <a:schemeClr val="accent1"/>
+          </a:fillRef>
+          <a:effectRef idx="0">
+            <a:schemeClr val="accent1"/>
+          </a:effectRef>
+          <a:fontRef idx="minor">
+            <a:schemeClr val="lt1"/>
+          </a:fontRef>
+        </p:style>
+        <p:txBody>
+          <a:bodyPr rot="0" spcFirstLastPara="0" vert="horz" wrap="square" lIns="91440" tIns="45720" rIns="91440" bIns="45720" numCol="1" spcCol="0" rtlCol="0" fromWordArt="0" anchor="ctr" anchorCtr="0" forceAA="0" compatLnSpc="1">
+            <a:prstTxWarp prst="textNoShape">
               <a:avLst/>
-            </a:prstGeom>
-            <a:solidFill>
-              <a:srgbClr val="5E8BC2"/>
-            </a:solidFill>
-          </p:spPr>
-          <p:style>
-            <a:lnRef idx="2">
-              <a:schemeClr val="accent1">
-                <a:shade val="50000"/>
-              </a:schemeClr>
-            </a:lnRef>
-            <a:fillRef idx="1">
-              <a:schemeClr val="accent1"/>
-            </a:fillRef>
-            <a:effectRef idx="0">
-              <a:schemeClr val="accent1"/>
-            </a:effectRef>
-            <a:fontRef idx="minor">
-              <a:schemeClr val="lt1"/>
-            </a:fontRef>
-          </p:style>
-          <p:txBody>
-            <a:bodyPr rot="0" spcFirstLastPara="0" vert="horz" wrap="square" lIns="91440" tIns="45720" rIns="91440" bIns="45720" numCol="1" spcCol="0" rtlCol="0" fromWordArt="0" anchor="ctr" anchorCtr="0" forceAA="0" compatLnSpc="1">
-              <a:prstTxWarp prst="textNoShape">
-                <a:avLst/>
-              </a:prstTxWarp>
-              <a:noAutofit/>
-            </a:bodyPr>
-            <a:lstStyle/>
-            <a:p>
-              <a:pPr>
-                <a:spcAft>
-                  <a:spcPts val="0"/>
-                </a:spcAft>
-              </a:pPr>
-              <a:r>
-                <a:rPr lang="en-US" sz="1000">
-                  <a:effectLst/>
-                  <a:latin typeface="Arial" panose="020B0604020202020204" pitchFamily="34" charset="0"/>
-                  <a:ea typeface="Times New Roman"/>
-                  <a:cs typeface="Arial" panose="020B0604020202020204" pitchFamily="34" charset="0"/>
-                </a:rPr>
-                <a:t> </a:t>
-              </a:r>
-              <a:endParaRPr lang="de-DE" sz="1000">
+            </a:prstTxWarp>
+            <a:noAutofit/>
+          </a:bodyPr>
+          <a:lstStyle/>
+          <a:p>
+            <a:pPr>
+              <a:spcAft>
+                <a:spcPts val="0"/>
+              </a:spcAft>
+            </a:pPr>
+            <a:r>
+              <a:rPr lang="en-US" sz="2000">
                 <a:effectLst/>
-                <a:latin typeface="Arial" panose="020B0604020202020204" pitchFamily="34" charset="0"/>
                 <a:ea typeface="Times New Roman"/>
                 <a:cs typeface="Arial" panose="020B0604020202020204" pitchFamily="34" charset="0"/>
-              </a:endParaRPr>
-            </a:p>
-          </p:txBody>
-        </p:sp>
-        <p:pic>
-          <p:nvPicPr>
-            <p:cNvPr id="11" name="Grafik 10"/>
-            <p:cNvPicPr/>
-            <p:nvPr/>
-          </p:nvPicPr>
-          <p:blipFill>
-            <a:blip r:embed="rId2"/>
-            <a:stretch>
-              <a:fillRect/>
-            </a:stretch>
-          </p:blipFill>
-          <p:spPr>
-            <a:xfrm>
-              <a:off x="2778320" y="942143"/>
-              <a:ext cx="365738" cy="463589"/>
-            </a:xfrm>
-            <a:prstGeom prst="rect">
-              <a:avLst/>
-            </a:prstGeom>
-          </p:spPr>
-        </p:pic>
-      </p:grpSp>
+              </a:rPr>
+              <a:t> </a:t>
+            </a:r>
+            <a:endParaRPr lang="de-DE" sz="2000">
+              <a:effectLst/>
+              <a:ea typeface="Times New Roman"/>
+              <a:cs typeface="Arial" panose="020B0604020202020204" pitchFamily="34" charset="0"/>
+            </a:endParaRPr>
+          </a:p>
+        </p:txBody>
+      </p:sp>
       <p:sp>
         <p:nvSpPr>
           <p:cNvPr id="9" name="Textfeld 10"/>
@@ -4710,14 +3446,14 @@
         </p:nvSpPr>
         <p:spPr>
           <a:xfrm>
-            <a:off x="3431265" y="3311237"/>
-            <a:ext cx="922020" cy="462102"/>
+            <a:off x="3351689" y="1488961"/>
+            <a:ext cx="1842834" cy="948283"/>
           </a:xfrm>
           <a:prstGeom prst="rect">
             <a:avLst/>
           </a:prstGeom>
           <a:noFill/>
-          <a:ln w="6350">
+          <a:ln w="38100">
             <a:noFill/>
           </a:ln>
           <a:effectLst/>
@@ -4751,20 +3487,18 @@
               </a:spcAft>
             </a:pPr>
             <a:r>
-              <a:rPr lang="en-US" sz="1000" kern="1200" dirty="0">
+              <a:rPr lang="en-US" sz="2000" kern="1200" dirty="0">
                 <a:solidFill>
                   <a:srgbClr val="000000"/>
                 </a:solidFill>
                 <a:effectLst/>
-                <a:latin typeface="Arial" panose="020B0604020202020204" pitchFamily="34" charset="0"/>
                 <a:ea typeface="Arial Unicode MS"/>
                 <a:cs typeface="Arial" panose="020B0604020202020204" pitchFamily="34" charset="0"/>
               </a:rPr>
               <a:t>fragment database</a:t>
             </a:r>
-            <a:endParaRPr lang="de-DE" sz="1000" dirty="0">
+            <a:endParaRPr lang="de-DE" sz="2000" dirty="0">
               <a:effectLst/>
-              <a:latin typeface="Arial" panose="020B0604020202020204" pitchFamily="34" charset="0"/>
               <a:ea typeface="Times New Roman"/>
               <a:cs typeface="Arial" panose="020B0604020202020204" pitchFamily="34" charset="0"/>
             </a:endParaRPr>
@@ -4779,13 +3513,13 @@
         </p:nvSpPr>
         <p:spPr>
           <a:xfrm>
-            <a:off x="3563888" y="4461242"/>
-            <a:ext cx="1493520" cy="489903"/>
+            <a:off x="4104853" y="4869160"/>
+            <a:ext cx="2985086" cy="792000"/>
           </a:xfrm>
           <a:prstGeom prst="rect">
             <a:avLst/>
           </a:prstGeom>
-          <a:ln/>
+          <a:ln w="38100"/>
         </p:spPr>
         <p:style>
           <a:lnRef idx="2">
@@ -4818,32 +3552,105 @@
               </a:spcAft>
             </a:pPr>
             <a:r>
-              <a:rPr lang="en-US" sz="1000" kern="1200" dirty="0" smtClean="0">
+              <a:rPr lang="en-US" sz="2000" kern="1200" dirty="0" smtClean="0">
                 <a:solidFill>
                   <a:srgbClr val="000000"/>
                 </a:solidFill>
                 <a:effectLst/>
-                <a:latin typeface="Arial" panose="020B0604020202020204" pitchFamily="34" charset="0"/>
                 <a:ea typeface="Arial Unicode MS"/>
                 <a:cs typeface="Arial" panose="020B0604020202020204" pitchFamily="34" charset="0"/>
               </a:rPr>
               <a:t>new </a:t>
             </a:r>
             <a:r>
-              <a:rPr lang="en-US" sz="1000" kern="1200" dirty="0">
+              <a:rPr lang="en-US" sz="2000" kern="1200" dirty="0" smtClean="0">
                 <a:solidFill>
                   <a:srgbClr val="000000"/>
                 </a:solidFill>
                 <a:effectLst/>
-                <a:latin typeface="Arial" panose="020B0604020202020204" pitchFamily="34" charset="0"/>
                 <a:ea typeface="Arial Unicode MS"/>
                 <a:cs typeface="Arial" panose="020B0604020202020204" pitchFamily="34" charset="0"/>
               </a:rPr>
-              <a:t>res-file with fragment and restraints</a:t>
-            </a:r>
-            <a:endParaRPr lang="de-DE" sz="1000" dirty="0">
+              <a:t>SHELXL res file </a:t>
+            </a:r>
+            <a:r>
+              <a:rPr lang="en-US" sz="2000" kern="1200" dirty="0">
+                <a:solidFill>
+                  <a:srgbClr val="000000"/>
+                </a:solidFill>
+                <a:effectLst/>
+                <a:ea typeface="Arial Unicode MS"/>
+                <a:cs typeface="Arial" panose="020B0604020202020204" pitchFamily="34" charset="0"/>
+              </a:rPr>
+              <a:t>with </a:t>
+            </a:r>
+            <a:r>
+              <a:rPr lang="en-US" sz="2000" kern="1200" dirty="0" smtClean="0">
+                <a:solidFill>
+                  <a:srgbClr val="000000"/>
+                </a:solidFill>
+                <a:effectLst/>
+                <a:ea typeface="Arial Unicode MS"/>
+                <a:cs typeface="Arial" panose="020B0604020202020204" pitchFamily="34" charset="0"/>
+              </a:rPr>
+              <a:t/>
+            </a:r>
+            <a:br>
+              <a:rPr lang="en-US" sz="2000" kern="1200" dirty="0" smtClean="0">
+                <a:solidFill>
+                  <a:srgbClr val="000000"/>
+                </a:solidFill>
+                <a:effectLst/>
+                <a:ea typeface="Arial Unicode MS"/>
+                <a:cs typeface="Arial" panose="020B0604020202020204" pitchFamily="34" charset="0"/>
+              </a:rPr>
+            </a:br>
+            <a:r>
+              <a:rPr lang="en-US" sz="2000" b="1" kern="1200" dirty="0" smtClean="0">
+                <a:solidFill>
+                  <a:srgbClr val="000000"/>
+                </a:solidFill>
+                <a:effectLst/>
+                <a:ea typeface="Arial Unicode MS"/>
+                <a:cs typeface="Arial" panose="020B0604020202020204" pitchFamily="34" charset="0"/>
+              </a:rPr>
+              <a:t>fragment</a:t>
+            </a:r>
+            <a:r>
+              <a:rPr lang="en-US" sz="2000" kern="1200" dirty="0" smtClean="0">
+                <a:solidFill>
+                  <a:srgbClr val="000000"/>
+                </a:solidFill>
+                <a:effectLst/>
+                <a:ea typeface="Arial Unicode MS"/>
+                <a:cs typeface="Arial" panose="020B0604020202020204" pitchFamily="34" charset="0"/>
+              </a:rPr>
+              <a:t> </a:t>
+            </a:r>
+            <a:r>
+              <a:rPr lang="en-US" sz="2000" kern="1200" dirty="0">
+                <a:solidFill>
+                  <a:srgbClr val="000000"/>
+                </a:solidFill>
+                <a:effectLst/>
+                <a:ea typeface="Arial Unicode MS"/>
+                <a:cs typeface="Arial" panose="020B0604020202020204" pitchFamily="34" charset="0"/>
+              </a:rPr>
+              <a:t>and </a:t>
+            </a:r>
+            <a:r>
+              <a:rPr lang="en-US" sz="2000" b="1" kern="1200" dirty="0">
+                <a:solidFill>
+                  <a:srgbClr val="000000"/>
+                </a:solidFill>
+                <a:effectLst/>
+                <a:ea typeface="Arial Unicode MS"/>
+                <a:cs typeface="Arial" panose="020B0604020202020204" pitchFamily="34" charset="0"/>
+              </a:rPr>
+              <a:t>restraints</a:t>
+            </a:r>
+            <a:endParaRPr lang="de-DE" sz="2000" b="1" dirty="0">
               <a:effectLst/>
-              <a:latin typeface="Arial" panose="020B0604020202020204" pitchFamily="34" charset="0"/>
               <a:ea typeface="Times New Roman"/>
               <a:cs typeface="Arial" panose="020B0604020202020204" pitchFamily="34" charset="0"/>
             </a:endParaRPr>
@@ -4858,14 +3665,14 @@
         </p:nvSpPr>
         <p:spPr>
           <a:xfrm>
-            <a:off x="1605915" y="3559810"/>
-            <a:ext cx="1334135" cy="410845"/>
+            <a:off x="278442" y="3212976"/>
+            <a:ext cx="2268000" cy="792000"/>
           </a:xfrm>
           <a:prstGeom prst="rect">
             <a:avLst/>
           </a:prstGeom>
           <a:noFill/>
-          <a:ln/>
+          <a:ln w="38100"/>
         </p:spPr>
         <p:style>
           <a:lnRef idx="2">
@@ -4896,44 +3703,40 @@
               </a:spcAft>
             </a:pPr>
             <a:r>
-              <a:rPr lang="en-US" sz="1000" kern="1200" dirty="0" smtClean="0">
+              <a:rPr lang="en-US" sz="2000" kern="1200" dirty="0" smtClean="0">
                 <a:solidFill>
                   <a:srgbClr val="000000"/>
                 </a:solidFill>
                 <a:effectLst/>
-                <a:latin typeface="Arial" panose="020B0604020202020204" pitchFamily="34" charset="0"/>
                 <a:ea typeface="Arial Unicode MS"/>
                 <a:cs typeface="Arial" panose="020B0604020202020204" pitchFamily="34" charset="0"/>
               </a:rPr>
-              <a:t>possibly apply </a:t>
-            </a:r>
-            <a:r>
-              <a:rPr lang="en-US" sz="1000" kern="1200" dirty="0">
+              <a:t>apply </a:t>
+            </a:r>
+            <a:r>
+              <a:rPr lang="en-US" sz="2000" kern="1200" dirty="0">
                 <a:solidFill>
                   <a:srgbClr val="000000"/>
                 </a:solidFill>
                 <a:effectLst/>
-                <a:latin typeface="Arial" panose="020B0604020202020204" pitchFamily="34" charset="0"/>
                 <a:ea typeface="Arial Unicode MS"/>
                 <a:cs typeface="Arial" panose="020B0604020202020204" pitchFamily="34" charset="0"/>
               </a:rPr>
               <a:t>new </a:t>
             </a:r>
             <a:r>
-              <a:rPr lang="en-US" sz="1000" kern="1200" dirty="0" smtClean="0">
+              <a:rPr lang="en-US" sz="2000" kern="1200" dirty="0" smtClean="0">
                 <a:solidFill>
                   <a:srgbClr val="000000"/>
                 </a:solidFill>
                 <a:effectLst/>
-                <a:latin typeface="Arial" panose="020B0604020202020204" pitchFamily="34" charset="0"/>
                 <a:ea typeface="Arial Unicode MS"/>
                 <a:cs typeface="Arial" panose="020B0604020202020204" pitchFamily="34" charset="0"/>
               </a:rPr>
               <a:t>naming scheme</a:t>
             </a:r>
-            <a:endParaRPr lang="de-DE" sz="1000" dirty="0">
+            <a:endParaRPr lang="de-DE" sz="2000" dirty="0">
               <a:effectLst/>
-              <a:latin typeface="Arial" panose="020B0604020202020204" pitchFamily="34" charset="0"/>
               <a:ea typeface="Times New Roman"/>
               <a:cs typeface="Arial" panose="020B0604020202020204" pitchFamily="34" charset="0"/>
             </a:endParaRPr>
@@ -4948,14 +3751,14 @@
         </p:nvSpPr>
         <p:spPr>
           <a:xfrm>
-            <a:off x="1652801" y="4488865"/>
-            <a:ext cx="1237615" cy="438150"/>
+            <a:off x="278442" y="4869160"/>
+            <a:ext cx="2268000" cy="792000"/>
           </a:xfrm>
           <a:prstGeom prst="rect">
             <a:avLst/>
           </a:prstGeom>
           <a:noFill/>
-          <a:ln/>
+          <a:ln w="38100"/>
         </p:spPr>
         <p:style>
           <a:lnRef idx="2">
@@ -4986,18 +3789,16 @@
               </a:spcAft>
             </a:pPr>
             <a:r>
-              <a:rPr lang="en-US" sz="1000" dirty="0" smtClean="0">
+              <a:rPr lang="en-US" sz="2000" dirty="0" smtClean="0">
                 <a:solidFill>
                   <a:srgbClr val="000000"/>
                 </a:solidFill>
-                <a:latin typeface="Arial" panose="020B0604020202020204" pitchFamily="34" charset="0"/>
                 <a:ea typeface="Arial Unicode MS"/>
                 <a:cs typeface="Arial" panose="020B0604020202020204" pitchFamily="34" charset="0"/>
               </a:rPr>
               <a:t>transfer fragment to structure</a:t>
             </a:r>
-            <a:endParaRPr lang="de-DE" sz="1000" dirty="0">
-              <a:latin typeface="Arial" panose="020B0604020202020204" pitchFamily="34" charset="0"/>
+            <a:endParaRPr lang="de-DE" sz="2000" dirty="0">
               <a:ea typeface="Times New Roman"/>
               <a:cs typeface="Arial" panose="020B0604020202020204" pitchFamily="34" charset="0"/>
             </a:endParaRPr>
@@ -5014,14 +3815,14 @@
           <p:nvPr/>
         </p:nvCxnSpPr>
         <p:spPr>
-          <a:xfrm flipV="1">
-            <a:off x="2890416" y="4706194"/>
-            <a:ext cx="673472" cy="1746"/>
+          <a:xfrm>
+            <a:off x="2546442" y="5265160"/>
+            <a:ext cx="1558411" cy="0"/>
           </a:xfrm>
           <a:prstGeom prst="straightConnector1">
             <a:avLst/>
           </a:prstGeom>
-          <a:ln w="28575">
+          <a:ln w="38100">
             <a:tailEnd type="arrow"/>
           </a:ln>
         </p:spPr>
@@ -5050,14 +3851,14 @@
           <p:nvPr/>
         </p:nvCxnSpPr>
         <p:spPr>
-          <a:xfrm flipH="1">
-            <a:off x="2271609" y="3970655"/>
-            <a:ext cx="1374" cy="518210"/>
+          <a:xfrm>
+            <a:off x="1412442" y="4004976"/>
+            <a:ext cx="0" cy="864184"/>
           </a:xfrm>
           <a:prstGeom prst="straightConnector1">
             <a:avLst/>
           </a:prstGeom>
-          <a:ln w="28575">
+          <a:ln w="38100">
             <a:tailEnd type="arrow"/>
           </a:ln>
         </p:spPr>
@@ -5084,14 +3885,14 @@
         </p:nvSpPr>
         <p:spPr>
           <a:xfrm>
-            <a:off x="4718747" y="3069969"/>
-            <a:ext cx="1221405" cy="432000"/>
+            <a:off x="6137167" y="2238418"/>
+            <a:ext cx="2160000" cy="792000"/>
           </a:xfrm>
           <a:prstGeom prst="rect">
             <a:avLst/>
           </a:prstGeom>
           <a:noFill/>
-          <a:ln>
+          <a:ln w="38100">
             <a:solidFill>
               <a:schemeClr val="accent6"/>
             </a:solidFill>
@@ -5126,32 +3927,40 @@
               </a:spcAft>
             </a:pPr>
             <a:r>
-              <a:rPr lang="en-US" sz="1000" kern="1200" dirty="0">
+              <a:rPr lang="en-US" sz="2000" kern="1200" dirty="0">
                 <a:solidFill>
                   <a:srgbClr val="000000"/>
                 </a:solidFill>
                 <a:effectLst/>
-                <a:latin typeface="Arial" panose="020B0604020202020204" pitchFamily="34" charset="0"/>
                 <a:ea typeface="Arial Unicode MS"/>
                 <a:cs typeface="Arial" panose="020B0604020202020204" pitchFamily="34" charset="0"/>
               </a:rPr>
               <a:t>import from </a:t>
             </a:r>
             <a:r>
-              <a:rPr lang="en-US" sz="1000" kern="1200" dirty="0" smtClean="0">
+              <a:rPr lang="en-US" sz="2000" kern="1200" dirty="0" smtClean="0">
                 <a:solidFill>
                   <a:srgbClr val="000000"/>
                 </a:solidFill>
                 <a:effectLst/>
-                <a:latin typeface="Arial" panose="020B0604020202020204" pitchFamily="34" charset="0"/>
                 <a:ea typeface="Arial Unicode MS"/>
                 <a:cs typeface="Arial" panose="020B0604020202020204" pitchFamily="34" charset="0"/>
               </a:rPr>
-              <a:t>GRADE server</a:t>
-            </a:r>
-            <a:endParaRPr lang="de-DE" sz="1000" dirty="0">
+              <a:t>GRADE </a:t>
+            </a:r>
+            <a:r>
+              <a:rPr lang="en-US" sz="2000" kern="1200" dirty="0" smtClean="0">
+                <a:solidFill>
+                  <a:srgbClr val="000000"/>
+                </a:solidFill>
+                <a:effectLst/>
+                <a:ea typeface="Arial Unicode MS"/>
+                <a:cs typeface="Arial" panose="020B0604020202020204" pitchFamily="34" charset="0"/>
+              </a:rPr>
+              <a:t>server</a:t>
+            </a:r>
+            <a:endParaRPr lang="de-DE" sz="2000" dirty="0">
               <a:effectLst/>
-              <a:latin typeface="Arial" panose="020B0604020202020204" pitchFamily="34" charset="0"/>
               <a:ea typeface="Times New Roman"/>
               <a:cs typeface="Arial" panose="020B0604020202020204" pitchFamily="34" charset="0"/>
             </a:endParaRPr>
@@ -5166,14 +3975,14 @@
         </p:nvSpPr>
         <p:spPr>
           <a:xfrm>
-            <a:off x="4718287" y="2494914"/>
-            <a:ext cx="1221865" cy="432000"/>
+            <a:off x="6137167" y="1124832"/>
+            <a:ext cx="2160000" cy="792000"/>
           </a:xfrm>
           <a:prstGeom prst="rect">
             <a:avLst/>
           </a:prstGeom>
           <a:noFill/>
-          <a:ln>
+          <a:ln w="38100">
             <a:solidFill>
               <a:schemeClr val="accent6"/>
             </a:solidFill>
@@ -5208,80 +4017,84 @@
               </a:spcAft>
             </a:pPr>
             <a:r>
-              <a:rPr lang="en-US" sz="1000" kern="1200" dirty="0">
+              <a:rPr lang="en-US" sz="2000" kern="1200" dirty="0">
                 <a:solidFill>
                   <a:srgbClr val="000000"/>
                 </a:solidFill>
                 <a:effectLst/>
-                <a:latin typeface="Arial" panose="020B0604020202020204" pitchFamily="34" charset="0"/>
                 <a:ea typeface="Arial Unicode MS"/>
                 <a:cs typeface="Arial" panose="020B0604020202020204" pitchFamily="34" charset="0"/>
               </a:rPr>
               <a:t>Export to </a:t>
             </a:r>
             <a:r>
-              <a:rPr lang="en-US" sz="1000" kern="1200" dirty="0" smtClean="0">
+              <a:rPr lang="en-US" sz="2000" kern="1200" dirty="0" smtClean="0">
                 <a:solidFill>
                   <a:srgbClr val="000000"/>
                 </a:solidFill>
                 <a:effectLst/>
-                <a:latin typeface="Arial" panose="020B0604020202020204" pitchFamily="34" charset="0"/>
                 <a:ea typeface="Arial Unicode MS"/>
                 <a:cs typeface="Arial" panose="020B0604020202020204" pitchFamily="34" charset="0"/>
               </a:rPr>
-              <a:t>res, </a:t>
-            </a:r>
-            <a:r>
-              <a:rPr lang="en-US" sz="1000" kern="1200" dirty="0" err="1" smtClean="0">
+              <a:t>res</a:t>
+            </a:r>
+            <a:r>
+              <a:rPr lang="en-US" sz="2000" kern="1200" dirty="0" smtClean="0">
                 <a:solidFill>
                   <a:srgbClr val="000000"/>
                 </a:solidFill>
                 <a:effectLst/>
-                <a:latin typeface="Arial" panose="020B0604020202020204" pitchFamily="34" charset="0"/>
+                <a:ea typeface="Arial Unicode MS"/>
+                <a:cs typeface="Arial" panose="020B0604020202020204" pitchFamily="34" charset="0"/>
+              </a:rPr>
+              <a:t>, eps, </a:t>
+            </a:r>
+            <a:r>
+              <a:rPr lang="en-US" sz="2000" kern="1200" dirty="0" err="1" smtClean="0">
+                <a:solidFill>
+                  <a:srgbClr val="000000"/>
+                </a:solidFill>
+                <a:effectLst/>
                 <a:ea typeface="Arial Unicode MS"/>
                 <a:cs typeface="Arial" panose="020B0604020202020204" pitchFamily="34" charset="0"/>
               </a:rPr>
               <a:t>png</a:t>
             </a:r>
             <a:r>
-              <a:rPr lang="en-US" sz="1000" kern="1200" dirty="0" smtClean="0">
+              <a:rPr lang="en-US" sz="2000" kern="1200" dirty="0" smtClean="0">
                 <a:solidFill>
                   <a:srgbClr val="000000"/>
                 </a:solidFill>
                 <a:effectLst/>
-                <a:latin typeface="Arial" panose="020B0604020202020204" pitchFamily="34" charset="0"/>
                 <a:ea typeface="Arial Unicode MS"/>
                 <a:cs typeface="Arial" panose="020B0604020202020204" pitchFamily="34" charset="0"/>
               </a:rPr>
               <a:t> </a:t>
             </a:r>
             <a:r>
-              <a:rPr lang="en-US" sz="1000" kern="1200" dirty="0">
+              <a:rPr lang="en-US" sz="2000" kern="1200" dirty="0">
                 <a:solidFill>
                   <a:srgbClr val="000000"/>
                 </a:solidFill>
                 <a:effectLst/>
-                <a:latin typeface="Arial" panose="020B0604020202020204" pitchFamily="34" charset="0"/>
                 <a:ea typeface="Arial Unicode MS"/>
                 <a:cs typeface="Arial" panose="020B0604020202020204" pitchFamily="34" charset="0"/>
               </a:rPr>
               <a:t>and </a:t>
             </a:r>
             <a:r>
-              <a:rPr lang="en-US" sz="1000" kern="1200" dirty="0" smtClean="0">
+              <a:rPr lang="en-US" sz="2000" kern="1200" dirty="0" smtClean="0">
                 <a:solidFill>
                   <a:srgbClr val="000000"/>
                 </a:solidFill>
                 <a:effectLst/>
-                <a:latin typeface="Arial" panose="020B0604020202020204" pitchFamily="34" charset="0"/>
                 <a:ea typeface="Arial Unicode MS"/>
                 <a:cs typeface="Arial" panose="020B0604020202020204" pitchFamily="34" charset="0"/>
               </a:rPr>
               <a:t>clip board</a:t>
             </a:r>
-            <a:endParaRPr lang="de-DE" sz="1000" dirty="0">
+            <a:endParaRPr lang="de-DE" sz="2000" dirty="0">
               <a:effectLst/>
-              <a:latin typeface="Arial" panose="020B0604020202020204" pitchFamily="34" charset="0"/>
               <a:ea typeface="Times New Roman"/>
               <a:cs typeface="Arial" panose="020B0604020202020204" pitchFamily="34" charset="0"/>
             </a:endParaRPr>
@@ -5290,198 +4103,20 @@
       </p:sp>
       <p:sp>
         <p:nvSpPr>
-          <p:cNvPr id="32" name="Rectangle 29"/>
-          <p:cNvSpPr>
-            <a:spLocks noChangeArrowheads="1"/>
-          </p:cNvSpPr>
+          <p:cNvPr id="36" name="Textfeld 35"/>
+          <p:cNvSpPr txBox="1"/>
           <p:nvPr/>
         </p:nvSpPr>
-        <p:spPr bwMode="auto">
+        <p:spPr>
           <a:xfrm>
-            <a:off x="0" y="101642"/>
-            <a:ext cx="184731" cy="253916"/>
+            <a:off x="6137167" y="3284984"/>
+            <a:ext cx="2160000" cy="792000"/>
           </a:xfrm>
           <a:prstGeom prst="rect">
             <a:avLst/>
           </a:prstGeom>
           <a:noFill/>
-          <a:ln>
-            <a:noFill/>
-          </a:ln>
-          <a:effectLst/>
-          <a:extLst>
-            <a:ext uri="{909E8E84-426E-40DD-AFC4-6F175D3DCCD1}">
-              <a14:hiddenFill xmlns:a14="http://schemas.microsoft.com/office/drawing/2010/main">
-                <a:solidFill>
-                  <a:schemeClr val="accent1"/>
-                </a:solidFill>
-              </a14:hiddenFill>
-            </a:ext>
-            <a:ext uri="{91240B29-F687-4F45-9708-019B960494DF}">
-              <a14:hiddenLine xmlns:a14="http://schemas.microsoft.com/office/drawing/2010/main" w="9525">
-                <a:solidFill>
-                  <a:schemeClr val="tx1"/>
-                </a:solidFill>
-                <a:miter lim="800000"/>
-                <a:headEnd/>
-                <a:tailEnd/>
-              </a14:hiddenLine>
-            </a:ext>
-            <a:ext uri="{AF507438-7753-43E0-B8FC-AC1667EBCBE1}">
-              <a14:hiddenEffects xmlns:a14="http://schemas.microsoft.com/office/drawing/2010/main">
-                <a:effectLst>
-                  <a:outerShdw dist="35921" dir="2700000" algn="ctr" rotWithShape="0">
-                    <a:schemeClr val="bg2"/>
-                  </a:outerShdw>
-                </a:effectLst>
-              </a14:hiddenEffects>
-            </a:ext>
-          </a:extLst>
-        </p:spPr>
-        <p:txBody>
-          <a:bodyPr vert="horz" wrap="none" lIns="91440" tIns="45720" rIns="91440" bIns="45720" numCol="1" anchor="ctr" anchorCtr="0" compatLnSpc="1">
-            <a:prstTxWarp prst="textNoShape">
-              <a:avLst/>
-            </a:prstTxWarp>
-            <a:spAutoFit/>
-          </a:bodyPr>
-          <a:lstStyle/>
-          <a:p>
-            <a:pPr marL="0" marR="0" lvl="0" indent="0" algn="l" defTabSz="914400" rtl="0" eaLnBrk="1" fontAlgn="base" latinLnBrk="0" hangingPunct="1">
-              <a:lnSpc>
-                <a:spcPct val="100000"/>
-              </a:lnSpc>
-              <a:spcBef>
-                <a:spcPct val="0"/>
-              </a:spcBef>
-              <a:spcAft>
-                <a:spcPct val="0"/>
-              </a:spcAft>
-              <a:buClrTx/>
-              <a:buSzTx/>
-              <a:buFontTx/>
-              <a:buNone/>
-              <a:tabLst/>
-            </a:pPr>
-            <a:endParaRPr kumimoji="0" lang="de-DE" altLang="de-DE" sz="1050" b="0" i="0" u="none" strike="noStrike" cap="none" normalizeH="0" baseline="0" smtClean="0">
-              <a:ln>
-                <a:noFill/>
-              </a:ln>
-              <a:solidFill>
-                <a:schemeClr val="tx1"/>
-              </a:solidFill>
-              <a:effectLst/>
-              <a:latin typeface="+mj-lt"/>
-              <a:cs typeface="Arial" pitchFamily="34" charset="0"/>
-            </a:endParaRPr>
-          </a:p>
-        </p:txBody>
-      </p:sp>
-      <p:sp>
-        <p:nvSpPr>
-          <p:cNvPr id="33" name="Rectangle 41"/>
-          <p:cNvSpPr>
-            <a:spLocks noChangeArrowheads="1"/>
-          </p:cNvSpPr>
-          <p:nvPr/>
-        </p:nvSpPr>
-        <p:spPr bwMode="auto">
-          <a:xfrm>
-            <a:off x="0" y="330242"/>
-            <a:ext cx="184731" cy="253916"/>
-          </a:xfrm>
-          <a:prstGeom prst="rect">
-            <a:avLst/>
-          </a:prstGeom>
-          <a:noFill/>
-          <a:ln>
-            <a:noFill/>
-          </a:ln>
-          <a:effectLst/>
-          <a:extLst>
-            <a:ext uri="{909E8E84-426E-40DD-AFC4-6F175D3DCCD1}">
-              <a14:hiddenFill xmlns:a14="http://schemas.microsoft.com/office/drawing/2010/main">
-                <a:solidFill>
-                  <a:schemeClr val="accent1"/>
-                </a:solidFill>
-              </a14:hiddenFill>
-            </a:ext>
-            <a:ext uri="{91240B29-F687-4F45-9708-019B960494DF}">
-              <a14:hiddenLine xmlns:a14="http://schemas.microsoft.com/office/drawing/2010/main" w="9525">
-                <a:solidFill>
-                  <a:schemeClr val="tx1"/>
-                </a:solidFill>
-                <a:miter lim="800000"/>
-                <a:headEnd/>
-                <a:tailEnd/>
-              </a14:hiddenLine>
-            </a:ext>
-            <a:ext uri="{AF507438-7753-43E0-B8FC-AC1667EBCBE1}">
-              <a14:hiddenEffects xmlns:a14="http://schemas.microsoft.com/office/drawing/2010/main">
-                <a:effectLst>
-                  <a:outerShdw dist="35921" dir="2700000" algn="ctr" rotWithShape="0">
-                    <a:schemeClr val="bg2"/>
-                  </a:outerShdw>
-                </a:effectLst>
-              </a14:hiddenEffects>
-            </a:ext>
-          </a:extLst>
-        </p:spPr>
-        <p:txBody>
-          <a:bodyPr vert="horz" wrap="none" lIns="91440" tIns="45720" rIns="91440" bIns="45720" numCol="1" anchor="ctr" anchorCtr="0" compatLnSpc="1">
-            <a:prstTxWarp prst="textNoShape">
-              <a:avLst/>
-            </a:prstTxWarp>
-            <a:spAutoFit/>
-          </a:bodyPr>
-          <a:lstStyle/>
-          <a:p>
-            <a:pPr marL="0" marR="0" lvl="0" indent="0" algn="l" defTabSz="914400" rtl="0" eaLnBrk="1" fontAlgn="base" latinLnBrk="0" hangingPunct="1">
-              <a:lnSpc>
-                <a:spcPct val="100000"/>
-              </a:lnSpc>
-              <a:spcBef>
-                <a:spcPct val="0"/>
-              </a:spcBef>
-              <a:spcAft>
-                <a:spcPct val="0"/>
-              </a:spcAft>
-              <a:buClrTx/>
-              <a:buSzTx/>
-              <a:buFontTx/>
-              <a:buNone/>
-              <a:tabLst/>
-            </a:pPr>
-            <a:endParaRPr kumimoji="0" lang="de-DE" altLang="de-DE" sz="1050" b="0" i="0" u="none" strike="noStrike" cap="none" normalizeH="0" baseline="0" smtClean="0">
-              <a:ln>
-                <a:noFill/>
-              </a:ln>
-              <a:solidFill>
-                <a:schemeClr val="tx1"/>
-              </a:solidFill>
-              <a:effectLst/>
-              <a:latin typeface="+mj-lt"/>
-              <a:cs typeface="Arial" pitchFamily="34" charset="0"/>
-            </a:endParaRPr>
-          </a:p>
-        </p:txBody>
-      </p:sp>
-      <p:sp>
-        <p:nvSpPr>
-          <p:cNvPr id="36" name="Textfeld 35"/>
-          <p:cNvSpPr txBox="1"/>
-          <p:nvPr/>
-        </p:nvSpPr>
-        <p:spPr>
-          <a:xfrm>
-            <a:off x="4718747" y="3645024"/>
-            <a:ext cx="1221405" cy="432000"/>
-          </a:xfrm>
-          <a:prstGeom prst="rect">
-            <a:avLst/>
-          </a:prstGeom>
-          <a:noFill/>
-          <a:ln>
+          <a:ln w="38100">
             <a:solidFill>
               <a:schemeClr val="accent6"/>
             </a:solidFill>
@@ -5516,20 +4151,29 @@
               </a:spcAft>
             </a:pPr>
             <a:r>
-              <a:rPr lang="en-US" sz="1000" kern="1200" dirty="0" smtClean="0">
+              <a:rPr lang="en-US" sz="2000" kern="1200" dirty="0" smtClean="0">
                 <a:solidFill>
                   <a:srgbClr val="000000"/>
                 </a:solidFill>
                 <a:effectLst/>
-                <a:latin typeface="Arial" panose="020B0604020202020204" pitchFamily="34" charset="0"/>
                 <a:ea typeface="Arial Unicode MS"/>
                 <a:cs typeface="Arial" panose="020B0604020202020204" pitchFamily="34" charset="0"/>
               </a:rPr>
-              <a:t>insert fragment by hand</a:t>
-            </a:r>
-            <a:endParaRPr lang="de-DE" sz="1000" dirty="0">
+              <a:t>insert fragment </a:t>
+            </a:r>
+            <a:r>
+              <a:rPr lang="en-US" sz="2000" kern="1200" dirty="0" smtClean="0">
+                <a:solidFill>
+                  <a:srgbClr val="000000"/>
+                </a:solidFill>
+                <a:effectLst/>
+                <a:ea typeface="Arial Unicode MS"/>
+                <a:cs typeface="Arial" panose="020B0604020202020204" pitchFamily="34" charset="0"/>
+              </a:rPr>
+              <a:t>manually</a:t>
+            </a:r>
+            <a:endParaRPr lang="de-DE" sz="2000" dirty="0">
               <a:effectLst/>
-              <a:latin typeface="Arial" panose="020B0604020202020204" pitchFamily="34" charset="0"/>
               <a:ea typeface="Times New Roman"/>
               <a:cs typeface="Arial" panose="020B0604020202020204" pitchFamily="34" charset="0"/>
             </a:endParaRPr>
@@ -5540,36 +4184,6 @@
     <p:extLst>
       <p:ext uri="{BB962C8B-B14F-4D97-AF65-F5344CB8AC3E}">
         <p14:creationId xmlns:p14="http://schemas.microsoft.com/office/powerpoint/2010/main" val="3369696239"/>
-      </p:ext>
-    </p:extLst>
-  </p:cSld>
-  <p:clrMapOvr>
-    <a:masterClrMapping/>
-  </p:clrMapOvr>
-</p:sld>
-</file>
-
-<file path=ppt/slides/slide3.xml><?xml version="1.0" encoding="utf-8"?>
-<p:sld xmlns:a="http://schemas.openxmlformats.org/drawingml/2006/main" xmlns:r="http://schemas.openxmlformats.org/officeDocument/2006/relationships" xmlns:p="http://schemas.openxmlformats.org/presentationml/2006/main">
-  <p:cSld>
-    <p:spTree>
-      <p:nvGrpSpPr>
-        <p:cNvPr id="1" name=""/>
-        <p:cNvGrpSpPr/>
-        <p:nvPr/>
-      </p:nvGrpSpPr>
-      <p:grpSpPr>
-        <a:xfrm>
-          <a:off x="0" y="0"/>
-          <a:ext cx="0" cy="0"/>
-          <a:chOff x="0" y="0"/>
-          <a:chExt cx="0" cy="0"/>
-        </a:xfrm>
-      </p:grpSpPr>
-    </p:spTree>
-    <p:extLst>
-      <p:ext uri="{BB962C8B-B14F-4D97-AF65-F5344CB8AC3E}">
-        <p14:creationId xmlns:p14="http://schemas.microsoft.com/office/powerpoint/2010/main" val="1384569389"/>
       </p:ext>
     </p:extLst>
   </p:cSld>

--- a/manuals/wokflow.pptx
+++ b/manuals/wokflow.pptx
@@ -5,7 +5,8 @@
     <p:sldMasterId id="2147483648" r:id="rId1"/>
   </p:sldMasterIdLst>
   <p:sldIdLst>
-    <p:sldId id="258" r:id="rId2"/>
+    <p:sldId id="259" r:id="rId2"/>
+    <p:sldId id="258" r:id="rId3"/>
   </p:sldIdLst>
   <p:sldSz cx="9144000" cy="6858000" type="screen4x3"/>
   <p:notesSz cx="6858000" cy="9144000"/>
@@ -3111,1075 +3112,2687 @@
           <a:chExt cx="0" cy="0"/>
         </a:xfrm>
       </p:grpSpPr>
-      <p:cxnSp>
-        <p:nvCxnSpPr>
-          <p:cNvPr id="35" name="Gerade Verbindung mit Pfeil 34"/>
-          <p:cNvCxnSpPr>
-            <a:stCxn id="36" idx="1"/>
-          </p:cNvCxnSpPr>
+      <p:grpSp>
+        <p:nvGrpSpPr>
+          <p:cNvPr id="15" name="Gruppieren 14"/>
+          <p:cNvGrpSpPr/>
           <p:nvPr/>
-        </p:nvCxnSpPr>
-        <p:spPr>
-          <a:xfrm flipH="1" flipV="1">
-            <a:off x="5321503" y="2973731"/>
-            <a:ext cx="815664" cy="707253"/>
+        </p:nvGrpSpPr>
+        <p:grpSpPr>
+          <a:xfrm>
+            <a:off x="539552" y="614007"/>
+            <a:ext cx="8026516" cy="5059898"/>
+            <a:chOff x="539552" y="614007"/>
+            <a:chExt cx="8026516" cy="5059898"/>
           </a:xfrm>
-          <a:prstGeom prst="straightConnector1">
-            <a:avLst/>
-          </a:prstGeom>
-          <a:ln w="38100">
+        </p:grpSpPr>
+        <p:grpSp>
+          <p:nvGrpSpPr>
+            <p:cNvPr id="11" name="Gruppieren 10"/>
+            <p:cNvGrpSpPr/>
+            <p:nvPr/>
+          </p:nvGrpSpPr>
+          <p:grpSpPr>
+            <a:xfrm>
+              <a:off x="539552" y="980728"/>
+              <a:ext cx="8026516" cy="4693177"/>
+              <a:chOff x="539552" y="980728"/>
+              <a:chExt cx="8026516" cy="4693177"/>
+            </a:xfrm>
+          </p:grpSpPr>
+          <p:cxnSp>
+            <p:nvCxnSpPr>
+              <p:cNvPr id="35" name="Gerade Verbindung mit Pfeil 34"/>
+              <p:cNvCxnSpPr>
+                <a:stCxn id="36" idx="1"/>
+              </p:cNvCxnSpPr>
+              <p:nvPr/>
+            </p:nvCxnSpPr>
+            <p:spPr>
+              <a:xfrm flipH="1" flipV="1">
+                <a:off x="5559562" y="2914556"/>
+                <a:ext cx="843264" cy="707253"/>
+              </a:xfrm>
+              <a:prstGeom prst="straightConnector1">
+                <a:avLst/>
+              </a:prstGeom>
+              <a:ln w="38100">
+                <a:solidFill>
+                  <a:schemeClr val="accent6"/>
+                </a:solidFill>
+                <a:tailEnd type="arrow"/>
+              </a:ln>
+            </p:spPr>
+            <p:style>
+              <a:lnRef idx="1">
+                <a:schemeClr val="accent1"/>
+              </a:lnRef>
+              <a:fillRef idx="0">
+                <a:schemeClr val="accent1"/>
+              </a:fillRef>
+              <a:effectRef idx="0">
+                <a:schemeClr val="accent1"/>
+              </a:effectRef>
+              <a:fontRef idx="minor">
+                <a:schemeClr val="tx1"/>
+              </a:fontRef>
+            </p:style>
+          </p:cxnSp>
+          <p:cxnSp>
+            <p:nvCxnSpPr>
+              <p:cNvPr id="27" name="Gerade Verbindung mit Pfeil 26"/>
+              <p:cNvCxnSpPr>
+                <a:stCxn id="29" idx="1"/>
+                <a:endCxn id="10" idx="4"/>
+              </p:cNvCxnSpPr>
+              <p:nvPr/>
+            </p:nvCxnSpPr>
+            <p:spPr>
+              <a:xfrm flipH="1">
+                <a:off x="5531962" y="2575243"/>
+                <a:ext cx="870864" cy="51050"/>
+              </a:xfrm>
+              <a:prstGeom prst="straightConnector1">
+                <a:avLst/>
+              </a:prstGeom>
+              <a:ln w="38100">
+                <a:solidFill>
+                  <a:schemeClr val="accent6"/>
+                </a:solidFill>
+                <a:tailEnd type="arrow"/>
+              </a:ln>
+            </p:spPr>
+            <p:style>
+              <a:lnRef idx="1">
+                <a:schemeClr val="accent1"/>
+              </a:lnRef>
+              <a:fillRef idx="0">
+                <a:schemeClr val="accent1"/>
+              </a:fillRef>
+              <a:effectRef idx="0">
+                <a:schemeClr val="accent1"/>
+              </a:effectRef>
+              <a:fontRef idx="minor">
+                <a:schemeClr val="tx1"/>
+              </a:fontRef>
+            </p:style>
+          </p:cxnSp>
+          <p:cxnSp>
+            <p:nvCxnSpPr>
+              <p:cNvPr id="28" name="Gerade Verbindung mit Pfeil 27"/>
+              <p:cNvCxnSpPr>
+                <a:endCxn id="30" idx="1"/>
+              </p:cNvCxnSpPr>
+              <p:nvPr/>
+            </p:nvCxnSpPr>
+            <p:spPr>
+              <a:xfrm flipV="1">
+                <a:off x="5562496" y="1461657"/>
+                <a:ext cx="840330" cy="916412"/>
+              </a:xfrm>
+              <a:prstGeom prst="straightConnector1">
+                <a:avLst/>
+              </a:prstGeom>
+              <a:ln w="38100">
+                <a:solidFill>
+                  <a:schemeClr val="accent6"/>
+                </a:solidFill>
+                <a:headEnd type="none"/>
+                <a:tailEnd type="arrow"/>
+              </a:ln>
+            </p:spPr>
+            <p:style>
+              <a:lnRef idx="1">
+                <a:schemeClr val="accent1"/>
+              </a:lnRef>
+              <a:fillRef idx="0">
+                <a:schemeClr val="accent1"/>
+              </a:fillRef>
+              <a:effectRef idx="0">
+                <a:schemeClr val="accent1"/>
+              </a:effectRef>
+              <a:fontRef idx="minor">
+                <a:schemeClr val="tx1"/>
+              </a:fontRef>
+            </p:style>
+          </p:cxnSp>
+          <p:sp>
+            <p:nvSpPr>
+              <p:cNvPr id="4" name="Textfeld 4"/>
+              <p:cNvSpPr txBox="1"/>
+              <p:nvPr/>
+            </p:nvSpPr>
+            <p:spPr>
+              <a:xfrm>
+                <a:off x="539552" y="980728"/>
+                <a:ext cx="2268000" cy="792000"/>
+              </a:xfrm>
+              <a:prstGeom prst="rect">
+                <a:avLst/>
+              </a:prstGeom>
+              <a:solidFill>
+                <a:schemeClr val="accent2">
+                  <a:lumMod val="40000"/>
+                  <a:lumOff val="60000"/>
+                </a:schemeClr>
+              </a:solidFill>
+              <a:ln w="38100"/>
+            </p:spPr>
+            <p:style>
+              <a:lnRef idx="2">
+                <a:schemeClr val="accent2">
+                  <a:shade val="50000"/>
+                </a:schemeClr>
+              </a:lnRef>
+              <a:fillRef idx="1">
+                <a:schemeClr val="accent2"/>
+              </a:fillRef>
+              <a:effectRef idx="0">
+                <a:schemeClr val="accent2"/>
+              </a:effectRef>
+              <a:fontRef idx="minor">
+                <a:schemeClr val="lt1"/>
+              </a:fontRef>
+            </p:style>
+            <p:txBody>
+              <a:bodyPr rot="0" spcFirstLastPara="0" vert="horz" wrap="square" lIns="91440" tIns="45720" rIns="91440" bIns="45720" numCol="1" spcCol="0" rtlCol="0" fromWordArt="0" anchor="ctr" anchorCtr="0" forceAA="0" compatLnSpc="1">
+                <a:prstTxWarp prst="textNoShape">
+                  <a:avLst/>
+                </a:prstTxWarp>
+                <a:noAutofit/>
+              </a:bodyPr>
+              <a:lstStyle/>
+              <a:p>
+                <a:pPr algn="ctr">
+                  <a:spcAft>
+                    <a:spcPts val="600"/>
+                  </a:spcAft>
+                </a:pPr>
+                <a:r>
+                  <a:rPr lang="en-US" sz="2000" kern="1200" dirty="0" smtClean="0">
+                    <a:solidFill>
+                      <a:srgbClr val="000000"/>
+                    </a:solidFill>
+                    <a:effectLst/>
+                    <a:ea typeface="Arial Unicode MS"/>
+                    <a:cs typeface="Arial" panose="020B0604020202020204" pitchFamily="34" charset="0"/>
+                  </a:rPr>
+                  <a:t>SHELXL res-file </a:t>
+                </a:r>
+                <a:r>
+                  <a:rPr lang="en-US" sz="2000" kern="1200" dirty="0">
+                    <a:solidFill>
+                      <a:srgbClr val="000000"/>
+                    </a:solidFill>
+                    <a:effectLst/>
+                    <a:ea typeface="Arial Unicode MS"/>
+                    <a:cs typeface="Arial" panose="020B0604020202020204" pitchFamily="34" charset="0"/>
+                  </a:rPr>
+                  <a:t>with </a:t>
+                </a:r>
+                <a:r>
+                  <a:rPr lang="en-US" sz="2000" b="1" kern="1200" dirty="0">
+                    <a:solidFill>
+                      <a:srgbClr val="000000"/>
+                    </a:solidFill>
+                    <a:effectLst/>
+                    <a:ea typeface="Arial Unicode MS"/>
+                    <a:cs typeface="Arial" panose="020B0604020202020204" pitchFamily="34" charset="0"/>
+                  </a:rPr>
+                  <a:t>DSR command</a:t>
+                </a:r>
+                <a:endParaRPr lang="de-DE" sz="2000" b="1" dirty="0">
+                  <a:effectLst/>
+                  <a:ea typeface="Times New Roman"/>
+                  <a:cs typeface="Arial" panose="020B0604020202020204" pitchFamily="34" charset="0"/>
+                </a:endParaRPr>
+              </a:p>
+            </p:txBody>
+          </p:sp>
+          <p:cxnSp>
+            <p:nvCxnSpPr>
+              <p:cNvPr id="5" name="Gerade Verbindung mit Pfeil 4"/>
+              <p:cNvCxnSpPr>
+                <a:stCxn id="4" idx="2"/>
+                <a:endCxn id="13" idx="0"/>
+              </p:cNvCxnSpPr>
+              <p:nvPr/>
+            </p:nvCxnSpPr>
+            <p:spPr>
+              <a:xfrm>
+                <a:off x="1673552" y="1772728"/>
+                <a:ext cx="4549" cy="1525001"/>
+              </a:xfrm>
+              <a:prstGeom prst="straightConnector1">
+                <a:avLst/>
+              </a:prstGeom>
+              <a:ln w="38100">
+                <a:tailEnd type="arrow"/>
+              </a:ln>
+            </p:spPr>
+            <p:style>
+              <a:lnRef idx="1">
+                <a:schemeClr val="accent1"/>
+              </a:lnRef>
+              <a:fillRef idx="0">
+                <a:schemeClr val="accent1"/>
+              </a:fillRef>
+              <a:effectRef idx="0">
+                <a:schemeClr val="accent1"/>
+              </a:effectRef>
+              <a:fontRef idx="minor">
+                <a:schemeClr val="tx1"/>
+              </a:fontRef>
+            </p:style>
+          </p:cxnSp>
+          <p:cxnSp>
+            <p:nvCxnSpPr>
+              <p:cNvPr id="6" name="Gerade Verbindung mit Pfeil 5"/>
+              <p:cNvCxnSpPr>
+                <a:endCxn id="10" idx="2"/>
+              </p:cNvCxnSpPr>
+              <p:nvPr/>
+            </p:nvCxnSpPr>
+            <p:spPr>
+              <a:xfrm>
+                <a:off x="1673552" y="2625631"/>
+                <a:ext cx="1924196" cy="662"/>
+              </a:xfrm>
+              <a:prstGeom prst="straightConnector1">
+                <a:avLst/>
+              </a:prstGeom>
+              <a:ln w="38100">
+                <a:headEnd type="arrow"/>
+                <a:tailEnd type="arrow"/>
+              </a:ln>
+            </p:spPr>
+            <p:style>
+              <a:lnRef idx="1">
+                <a:schemeClr val="accent1"/>
+              </a:lnRef>
+              <a:fillRef idx="0">
+                <a:schemeClr val="accent1"/>
+              </a:fillRef>
+              <a:effectRef idx="0">
+                <a:schemeClr val="accent1"/>
+              </a:effectRef>
+              <a:fontRef idx="minor">
+                <a:schemeClr val="tx1"/>
+              </a:fontRef>
+            </p:style>
+          </p:cxnSp>
+          <p:sp>
+            <p:nvSpPr>
+              <p:cNvPr id="10" name="Flussdiagramm: Magnetplattenspeicher 9"/>
+              <p:cNvSpPr/>
+              <p:nvPr/>
+            </p:nvSpPr>
+            <p:spPr>
+              <a:xfrm>
+                <a:off x="3603563" y="1556784"/>
+                <a:ext cx="1934214" cy="2139018"/>
+              </a:xfrm>
+              <a:prstGeom prst="flowChartMagneticDisk">
+                <a:avLst/>
+              </a:prstGeom>
+              <a:solidFill>
+                <a:schemeClr val="accent1">
+                  <a:lumMod val="40000"/>
+                  <a:lumOff val="60000"/>
+                </a:schemeClr>
+              </a:solidFill>
+              <a:ln w="38100">
+                <a:solidFill>
+                  <a:schemeClr val="accent1"/>
+                </a:solidFill>
+              </a:ln>
+            </p:spPr>
+            <p:style>
+              <a:lnRef idx="2">
+                <a:schemeClr val="accent1">
+                  <a:shade val="50000"/>
+                </a:schemeClr>
+              </a:lnRef>
+              <a:fillRef idx="1">
+                <a:schemeClr val="accent1"/>
+              </a:fillRef>
+              <a:effectRef idx="0">
+                <a:schemeClr val="accent1"/>
+              </a:effectRef>
+              <a:fontRef idx="minor">
+                <a:schemeClr val="lt1"/>
+              </a:fontRef>
+            </p:style>
+            <p:txBody>
+              <a:bodyPr rot="0" spcFirstLastPara="0" vert="horz" wrap="square" lIns="91440" tIns="45720" rIns="91440" bIns="45720" numCol="1" spcCol="0" rtlCol="0" fromWordArt="0" anchor="ctr" anchorCtr="0" forceAA="0" compatLnSpc="1">
+                <a:prstTxWarp prst="textNoShape">
+                  <a:avLst/>
+                </a:prstTxWarp>
+                <a:noAutofit/>
+              </a:bodyPr>
+              <a:lstStyle/>
+              <a:p>
+                <a:pPr>
+                  <a:spcAft>
+                    <a:spcPts val="0"/>
+                  </a:spcAft>
+                </a:pPr>
+                <a:r>
+                  <a:rPr lang="en-US" sz="2000">
+                    <a:effectLst/>
+                    <a:ea typeface="Times New Roman"/>
+                    <a:cs typeface="Arial" panose="020B0604020202020204" pitchFamily="34" charset="0"/>
+                  </a:rPr>
+                  <a:t> </a:t>
+                </a:r>
+                <a:endParaRPr lang="de-DE" sz="2000">
+                  <a:effectLst/>
+                  <a:ea typeface="Times New Roman"/>
+                  <a:cs typeface="Arial" panose="020B0604020202020204" pitchFamily="34" charset="0"/>
+                </a:endParaRPr>
+              </a:p>
+            </p:txBody>
+          </p:sp>
+          <p:sp>
+            <p:nvSpPr>
+              <p:cNvPr id="9" name="Textfeld 10"/>
+              <p:cNvSpPr txBox="1"/>
+              <p:nvPr/>
+            </p:nvSpPr>
+            <p:spPr>
+              <a:xfrm>
+                <a:off x="3649253" y="1429786"/>
+                <a:ext cx="1842834" cy="948283"/>
+              </a:xfrm>
+              <a:prstGeom prst="rect">
+                <a:avLst/>
+              </a:prstGeom>
+              <a:noFill/>
+              <a:ln w="38100">
+                <a:noFill/>
+              </a:ln>
+              <a:effectLst/>
+            </p:spPr>
+            <p:style>
+              <a:lnRef idx="0">
+                <a:schemeClr val="accent1"/>
+              </a:lnRef>
+              <a:fillRef idx="0">
+                <a:schemeClr val="accent1"/>
+              </a:fillRef>
+              <a:effectRef idx="0">
+                <a:schemeClr val="accent1"/>
+              </a:effectRef>
+              <a:fontRef idx="minor">
+                <a:schemeClr val="dk1"/>
+              </a:fontRef>
+            </p:style>
+            <p:txBody>
+              <a:bodyPr rot="0" spcFirstLastPara="0" vert="horz" wrap="square" lIns="91440" tIns="45720" rIns="91440" bIns="45720" numCol="1" spcCol="0" rtlCol="0" fromWordArt="0" anchor="ctr" anchorCtr="0" forceAA="0" compatLnSpc="1">
+                <a:prstTxWarp prst="textNoShape">
+                  <a:avLst/>
+                </a:prstTxWarp>
+                <a:noAutofit/>
+              </a:bodyPr>
+              <a:lstStyle/>
+              <a:p>
+                <a:pPr algn="ctr">
+                  <a:spcAft>
+                    <a:spcPts val="600"/>
+                  </a:spcAft>
+                </a:pPr>
+                <a:r>
+                  <a:rPr lang="en-US" sz="2000" b="1" kern="1200" dirty="0">
+                    <a:solidFill>
+                      <a:srgbClr val="000000"/>
+                    </a:solidFill>
+                    <a:effectLst/>
+                    <a:ea typeface="Arial Unicode MS"/>
+                    <a:cs typeface="Arial" panose="020B0604020202020204" pitchFamily="34" charset="0"/>
+                  </a:rPr>
+                  <a:t>fragment database</a:t>
+                </a:r>
+                <a:endParaRPr lang="de-DE" sz="2000" b="1" dirty="0">
+                  <a:effectLst/>
+                  <a:ea typeface="Times New Roman"/>
+                  <a:cs typeface="Arial" panose="020B0604020202020204" pitchFamily="34" charset="0"/>
+                </a:endParaRPr>
+              </a:p>
+            </p:txBody>
+          </p:sp>
+          <p:sp>
+            <p:nvSpPr>
+              <p:cNvPr id="12" name="Textfeld 15"/>
+              <p:cNvSpPr txBox="1"/>
+              <p:nvPr/>
+            </p:nvSpPr>
+            <p:spPr>
+              <a:xfrm>
+                <a:off x="4370512" y="4881905"/>
+                <a:ext cx="2985086" cy="792000"/>
+              </a:xfrm>
+              <a:prstGeom prst="rect">
+                <a:avLst/>
+              </a:prstGeom>
+              <a:solidFill>
+                <a:schemeClr val="accent3">
+                  <a:lumMod val="40000"/>
+                  <a:lumOff val="60000"/>
+                </a:schemeClr>
+              </a:solidFill>
+              <a:ln w="38100"/>
+            </p:spPr>
+            <p:style>
+              <a:lnRef idx="2">
+                <a:schemeClr val="accent3">
+                  <a:shade val="50000"/>
+                </a:schemeClr>
+              </a:lnRef>
+              <a:fillRef idx="1">
+                <a:schemeClr val="accent3"/>
+              </a:fillRef>
+              <a:effectRef idx="0">
+                <a:schemeClr val="accent3"/>
+              </a:effectRef>
+              <a:fontRef idx="minor">
+                <a:schemeClr val="lt1"/>
+              </a:fontRef>
+            </p:style>
+            <p:txBody>
+              <a:bodyPr rot="0" spcFirstLastPara="0" vert="horz" wrap="square" lIns="91440" tIns="45720" rIns="91440" bIns="45720" numCol="1" spcCol="0" rtlCol="0" fromWordArt="0" anchor="ctr" anchorCtr="0" forceAA="0" compatLnSpc="1">
+                <a:prstTxWarp prst="textNoShape">
+                  <a:avLst/>
+                </a:prstTxWarp>
+                <a:noAutofit/>
+              </a:bodyPr>
+              <a:lstStyle/>
+              <a:p>
+                <a:pPr algn="ctr">
+                  <a:spcAft>
+                    <a:spcPts val="600"/>
+                  </a:spcAft>
+                </a:pPr>
+                <a:r>
+                  <a:rPr lang="en-US" sz="2000" kern="1200" dirty="0" smtClean="0">
+                    <a:solidFill>
+                      <a:srgbClr val="000000"/>
+                    </a:solidFill>
+                    <a:effectLst/>
+                    <a:ea typeface="Arial Unicode MS"/>
+                    <a:cs typeface="Arial" panose="020B0604020202020204" pitchFamily="34" charset="0"/>
+                  </a:rPr>
+                  <a:t>new SHELXL res file </a:t>
+                </a:r>
+                <a:r>
+                  <a:rPr lang="en-US" sz="2000" kern="1200" dirty="0">
+                    <a:solidFill>
+                      <a:srgbClr val="000000"/>
+                    </a:solidFill>
+                    <a:effectLst/>
+                    <a:ea typeface="Arial Unicode MS"/>
+                    <a:cs typeface="Arial" panose="020B0604020202020204" pitchFamily="34" charset="0"/>
+                  </a:rPr>
+                  <a:t>with </a:t>
+                </a:r>
+                <a:r>
+                  <a:rPr lang="en-US" sz="2000" kern="1200" dirty="0" smtClean="0">
+                    <a:solidFill>
+                      <a:srgbClr val="000000"/>
+                    </a:solidFill>
+                    <a:effectLst/>
+                    <a:ea typeface="Arial Unicode MS"/>
+                    <a:cs typeface="Arial" panose="020B0604020202020204" pitchFamily="34" charset="0"/>
+                  </a:rPr>
+                  <a:t/>
+                </a:r>
+                <a:br>
+                  <a:rPr lang="en-US" sz="2000" kern="1200" dirty="0" smtClean="0">
+                    <a:solidFill>
+                      <a:srgbClr val="000000"/>
+                    </a:solidFill>
+                    <a:effectLst/>
+                    <a:ea typeface="Arial Unicode MS"/>
+                    <a:cs typeface="Arial" panose="020B0604020202020204" pitchFamily="34" charset="0"/>
+                  </a:rPr>
+                </a:br>
+                <a:r>
+                  <a:rPr lang="en-US" sz="2000" b="1" kern="1200" dirty="0" smtClean="0">
+                    <a:solidFill>
+                      <a:srgbClr val="000000"/>
+                    </a:solidFill>
+                    <a:effectLst/>
+                    <a:ea typeface="Arial Unicode MS"/>
+                    <a:cs typeface="Arial" panose="020B0604020202020204" pitchFamily="34" charset="0"/>
+                  </a:rPr>
+                  <a:t>fragment</a:t>
+                </a:r>
+                <a:r>
+                  <a:rPr lang="en-US" sz="2000" kern="1200" dirty="0" smtClean="0">
+                    <a:solidFill>
+                      <a:srgbClr val="000000"/>
+                    </a:solidFill>
+                    <a:effectLst/>
+                    <a:ea typeface="Arial Unicode MS"/>
+                    <a:cs typeface="Arial" panose="020B0604020202020204" pitchFamily="34" charset="0"/>
+                  </a:rPr>
+                  <a:t> </a:t>
+                </a:r>
+                <a:r>
+                  <a:rPr lang="en-US" sz="2000" kern="1200" dirty="0">
+                    <a:solidFill>
+                      <a:srgbClr val="000000"/>
+                    </a:solidFill>
+                    <a:effectLst/>
+                    <a:ea typeface="Arial Unicode MS"/>
+                    <a:cs typeface="Arial" panose="020B0604020202020204" pitchFamily="34" charset="0"/>
+                  </a:rPr>
+                  <a:t>and </a:t>
+                </a:r>
+                <a:r>
+                  <a:rPr lang="en-US" sz="2000" b="1" kern="1200" dirty="0">
+                    <a:solidFill>
+                      <a:srgbClr val="000000"/>
+                    </a:solidFill>
+                    <a:effectLst/>
+                    <a:ea typeface="Arial Unicode MS"/>
+                    <a:cs typeface="Arial" panose="020B0604020202020204" pitchFamily="34" charset="0"/>
+                  </a:rPr>
+                  <a:t>restraints</a:t>
+                </a:r>
+                <a:endParaRPr lang="de-DE" sz="2000" b="1" dirty="0">
+                  <a:effectLst/>
+                  <a:ea typeface="Times New Roman"/>
+                  <a:cs typeface="Arial" panose="020B0604020202020204" pitchFamily="34" charset="0"/>
+                </a:endParaRPr>
+              </a:p>
+            </p:txBody>
+          </p:sp>
+          <p:sp>
+            <p:nvSpPr>
+              <p:cNvPr id="13" name="Textfeld 16"/>
+              <p:cNvSpPr txBox="1"/>
+              <p:nvPr/>
+            </p:nvSpPr>
+            <p:spPr>
+              <a:xfrm>
+                <a:off x="544101" y="3297729"/>
+                <a:ext cx="2268000" cy="792000"/>
+              </a:xfrm>
+              <a:prstGeom prst="rect">
+                <a:avLst/>
+              </a:prstGeom>
+              <a:noFill/>
+              <a:ln w="38100"/>
+            </p:spPr>
+            <p:style>
+              <a:lnRef idx="2">
+                <a:schemeClr val="accent1"/>
+              </a:lnRef>
+              <a:fillRef idx="1">
+                <a:schemeClr val="lt1"/>
+              </a:fillRef>
+              <a:effectRef idx="0">
+                <a:schemeClr val="accent1"/>
+              </a:effectRef>
+              <a:fontRef idx="minor">
+                <a:schemeClr val="dk1"/>
+              </a:fontRef>
+            </p:style>
+            <p:txBody>
+              <a:bodyPr rot="0" spcFirstLastPara="0" vert="horz" wrap="square" lIns="91440" tIns="45720" rIns="91440" bIns="45720" numCol="1" spcCol="0" rtlCol="0" fromWordArt="0" anchor="ctr" anchorCtr="0" forceAA="0" compatLnSpc="1">
+                <a:prstTxWarp prst="textNoShape">
+                  <a:avLst/>
+                </a:prstTxWarp>
+                <a:noAutofit/>
+              </a:bodyPr>
+              <a:lstStyle/>
+              <a:p>
+                <a:pPr algn="ctr">
+                  <a:spcAft>
+                    <a:spcPts val="600"/>
+                  </a:spcAft>
+                </a:pPr>
+                <a:r>
+                  <a:rPr lang="en-US" sz="2000" kern="1200" dirty="0" smtClean="0">
+                    <a:solidFill>
+                      <a:srgbClr val="000000"/>
+                    </a:solidFill>
+                    <a:effectLst/>
+                    <a:ea typeface="Arial Unicode MS"/>
+                    <a:cs typeface="Arial" panose="020B0604020202020204" pitchFamily="34" charset="0"/>
+                  </a:rPr>
+                  <a:t>apply </a:t>
+                </a:r>
+                <a:r>
+                  <a:rPr lang="en-US" sz="2000" kern="1200" dirty="0">
+                    <a:solidFill>
+                      <a:srgbClr val="000000"/>
+                    </a:solidFill>
+                    <a:effectLst/>
+                    <a:ea typeface="Arial Unicode MS"/>
+                    <a:cs typeface="Arial" panose="020B0604020202020204" pitchFamily="34" charset="0"/>
+                  </a:rPr>
+                  <a:t>new </a:t>
+                </a:r>
+                <a:r>
+                  <a:rPr lang="en-US" sz="2000" kern="1200" dirty="0" smtClean="0">
+                    <a:solidFill>
+                      <a:srgbClr val="000000"/>
+                    </a:solidFill>
+                    <a:effectLst/>
+                    <a:ea typeface="Arial Unicode MS"/>
+                    <a:cs typeface="Arial" panose="020B0604020202020204" pitchFamily="34" charset="0"/>
+                  </a:rPr>
+                  <a:t>naming </a:t>
+                </a:r>
+                <a:r>
+                  <a:rPr lang="en-US" sz="2000" kern="1200" dirty="0" smtClean="0">
+                    <a:solidFill>
+                      <a:srgbClr val="000000"/>
+                    </a:solidFill>
+                    <a:effectLst/>
+                    <a:ea typeface="Arial Unicode MS"/>
+                    <a:cs typeface="Arial" panose="020B0604020202020204" pitchFamily="34" charset="0"/>
+                  </a:rPr>
+                  <a:t>scheme</a:t>
+                </a:r>
+                <a:endParaRPr lang="de-DE" sz="2000" dirty="0">
+                  <a:effectLst/>
+                  <a:ea typeface="Times New Roman"/>
+                  <a:cs typeface="Arial" panose="020B0604020202020204" pitchFamily="34" charset="0"/>
+                </a:endParaRPr>
+              </a:p>
+            </p:txBody>
+          </p:sp>
+          <p:sp>
+            <p:nvSpPr>
+              <p:cNvPr id="23" name="Textfeld 27"/>
+              <p:cNvSpPr txBox="1"/>
+              <p:nvPr/>
+            </p:nvSpPr>
+            <p:spPr>
+              <a:xfrm>
+                <a:off x="544101" y="4881905"/>
+                <a:ext cx="2268000" cy="792000"/>
+              </a:xfrm>
+              <a:prstGeom prst="rect">
+                <a:avLst/>
+              </a:prstGeom>
+              <a:noFill/>
+              <a:ln w="38100"/>
+            </p:spPr>
+            <p:style>
+              <a:lnRef idx="2">
+                <a:schemeClr val="accent1"/>
+              </a:lnRef>
+              <a:fillRef idx="1">
+                <a:schemeClr val="lt1"/>
+              </a:fillRef>
+              <a:effectRef idx="0">
+                <a:schemeClr val="accent1"/>
+              </a:effectRef>
+              <a:fontRef idx="minor">
+                <a:schemeClr val="dk1"/>
+              </a:fontRef>
+            </p:style>
+            <p:txBody>
+              <a:bodyPr rot="0" spcFirstLastPara="0" vert="horz" wrap="square" lIns="91440" tIns="45720" rIns="91440" bIns="45720" numCol="1" spcCol="0" rtlCol="0" fromWordArt="0" anchor="ctr" anchorCtr="0" forceAA="0" compatLnSpc="1">
+                <a:prstTxWarp prst="textNoShape">
+                  <a:avLst/>
+                </a:prstTxWarp>
+                <a:noAutofit/>
+              </a:bodyPr>
+              <a:lstStyle/>
+              <a:p>
+                <a:pPr algn="ctr">
+                  <a:spcAft>
+                    <a:spcPts val="600"/>
+                  </a:spcAft>
+                </a:pPr>
+                <a:r>
+                  <a:rPr lang="en-US" sz="2000" dirty="0" smtClean="0">
+                    <a:solidFill>
+                      <a:srgbClr val="000000"/>
+                    </a:solidFill>
+                    <a:ea typeface="Arial Unicode MS"/>
+                    <a:cs typeface="Arial" panose="020B0604020202020204" pitchFamily="34" charset="0"/>
+                  </a:rPr>
+                  <a:t>transfer fragment to structure</a:t>
+                </a:r>
+                <a:endParaRPr lang="de-DE" sz="2000" dirty="0">
+                  <a:ea typeface="Times New Roman"/>
+                  <a:cs typeface="Arial" panose="020B0604020202020204" pitchFamily="34" charset="0"/>
+                </a:endParaRPr>
+              </a:p>
+            </p:txBody>
+          </p:sp>
+          <p:cxnSp>
+            <p:nvCxnSpPr>
+              <p:cNvPr id="24" name="Gerade Verbindung mit Pfeil 23"/>
+              <p:cNvCxnSpPr>
+                <a:stCxn id="23" idx="3"/>
+                <a:endCxn id="12" idx="1"/>
+              </p:cNvCxnSpPr>
+              <p:nvPr/>
+            </p:nvCxnSpPr>
+            <p:spPr>
+              <a:xfrm>
+                <a:off x="2812101" y="5277905"/>
+                <a:ext cx="1558411" cy="0"/>
+              </a:xfrm>
+              <a:prstGeom prst="straightConnector1">
+                <a:avLst/>
+              </a:prstGeom>
+              <a:ln w="38100">
+                <a:tailEnd type="arrow"/>
+              </a:ln>
+            </p:spPr>
+            <p:style>
+              <a:lnRef idx="1">
+                <a:schemeClr val="accent1"/>
+              </a:lnRef>
+              <a:fillRef idx="0">
+                <a:schemeClr val="accent1"/>
+              </a:fillRef>
+              <a:effectRef idx="0">
+                <a:schemeClr val="accent1"/>
+              </a:effectRef>
+              <a:fontRef idx="minor">
+                <a:schemeClr val="tx1"/>
+              </a:fontRef>
+            </p:style>
+          </p:cxnSp>
+          <p:cxnSp>
+            <p:nvCxnSpPr>
+              <p:cNvPr id="25" name="Gerade Verbindung mit Pfeil 24"/>
+              <p:cNvCxnSpPr>
+                <a:stCxn id="13" idx="2"/>
+                <a:endCxn id="23" idx="0"/>
+              </p:cNvCxnSpPr>
+              <p:nvPr/>
+            </p:nvCxnSpPr>
+            <p:spPr>
+              <a:xfrm>
+                <a:off x="1678101" y="4089729"/>
+                <a:ext cx="0" cy="792176"/>
+              </a:xfrm>
+              <a:prstGeom prst="straightConnector1">
+                <a:avLst/>
+              </a:prstGeom>
+              <a:ln w="38100">
+                <a:tailEnd type="arrow"/>
+              </a:ln>
+            </p:spPr>
+            <p:style>
+              <a:lnRef idx="1">
+                <a:schemeClr val="accent1"/>
+              </a:lnRef>
+              <a:fillRef idx="0">
+                <a:schemeClr val="accent1"/>
+              </a:fillRef>
+              <a:effectRef idx="0">
+                <a:schemeClr val="accent1"/>
+              </a:effectRef>
+              <a:fontRef idx="minor">
+                <a:schemeClr val="tx1"/>
+              </a:fontRef>
+            </p:style>
+          </p:cxnSp>
+          <p:sp>
+            <p:nvSpPr>
+              <p:cNvPr id="29" name="Textfeld 28"/>
+              <p:cNvSpPr txBox="1"/>
+              <p:nvPr/>
+            </p:nvSpPr>
+            <p:spPr>
+              <a:xfrm>
+                <a:off x="6406068" y="2179243"/>
+                <a:ext cx="2160000" cy="792000"/>
+              </a:xfrm>
+              <a:prstGeom prst="rect">
+                <a:avLst/>
+              </a:prstGeom>
+              <a:noFill/>
+              <a:ln w="38100">
+                <a:solidFill>
+                  <a:schemeClr val="accent6"/>
+                </a:solidFill>
+              </a:ln>
+            </p:spPr>
+            <p:style>
+              <a:lnRef idx="2">
+                <a:schemeClr val="accent1"/>
+              </a:lnRef>
+              <a:fillRef idx="1">
+                <a:schemeClr val="lt1"/>
+              </a:fillRef>
+              <a:effectRef idx="0">
+                <a:schemeClr val="accent1"/>
+              </a:effectRef>
+              <a:fontRef idx="minor">
+                <a:schemeClr val="dk1"/>
+              </a:fontRef>
+            </p:style>
+            <p:txBody>
+              <a:bodyPr rot="0" spcFirstLastPara="0" vert="horz" wrap="square" lIns="91440" tIns="45720" rIns="91440" bIns="45720" numCol="1" spcCol="0" rtlCol="0" fromWordArt="0" anchor="ctr" anchorCtr="0" forceAA="0" compatLnSpc="1">
+                <a:prstTxWarp prst="textNoShape">
+                  <a:avLst/>
+                </a:prstTxWarp>
+                <a:noAutofit/>
+              </a:bodyPr>
+              <a:lstStyle/>
+              <a:p>
+                <a:pPr algn="ctr">
+                  <a:spcAft>
+                    <a:spcPts val="600"/>
+                  </a:spcAft>
+                </a:pPr>
+                <a:r>
+                  <a:rPr lang="en-US" sz="2000" kern="1200" dirty="0">
+                    <a:solidFill>
+                      <a:srgbClr val="000000"/>
+                    </a:solidFill>
+                    <a:effectLst/>
+                    <a:ea typeface="Arial Unicode MS"/>
+                    <a:cs typeface="Arial" panose="020B0604020202020204" pitchFamily="34" charset="0"/>
+                  </a:rPr>
+                  <a:t>import from </a:t>
+                </a:r>
+                <a:r>
+                  <a:rPr lang="en-US" sz="2000" kern="1200" dirty="0" smtClean="0">
+                    <a:solidFill>
+                      <a:srgbClr val="000000"/>
+                    </a:solidFill>
+                    <a:effectLst/>
+                    <a:ea typeface="Arial Unicode MS"/>
+                    <a:cs typeface="Arial" panose="020B0604020202020204" pitchFamily="34" charset="0"/>
+                  </a:rPr>
+                  <a:t>GRADE server</a:t>
+                </a:r>
+                <a:endParaRPr lang="de-DE" sz="2000" dirty="0">
+                  <a:effectLst/>
+                  <a:ea typeface="Times New Roman"/>
+                  <a:cs typeface="Arial" panose="020B0604020202020204" pitchFamily="34" charset="0"/>
+                </a:endParaRPr>
+              </a:p>
+            </p:txBody>
+          </p:sp>
+          <p:sp>
+            <p:nvSpPr>
+              <p:cNvPr id="30" name="Textfeld 28"/>
+              <p:cNvSpPr txBox="1"/>
+              <p:nvPr/>
+            </p:nvSpPr>
+            <p:spPr>
+              <a:xfrm>
+                <a:off x="6406068" y="1065657"/>
+                <a:ext cx="2160000" cy="792000"/>
+              </a:xfrm>
+              <a:prstGeom prst="rect">
+                <a:avLst/>
+              </a:prstGeom>
+              <a:noFill/>
+              <a:ln w="38100">
+                <a:solidFill>
+                  <a:schemeClr val="accent6"/>
+                </a:solidFill>
+              </a:ln>
+            </p:spPr>
+            <p:style>
+              <a:lnRef idx="2">
+                <a:schemeClr val="accent1"/>
+              </a:lnRef>
+              <a:fillRef idx="1">
+                <a:schemeClr val="lt1"/>
+              </a:fillRef>
+              <a:effectRef idx="0">
+                <a:schemeClr val="accent1"/>
+              </a:effectRef>
+              <a:fontRef idx="minor">
+                <a:schemeClr val="dk1"/>
+              </a:fontRef>
+            </p:style>
+            <p:txBody>
+              <a:bodyPr rot="0" spcFirstLastPara="0" vert="horz" wrap="square" lIns="91440" tIns="45720" rIns="91440" bIns="45720" numCol="1" spcCol="0" rtlCol="0" fromWordArt="0" anchor="ctr" anchorCtr="0" forceAA="0" compatLnSpc="1">
+                <a:prstTxWarp prst="textNoShape">
+                  <a:avLst/>
+                </a:prstTxWarp>
+                <a:noAutofit/>
+              </a:bodyPr>
+              <a:lstStyle/>
+              <a:p>
+                <a:pPr>
+                  <a:spcAft>
+                    <a:spcPts val="600"/>
+                  </a:spcAft>
+                </a:pPr>
+                <a:r>
+                  <a:rPr lang="en-US" sz="2000" kern="1200" dirty="0">
+                    <a:solidFill>
+                      <a:srgbClr val="000000"/>
+                    </a:solidFill>
+                    <a:effectLst/>
+                    <a:ea typeface="Arial Unicode MS"/>
+                    <a:cs typeface="Arial" panose="020B0604020202020204" pitchFamily="34" charset="0"/>
+                  </a:rPr>
+                  <a:t>Export to </a:t>
+                </a:r>
+                <a:r>
+                  <a:rPr lang="en-US" sz="2000" kern="1200" dirty="0" smtClean="0">
+                    <a:solidFill>
+                      <a:srgbClr val="000000"/>
+                    </a:solidFill>
+                    <a:effectLst/>
+                    <a:ea typeface="Arial Unicode MS"/>
+                    <a:cs typeface="Arial" panose="020B0604020202020204" pitchFamily="34" charset="0"/>
+                  </a:rPr>
+                  <a:t>res, eps, </a:t>
+                </a:r>
+                <a:r>
+                  <a:rPr lang="en-US" sz="2000" kern="1200" dirty="0" err="1" smtClean="0">
+                    <a:solidFill>
+                      <a:srgbClr val="000000"/>
+                    </a:solidFill>
+                    <a:effectLst/>
+                    <a:ea typeface="Arial Unicode MS"/>
+                    <a:cs typeface="Arial" panose="020B0604020202020204" pitchFamily="34" charset="0"/>
+                  </a:rPr>
+                  <a:t>png</a:t>
+                </a:r>
+                <a:r>
+                  <a:rPr lang="en-US" sz="2000" kern="1200" dirty="0" smtClean="0">
+                    <a:solidFill>
+                      <a:srgbClr val="000000"/>
+                    </a:solidFill>
+                    <a:effectLst/>
+                    <a:ea typeface="Arial Unicode MS"/>
+                    <a:cs typeface="Arial" panose="020B0604020202020204" pitchFamily="34" charset="0"/>
+                  </a:rPr>
+                  <a:t> </a:t>
+                </a:r>
+                <a:r>
+                  <a:rPr lang="en-US" sz="2000" kern="1200" dirty="0">
+                    <a:solidFill>
+                      <a:srgbClr val="000000"/>
+                    </a:solidFill>
+                    <a:effectLst/>
+                    <a:ea typeface="Arial Unicode MS"/>
+                    <a:cs typeface="Arial" panose="020B0604020202020204" pitchFamily="34" charset="0"/>
+                  </a:rPr>
+                  <a:t>and </a:t>
+                </a:r>
+                <a:r>
+                  <a:rPr lang="en-US" sz="2000" kern="1200" dirty="0" smtClean="0">
+                    <a:solidFill>
+                      <a:srgbClr val="000000"/>
+                    </a:solidFill>
+                    <a:effectLst/>
+                    <a:ea typeface="Arial Unicode MS"/>
+                    <a:cs typeface="Arial" panose="020B0604020202020204" pitchFamily="34" charset="0"/>
+                  </a:rPr>
+                  <a:t>clip board</a:t>
+                </a:r>
+                <a:endParaRPr lang="de-DE" sz="2000" dirty="0">
+                  <a:effectLst/>
+                  <a:ea typeface="Times New Roman"/>
+                  <a:cs typeface="Arial" panose="020B0604020202020204" pitchFamily="34" charset="0"/>
+                </a:endParaRPr>
+              </a:p>
+            </p:txBody>
+          </p:sp>
+          <p:sp>
+            <p:nvSpPr>
+              <p:cNvPr id="36" name="Textfeld 35"/>
+              <p:cNvSpPr txBox="1"/>
+              <p:nvPr/>
+            </p:nvSpPr>
+            <p:spPr>
+              <a:xfrm>
+                <a:off x="6406068" y="3225809"/>
+                <a:ext cx="2160000" cy="792000"/>
+              </a:xfrm>
+              <a:prstGeom prst="rect">
+                <a:avLst/>
+              </a:prstGeom>
+              <a:noFill/>
+              <a:ln w="38100">
+                <a:solidFill>
+                  <a:schemeClr val="accent6"/>
+                </a:solidFill>
+              </a:ln>
+            </p:spPr>
+            <p:style>
+              <a:lnRef idx="2">
+                <a:schemeClr val="accent1"/>
+              </a:lnRef>
+              <a:fillRef idx="1">
+                <a:schemeClr val="lt1"/>
+              </a:fillRef>
+              <a:effectRef idx="0">
+                <a:schemeClr val="accent1"/>
+              </a:effectRef>
+              <a:fontRef idx="minor">
+                <a:schemeClr val="dk1"/>
+              </a:fontRef>
+            </p:style>
+            <p:txBody>
+              <a:bodyPr rot="0" spcFirstLastPara="0" vert="horz" wrap="square" lIns="91440" tIns="45720" rIns="91440" bIns="45720" numCol="1" spcCol="0" rtlCol="0" fromWordArt="0" anchor="ctr" anchorCtr="0" forceAA="0" compatLnSpc="1">
+                <a:prstTxWarp prst="textNoShape">
+                  <a:avLst/>
+                </a:prstTxWarp>
+                <a:noAutofit/>
+              </a:bodyPr>
+              <a:lstStyle/>
+              <a:p>
+                <a:pPr algn="ctr">
+                  <a:spcAft>
+                    <a:spcPts val="600"/>
+                  </a:spcAft>
+                </a:pPr>
+                <a:r>
+                  <a:rPr lang="en-US" sz="2000" kern="1200" dirty="0" smtClean="0">
+                    <a:solidFill>
+                      <a:srgbClr val="000000"/>
+                    </a:solidFill>
+                    <a:effectLst/>
+                    <a:ea typeface="Arial Unicode MS"/>
+                    <a:cs typeface="Arial" panose="020B0604020202020204" pitchFamily="34" charset="0"/>
+                  </a:rPr>
+                  <a:t>insert fragment manually</a:t>
+                </a:r>
+                <a:endParaRPr lang="de-DE" sz="2000" dirty="0">
+                  <a:effectLst/>
+                  <a:ea typeface="Times New Roman"/>
+                  <a:cs typeface="Arial" panose="020B0604020202020204" pitchFamily="34" charset="0"/>
+                </a:endParaRPr>
+              </a:p>
+            </p:txBody>
+          </p:sp>
+          <p:graphicFrame>
+            <p:nvGraphicFramePr>
+              <p:cNvPr id="2" name="Objekt 1"/>
+              <p:cNvGraphicFramePr>
+                <a:graphicFrameLocks noChangeAspect="1"/>
+              </p:cNvGraphicFramePr>
+              <p:nvPr>
+                <p:extLst>
+                  <p:ext uri="{D42A27DB-BD31-4B8C-83A1-F6EECF244321}">
+                    <p14:modId xmlns:p14="http://schemas.microsoft.com/office/powerpoint/2010/main" val="2664848841"/>
+                  </p:ext>
+                </p:extLst>
+              </p:nvPr>
+            </p:nvGraphicFramePr>
+            <p:xfrm>
+              <a:off x="3738384" y="2357472"/>
+              <a:ext cx="804863" cy="638175"/>
+            </p:xfrm>
+            <a:graphic>
+              <a:graphicData uri="http://schemas.openxmlformats.org/presentationml/2006/ole">
+                <mc:AlternateContent xmlns:mc="http://schemas.openxmlformats.org/markup-compatibility/2006">
+                  <mc:Choice xmlns:v="urn:schemas-microsoft-com:vml" Requires="v">
+                    <p:oleObj spid="_x0000_s2056" name="CS ChemDraw Drawing" r:id="rId3" imgW="804534" imgH="637932" progId="ChemDraw.Document.6.0">
+                      <p:embed/>
+                    </p:oleObj>
+                  </mc:Choice>
+                  <mc:Fallback>
+                    <p:oleObj name="CS ChemDraw Drawing" r:id="rId3" imgW="804534" imgH="637932" progId="ChemDraw.Document.6.0">
+                      <p:embed/>
+                      <p:pic>
+                        <p:nvPicPr>
+                          <p:cNvPr id="2" name="Objekt 1"/>
+                          <p:cNvPicPr/>
+                          <p:nvPr/>
+                        </p:nvPicPr>
+                        <p:blipFill>
+                          <a:blip r:embed="rId4"/>
+                          <a:stretch>
+                            <a:fillRect/>
+                          </a:stretch>
+                        </p:blipFill>
+                        <p:spPr>
+                          <a:xfrm>
+                            <a:off x="3738384" y="2357472"/>
+                            <a:ext cx="804863" cy="638175"/>
+                          </a:xfrm>
+                          <a:prstGeom prst="rect">
+                            <a:avLst/>
+                          </a:prstGeom>
+                        </p:spPr>
+                      </p:pic>
+                    </p:oleObj>
+                  </mc:Fallback>
+                </mc:AlternateContent>
+              </a:graphicData>
+            </a:graphic>
+          </p:graphicFrame>
+          <p:graphicFrame>
+            <p:nvGraphicFramePr>
+              <p:cNvPr id="3" name="Objekt 2"/>
+              <p:cNvGraphicFramePr>
+                <a:graphicFrameLocks noChangeAspect="1"/>
+              </p:cNvGraphicFramePr>
+              <p:nvPr>
+                <p:extLst>
+                  <p:ext uri="{D42A27DB-BD31-4B8C-83A1-F6EECF244321}">
+                    <p14:modId xmlns:p14="http://schemas.microsoft.com/office/powerpoint/2010/main" val="1306276167"/>
+                  </p:ext>
+                </p:extLst>
+              </p:nvPr>
+            </p:nvGraphicFramePr>
+            <p:xfrm>
+              <a:off x="3958176" y="3343426"/>
+              <a:ext cx="1298575" cy="206375"/>
+            </p:xfrm>
+            <a:graphic>
+              <a:graphicData uri="http://schemas.openxmlformats.org/presentationml/2006/ole">
+                <mc:AlternateContent xmlns:mc="http://schemas.openxmlformats.org/markup-compatibility/2006">
+                  <mc:Choice xmlns:v="urn:schemas-microsoft-com:vml" Requires="v">
+                    <p:oleObj spid="_x0000_s2057" name="CS ChemDraw Drawing" r:id="rId5" imgW="1298069" imgH="207121" progId="ChemDraw.Document.6.0">
+                      <p:embed/>
+                    </p:oleObj>
+                  </mc:Choice>
+                  <mc:Fallback>
+                    <p:oleObj name="CS ChemDraw Drawing" r:id="rId5" imgW="1298069" imgH="207121" progId="ChemDraw.Document.6.0">
+                      <p:embed/>
+                      <p:pic>
+                        <p:nvPicPr>
+                          <p:cNvPr id="3" name="Objekt 2"/>
+                          <p:cNvPicPr/>
+                          <p:nvPr/>
+                        </p:nvPicPr>
+                        <p:blipFill>
+                          <a:blip r:embed="rId6"/>
+                          <a:stretch>
+                            <a:fillRect/>
+                          </a:stretch>
+                        </p:blipFill>
+                        <p:spPr>
+                          <a:xfrm>
+                            <a:off x="3958176" y="3343426"/>
+                            <a:ext cx="1298575" cy="206375"/>
+                          </a:xfrm>
+                          <a:prstGeom prst="rect">
+                            <a:avLst/>
+                          </a:prstGeom>
+                        </p:spPr>
+                      </p:pic>
+                    </p:oleObj>
+                  </mc:Fallback>
+                </mc:AlternateContent>
+              </a:graphicData>
+            </a:graphic>
+          </p:graphicFrame>
+          <p:graphicFrame>
+            <p:nvGraphicFramePr>
+              <p:cNvPr id="7" name="Objekt 6"/>
+              <p:cNvGraphicFramePr>
+                <a:graphicFrameLocks noChangeAspect="1"/>
+              </p:cNvGraphicFramePr>
+              <p:nvPr>
+                <p:extLst>
+                  <p:ext uri="{D42A27DB-BD31-4B8C-83A1-F6EECF244321}">
+                    <p14:modId xmlns:p14="http://schemas.microsoft.com/office/powerpoint/2010/main" val="3385507633"/>
+                  </p:ext>
+                </p:extLst>
+              </p:nvPr>
+            </p:nvGraphicFramePr>
+            <p:xfrm>
+              <a:off x="4934132" y="2336706"/>
+              <a:ext cx="508000" cy="577850"/>
+            </p:xfrm>
+            <a:graphic>
+              <a:graphicData uri="http://schemas.openxmlformats.org/presentationml/2006/ole">
+                <mc:AlternateContent xmlns:mc="http://schemas.openxmlformats.org/markup-compatibility/2006">
+                  <mc:Choice xmlns:v="urn:schemas-microsoft-com:vml" Requires="v">
+                    <p:oleObj spid="_x0000_s2058" name="CS ChemDraw Drawing" r:id="rId7" imgW="507311" imgH="577177" progId="ChemDraw.Document.6.0">
+                      <p:embed/>
+                    </p:oleObj>
+                  </mc:Choice>
+                  <mc:Fallback>
+                    <p:oleObj name="CS ChemDraw Drawing" r:id="rId7" imgW="507311" imgH="577177" progId="ChemDraw.Document.6.0">
+                      <p:embed/>
+                      <p:pic>
+                        <p:nvPicPr>
+                          <p:cNvPr id="7" name="Objekt 6"/>
+                          <p:cNvPicPr/>
+                          <p:nvPr/>
+                        </p:nvPicPr>
+                        <p:blipFill>
+                          <a:blip r:embed="rId8"/>
+                          <a:stretch>
+                            <a:fillRect/>
+                          </a:stretch>
+                        </p:blipFill>
+                        <p:spPr>
+                          <a:xfrm>
+                            <a:off x="4934132" y="2336706"/>
+                            <a:ext cx="508000" cy="577850"/>
+                          </a:xfrm>
+                          <a:prstGeom prst="rect">
+                            <a:avLst/>
+                          </a:prstGeom>
+                        </p:spPr>
+                      </p:pic>
+                    </p:oleObj>
+                  </mc:Fallback>
+                </mc:AlternateContent>
+              </a:graphicData>
+            </a:graphic>
+          </p:graphicFrame>
+          <p:sp>
+            <p:nvSpPr>
+              <p:cNvPr id="8" name="Textfeld 7"/>
+              <p:cNvSpPr txBox="1"/>
+              <p:nvPr/>
+            </p:nvSpPr>
+            <p:spPr>
+              <a:xfrm>
+                <a:off x="4112283" y="2894003"/>
+                <a:ext cx="1235018" cy="369332"/>
+              </a:xfrm>
+              <a:prstGeom prst="rect">
+                <a:avLst/>
+              </a:prstGeom>
+              <a:noFill/>
+            </p:spPr>
+            <p:txBody>
+              <a:bodyPr wrap="none" rtlCol="0">
+                <a:spAutoFit/>
+              </a:bodyPr>
+              <a:lstStyle/>
+              <a:p>
+                <a:r>
+                  <a:rPr lang="de-DE" dirty="0" smtClean="0"/>
+                  <a:t>+ </a:t>
+                </a:r>
+                <a:r>
+                  <a:rPr lang="de-DE" noProof="1" smtClean="0"/>
+                  <a:t>restraints</a:t>
+                </a:r>
+                <a:endParaRPr lang="de-DE" noProof="1"/>
+              </a:p>
+            </p:txBody>
+          </p:sp>
+        </p:grpSp>
+        <p:sp>
+          <p:nvSpPr>
+            <p:cNvPr id="14" name="Textfeld 13"/>
+            <p:cNvSpPr txBox="1"/>
+            <p:nvPr/>
+          </p:nvSpPr>
+          <p:spPr>
+            <a:xfrm>
+              <a:off x="1331150" y="614007"/>
+              <a:ext cx="684803" cy="369332"/>
+            </a:xfrm>
+            <a:prstGeom prst="rect">
+              <a:avLst/>
+            </a:prstGeom>
+            <a:noFill/>
+          </p:spPr>
+          <p:txBody>
+            <a:bodyPr wrap="none" rtlCol="0">
+              <a:spAutoFit/>
+            </a:bodyPr>
+            <a:lstStyle/>
+            <a:p>
+              <a:r>
+                <a:rPr lang="de-DE" dirty="0" smtClean="0"/>
+                <a:t>Input</a:t>
+              </a:r>
+              <a:endParaRPr lang="de-DE" dirty="0"/>
+            </a:p>
+          </p:txBody>
+        </p:sp>
+        <p:sp>
+          <p:nvSpPr>
+            <p:cNvPr id="26" name="Textfeld 25"/>
+            <p:cNvSpPr txBox="1"/>
+            <p:nvPr/>
+          </p:nvSpPr>
+          <p:spPr>
+            <a:xfrm>
+              <a:off x="5434892" y="4524794"/>
+              <a:ext cx="856325" cy="369332"/>
+            </a:xfrm>
+            <a:prstGeom prst="rect">
+              <a:avLst/>
+            </a:prstGeom>
+            <a:noFill/>
+          </p:spPr>
+          <p:txBody>
+            <a:bodyPr wrap="none" rtlCol="0">
+              <a:spAutoFit/>
+            </a:bodyPr>
+            <a:lstStyle/>
+            <a:p>
+              <a:r>
+                <a:rPr lang="de-DE" dirty="0" smtClean="0"/>
+                <a:t>Output</a:t>
+              </a:r>
+              <a:endParaRPr lang="de-DE" dirty="0"/>
+            </a:p>
+          </p:txBody>
+        </p:sp>
+      </p:grpSp>
+    </p:spTree>
+    <p:extLst>
+      <p:ext uri="{BB962C8B-B14F-4D97-AF65-F5344CB8AC3E}">
+        <p14:creationId xmlns:p14="http://schemas.microsoft.com/office/powerpoint/2010/main" val="834021968"/>
+      </p:ext>
+    </p:extLst>
+  </p:cSld>
+  <p:clrMapOvr>
+    <a:masterClrMapping/>
+  </p:clrMapOvr>
+</p:sld>
+</file>
+
+<file path=ppt/slides/slide2.xml><?xml version="1.0" encoding="utf-8"?>
+<p:sld xmlns:a="http://schemas.openxmlformats.org/drawingml/2006/main" xmlns:r="http://schemas.openxmlformats.org/officeDocument/2006/relationships" xmlns:p="http://schemas.openxmlformats.org/presentationml/2006/main">
+  <p:cSld>
+    <p:spTree>
+      <p:nvGrpSpPr>
+        <p:cNvPr id="1" name=""/>
+        <p:cNvGrpSpPr/>
+        <p:nvPr/>
+      </p:nvGrpSpPr>
+      <p:grpSpPr>
+        <a:xfrm>
+          <a:off x="0" y="0"/>
+          <a:ext cx="0" cy="0"/>
+          <a:chOff x="0" y="0"/>
+          <a:chExt cx="0" cy="0"/>
+        </a:xfrm>
+      </p:grpSpPr>
+      <p:grpSp>
+        <p:nvGrpSpPr>
+          <p:cNvPr id="18" name="Gruppieren 17"/>
+          <p:cNvGrpSpPr/>
+          <p:nvPr/>
+        </p:nvGrpSpPr>
+        <p:grpSpPr>
+          <a:xfrm>
+            <a:off x="539552" y="980728"/>
+            <a:ext cx="8023274" cy="4693177"/>
+            <a:chOff x="273893" y="751959"/>
+            <a:chExt cx="8023274" cy="4693177"/>
+          </a:xfrm>
+        </p:grpSpPr>
+        <p:cxnSp>
+          <p:nvCxnSpPr>
+            <p:cNvPr id="35" name="Gerade Verbindung mit Pfeil 34"/>
+            <p:cNvCxnSpPr>
+              <a:stCxn id="36" idx="1"/>
+            </p:cNvCxnSpPr>
+            <p:nvPr/>
+          </p:nvCxnSpPr>
+          <p:spPr>
+            <a:xfrm flipH="1" flipV="1">
+              <a:off x="5293903" y="2685787"/>
+              <a:ext cx="843264" cy="707253"/>
+            </a:xfrm>
+            <a:prstGeom prst="straightConnector1">
+              <a:avLst/>
+            </a:prstGeom>
+            <a:ln w="38100">
+              <a:solidFill>
+                <a:schemeClr val="accent6"/>
+              </a:solidFill>
+              <a:tailEnd type="arrow"/>
+            </a:ln>
+          </p:spPr>
+          <p:style>
+            <a:lnRef idx="1">
+              <a:schemeClr val="accent1"/>
+            </a:lnRef>
+            <a:fillRef idx="0">
+              <a:schemeClr val="accent1"/>
+            </a:fillRef>
+            <a:effectRef idx="0">
+              <a:schemeClr val="accent1"/>
+            </a:effectRef>
+            <a:fontRef idx="minor">
+              <a:schemeClr val="tx1"/>
+            </a:fontRef>
+          </p:style>
+        </p:cxnSp>
+        <p:cxnSp>
+          <p:nvCxnSpPr>
+            <p:cNvPr id="27" name="Gerade Verbindung mit Pfeil 26"/>
+            <p:cNvCxnSpPr>
+              <a:stCxn id="29" idx="1"/>
+              <a:endCxn id="10" idx="4"/>
+            </p:cNvCxnSpPr>
+            <p:nvPr/>
+          </p:nvCxnSpPr>
+          <p:spPr>
+            <a:xfrm flipH="1">
+              <a:off x="5266303" y="2346474"/>
+              <a:ext cx="870864" cy="51050"/>
+            </a:xfrm>
+            <a:prstGeom prst="straightConnector1">
+              <a:avLst/>
+            </a:prstGeom>
+            <a:ln w="38100">
+              <a:solidFill>
+                <a:schemeClr val="accent6"/>
+              </a:solidFill>
+              <a:tailEnd type="arrow"/>
+            </a:ln>
+          </p:spPr>
+          <p:style>
+            <a:lnRef idx="1">
+              <a:schemeClr val="accent1"/>
+            </a:lnRef>
+            <a:fillRef idx="0">
+              <a:schemeClr val="accent1"/>
+            </a:fillRef>
+            <a:effectRef idx="0">
+              <a:schemeClr val="accent1"/>
+            </a:effectRef>
+            <a:fontRef idx="minor">
+              <a:schemeClr val="tx1"/>
+            </a:fontRef>
+          </p:style>
+        </p:cxnSp>
+        <p:cxnSp>
+          <p:nvCxnSpPr>
+            <p:cNvPr id="28" name="Gerade Verbindung mit Pfeil 27"/>
+            <p:cNvCxnSpPr>
+              <a:endCxn id="30" idx="1"/>
+            </p:cNvCxnSpPr>
+            <p:nvPr/>
+          </p:nvCxnSpPr>
+          <p:spPr>
+            <a:xfrm flipV="1">
+              <a:off x="5296837" y="1232888"/>
+              <a:ext cx="840330" cy="916412"/>
+            </a:xfrm>
+            <a:prstGeom prst="straightConnector1">
+              <a:avLst/>
+            </a:prstGeom>
+            <a:ln w="38100">
+              <a:solidFill>
+                <a:schemeClr val="accent6"/>
+              </a:solidFill>
+              <a:headEnd type="none"/>
+              <a:tailEnd type="arrow"/>
+            </a:ln>
+          </p:spPr>
+          <p:style>
+            <a:lnRef idx="1">
+              <a:schemeClr val="accent1"/>
+            </a:lnRef>
+            <a:fillRef idx="0">
+              <a:schemeClr val="accent1"/>
+            </a:fillRef>
+            <a:effectRef idx="0">
+              <a:schemeClr val="accent1"/>
+            </a:effectRef>
+            <a:fontRef idx="minor">
+              <a:schemeClr val="tx1"/>
+            </a:fontRef>
+          </p:style>
+        </p:cxnSp>
+        <p:sp>
+          <p:nvSpPr>
+            <p:cNvPr id="4" name="Textfeld 4"/>
+            <p:cNvSpPr txBox="1"/>
+            <p:nvPr/>
+          </p:nvSpPr>
+          <p:spPr>
+            <a:xfrm>
+              <a:off x="273893" y="751959"/>
+              <a:ext cx="2268000" cy="792000"/>
+            </a:xfrm>
+            <a:prstGeom prst="rect">
+              <a:avLst/>
+            </a:prstGeom>
             <a:solidFill>
-              <a:schemeClr val="accent6"/>
+              <a:schemeClr val="accent2">
+                <a:lumMod val="40000"/>
+                <a:lumOff val="60000"/>
+              </a:schemeClr>
             </a:solidFill>
-            <a:tailEnd type="arrow"/>
-          </a:ln>
-        </p:spPr>
-        <p:style>
-          <a:lnRef idx="1">
-            <a:schemeClr val="accent1"/>
-          </a:lnRef>
-          <a:fillRef idx="0">
-            <a:schemeClr val="accent1"/>
-          </a:fillRef>
-          <a:effectRef idx="0">
-            <a:schemeClr val="accent1"/>
-          </a:effectRef>
-          <a:fontRef idx="minor">
-            <a:schemeClr val="tx1"/>
-          </a:fontRef>
-        </p:style>
-      </p:cxnSp>
-      <p:cxnSp>
-        <p:nvCxnSpPr>
-          <p:cNvPr id="27" name="Gerade Verbindung mit Pfeil 26"/>
-          <p:cNvCxnSpPr>
-            <a:stCxn id="29" idx="1"/>
-            <a:endCxn id="10" idx="4"/>
-          </p:cNvCxnSpPr>
-          <p:nvPr/>
-        </p:nvCxnSpPr>
-        <p:spPr>
-          <a:xfrm flipH="1">
-            <a:off x="5321504" y="2634418"/>
-            <a:ext cx="815663" cy="51050"/>
-          </a:xfrm>
-          <a:prstGeom prst="straightConnector1">
-            <a:avLst/>
-          </a:prstGeom>
-          <a:ln w="38100">
-            <a:solidFill>
-              <a:schemeClr val="accent6"/>
-            </a:solidFill>
-            <a:tailEnd type="arrow"/>
-          </a:ln>
-        </p:spPr>
-        <p:style>
-          <a:lnRef idx="1">
-            <a:schemeClr val="accent1"/>
-          </a:lnRef>
-          <a:fillRef idx="0">
-            <a:schemeClr val="accent1"/>
-          </a:fillRef>
-          <a:effectRef idx="0">
-            <a:schemeClr val="accent1"/>
-          </a:effectRef>
-          <a:fontRef idx="minor">
-            <a:schemeClr val="tx1"/>
-          </a:fontRef>
-        </p:style>
-      </p:cxnSp>
-      <p:cxnSp>
-        <p:nvCxnSpPr>
-          <p:cNvPr id="28" name="Gerade Verbindung mit Pfeil 27"/>
-          <p:cNvCxnSpPr>
-            <a:endCxn id="30" idx="1"/>
-          </p:cNvCxnSpPr>
-          <p:nvPr/>
-        </p:nvCxnSpPr>
-        <p:spPr>
-          <a:xfrm flipV="1">
-            <a:off x="5327371" y="1520832"/>
-            <a:ext cx="809796" cy="944932"/>
-          </a:xfrm>
-          <a:prstGeom prst="straightConnector1">
-            <a:avLst/>
-          </a:prstGeom>
-          <a:ln w="38100">
-            <a:solidFill>
-              <a:schemeClr val="accent6"/>
-            </a:solidFill>
-            <a:headEnd type="arrow"/>
-            <a:tailEnd type="none"/>
-          </a:ln>
-        </p:spPr>
-        <p:style>
-          <a:lnRef idx="1">
-            <a:schemeClr val="accent1"/>
-          </a:lnRef>
-          <a:fillRef idx="0">
-            <a:schemeClr val="accent1"/>
-          </a:fillRef>
-          <a:effectRef idx="0">
-            <a:schemeClr val="accent1"/>
-          </a:effectRef>
-          <a:fontRef idx="minor">
-            <a:schemeClr val="tx1"/>
-          </a:fontRef>
-        </p:style>
-      </p:cxnSp>
-      <p:sp>
-        <p:nvSpPr>
-          <p:cNvPr id="4" name="Textfeld 4"/>
-          <p:cNvSpPr txBox="1"/>
-          <p:nvPr/>
-        </p:nvSpPr>
-        <p:spPr>
-          <a:xfrm>
-            <a:off x="273893" y="751959"/>
-            <a:ext cx="2268000" cy="792000"/>
-          </a:xfrm>
-          <a:prstGeom prst="rect">
-            <a:avLst/>
-          </a:prstGeom>
-          <a:ln w="38100"/>
-        </p:spPr>
-        <p:style>
-          <a:lnRef idx="2">
-            <a:schemeClr val="accent2">
-              <a:shade val="50000"/>
-            </a:schemeClr>
-          </a:lnRef>
-          <a:fillRef idx="1">
-            <a:schemeClr val="accent2"/>
-          </a:fillRef>
-          <a:effectRef idx="0">
-            <a:schemeClr val="accent2"/>
-          </a:effectRef>
-          <a:fontRef idx="minor">
-            <a:schemeClr val="lt1"/>
-          </a:fontRef>
-        </p:style>
-        <p:txBody>
-          <a:bodyPr rot="0" spcFirstLastPara="0" vert="horz" wrap="square" lIns="91440" tIns="45720" rIns="91440" bIns="45720" numCol="1" spcCol="0" rtlCol="0" fromWordArt="0" anchor="ctr" anchorCtr="0" forceAA="0" compatLnSpc="1">
-            <a:prstTxWarp prst="textNoShape">
-              <a:avLst/>
-            </a:prstTxWarp>
-            <a:noAutofit/>
-          </a:bodyPr>
-          <a:lstStyle/>
-          <a:p>
-            <a:pPr algn="ctr">
-              <a:spcAft>
-                <a:spcPts val="600"/>
-              </a:spcAft>
-            </a:pPr>
-            <a:r>
-              <a:rPr lang="en-US" sz="2000" kern="1200" dirty="0" smtClean="0">
-                <a:solidFill>
-                  <a:srgbClr val="000000"/>
-                </a:solidFill>
-                <a:effectLst/>
-                <a:ea typeface="Arial Unicode MS"/>
-                <a:cs typeface="Arial" panose="020B0604020202020204" pitchFamily="34" charset="0"/>
-              </a:rPr>
-              <a:t>SHELXL res-file </a:t>
-            </a:r>
-            <a:r>
-              <a:rPr lang="en-US" sz="2000" kern="1200" dirty="0">
-                <a:solidFill>
-                  <a:srgbClr val="000000"/>
-                </a:solidFill>
-                <a:effectLst/>
-                <a:ea typeface="Arial Unicode MS"/>
-                <a:cs typeface="Arial" panose="020B0604020202020204" pitchFamily="34" charset="0"/>
-              </a:rPr>
-              <a:t>with DSR command</a:t>
-            </a:r>
-            <a:endParaRPr lang="de-DE" sz="2000" dirty="0">
-              <a:effectLst/>
-              <a:ea typeface="Times New Roman"/>
-              <a:cs typeface="Arial" panose="020B0604020202020204" pitchFamily="34" charset="0"/>
-            </a:endParaRPr>
-          </a:p>
-        </p:txBody>
-      </p:sp>
-      <p:cxnSp>
-        <p:nvCxnSpPr>
-          <p:cNvPr id="5" name="Gerade Verbindung mit Pfeil 4"/>
-          <p:cNvCxnSpPr>
-            <a:stCxn id="4" idx="2"/>
-            <a:endCxn id="13" idx="0"/>
-          </p:cNvCxnSpPr>
-          <p:nvPr/>
-        </p:nvCxnSpPr>
-        <p:spPr>
-          <a:xfrm>
-            <a:off x="1407893" y="1543959"/>
-            <a:ext cx="4549" cy="1669017"/>
-          </a:xfrm>
-          <a:prstGeom prst="straightConnector1">
-            <a:avLst/>
-          </a:prstGeom>
-          <a:ln w="38100">
-            <a:tailEnd type="arrow"/>
-          </a:ln>
-        </p:spPr>
-        <p:style>
-          <a:lnRef idx="1">
-            <a:schemeClr val="accent1"/>
-          </a:lnRef>
-          <a:fillRef idx="0">
-            <a:schemeClr val="accent1"/>
-          </a:fillRef>
-          <a:effectRef idx="0">
-            <a:schemeClr val="accent1"/>
-          </a:effectRef>
-          <a:fontRef idx="minor">
-            <a:schemeClr val="tx1"/>
-          </a:fontRef>
-        </p:style>
-      </p:cxnSp>
-      <p:cxnSp>
-        <p:nvCxnSpPr>
-          <p:cNvPr id="6" name="Gerade Verbindung mit Pfeil 5"/>
-          <p:cNvCxnSpPr/>
-          <p:nvPr/>
-        </p:nvCxnSpPr>
-        <p:spPr>
-          <a:xfrm>
-            <a:off x="1407893" y="2580921"/>
-            <a:ext cx="1849312" cy="0"/>
-          </a:xfrm>
-          <a:prstGeom prst="straightConnector1">
-            <a:avLst/>
-          </a:prstGeom>
-          <a:ln w="38100">
-            <a:headEnd type="arrow"/>
-            <a:tailEnd type="arrow"/>
-          </a:ln>
-        </p:spPr>
-        <p:style>
-          <a:lnRef idx="1">
-            <a:schemeClr val="accent1"/>
-          </a:lnRef>
-          <a:fillRef idx="0">
-            <a:schemeClr val="accent1"/>
-          </a:fillRef>
-          <a:effectRef idx="0">
-            <a:schemeClr val="accent1"/>
-          </a:effectRef>
-          <a:fontRef idx="minor">
-            <a:schemeClr val="tx1"/>
-          </a:fontRef>
-        </p:style>
-      </p:cxnSp>
-      <p:sp>
-        <p:nvSpPr>
-          <p:cNvPr id="10" name="Flussdiagramm: Magnetplattenspeicher 9"/>
-          <p:cNvSpPr/>
-          <p:nvPr/>
-        </p:nvSpPr>
-        <p:spPr>
-          <a:xfrm>
-            <a:off x="3276888" y="1615959"/>
-            <a:ext cx="2044616" cy="2139018"/>
-          </a:xfrm>
-          <a:prstGeom prst="flowChartMagneticDisk">
-            <a:avLst/>
-          </a:prstGeom>
-          <a:solidFill>
-            <a:srgbClr val="5E8BC2"/>
-          </a:solidFill>
-          <a:ln w="38100"/>
-        </p:spPr>
-        <p:style>
-          <a:lnRef idx="2">
-            <a:schemeClr val="accent1">
-              <a:shade val="50000"/>
-            </a:schemeClr>
-          </a:lnRef>
-          <a:fillRef idx="1">
-            <a:schemeClr val="accent1"/>
-          </a:fillRef>
-          <a:effectRef idx="0">
-            <a:schemeClr val="accent1"/>
-          </a:effectRef>
-          <a:fontRef idx="minor">
-            <a:schemeClr val="lt1"/>
-          </a:fontRef>
-        </p:style>
-        <p:txBody>
-          <a:bodyPr rot="0" spcFirstLastPara="0" vert="horz" wrap="square" lIns="91440" tIns="45720" rIns="91440" bIns="45720" numCol="1" spcCol="0" rtlCol="0" fromWordArt="0" anchor="ctr" anchorCtr="0" forceAA="0" compatLnSpc="1">
-            <a:prstTxWarp prst="textNoShape">
-              <a:avLst/>
-            </a:prstTxWarp>
-            <a:noAutofit/>
-          </a:bodyPr>
-          <a:lstStyle/>
-          <a:p>
-            <a:pPr>
-              <a:spcAft>
-                <a:spcPts val="0"/>
-              </a:spcAft>
-            </a:pPr>
-            <a:r>
-              <a:rPr lang="en-US" sz="2000">
+            <a:ln w="38100"/>
+          </p:spPr>
+          <p:style>
+            <a:lnRef idx="2">
+              <a:schemeClr val="accent2">
+                <a:shade val="50000"/>
+              </a:schemeClr>
+            </a:lnRef>
+            <a:fillRef idx="1">
+              <a:schemeClr val="accent2"/>
+            </a:fillRef>
+            <a:effectRef idx="0">
+              <a:schemeClr val="accent2"/>
+            </a:effectRef>
+            <a:fontRef idx="minor">
+              <a:schemeClr val="lt1"/>
+            </a:fontRef>
+          </p:style>
+          <p:txBody>
+            <a:bodyPr rot="0" spcFirstLastPara="0" vert="horz" wrap="square" lIns="91440" tIns="45720" rIns="91440" bIns="45720" numCol="1" spcCol="0" rtlCol="0" fromWordArt="0" anchor="ctr" anchorCtr="0" forceAA="0" compatLnSpc="1">
+              <a:prstTxWarp prst="textNoShape">
+                <a:avLst/>
+              </a:prstTxWarp>
+              <a:noAutofit/>
+            </a:bodyPr>
+            <a:lstStyle/>
+            <a:p>
+              <a:pPr algn="ctr">
+                <a:spcAft>
+                  <a:spcPts val="600"/>
+                </a:spcAft>
+              </a:pPr>
+              <a:r>
+                <a:rPr lang="en-US" sz="2000" kern="1200" dirty="0" smtClean="0">
+                  <a:solidFill>
+                    <a:srgbClr val="000000"/>
+                  </a:solidFill>
+                  <a:effectLst/>
+                  <a:ea typeface="Arial Unicode MS"/>
+                  <a:cs typeface="Arial" panose="020B0604020202020204" pitchFamily="34" charset="0"/>
+                </a:rPr>
+                <a:t>SHELXL res-file </a:t>
+              </a:r>
+              <a:r>
+                <a:rPr lang="en-US" sz="2000" kern="1200" dirty="0">
+                  <a:solidFill>
+                    <a:srgbClr val="000000"/>
+                  </a:solidFill>
+                  <a:effectLst/>
+                  <a:ea typeface="Arial Unicode MS"/>
+                  <a:cs typeface="Arial" panose="020B0604020202020204" pitchFamily="34" charset="0"/>
+                </a:rPr>
+                <a:t>with DSR command</a:t>
+              </a:r>
+              <a:endParaRPr lang="de-DE" sz="2000" dirty="0">
                 <a:effectLst/>
                 <a:ea typeface="Times New Roman"/>
                 <a:cs typeface="Arial" panose="020B0604020202020204" pitchFamily="34" charset="0"/>
-              </a:rPr>
-              <a:t> </a:t>
-            </a:r>
-            <a:endParaRPr lang="de-DE" sz="2000">
-              <a:effectLst/>
-              <a:ea typeface="Times New Roman"/>
-              <a:cs typeface="Arial" panose="020B0604020202020204" pitchFamily="34" charset="0"/>
-            </a:endParaRPr>
-          </a:p>
-        </p:txBody>
-      </p:sp>
-      <p:sp>
-        <p:nvSpPr>
-          <p:cNvPr id="9" name="Textfeld 10"/>
-          <p:cNvSpPr txBox="1"/>
-          <p:nvPr/>
-        </p:nvSpPr>
-        <p:spPr>
-          <a:xfrm>
-            <a:off x="3351689" y="1488961"/>
-            <a:ext cx="1842834" cy="948283"/>
-          </a:xfrm>
-          <a:prstGeom prst="rect">
-            <a:avLst/>
-          </a:prstGeom>
-          <a:noFill/>
-          <a:ln w="38100">
+              </a:endParaRPr>
+            </a:p>
+          </p:txBody>
+        </p:sp>
+        <p:cxnSp>
+          <p:nvCxnSpPr>
+            <p:cNvPr id="5" name="Gerade Verbindung mit Pfeil 4"/>
+            <p:cNvCxnSpPr>
+              <a:stCxn id="4" idx="2"/>
+              <a:endCxn id="13" idx="0"/>
+            </p:cNvCxnSpPr>
+            <p:nvPr/>
+          </p:nvCxnSpPr>
+          <p:spPr>
+            <a:xfrm>
+              <a:off x="1407893" y="1543959"/>
+              <a:ext cx="4549" cy="1525001"/>
+            </a:xfrm>
+            <a:prstGeom prst="straightConnector1">
+              <a:avLst/>
+            </a:prstGeom>
+            <a:ln w="38100">
+              <a:tailEnd type="arrow"/>
+            </a:ln>
+          </p:spPr>
+          <p:style>
+            <a:lnRef idx="1">
+              <a:schemeClr val="accent1"/>
+            </a:lnRef>
+            <a:fillRef idx="0">
+              <a:schemeClr val="accent1"/>
+            </a:fillRef>
+            <a:effectRef idx="0">
+              <a:schemeClr val="accent1"/>
+            </a:effectRef>
+            <a:fontRef idx="minor">
+              <a:schemeClr val="tx1"/>
+            </a:fontRef>
+          </p:style>
+        </p:cxnSp>
+        <p:cxnSp>
+          <p:nvCxnSpPr>
+            <p:cNvPr id="6" name="Gerade Verbindung mit Pfeil 5"/>
+            <p:cNvCxnSpPr>
+              <a:endCxn id="10" idx="2"/>
+            </p:cNvCxnSpPr>
+            <p:nvPr/>
+          </p:nvCxnSpPr>
+          <p:spPr>
+            <a:xfrm>
+              <a:off x="1407893" y="2396862"/>
+              <a:ext cx="1924196" cy="662"/>
+            </a:xfrm>
+            <a:prstGeom prst="straightConnector1">
+              <a:avLst/>
+            </a:prstGeom>
+            <a:ln w="38100">
+              <a:headEnd type="arrow"/>
+              <a:tailEnd type="arrow"/>
+            </a:ln>
+          </p:spPr>
+          <p:style>
+            <a:lnRef idx="1">
+              <a:schemeClr val="accent1"/>
+            </a:lnRef>
+            <a:fillRef idx="0">
+              <a:schemeClr val="accent1"/>
+            </a:fillRef>
+            <a:effectRef idx="0">
+              <a:schemeClr val="accent1"/>
+            </a:effectRef>
+            <a:fontRef idx="minor">
+              <a:schemeClr val="tx1"/>
+            </a:fontRef>
+          </p:style>
+        </p:cxnSp>
+        <p:sp>
+          <p:nvSpPr>
+            <p:cNvPr id="10" name="Flussdiagramm: Magnetplattenspeicher 9"/>
+            <p:cNvSpPr/>
+            <p:nvPr/>
+          </p:nvSpPr>
+          <p:spPr>
+            <a:xfrm>
+              <a:off x="3332089" y="1328015"/>
+              <a:ext cx="1934214" cy="2139018"/>
+            </a:xfrm>
+            <a:prstGeom prst="flowChartMagneticDisk">
+              <a:avLst/>
+            </a:prstGeom>
+            <a:solidFill>
+              <a:schemeClr val="accent4">
+                <a:lumMod val="40000"/>
+                <a:lumOff val="60000"/>
+              </a:schemeClr>
+            </a:solidFill>
+            <a:ln w="38100">
+              <a:solidFill>
+                <a:schemeClr val="accent4">
+                  <a:lumMod val="75000"/>
+                </a:schemeClr>
+              </a:solidFill>
+            </a:ln>
+          </p:spPr>
+          <p:style>
+            <a:lnRef idx="2">
+              <a:schemeClr val="accent1">
+                <a:shade val="50000"/>
+              </a:schemeClr>
+            </a:lnRef>
+            <a:fillRef idx="1">
+              <a:schemeClr val="accent1"/>
+            </a:fillRef>
+            <a:effectRef idx="0">
+              <a:schemeClr val="accent1"/>
+            </a:effectRef>
+            <a:fontRef idx="minor">
+              <a:schemeClr val="lt1"/>
+            </a:fontRef>
+          </p:style>
+          <p:txBody>
+            <a:bodyPr rot="0" spcFirstLastPara="0" vert="horz" wrap="square" lIns="91440" tIns="45720" rIns="91440" bIns="45720" numCol="1" spcCol="0" rtlCol="0" fromWordArt="0" anchor="ctr" anchorCtr="0" forceAA="0" compatLnSpc="1">
+              <a:prstTxWarp prst="textNoShape">
+                <a:avLst/>
+              </a:prstTxWarp>
+              <a:noAutofit/>
+            </a:bodyPr>
+            <a:lstStyle/>
+            <a:p>
+              <a:pPr>
+                <a:spcAft>
+                  <a:spcPts val="0"/>
+                </a:spcAft>
+              </a:pPr>
+              <a:r>
+                <a:rPr lang="en-US" sz="2000">
+                  <a:effectLst/>
+                  <a:ea typeface="Times New Roman"/>
+                  <a:cs typeface="Arial" panose="020B0604020202020204" pitchFamily="34" charset="0"/>
+                </a:rPr>
+                <a:t> </a:t>
+              </a:r>
+              <a:endParaRPr lang="de-DE" sz="2000">
+                <a:effectLst/>
+                <a:ea typeface="Times New Roman"/>
+                <a:cs typeface="Arial" panose="020B0604020202020204" pitchFamily="34" charset="0"/>
+              </a:endParaRPr>
+            </a:p>
+          </p:txBody>
+        </p:sp>
+        <p:sp>
+          <p:nvSpPr>
+            <p:cNvPr id="9" name="Textfeld 10"/>
+            <p:cNvSpPr txBox="1"/>
+            <p:nvPr/>
+          </p:nvSpPr>
+          <p:spPr>
+            <a:xfrm>
+              <a:off x="3377779" y="1201017"/>
+              <a:ext cx="1842834" cy="948283"/>
+            </a:xfrm>
+            <a:prstGeom prst="rect">
+              <a:avLst/>
+            </a:prstGeom>
             <a:noFill/>
-          </a:ln>
-          <a:effectLst/>
-        </p:spPr>
-        <p:style>
-          <a:lnRef idx="0">
-            <a:schemeClr val="accent1"/>
-          </a:lnRef>
-          <a:fillRef idx="0">
-            <a:schemeClr val="accent1"/>
-          </a:fillRef>
-          <a:effectRef idx="0">
-            <a:schemeClr val="accent1"/>
-          </a:effectRef>
-          <a:fontRef idx="minor">
-            <a:schemeClr val="dk1"/>
-          </a:fontRef>
-        </p:style>
-        <p:txBody>
-          <a:bodyPr rot="0" spcFirstLastPara="0" vert="horz" wrap="square" lIns="91440" tIns="45720" rIns="91440" bIns="45720" numCol="1" spcCol="0" rtlCol="0" fromWordArt="0" anchor="ctr" anchorCtr="0" forceAA="0" compatLnSpc="1">
-            <a:prstTxWarp prst="textNoShape">
+            <a:ln w="38100">
+              <a:noFill/>
+            </a:ln>
+            <a:effectLst/>
+          </p:spPr>
+          <p:style>
+            <a:lnRef idx="0">
+              <a:schemeClr val="accent1"/>
+            </a:lnRef>
+            <a:fillRef idx="0">
+              <a:schemeClr val="accent1"/>
+            </a:fillRef>
+            <a:effectRef idx="0">
+              <a:schemeClr val="accent1"/>
+            </a:effectRef>
+            <a:fontRef idx="minor">
+              <a:schemeClr val="dk1"/>
+            </a:fontRef>
+          </p:style>
+          <p:txBody>
+            <a:bodyPr rot="0" spcFirstLastPara="0" vert="horz" wrap="square" lIns="91440" tIns="45720" rIns="91440" bIns="45720" numCol="1" spcCol="0" rtlCol="0" fromWordArt="0" anchor="ctr" anchorCtr="0" forceAA="0" compatLnSpc="1">
+              <a:prstTxWarp prst="textNoShape">
+                <a:avLst/>
+              </a:prstTxWarp>
+              <a:noAutofit/>
+            </a:bodyPr>
+            <a:lstStyle/>
+            <a:p>
+              <a:pPr algn="ctr">
+                <a:spcAft>
+                  <a:spcPts val="600"/>
+                </a:spcAft>
+              </a:pPr>
+              <a:r>
+                <a:rPr lang="en-US" sz="2000" kern="1200" dirty="0">
+                  <a:solidFill>
+                    <a:srgbClr val="000000"/>
+                  </a:solidFill>
+                  <a:effectLst/>
+                  <a:ea typeface="Arial Unicode MS"/>
+                  <a:cs typeface="Arial" panose="020B0604020202020204" pitchFamily="34" charset="0"/>
+                </a:rPr>
+                <a:t>fragment database</a:t>
+              </a:r>
+              <a:endParaRPr lang="de-DE" sz="2000" dirty="0">
+                <a:effectLst/>
+                <a:ea typeface="Times New Roman"/>
+                <a:cs typeface="Arial" panose="020B0604020202020204" pitchFamily="34" charset="0"/>
+              </a:endParaRPr>
+            </a:p>
+          </p:txBody>
+        </p:sp>
+        <p:sp>
+          <p:nvSpPr>
+            <p:cNvPr id="12" name="Textfeld 15"/>
+            <p:cNvSpPr txBox="1"/>
+            <p:nvPr/>
+          </p:nvSpPr>
+          <p:spPr>
+            <a:xfrm>
+              <a:off x="4104853" y="4653136"/>
+              <a:ext cx="2985086" cy="792000"/>
+            </a:xfrm>
+            <a:prstGeom prst="rect">
               <a:avLst/>
-            </a:prstTxWarp>
-            <a:noAutofit/>
-          </a:bodyPr>
-          <a:lstStyle/>
-          <a:p>
-            <a:pPr algn="ctr">
-              <a:spcAft>
-                <a:spcPts val="600"/>
-              </a:spcAft>
-            </a:pPr>
-            <a:r>
-              <a:rPr lang="en-US" sz="2000" kern="1200" dirty="0">
-                <a:solidFill>
-                  <a:srgbClr val="000000"/>
-                </a:solidFill>
+            </a:prstGeom>
+            <a:solidFill>
+              <a:schemeClr val="accent3">
+                <a:lumMod val="40000"/>
+                <a:lumOff val="60000"/>
+              </a:schemeClr>
+            </a:solidFill>
+            <a:ln w="38100"/>
+          </p:spPr>
+          <p:style>
+            <a:lnRef idx="2">
+              <a:schemeClr val="accent3">
+                <a:shade val="50000"/>
+              </a:schemeClr>
+            </a:lnRef>
+            <a:fillRef idx="1">
+              <a:schemeClr val="accent3"/>
+            </a:fillRef>
+            <a:effectRef idx="0">
+              <a:schemeClr val="accent3"/>
+            </a:effectRef>
+            <a:fontRef idx="minor">
+              <a:schemeClr val="lt1"/>
+            </a:fontRef>
+          </p:style>
+          <p:txBody>
+            <a:bodyPr rot="0" spcFirstLastPara="0" vert="horz" wrap="square" lIns="91440" tIns="45720" rIns="91440" bIns="45720" numCol="1" spcCol="0" rtlCol="0" fromWordArt="0" anchor="ctr" anchorCtr="0" forceAA="0" compatLnSpc="1">
+              <a:prstTxWarp prst="textNoShape">
+                <a:avLst/>
+              </a:prstTxWarp>
+              <a:noAutofit/>
+            </a:bodyPr>
+            <a:lstStyle/>
+            <a:p>
+              <a:pPr algn="ctr">
+                <a:spcAft>
+                  <a:spcPts val="600"/>
+                </a:spcAft>
+              </a:pPr>
+              <a:r>
+                <a:rPr lang="en-US" sz="2000" kern="1200" dirty="0" smtClean="0">
+                  <a:solidFill>
+                    <a:srgbClr val="000000"/>
+                  </a:solidFill>
+                  <a:effectLst/>
+                  <a:ea typeface="Arial Unicode MS"/>
+                  <a:cs typeface="Arial" panose="020B0604020202020204" pitchFamily="34" charset="0"/>
+                </a:rPr>
+                <a:t>new SHELXL res file </a:t>
+              </a:r>
+              <a:r>
+                <a:rPr lang="en-US" sz="2000" kern="1200" dirty="0">
+                  <a:solidFill>
+                    <a:srgbClr val="000000"/>
+                  </a:solidFill>
+                  <a:effectLst/>
+                  <a:ea typeface="Arial Unicode MS"/>
+                  <a:cs typeface="Arial" panose="020B0604020202020204" pitchFamily="34" charset="0"/>
+                </a:rPr>
+                <a:t>with </a:t>
+              </a:r>
+              <a:r>
+                <a:rPr lang="en-US" sz="2000" kern="1200" dirty="0" smtClean="0">
+                  <a:solidFill>
+                    <a:srgbClr val="000000"/>
+                  </a:solidFill>
+                  <a:effectLst/>
+                  <a:ea typeface="Arial Unicode MS"/>
+                  <a:cs typeface="Arial" panose="020B0604020202020204" pitchFamily="34" charset="0"/>
+                </a:rPr>
+                <a:t/>
+              </a:r>
+              <a:br>
+                <a:rPr lang="en-US" sz="2000" kern="1200" dirty="0" smtClean="0">
+                  <a:solidFill>
+                    <a:srgbClr val="000000"/>
+                  </a:solidFill>
+                  <a:effectLst/>
+                  <a:ea typeface="Arial Unicode MS"/>
+                  <a:cs typeface="Arial" panose="020B0604020202020204" pitchFamily="34" charset="0"/>
+                </a:rPr>
+              </a:br>
+              <a:r>
+                <a:rPr lang="en-US" sz="2000" b="1" kern="1200" dirty="0" smtClean="0">
+                  <a:solidFill>
+                    <a:srgbClr val="000000"/>
+                  </a:solidFill>
+                  <a:effectLst/>
+                  <a:ea typeface="Arial Unicode MS"/>
+                  <a:cs typeface="Arial" panose="020B0604020202020204" pitchFamily="34" charset="0"/>
+                </a:rPr>
+                <a:t>fragment</a:t>
+              </a:r>
+              <a:r>
+                <a:rPr lang="en-US" sz="2000" kern="1200" dirty="0" smtClean="0">
+                  <a:solidFill>
+                    <a:srgbClr val="000000"/>
+                  </a:solidFill>
+                  <a:effectLst/>
+                  <a:ea typeface="Arial Unicode MS"/>
+                  <a:cs typeface="Arial" panose="020B0604020202020204" pitchFamily="34" charset="0"/>
+                </a:rPr>
+                <a:t> </a:t>
+              </a:r>
+              <a:r>
+                <a:rPr lang="en-US" sz="2000" kern="1200" dirty="0">
+                  <a:solidFill>
+                    <a:srgbClr val="000000"/>
+                  </a:solidFill>
+                  <a:effectLst/>
+                  <a:ea typeface="Arial Unicode MS"/>
+                  <a:cs typeface="Arial" panose="020B0604020202020204" pitchFamily="34" charset="0"/>
+                </a:rPr>
+                <a:t>and </a:t>
+              </a:r>
+              <a:r>
+                <a:rPr lang="en-US" sz="2000" b="1" kern="1200" dirty="0">
+                  <a:solidFill>
+                    <a:srgbClr val="000000"/>
+                  </a:solidFill>
+                  <a:effectLst/>
+                  <a:ea typeface="Arial Unicode MS"/>
+                  <a:cs typeface="Arial" panose="020B0604020202020204" pitchFamily="34" charset="0"/>
+                </a:rPr>
+                <a:t>restraints</a:t>
+              </a:r>
+              <a:endParaRPr lang="de-DE" sz="2000" b="1" dirty="0">
                 <a:effectLst/>
-                <a:ea typeface="Arial Unicode MS"/>
+                <a:ea typeface="Times New Roman"/>
                 <a:cs typeface="Arial" panose="020B0604020202020204" pitchFamily="34" charset="0"/>
-              </a:rPr>
-              <a:t>fragment database</a:t>
-            </a:r>
-            <a:endParaRPr lang="de-DE" sz="2000" dirty="0">
-              <a:effectLst/>
-              <a:ea typeface="Times New Roman"/>
-              <a:cs typeface="Arial" panose="020B0604020202020204" pitchFamily="34" charset="0"/>
-            </a:endParaRPr>
-          </a:p>
-        </p:txBody>
-      </p:sp>
-      <p:sp>
-        <p:nvSpPr>
-          <p:cNvPr id="12" name="Textfeld 15"/>
-          <p:cNvSpPr txBox="1"/>
-          <p:nvPr/>
-        </p:nvSpPr>
-        <p:spPr>
-          <a:xfrm>
-            <a:off x="4104853" y="4869160"/>
-            <a:ext cx="2985086" cy="792000"/>
-          </a:xfrm>
-          <a:prstGeom prst="rect">
-            <a:avLst/>
-          </a:prstGeom>
-          <a:ln w="38100"/>
-        </p:spPr>
-        <p:style>
-          <a:lnRef idx="2">
-            <a:schemeClr val="accent3">
-              <a:shade val="50000"/>
-            </a:schemeClr>
-          </a:lnRef>
-          <a:fillRef idx="1">
-            <a:schemeClr val="accent3"/>
-          </a:fillRef>
-          <a:effectRef idx="0">
-            <a:schemeClr val="accent3"/>
-          </a:effectRef>
-          <a:fontRef idx="minor">
-            <a:schemeClr val="lt1"/>
-          </a:fontRef>
-        </p:style>
-        <p:txBody>
-          <a:bodyPr rot="0" spcFirstLastPara="0" vert="horz" wrap="square" lIns="91440" tIns="45720" rIns="91440" bIns="45720" numCol="1" spcCol="0" rtlCol="0" fromWordArt="0" anchor="ctr" anchorCtr="0" forceAA="0" compatLnSpc="1">
-            <a:prstTxWarp prst="textNoShape">
+              </a:endParaRPr>
+            </a:p>
+          </p:txBody>
+        </p:sp>
+        <p:sp>
+          <p:nvSpPr>
+            <p:cNvPr id="13" name="Textfeld 16"/>
+            <p:cNvSpPr txBox="1"/>
+            <p:nvPr/>
+          </p:nvSpPr>
+          <p:spPr>
+            <a:xfrm>
+              <a:off x="278442" y="3068960"/>
+              <a:ext cx="2268000" cy="792000"/>
+            </a:xfrm>
+            <a:prstGeom prst="rect">
               <a:avLst/>
-            </a:prstTxWarp>
-            <a:noAutofit/>
-          </a:bodyPr>
-          <a:lstStyle/>
-          <a:p>
-            <a:pPr algn="ctr">
-              <a:spcAft>
-                <a:spcPts val="600"/>
-              </a:spcAft>
-            </a:pPr>
-            <a:r>
-              <a:rPr lang="en-US" sz="2000" kern="1200" dirty="0" smtClean="0">
-                <a:solidFill>
-                  <a:srgbClr val="000000"/>
-                </a:solidFill>
+            </a:prstGeom>
+            <a:noFill/>
+            <a:ln w="38100"/>
+          </p:spPr>
+          <p:style>
+            <a:lnRef idx="2">
+              <a:schemeClr val="accent1"/>
+            </a:lnRef>
+            <a:fillRef idx="1">
+              <a:schemeClr val="lt1"/>
+            </a:fillRef>
+            <a:effectRef idx="0">
+              <a:schemeClr val="accent1"/>
+            </a:effectRef>
+            <a:fontRef idx="minor">
+              <a:schemeClr val="dk1"/>
+            </a:fontRef>
+          </p:style>
+          <p:txBody>
+            <a:bodyPr rot="0" spcFirstLastPara="0" vert="horz" wrap="square" lIns="91440" tIns="45720" rIns="91440" bIns="45720" numCol="1" spcCol="0" rtlCol="0" fromWordArt="0" anchor="ctr" anchorCtr="0" forceAA="0" compatLnSpc="1">
+              <a:prstTxWarp prst="textNoShape">
+                <a:avLst/>
+              </a:prstTxWarp>
+              <a:noAutofit/>
+            </a:bodyPr>
+            <a:lstStyle/>
+            <a:p>
+              <a:pPr algn="ctr">
+                <a:spcAft>
+                  <a:spcPts val="600"/>
+                </a:spcAft>
+              </a:pPr>
+              <a:r>
+                <a:rPr lang="en-US" sz="2000" kern="1200" dirty="0" smtClean="0">
+                  <a:solidFill>
+                    <a:srgbClr val="000000"/>
+                  </a:solidFill>
+                  <a:effectLst/>
+                  <a:ea typeface="Arial Unicode MS"/>
+                  <a:cs typeface="Arial" panose="020B0604020202020204" pitchFamily="34" charset="0"/>
+                </a:rPr>
+                <a:t>apply </a:t>
+              </a:r>
+              <a:r>
+                <a:rPr lang="en-US" sz="2000" kern="1200" dirty="0">
+                  <a:solidFill>
+                    <a:srgbClr val="000000"/>
+                  </a:solidFill>
+                  <a:effectLst/>
+                  <a:ea typeface="Arial Unicode MS"/>
+                  <a:cs typeface="Arial" panose="020B0604020202020204" pitchFamily="34" charset="0"/>
+                </a:rPr>
+                <a:t>new </a:t>
+              </a:r>
+              <a:r>
+                <a:rPr lang="en-US" sz="2000" kern="1200" dirty="0" smtClean="0">
+                  <a:solidFill>
+                    <a:srgbClr val="000000"/>
+                  </a:solidFill>
+                  <a:effectLst/>
+                  <a:ea typeface="Arial Unicode MS"/>
+                  <a:cs typeface="Arial" panose="020B0604020202020204" pitchFamily="34" charset="0"/>
+                </a:rPr>
+                <a:t>naming scheme</a:t>
+              </a:r>
+              <a:endParaRPr lang="de-DE" sz="2000" dirty="0">
                 <a:effectLst/>
-                <a:ea typeface="Arial Unicode MS"/>
+                <a:ea typeface="Times New Roman"/>
                 <a:cs typeface="Arial" panose="020B0604020202020204" pitchFamily="34" charset="0"/>
-              </a:rPr>
-              <a:t>new </a:t>
-            </a:r>
-            <a:r>
-              <a:rPr lang="en-US" sz="2000" kern="1200" dirty="0" smtClean="0">
-                <a:solidFill>
-                  <a:srgbClr val="000000"/>
-                </a:solidFill>
+              </a:endParaRPr>
+            </a:p>
+          </p:txBody>
+        </p:sp>
+        <p:sp>
+          <p:nvSpPr>
+            <p:cNvPr id="23" name="Textfeld 27"/>
+            <p:cNvSpPr txBox="1"/>
+            <p:nvPr/>
+          </p:nvSpPr>
+          <p:spPr>
+            <a:xfrm>
+              <a:off x="278442" y="4653136"/>
+              <a:ext cx="2268000" cy="792000"/>
+            </a:xfrm>
+            <a:prstGeom prst="rect">
+              <a:avLst/>
+            </a:prstGeom>
+            <a:solidFill>
+              <a:schemeClr val="accent1">
+                <a:lumMod val="40000"/>
+                <a:lumOff val="60000"/>
+              </a:schemeClr>
+            </a:solidFill>
+            <a:ln w="38100"/>
+          </p:spPr>
+          <p:style>
+            <a:lnRef idx="2">
+              <a:schemeClr val="accent1"/>
+            </a:lnRef>
+            <a:fillRef idx="1">
+              <a:schemeClr val="lt1"/>
+            </a:fillRef>
+            <a:effectRef idx="0">
+              <a:schemeClr val="accent1"/>
+            </a:effectRef>
+            <a:fontRef idx="minor">
+              <a:schemeClr val="dk1"/>
+            </a:fontRef>
+          </p:style>
+          <p:txBody>
+            <a:bodyPr rot="0" spcFirstLastPara="0" vert="horz" wrap="square" lIns="91440" tIns="45720" rIns="91440" bIns="45720" numCol="1" spcCol="0" rtlCol="0" fromWordArt="0" anchor="ctr" anchorCtr="0" forceAA="0" compatLnSpc="1">
+              <a:prstTxWarp prst="textNoShape">
+                <a:avLst/>
+              </a:prstTxWarp>
+              <a:noAutofit/>
+            </a:bodyPr>
+            <a:lstStyle/>
+            <a:p>
+              <a:pPr algn="ctr">
+                <a:spcAft>
+                  <a:spcPts val="600"/>
+                </a:spcAft>
+              </a:pPr>
+              <a:r>
+                <a:rPr lang="en-US" sz="2000" dirty="0" smtClean="0">
+                  <a:solidFill>
+                    <a:srgbClr val="000000"/>
+                  </a:solidFill>
+                  <a:ea typeface="Arial Unicode MS"/>
+                  <a:cs typeface="Arial" panose="020B0604020202020204" pitchFamily="34" charset="0"/>
+                </a:rPr>
+                <a:t>transfer fragment to structure</a:t>
+              </a:r>
+              <a:endParaRPr lang="de-DE" sz="2000" dirty="0">
+                <a:ea typeface="Times New Roman"/>
+                <a:cs typeface="Arial" panose="020B0604020202020204" pitchFamily="34" charset="0"/>
+              </a:endParaRPr>
+            </a:p>
+          </p:txBody>
+        </p:sp>
+        <p:cxnSp>
+          <p:nvCxnSpPr>
+            <p:cNvPr id="24" name="Gerade Verbindung mit Pfeil 23"/>
+            <p:cNvCxnSpPr>
+              <a:stCxn id="23" idx="3"/>
+              <a:endCxn id="12" idx="1"/>
+            </p:cNvCxnSpPr>
+            <p:nvPr/>
+          </p:nvCxnSpPr>
+          <p:spPr>
+            <a:xfrm>
+              <a:off x="2546442" y="5049136"/>
+              <a:ext cx="1558411" cy="0"/>
+            </a:xfrm>
+            <a:prstGeom prst="straightConnector1">
+              <a:avLst/>
+            </a:prstGeom>
+            <a:ln w="38100">
+              <a:tailEnd type="arrow"/>
+            </a:ln>
+          </p:spPr>
+          <p:style>
+            <a:lnRef idx="1">
+              <a:schemeClr val="accent1"/>
+            </a:lnRef>
+            <a:fillRef idx="0">
+              <a:schemeClr val="accent1"/>
+            </a:fillRef>
+            <a:effectRef idx="0">
+              <a:schemeClr val="accent1"/>
+            </a:effectRef>
+            <a:fontRef idx="minor">
+              <a:schemeClr val="tx1"/>
+            </a:fontRef>
+          </p:style>
+        </p:cxnSp>
+        <p:cxnSp>
+          <p:nvCxnSpPr>
+            <p:cNvPr id="25" name="Gerade Verbindung mit Pfeil 24"/>
+            <p:cNvCxnSpPr>
+              <a:stCxn id="13" idx="2"/>
+              <a:endCxn id="23" idx="0"/>
+            </p:cNvCxnSpPr>
+            <p:nvPr/>
+          </p:nvCxnSpPr>
+          <p:spPr>
+            <a:xfrm>
+              <a:off x="1412442" y="3860960"/>
+              <a:ext cx="0" cy="792176"/>
+            </a:xfrm>
+            <a:prstGeom prst="straightConnector1">
+              <a:avLst/>
+            </a:prstGeom>
+            <a:ln w="38100">
+              <a:tailEnd type="arrow"/>
+            </a:ln>
+          </p:spPr>
+          <p:style>
+            <a:lnRef idx="1">
+              <a:schemeClr val="accent1"/>
+            </a:lnRef>
+            <a:fillRef idx="0">
+              <a:schemeClr val="accent1"/>
+            </a:fillRef>
+            <a:effectRef idx="0">
+              <a:schemeClr val="accent1"/>
+            </a:effectRef>
+            <a:fontRef idx="minor">
+              <a:schemeClr val="tx1"/>
+            </a:fontRef>
+          </p:style>
+        </p:cxnSp>
+        <p:sp>
+          <p:nvSpPr>
+            <p:cNvPr id="29" name="Textfeld 28"/>
+            <p:cNvSpPr txBox="1"/>
+            <p:nvPr/>
+          </p:nvSpPr>
+          <p:spPr>
+            <a:xfrm>
+              <a:off x="6137167" y="1950474"/>
+              <a:ext cx="2160000" cy="792000"/>
+            </a:xfrm>
+            <a:prstGeom prst="rect">
+              <a:avLst/>
+            </a:prstGeom>
+            <a:solidFill>
+              <a:schemeClr val="accent6">
+                <a:lumMod val="20000"/>
+                <a:lumOff val="80000"/>
+              </a:schemeClr>
+            </a:solidFill>
+            <a:ln w="38100">
+              <a:solidFill>
+                <a:schemeClr val="accent6"/>
+              </a:solidFill>
+            </a:ln>
+          </p:spPr>
+          <p:style>
+            <a:lnRef idx="2">
+              <a:schemeClr val="accent1"/>
+            </a:lnRef>
+            <a:fillRef idx="1">
+              <a:schemeClr val="lt1"/>
+            </a:fillRef>
+            <a:effectRef idx="0">
+              <a:schemeClr val="accent1"/>
+            </a:effectRef>
+            <a:fontRef idx="minor">
+              <a:schemeClr val="dk1"/>
+            </a:fontRef>
+          </p:style>
+          <p:txBody>
+            <a:bodyPr rot="0" spcFirstLastPara="0" vert="horz" wrap="square" lIns="91440" tIns="45720" rIns="91440" bIns="45720" numCol="1" spcCol="0" rtlCol="0" fromWordArt="0" anchor="ctr" anchorCtr="0" forceAA="0" compatLnSpc="1">
+              <a:prstTxWarp prst="textNoShape">
+                <a:avLst/>
+              </a:prstTxWarp>
+              <a:noAutofit/>
+            </a:bodyPr>
+            <a:lstStyle/>
+            <a:p>
+              <a:pPr algn="ctr">
+                <a:spcAft>
+                  <a:spcPts val="600"/>
+                </a:spcAft>
+              </a:pPr>
+              <a:r>
+                <a:rPr lang="en-US" sz="2000" kern="1200" dirty="0">
+                  <a:solidFill>
+                    <a:srgbClr val="000000"/>
+                  </a:solidFill>
+                  <a:effectLst/>
+                  <a:ea typeface="Arial Unicode MS"/>
+                  <a:cs typeface="Arial" panose="020B0604020202020204" pitchFamily="34" charset="0"/>
+                </a:rPr>
+                <a:t>import from </a:t>
+              </a:r>
+              <a:r>
+                <a:rPr lang="en-US" sz="2000" kern="1200" dirty="0" smtClean="0">
+                  <a:solidFill>
+                    <a:srgbClr val="000000"/>
+                  </a:solidFill>
+                  <a:effectLst/>
+                  <a:ea typeface="Arial Unicode MS"/>
+                  <a:cs typeface="Arial" panose="020B0604020202020204" pitchFamily="34" charset="0"/>
+                </a:rPr>
+                <a:t>GRADE server</a:t>
+              </a:r>
+              <a:endParaRPr lang="de-DE" sz="2000" dirty="0">
                 <a:effectLst/>
-                <a:ea typeface="Arial Unicode MS"/>
+                <a:ea typeface="Times New Roman"/>
                 <a:cs typeface="Arial" panose="020B0604020202020204" pitchFamily="34" charset="0"/>
-              </a:rPr>
-              <a:t>SHELXL res file </a:t>
-            </a:r>
-            <a:r>
-              <a:rPr lang="en-US" sz="2000" kern="1200" dirty="0">
-                <a:solidFill>
-                  <a:srgbClr val="000000"/>
-                </a:solidFill>
+              </a:endParaRPr>
+            </a:p>
+          </p:txBody>
+        </p:sp>
+        <p:sp>
+          <p:nvSpPr>
+            <p:cNvPr id="30" name="Textfeld 28"/>
+            <p:cNvSpPr txBox="1"/>
+            <p:nvPr/>
+          </p:nvSpPr>
+          <p:spPr>
+            <a:xfrm>
+              <a:off x="6137167" y="836888"/>
+              <a:ext cx="2160000" cy="792000"/>
+            </a:xfrm>
+            <a:prstGeom prst="rect">
+              <a:avLst/>
+            </a:prstGeom>
+            <a:solidFill>
+              <a:schemeClr val="accent6">
+                <a:lumMod val="20000"/>
+                <a:lumOff val="80000"/>
+              </a:schemeClr>
+            </a:solidFill>
+            <a:ln w="38100">
+              <a:solidFill>
+                <a:schemeClr val="accent6"/>
+              </a:solidFill>
+            </a:ln>
+          </p:spPr>
+          <p:style>
+            <a:lnRef idx="2">
+              <a:schemeClr val="accent1"/>
+            </a:lnRef>
+            <a:fillRef idx="1">
+              <a:schemeClr val="lt1"/>
+            </a:fillRef>
+            <a:effectRef idx="0">
+              <a:schemeClr val="accent1"/>
+            </a:effectRef>
+            <a:fontRef idx="minor">
+              <a:schemeClr val="dk1"/>
+            </a:fontRef>
+          </p:style>
+          <p:txBody>
+            <a:bodyPr rot="0" spcFirstLastPara="0" vert="horz" wrap="square" lIns="91440" tIns="45720" rIns="91440" bIns="45720" numCol="1" spcCol="0" rtlCol="0" fromWordArt="0" anchor="ctr" anchorCtr="0" forceAA="0" compatLnSpc="1">
+              <a:prstTxWarp prst="textNoShape">
+                <a:avLst/>
+              </a:prstTxWarp>
+              <a:noAutofit/>
+            </a:bodyPr>
+            <a:lstStyle/>
+            <a:p>
+              <a:pPr>
+                <a:spcAft>
+                  <a:spcPts val="600"/>
+                </a:spcAft>
+              </a:pPr>
+              <a:r>
+                <a:rPr lang="en-US" sz="2000" kern="1200" dirty="0">
+                  <a:solidFill>
+                    <a:srgbClr val="000000"/>
+                  </a:solidFill>
+                  <a:effectLst/>
+                  <a:ea typeface="Arial Unicode MS"/>
+                  <a:cs typeface="Arial" panose="020B0604020202020204" pitchFamily="34" charset="0"/>
+                </a:rPr>
+                <a:t>Export to </a:t>
+              </a:r>
+              <a:r>
+                <a:rPr lang="en-US" sz="2000" kern="1200" dirty="0" smtClean="0">
+                  <a:solidFill>
+                    <a:srgbClr val="000000"/>
+                  </a:solidFill>
+                  <a:effectLst/>
+                  <a:ea typeface="Arial Unicode MS"/>
+                  <a:cs typeface="Arial" panose="020B0604020202020204" pitchFamily="34" charset="0"/>
+                </a:rPr>
+                <a:t>res, eps, </a:t>
+              </a:r>
+              <a:r>
+                <a:rPr lang="en-US" sz="2000" kern="1200" dirty="0" err="1" smtClean="0">
+                  <a:solidFill>
+                    <a:srgbClr val="000000"/>
+                  </a:solidFill>
+                  <a:effectLst/>
+                  <a:ea typeface="Arial Unicode MS"/>
+                  <a:cs typeface="Arial" panose="020B0604020202020204" pitchFamily="34" charset="0"/>
+                </a:rPr>
+                <a:t>png</a:t>
+              </a:r>
+              <a:r>
+                <a:rPr lang="en-US" sz="2000" kern="1200" dirty="0" smtClean="0">
+                  <a:solidFill>
+                    <a:srgbClr val="000000"/>
+                  </a:solidFill>
+                  <a:effectLst/>
+                  <a:ea typeface="Arial Unicode MS"/>
+                  <a:cs typeface="Arial" panose="020B0604020202020204" pitchFamily="34" charset="0"/>
+                </a:rPr>
+                <a:t> </a:t>
+              </a:r>
+              <a:r>
+                <a:rPr lang="en-US" sz="2000" kern="1200" dirty="0">
+                  <a:solidFill>
+                    <a:srgbClr val="000000"/>
+                  </a:solidFill>
+                  <a:effectLst/>
+                  <a:ea typeface="Arial Unicode MS"/>
+                  <a:cs typeface="Arial" panose="020B0604020202020204" pitchFamily="34" charset="0"/>
+                </a:rPr>
+                <a:t>and </a:t>
+              </a:r>
+              <a:r>
+                <a:rPr lang="en-US" sz="2000" kern="1200" dirty="0" smtClean="0">
+                  <a:solidFill>
+                    <a:srgbClr val="000000"/>
+                  </a:solidFill>
+                  <a:effectLst/>
+                  <a:ea typeface="Arial Unicode MS"/>
+                  <a:cs typeface="Arial" panose="020B0604020202020204" pitchFamily="34" charset="0"/>
+                </a:rPr>
+                <a:t>clip board</a:t>
+              </a:r>
+              <a:endParaRPr lang="de-DE" sz="2000" dirty="0">
                 <a:effectLst/>
-                <a:ea typeface="Arial Unicode MS"/>
+                <a:ea typeface="Times New Roman"/>
                 <a:cs typeface="Arial" panose="020B0604020202020204" pitchFamily="34" charset="0"/>
-              </a:rPr>
-              <a:t>with </a:t>
-            </a:r>
-            <a:r>
-              <a:rPr lang="en-US" sz="2000" kern="1200" dirty="0" smtClean="0">
-                <a:solidFill>
-                  <a:srgbClr val="000000"/>
-                </a:solidFill>
+              </a:endParaRPr>
+            </a:p>
+          </p:txBody>
+        </p:sp>
+        <p:sp>
+          <p:nvSpPr>
+            <p:cNvPr id="36" name="Textfeld 35"/>
+            <p:cNvSpPr txBox="1"/>
+            <p:nvPr/>
+          </p:nvSpPr>
+          <p:spPr>
+            <a:xfrm>
+              <a:off x="6137167" y="2997040"/>
+              <a:ext cx="2160000" cy="792000"/>
+            </a:xfrm>
+            <a:prstGeom prst="rect">
+              <a:avLst/>
+            </a:prstGeom>
+            <a:solidFill>
+              <a:schemeClr val="accent6">
+                <a:lumMod val="20000"/>
+                <a:lumOff val="80000"/>
+              </a:schemeClr>
+            </a:solidFill>
+            <a:ln w="38100">
+              <a:solidFill>
+                <a:schemeClr val="accent6"/>
+              </a:solidFill>
+            </a:ln>
+          </p:spPr>
+          <p:style>
+            <a:lnRef idx="2">
+              <a:schemeClr val="accent1"/>
+            </a:lnRef>
+            <a:fillRef idx="1">
+              <a:schemeClr val="lt1"/>
+            </a:fillRef>
+            <a:effectRef idx="0">
+              <a:schemeClr val="accent1"/>
+            </a:effectRef>
+            <a:fontRef idx="minor">
+              <a:schemeClr val="dk1"/>
+            </a:fontRef>
+          </p:style>
+          <p:txBody>
+            <a:bodyPr rot="0" spcFirstLastPara="0" vert="horz" wrap="square" lIns="91440" tIns="45720" rIns="91440" bIns="45720" numCol="1" spcCol="0" rtlCol="0" fromWordArt="0" anchor="ctr" anchorCtr="0" forceAA="0" compatLnSpc="1">
+              <a:prstTxWarp prst="textNoShape">
+                <a:avLst/>
+              </a:prstTxWarp>
+              <a:noAutofit/>
+            </a:bodyPr>
+            <a:lstStyle/>
+            <a:p>
+              <a:pPr algn="ctr">
+                <a:spcAft>
+                  <a:spcPts val="600"/>
+                </a:spcAft>
+              </a:pPr>
+              <a:r>
+                <a:rPr lang="en-US" sz="2000" kern="1200" dirty="0" smtClean="0">
+                  <a:solidFill>
+                    <a:srgbClr val="000000"/>
+                  </a:solidFill>
+                  <a:effectLst/>
+                  <a:ea typeface="Arial Unicode MS"/>
+                  <a:cs typeface="Arial" panose="020B0604020202020204" pitchFamily="34" charset="0"/>
+                </a:rPr>
+                <a:t>insert fragment manually</a:t>
+              </a:r>
+              <a:endParaRPr lang="de-DE" sz="2000" dirty="0">
                 <a:effectLst/>
-                <a:ea typeface="Arial Unicode MS"/>
+                <a:ea typeface="Times New Roman"/>
                 <a:cs typeface="Arial" panose="020B0604020202020204" pitchFamily="34" charset="0"/>
-              </a:rPr>
-              <a:t/>
-            </a:r>
-            <a:br>
-              <a:rPr lang="en-US" sz="2000" kern="1200" dirty="0" smtClean="0">
-                <a:solidFill>
-                  <a:srgbClr val="000000"/>
-                </a:solidFill>
-                <a:effectLst/>
-                <a:ea typeface="Arial Unicode MS"/>
-                <a:cs typeface="Arial" panose="020B0604020202020204" pitchFamily="34" charset="0"/>
-              </a:rPr>
-            </a:br>
-            <a:r>
-              <a:rPr lang="en-US" sz="2000" b="1" kern="1200" dirty="0" smtClean="0">
-                <a:solidFill>
-                  <a:srgbClr val="000000"/>
-                </a:solidFill>
-                <a:effectLst/>
-                <a:ea typeface="Arial Unicode MS"/>
-                <a:cs typeface="Arial" panose="020B0604020202020204" pitchFamily="34" charset="0"/>
-              </a:rPr>
-              <a:t>fragment</a:t>
-            </a:r>
-            <a:r>
-              <a:rPr lang="en-US" sz="2000" kern="1200" dirty="0" smtClean="0">
-                <a:solidFill>
-                  <a:srgbClr val="000000"/>
-                </a:solidFill>
-                <a:effectLst/>
-                <a:ea typeface="Arial Unicode MS"/>
-                <a:cs typeface="Arial" panose="020B0604020202020204" pitchFamily="34" charset="0"/>
-              </a:rPr>
-              <a:t> </a:t>
-            </a:r>
-            <a:r>
-              <a:rPr lang="en-US" sz="2000" kern="1200" dirty="0">
-                <a:solidFill>
-                  <a:srgbClr val="000000"/>
-                </a:solidFill>
-                <a:effectLst/>
-                <a:ea typeface="Arial Unicode MS"/>
-                <a:cs typeface="Arial" panose="020B0604020202020204" pitchFamily="34" charset="0"/>
-              </a:rPr>
-              <a:t>and </a:t>
-            </a:r>
-            <a:r>
-              <a:rPr lang="en-US" sz="2000" b="1" kern="1200" dirty="0">
-                <a:solidFill>
-                  <a:srgbClr val="000000"/>
-                </a:solidFill>
-                <a:effectLst/>
-                <a:ea typeface="Arial Unicode MS"/>
-                <a:cs typeface="Arial" panose="020B0604020202020204" pitchFamily="34" charset="0"/>
-              </a:rPr>
-              <a:t>restraints</a:t>
-            </a:r>
-            <a:endParaRPr lang="de-DE" sz="2000" b="1" dirty="0">
-              <a:effectLst/>
-              <a:ea typeface="Times New Roman"/>
-              <a:cs typeface="Arial" panose="020B0604020202020204" pitchFamily="34" charset="0"/>
-            </a:endParaRPr>
-          </a:p>
-        </p:txBody>
-      </p:sp>
-      <p:sp>
-        <p:nvSpPr>
-          <p:cNvPr id="13" name="Textfeld 16"/>
-          <p:cNvSpPr txBox="1"/>
-          <p:nvPr/>
-        </p:nvSpPr>
-        <p:spPr>
-          <a:xfrm>
-            <a:off x="278442" y="3212976"/>
-            <a:ext cx="2268000" cy="792000"/>
-          </a:xfrm>
-          <a:prstGeom prst="rect">
-            <a:avLst/>
-          </a:prstGeom>
-          <a:noFill/>
-          <a:ln w="38100"/>
-        </p:spPr>
-        <p:style>
-          <a:lnRef idx="2">
-            <a:schemeClr val="accent1"/>
-          </a:lnRef>
-          <a:fillRef idx="1">
-            <a:schemeClr val="lt1"/>
-          </a:fillRef>
-          <a:effectRef idx="0">
-            <a:schemeClr val="accent1"/>
-          </a:effectRef>
-          <a:fontRef idx="minor">
-            <a:schemeClr val="dk1"/>
-          </a:fontRef>
-        </p:style>
-        <p:txBody>
-          <a:bodyPr rot="0" spcFirstLastPara="0" vert="horz" wrap="square" lIns="91440" tIns="45720" rIns="91440" bIns="45720" numCol="1" spcCol="0" rtlCol="0" fromWordArt="0" anchor="ctr" anchorCtr="0" forceAA="0" compatLnSpc="1">
-            <a:prstTxWarp prst="textNoShape">
+              </a:endParaRPr>
+            </a:p>
+          </p:txBody>
+        </p:sp>
+        <p:graphicFrame>
+          <p:nvGraphicFramePr>
+            <p:cNvPr id="2" name="Objekt 1"/>
+            <p:cNvGraphicFramePr>
+              <a:graphicFrameLocks noChangeAspect="1"/>
+            </p:cNvGraphicFramePr>
+            <p:nvPr>
+              <p:extLst>
+                <p:ext uri="{D42A27DB-BD31-4B8C-83A1-F6EECF244321}">
+                  <p14:modId xmlns:p14="http://schemas.microsoft.com/office/powerpoint/2010/main" val="1568571020"/>
+                </p:ext>
+              </p:extLst>
+            </p:nvPr>
+          </p:nvGraphicFramePr>
+          <p:xfrm>
+            <a:off x="3472725" y="2128703"/>
+            <a:ext cx="804863" cy="638175"/>
+          </p:xfrm>
+          <a:graphic>
+            <a:graphicData uri="http://schemas.openxmlformats.org/presentationml/2006/ole">
+              <mc:AlternateContent xmlns:mc="http://schemas.openxmlformats.org/markup-compatibility/2006">
+                <mc:Choice xmlns:v="urn:schemas-microsoft-com:vml" Requires="v">
+                  <p:oleObj spid="_x0000_s1044" name="CS ChemDraw Drawing" r:id="rId3" imgW="804534" imgH="637932" progId="ChemDraw.Document.6.0">
+                    <p:embed/>
+                  </p:oleObj>
+                </mc:Choice>
+                <mc:Fallback>
+                  <p:oleObj name="CS ChemDraw Drawing" r:id="rId3" imgW="804534" imgH="637932" progId="ChemDraw.Document.6.0">
+                    <p:embed/>
+                    <p:pic>
+                      <p:nvPicPr>
+                        <p:cNvPr id="0" name=""/>
+                        <p:cNvPicPr/>
+                        <p:nvPr/>
+                      </p:nvPicPr>
+                      <p:blipFill>
+                        <a:blip r:embed="rId4"/>
+                        <a:stretch>
+                          <a:fillRect/>
+                        </a:stretch>
+                      </p:blipFill>
+                      <p:spPr>
+                        <a:xfrm>
+                          <a:off x="3472725" y="2128703"/>
+                          <a:ext cx="804863" cy="638175"/>
+                        </a:xfrm>
+                        <a:prstGeom prst="rect">
+                          <a:avLst/>
+                        </a:prstGeom>
+                      </p:spPr>
+                    </p:pic>
+                  </p:oleObj>
+                </mc:Fallback>
+              </mc:AlternateContent>
+            </a:graphicData>
+          </a:graphic>
+        </p:graphicFrame>
+        <p:graphicFrame>
+          <p:nvGraphicFramePr>
+            <p:cNvPr id="3" name="Objekt 2"/>
+            <p:cNvGraphicFramePr>
+              <a:graphicFrameLocks noChangeAspect="1"/>
+            </p:cNvGraphicFramePr>
+            <p:nvPr>
+              <p:extLst>
+                <p:ext uri="{D42A27DB-BD31-4B8C-83A1-F6EECF244321}">
+                  <p14:modId xmlns:p14="http://schemas.microsoft.com/office/powerpoint/2010/main" val="1996413664"/>
+                </p:ext>
+              </p:extLst>
+            </p:nvPr>
+          </p:nvGraphicFramePr>
+          <p:xfrm>
+            <a:off x="3692517" y="3114657"/>
+            <a:ext cx="1298575" cy="206375"/>
+          </p:xfrm>
+          <a:graphic>
+            <a:graphicData uri="http://schemas.openxmlformats.org/presentationml/2006/ole">
+              <mc:AlternateContent xmlns:mc="http://schemas.openxmlformats.org/markup-compatibility/2006">
+                <mc:Choice xmlns:v="urn:schemas-microsoft-com:vml" Requires="v">
+                  <p:oleObj spid="_x0000_s1045" name="CS ChemDraw Drawing" r:id="rId5" imgW="1298069" imgH="207121" progId="ChemDraw.Document.6.0">
+                    <p:embed/>
+                  </p:oleObj>
+                </mc:Choice>
+                <mc:Fallback>
+                  <p:oleObj name="CS ChemDraw Drawing" r:id="rId5" imgW="1298069" imgH="207121" progId="ChemDraw.Document.6.0">
+                    <p:embed/>
+                    <p:pic>
+                      <p:nvPicPr>
+                        <p:cNvPr id="0" name=""/>
+                        <p:cNvPicPr/>
+                        <p:nvPr/>
+                      </p:nvPicPr>
+                      <p:blipFill>
+                        <a:blip r:embed="rId6"/>
+                        <a:stretch>
+                          <a:fillRect/>
+                        </a:stretch>
+                      </p:blipFill>
+                      <p:spPr>
+                        <a:xfrm>
+                          <a:off x="3692517" y="3114657"/>
+                          <a:ext cx="1298575" cy="206375"/>
+                        </a:xfrm>
+                        <a:prstGeom prst="rect">
+                          <a:avLst/>
+                        </a:prstGeom>
+                      </p:spPr>
+                    </p:pic>
+                  </p:oleObj>
+                </mc:Fallback>
+              </mc:AlternateContent>
+            </a:graphicData>
+          </a:graphic>
+        </p:graphicFrame>
+        <p:graphicFrame>
+          <p:nvGraphicFramePr>
+            <p:cNvPr id="7" name="Objekt 6"/>
+            <p:cNvGraphicFramePr>
+              <a:graphicFrameLocks noChangeAspect="1"/>
+            </p:cNvGraphicFramePr>
+            <p:nvPr>
+              <p:extLst>
+                <p:ext uri="{D42A27DB-BD31-4B8C-83A1-F6EECF244321}">
+                  <p14:modId xmlns:p14="http://schemas.microsoft.com/office/powerpoint/2010/main" val="515164607"/>
+                </p:ext>
+              </p:extLst>
+            </p:nvPr>
+          </p:nvGraphicFramePr>
+          <p:xfrm>
+            <a:off x="4668473" y="2107937"/>
+            <a:ext cx="508000" cy="577850"/>
+          </p:xfrm>
+          <a:graphic>
+            <a:graphicData uri="http://schemas.openxmlformats.org/presentationml/2006/ole">
+              <mc:AlternateContent xmlns:mc="http://schemas.openxmlformats.org/markup-compatibility/2006">
+                <mc:Choice xmlns:v="urn:schemas-microsoft-com:vml" Requires="v">
+                  <p:oleObj spid="_x0000_s1046" name="CS ChemDraw Drawing" r:id="rId7" imgW="507311" imgH="577177" progId="ChemDraw.Document.6.0">
+                    <p:embed/>
+                  </p:oleObj>
+                </mc:Choice>
+                <mc:Fallback>
+                  <p:oleObj name="CS ChemDraw Drawing" r:id="rId7" imgW="507311" imgH="577177" progId="ChemDraw.Document.6.0">
+                    <p:embed/>
+                    <p:pic>
+                      <p:nvPicPr>
+                        <p:cNvPr id="0" name=""/>
+                        <p:cNvPicPr/>
+                        <p:nvPr/>
+                      </p:nvPicPr>
+                      <p:blipFill>
+                        <a:blip r:embed="rId8"/>
+                        <a:stretch>
+                          <a:fillRect/>
+                        </a:stretch>
+                      </p:blipFill>
+                      <p:spPr>
+                        <a:xfrm>
+                          <a:off x="4668473" y="2107937"/>
+                          <a:ext cx="508000" cy="577850"/>
+                        </a:xfrm>
+                        <a:prstGeom prst="rect">
+                          <a:avLst/>
+                        </a:prstGeom>
+                      </p:spPr>
+                    </p:pic>
+                  </p:oleObj>
+                </mc:Fallback>
+              </mc:AlternateContent>
+            </a:graphicData>
+          </a:graphic>
+        </p:graphicFrame>
+        <p:sp>
+          <p:nvSpPr>
+            <p:cNvPr id="8" name="Textfeld 7"/>
+            <p:cNvSpPr txBox="1"/>
+            <p:nvPr/>
+          </p:nvSpPr>
+          <p:spPr>
+            <a:xfrm>
+              <a:off x="3846624" y="2665234"/>
+              <a:ext cx="1235018" cy="369332"/>
+            </a:xfrm>
+            <a:prstGeom prst="rect">
               <a:avLst/>
-            </a:prstTxWarp>
-            <a:noAutofit/>
-          </a:bodyPr>
-          <a:lstStyle/>
-          <a:p>
-            <a:pPr algn="ctr">
-              <a:spcAft>
-                <a:spcPts val="600"/>
-              </a:spcAft>
-            </a:pPr>
-            <a:r>
-              <a:rPr lang="en-US" sz="2000" kern="1200" dirty="0" smtClean="0">
-                <a:solidFill>
-                  <a:srgbClr val="000000"/>
-                </a:solidFill>
-                <a:effectLst/>
-                <a:ea typeface="Arial Unicode MS"/>
-                <a:cs typeface="Arial" panose="020B0604020202020204" pitchFamily="34" charset="0"/>
-              </a:rPr>
-              <a:t>apply </a:t>
-            </a:r>
-            <a:r>
-              <a:rPr lang="en-US" sz="2000" kern="1200" dirty="0">
-                <a:solidFill>
-                  <a:srgbClr val="000000"/>
-                </a:solidFill>
-                <a:effectLst/>
-                <a:ea typeface="Arial Unicode MS"/>
-                <a:cs typeface="Arial" panose="020B0604020202020204" pitchFamily="34" charset="0"/>
-              </a:rPr>
-              <a:t>new </a:t>
-            </a:r>
-            <a:r>
-              <a:rPr lang="en-US" sz="2000" kern="1200" dirty="0" smtClean="0">
-                <a:solidFill>
-                  <a:srgbClr val="000000"/>
-                </a:solidFill>
-                <a:effectLst/>
-                <a:ea typeface="Arial Unicode MS"/>
-                <a:cs typeface="Arial" panose="020B0604020202020204" pitchFamily="34" charset="0"/>
-              </a:rPr>
-              <a:t>naming scheme</a:t>
-            </a:r>
-            <a:endParaRPr lang="de-DE" sz="2000" dirty="0">
-              <a:effectLst/>
-              <a:ea typeface="Times New Roman"/>
-              <a:cs typeface="Arial" panose="020B0604020202020204" pitchFamily="34" charset="0"/>
-            </a:endParaRPr>
-          </a:p>
-        </p:txBody>
-      </p:sp>
-      <p:sp>
-        <p:nvSpPr>
-          <p:cNvPr id="23" name="Textfeld 27"/>
-          <p:cNvSpPr txBox="1"/>
-          <p:nvPr/>
-        </p:nvSpPr>
-        <p:spPr>
-          <a:xfrm>
-            <a:off x="278442" y="4869160"/>
-            <a:ext cx="2268000" cy="792000"/>
-          </a:xfrm>
-          <a:prstGeom prst="rect">
-            <a:avLst/>
-          </a:prstGeom>
-          <a:noFill/>
-          <a:ln w="38100"/>
-        </p:spPr>
-        <p:style>
-          <a:lnRef idx="2">
-            <a:schemeClr val="accent1"/>
-          </a:lnRef>
-          <a:fillRef idx="1">
-            <a:schemeClr val="lt1"/>
-          </a:fillRef>
-          <a:effectRef idx="0">
-            <a:schemeClr val="accent1"/>
-          </a:effectRef>
-          <a:fontRef idx="minor">
-            <a:schemeClr val="dk1"/>
-          </a:fontRef>
-        </p:style>
-        <p:txBody>
-          <a:bodyPr rot="0" spcFirstLastPara="0" vert="horz" wrap="square" lIns="91440" tIns="45720" rIns="91440" bIns="45720" numCol="1" spcCol="0" rtlCol="0" fromWordArt="0" anchor="ctr" anchorCtr="0" forceAA="0" compatLnSpc="1">
-            <a:prstTxWarp prst="textNoShape">
-              <a:avLst/>
-            </a:prstTxWarp>
-            <a:noAutofit/>
-          </a:bodyPr>
-          <a:lstStyle/>
-          <a:p>
-            <a:pPr algn="ctr">
-              <a:spcAft>
-                <a:spcPts val="600"/>
-              </a:spcAft>
-            </a:pPr>
-            <a:r>
-              <a:rPr lang="en-US" sz="2000" dirty="0" smtClean="0">
-                <a:solidFill>
-                  <a:srgbClr val="000000"/>
-                </a:solidFill>
-                <a:ea typeface="Arial Unicode MS"/>
-                <a:cs typeface="Arial" panose="020B0604020202020204" pitchFamily="34" charset="0"/>
-              </a:rPr>
-              <a:t>transfer fragment to structure</a:t>
-            </a:r>
-            <a:endParaRPr lang="de-DE" sz="2000" dirty="0">
-              <a:ea typeface="Times New Roman"/>
-              <a:cs typeface="Arial" panose="020B0604020202020204" pitchFamily="34" charset="0"/>
-            </a:endParaRPr>
-          </a:p>
-        </p:txBody>
-      </p:sp>
-      <p:cxnSp>
-        <p:nvCxnSpPr>
-          <p:cNvPr id="24" name="Gerade Verbindung mit Pfeil 23"/>
-          <p:cNvCxnSpPr>
-            <a:stCxn id="23" idx="3"/>
-            <a:endCxn id="12" idx="1"/>
-          </p:cNvCxnSpPr>
-          <p:nvPr/>
-        </p:nvCxnSpPr>
-        <p:spPr>
-          <a:xfrm>
-            <a:off x="2546442" y="5265160"/>
-            <a:ext cx="1558411" cy="0"/>
-          </a:xfrm>
-          <a:prstGeom prst="straightConnector1">
-            <a:avLst/>
-          </a:prstGeom>
-          <a:ln w="38100">
-            <a:tailEnd type="arrow"/>
-          </a:ln>
-        </p:spPr>
-        <p:style>
-          <a:lnRef idx="1">
-            <a:schemeClr val="accent1"/>
-          </a:lnRef>
-          <a:fillRef idx="0">
-            <a:schemeClr val="accent1"/>
-          </a:fillRef>
-          <a:effectRef idx="0">
-            <a:schemeClr val="accent1"/>
-          </a:effectRef>
-          <a:fontRef idx="minor">
-            <a:schemeClr val="tx1"/>
-          </a:fontRef>
-        </p:style>
-      </p:cxnSp>
-      <p:cxnSp>
-        <p:nvCxnSpPr>
-          <p:cNvPr id="25" name="Gerade Verbindung mit Pfeil 24"/>
-          <p:cNvCxnSpPr>
-            <a:stCxn id="13" idx="2"/>
-            <a:endCxn id="23" idx="0"/>
-          </p:cNvCxnSpPr>
-          <p:nvPr/>
-        </p:nvCxnSpPr>
-        <p:spPr>
-          <a:xfrm>
-            <a:off x="1412442" y="4004976"/>
-            <a:ext cx="0" cy="864184"/>
-          </a:xfrm>
-          <a:prstGeom prst="straightConnector1">
-            <a:avLst/>
-          </a:prstGeom>
-          <a:ln w="38100">
-            <a:tailEnd type="arrow"/>
-          </a:ln>
-        </p:spPr>
-        <p:style>
-          <a:lnRef idx="1">
-            <a:schemeClr val="accent1"/>
-          </a:lnRef>
-          <a:fillRef idx="0">
-            <a:schemeClr val="accent1"/>
-          </a:fillRef>
-          <a:effectRef idx="0">
-            <a:schemeClr val="accent1"/>
-          </a:effectRef>
-          <a:fontRef idx="minor">
-            <a:schemeClr val="tx1"/>
-          </a:fontRef>
-        </p:style>
-      </p:cxnSp>
-      <p:sp>
-        <p:nvSpPr>
-          <p:cNvPr id="29" name="Textfeld 28"/>
-          <p:cNvSpPr txBox="1"/>
-          <p:nvPr/>
-        </p:nvSpPr>
-        <p:spPr>
-          <a:xfrm>
-            <a:off x="6137167" y="2238418"/>
-            <a:ext cx="2160000" cy="792000"/>
-          </a:xfrm>
-          <a:prstGeom prst="rect">
-            <a:avLst/>
-          </a:prstGeom>
-          <a:noFill/>
-          <a:ln w="38100">
-            <a:solidFill>
-              <a:schemeClr val="accent6"/>
-            </a:solidFill>
-          </a:ln>
-        </p:spPr>
-        <p:style>
-          <a:lnRef idx="2">
-            <a:schemeClr val="accent1"/>
-          </a:lnRef>
-          <a:fillRef idx="1">
-            <a:schemeClr val="lt1"/>
-          </a:fillRef>
-          <a:effectRef idx="0">
-            <a:schemeClr val="accent1"/>
-          </a:effectRef>
-          <a:fontRef idx="minor">
-            <a:schemeClr val="dk1"/>
-          </a:fontRef>
-        </p:style>
-        <p:txBody>
-          <a:bodyPr rot="0" spcFirstLastPara="0" vert="horz" wrap="square" lIns="91440" tIns="45720" rIns="91440" bIns="45720" numCol="1" spcCol="0" rtlCol="0" fromWordArt="0" anchor="ctr" anchorCtr="0" forceAA="0" compatLnSpc="1">
-            <a:prstTxWarp prst="textNoShape">
-              <a:avLst/>
-            </a:prstTxWarp>
-            <a:noAutofit/>
-          </a:bodyPr>
-          <a:lstStyle/>
-          <a:p>
-            <a:pPr algn="ctr">
-              <a:spcAft>
-                <a:spcPts val="600"/>
-              </a:spcAft>
-            </a:pPr>
-            <a:r>
-              <a:rPr lang="en-US" sz="2000" kern="1200" dirty="0">
-                <a:solidFill>
-                  <a:srgbClr val="000000"/>
-                </a:solidFill>
-                <a:effectLst/>
-                <a:ea typeface="Arial Unicode MS"/>
-                <a:cs typeface="Arial" panose="020B0604020202020204" pitchFamily="34" charset="0"/>
-              </a:rPr>
-              <a:t>import from </a:t>
-            </a:r>
-            <a:r>
-              <a:rPr lang="en-US" sz="2000" kern="1200" dirty="0" smtClean="0">
-                <a:solidFill>
-                  <a:srgbClr val="000000"/>
-                </a:solidFill>
-                <a:effectLst/>
-                <a:ea typeface="Arial Unicode MS"/>
-                <a:cs typeface="Arial" panose="020B0604020202020204" pitchFamily="34" charset="0"/>
-              </a:rPr>
-              <a:t>GRADE </a:t>
-            </a:r>
-            <a:r>
-              <a:rPr lang="en-US" sz="2000" kern="1200" dirty="0" smtClean="0">
-                <a:solidFill>
-                  <a:srgbClr val="000000"/>
-                </a:solidFill>
-                <a:effectLst/>
-                <a:ea typeface="Arial Unicode MS"/>
-                <a:cs typeface="Arial" panose="020B0604020202020204" pitchFamily="34" charset="0"/>
-              </a:rPr>
-              <a:t>server</a:t>
-            </a:r>
-            <a:endParaRPr lang="de-DE" sz="2000" dirty="0">
-              <a:effectLst/>
-              <a:ea typeface="Times New Roman"/>
-              <a:cs typeface="Arial" panose="020B0604020202020204" pitchFamily="34" charset="0"/>
-            </a:endParaRPr>
-          </a:p>
-        </p:txBody>
-      </p:sp>
-      <p:sp>
-        <p:nvSpPr>
-          <p:cNvPr id="30" name="Textfeld 28"/>
-          <p:cNvSpPr txBox="1"/>
-          <p:nvPr/>
-        </p:nvSpPr>
-        <p:spPr>
-          <a:xfrm>
-            <a:off x="6137167" y="1124832"/>
-            <a:ext cx="2160000" cy="792000"/>
-          </a:xfrm>
-          <a:prstGeom prst="rect">
-            <a:avLst/>
-          </a:prstGeom>
-          <a:noFill/>
-          <a:ln w="38100">
-            <a:solidFill>
-              <a:schemeClr val="accent6"/>
-            </a:solidFill>
-          </a:ln>
-        </p:spPr>
-        <p:style>
-          <a:lnRef idx="2">
-            <a:schemeClr val="accent1"/>
-          </a:lnRef>
-          <a:fillRef idx="1">
-            <a:schemeClr val="lt1"/>
-          </a:fillRef>
-          <a:effectRef idx="0">
-            <a:schemeClr val="accent1"/>
-          </a:effectRef>
-          <a:fontRef idx="minor">
-            <a:schemeClr val="dk1"/>
-          </a:fontRef>
-        </p:style>
-        <p:txBody>
-          <a:bodyPr rot="0" spcFirstLastPara="0" vert="horz" wrap="square" lIns="91440" tIns="45720" rIns="91440" bIns="45720" numCol="1" spcCol="0" rtlCol="0" fromWordArt="0" anchor="ctr" anchorCtr="0" forceAA="0" compatLnSpc="1">
-            <a:prstTxWarp prst="textNoShape">
-              <a:avLst/>
-            </a:prstTxWarp>
-            <a:noAutofit/>
-          </a:bodyPr>
-          <a:lstStyle/>
-          <a:p>
-            <a:pPr>
-              <a:spcAft>
-                <a:spcPts val="600"/>
-              </a:spcAft>
-            </a:pPr>
-            <a:r>
-              <a:rPr lang="en-US" sz="2000" kern="1200" dirty="0">
-                <a:solidFill>
-                  <a:srgbClr val="000000"/>
-                </a:solidFill>
-                <a:effectLst/>
-                <a:ea typeface="Arial Unicode MS"/>
-                <a:cs typeface="Arial" panose="020B0604020202020204" pitchFamily="34" charset="0"/>
-              </a:rPr>
-              <a:t>Export to </a:t>
-            </a:r>
-            <a:r>
-              <a:rPr lang="en-US" sz="2000" kern="1200" dirty="0" smtClean="0">
-                <a:solidFill>
-                  <a:srgbClr val="000000"/>
-                </a:solidFill>
-                <a:effectLst/>
-                <a:ea typeface="Arial Unicode MS"/>
-                <a:cs typeface="Arial" panose="020B0604020202020204" pitchFamily="34" charset="0"/>
-              </a:rPr>
-              <a:t>res</a:t>
-            </a:r>
-            <a:r>
-              <a:rPr lang="en-US" sz="2000" kern="1200" dirty="0" smtClean="0">
-                <a:solidFill>
-                  <a:srgbClr val="000000"/>
-                </a:solidFill>
-                <a:effectLst/>
-                <a:ea typeface="Arial Unicode MS"/>
-                <a:cs typeface="Arial" panose="020B0604020202020204" pitchFamily="34" charset="0"/>
-              </a:rPr>
-              <a:t>, eps, </a:t>
-            </a:r>
-            <a:r>
-              <a:rPr lang="en-US" sz="2000" kern="1200" dirty="0" err="1" smtClean="0">
-                <a:solidFill>
-                  <a:srgbClr val="000000"/>
-                </a:solidFill>
-                <a:effectLst/>
-                <a:ea typeface="Arial Unicode MS"/>
-                <a:cs typeface="Arial" panose="020B0604020202020204" pitchFamily="34" charset="0"/>
-              </a:rPr>
-              <a:t>png</a:t>
-            </a:r>
-            <a:r>
-              <a:rPr lang="en-US" sz="2000" kern="1200" dirty="0" smtClean="0">
-                <a:solidFill>
-                  <a:srgbClr val="000000"/>
-                </a:solidFill>
-                <a:effectLst/>
-                <a:ea typeface="Arial Unicode MS"/>
-                <a:cs typeface="Arial" panose="020B0604020202020204" pitchFamily="34" charset="0"/>
-              </a:rPr>
-              <a:t> </a:t>
-            </a:r>
-            <a:r>
-              <a:rPr lang="en-US" sz="2000" kern="1200" dirty="0">
-                <a:solidFill>
-                  <a:srgbClr val="000000"/>
-                </a:solidFill>
-                <a:effectLst/>
-                <a:ea typeface="Arial Unicode MS"/>
-                <a:cs typeface="Arial" panose="020B0604020202020204" pitchFamily="34" charset="0"/>
-              </a:rPr>
-              <a:t>and </a:t>
-            </a:r>
-            <a:r>
-              <a:rPr lang="en-US" sz="2000" kern="1200" dirty="0" smtClean="0">
-                <a:solidFill>
-                  <a:srgbClr val="000000"/>
-                </a:solidFill>
-                <a:effectLst/>
-                <a:ea typeface="Arial Unicode MS"/>
-                <a:cs typeface="Arial" panose="020B0604020202020204" pitchFamily="34" charset="0"/>
-              </a:rPr>
-              <a:t>clip board</a:t>
-            </a:r>
-            <a:endParaRPr lang="de-DE" sz="2000" dirty="0">
-              <a:effectLst/>
-              <a:ea typeface="Times New Roman"/>
-              <a:cs typeface="Arial" panose="020B0604020202020204" pitchFamily="34" charset="0"/>
-            </a:endParaRPr>
-          </a:p>
-        </p:txBody>
-      </p:sp>
-      <p:sp>
-        <p:nvSpPr>
-          <p:cNvPr id="36" name="Textfeld 35"/>
-          <p:cNvSpPr txBox="1"/>
-          <p:nvPr/>
-        </p:nvSpPr>
-        <p:spPr>
-          <a:xfrm>
-            <a:off x="6137167" y="3284984"/>
-            <a:ext cx="2160000" cy="792000"/>
-          </a:xfrm>
-          <a:prstGeom prst="rect">
-            <a:avLst/>
-          </a:prstGeom>
-          <a:noFill/>
-          <a:ln w="38100">
-            <a:solidFill>
-              <a:schemeClr val="accent6"/>
-            </a:solidFill>
-          </a:ln>
-        </p:spPr>
-        <p:style>
-          <a:lnRef idx="2">
-            <a:schemeClr val="accent1"/>
-          </a:lnRef>
-          <a:fillRef idx="1">
-            <a:schemeClr val="lt1"/>
-          </a:fillRef>
-          <a:effectRef idx="0">
-            <a:schemeClr val="accent1"/>
-          </a:effectRef>
-          <a:fontRef idx="minor">
-            <a:schemeClr val="dk1"/>
-          </a:fontRef>
-        </p:style>
-        <p:txBody>
-          <a:bodyPr rot="0" spcFirstLastPara="0" vert="horz" wrap="square" lIns="91440" tIns="45720" rIns="91440" bIns="45720" numCol="1" spcCol="0" rtlCol="0" fromWordArt="0" anchor="ctr" anchorCtr="0" forceAA="0" compatLnSpc="1">
-            <a:prstTxWarp prst="textNoShape">
-              <a:avLst/>
-            </a:prstTxWarp>
-            <a:noAutofit/>
-          </a:bodyPr>
-          <a:lstStyle/>
-          <a:p>
-            <a:pPr algn="ctr">
-              <a:spcAft>
-                <a:spcPts val="600"/>
-              </a:spcAft>
-            </a:pPr>
-            <a:r>
-              <a:rPr lang="en-US" sz="2000" kern="1200" dirty="0" smtClean="0">
-                <a:solidFill>
-                  <a:srgbClr val="000000"/>
-                </a:solidFill>
-                <a:effectLst/>
-                <a:ea typeface="Arial Unicode MS"/>
-                <a:cs typeface="Arial" panose="020B0604020202020204" pitchFamily="34" charset="0"/>
-              </a:rPr>
-              <a:t>insert fragment </a:t>
-            </a:r>
-            <a:r>
-              <a:rPr lang="en-US" sz="2000" kern="1200" dirty="0" smtClean="0">
-                <a:solidFill>
-                  <a:srgbClr val="000000"/>
-                </a:solidFill>
-                <a:effectLst/>
-                <a:ea typeface="Arial Unicode MS"/>
-                <a:cs typeface="Arial" panose="020B0604020202020204" pitchFamily="34" charset="0"/>
-              </a:rPr>
-              <a:t>manually</a:t>
-            </a:r>
-            <a:endParaRPr lang="de-DE" sz="2000" dirty="0">
-              <a:effectLst/>
-              <a:ea typeface="Times New Roman"/>
-              <a:cs typeface="Arial" panose="020B0604020202020204" pitchFamily="34" charset="0"/>
-            </a:endParaRPr>
-          </a:p>
-        </p:txBody>
-      </p:sp>
+            </a:prstGeom>
+            <a:noFill/>
+          </p:spPr>
+          <p:txBody>
+            <a:bodyPr wrap="none" rtlCol="0">
+              <a:spAutoFit/>
+            </a:bodyPr>
+            <a:lstStyle/>
+            <a:p>
+              <a:r>
+                <a:rPr lang="de-DE" dirty="0" smtClean="0"/>
+                <a:t>+ </a:t>
+              </a:r>
+              <a:r>
+                <a:rPr lang="de-DE" noProof="1" smtClean="0"/>
+                <a:t>restraints</a:t>
+              </a:r>
+              <a:endParaRPr lang="de-DE" noProof="1"/>
+            </a:p>
+          </p:txBody>
+        </p:sp>
+      </p:grpSp>
     </p:spTree>
     <p:extLst>
       <p:ext uri="{BB962C8B-B14F-4D97-AF65-F5344CB8AC3E}">
